--- a/Documents/SDO - Workspace/FY26_Q2_Board_Presentation.pptx
+++ b/Documents/SDO - Workspace/FY26_Q2_Board_Presentation.pptx
@@ -141,7 +141,7 @@
           </c:tx>
           <c:spPr>
             <a:solidFill>
-              <a:srgbClr val="1C2833"/>
+              <a:srgbClr val="1C4587"/>
             </a:solidFill>
             <a:effectLst/>
           </c:spPr>
@@ -236,7 +236,7 @@
           </c:tx>
           <c:spPr>
             <a:solidFill>
-              <a:srgbClr val="27AE60"/>
+              <a:srgbClr val="50B432"/>
             </a:solidFill>
             <a:effectLst/>
           </c:spPr>
@@ -525,7 +525,7 @@
           </c:tx>
           <c:spPr>
             <a:solidFill>
-              <a:srgbClr val="0077B6"/>
+              <a:srgbClr val="058DC7"/>
             </a:solidFill>
             <a:effectLst/>
           </c:spPr>
@@ -614,7 +614,7 @@
           </c:tx>
           <c:spPr>
             <a:solidFill>
-              <a:srgbClr val="27AE60"/>
+              <a:srgbClr val="50B432"/>
             </a:solidFill>
             <a:effectLst/>
           </c:spPr>
@@ -2119,7 +2119,7 @@
     <p:bg>
       <p:bgPr>
         <a:solidFill>
-          <a:srgbClr val="0077B6"/>
+          <a:srgbClr val="FFFFFF"/>
         </a:solidFill>
       </p:bgPr>
     </p:bg>
@@ -2145,25 +2145,37 @@
         </p:nvSpPr>
         <p:spPr>
           <a:xfrm>
-            <a:off x="0" y="0"/>
-            <a:ext cx="9144000" cy="101501"/>
-          </a:xfrm>
-          <a:prstGeom prst="rect">
-            <a:avLst/>
-          </a:prstGeom>
-          <a:solidFill>
-            <a:srgbClr val="00B4D8"/>
-          </a:solidFill>
-          <a:ln/>
-        </p:spPr>
-        <p:txBody>
-          <a:bodyPr wrap="square" rtlCol="0" anchor="ctr"/>
-          <a:lstStyle/>
-          <a:p>
-            <a:pPr indent="0" marL="0">
-              <a:buNone/>
-            </a:pPr>
-            <a:endParaRPr lang="en-US" dirty="0"/>
+            <a:off x="381000" y="1452711"/>
+            <a:ext cx="8549640" cy="581025"/>
+          </a:xfrm>
+          <a:prstGeom prst="rect">
+            <a:avLst/>
+          </a:prstGeom>
+          <a:noFill/>
+          <a:ln/>
+        </p:spPr>
+        <p:txBody>
+          <a:bodyPr wrap="square" lIns="0" tIns="0" rIns="0" bIns="0" rtlCol="0" anchor="t"/>
+          <a:lstStyle/>
+          <a:p>
+            <a:pPr algn="l" indent="0" marL="0">
+              <a:spcAft>
+                <a:spcPts val="800"/>
+              </a:spcAft>
+              <a:buNone/>
+            </a:pPr>
+            <a:r>
+              <a:rPr lang="en-US" sz="4000" b="1" dirty="0">
+                <a:solidFill>
+                  <a:srgbClr val="1C4587"/>
+                </a:solidFill>
+                <a:latin typeface="Arial" pitchFamily="34" charset="0"/>
+                <a:ea typeface="Arial" pitchFamily="34" charset="-122"/>
+                <a:cs typeface="Arial" pitchFamily="34" charset="-120"/>
+              </a:rPr>
+              <a:t>Blue Drop Board</a:t>
+            </a:r>
+            <a:endParaRPr lang="en-US" sz="4000" dirty="0"/>
           </a:p>
         </p:txBody>
       </p:sp>
@@ -2175,79 +2187,79 @@
         </p:nvSpPr>
         <p:spPr>
           <a:xfrm>
-            <a:off x="2498198" y="1401812"/>
-            <a:ext cx="4147456" cy="638175"/>
-          </a:xfrm>
-          <a:prstGeom prst="rect">
-            <a:avLst/>
-          </a:prstGeom>
-          <a:noFill/>
-          <a:ln/>
-        </p:spPr>
-        <p:txBody>
-          <a:bodyPr wrap="square" lIns="0" tIns="0" rIns="0" bIns="0" rtlCol="0" anchor="t"/>
-          <a:lstStyle/>
-          <a:p>
-            <a:pPr algn="ctr" indent="0" marL="0">
+            <a:off x="381000" y="2135237"/>
+            <a:ext cx="8549640" cy="581025"/>
+          </a:xfrm>
+          <a:prstGeom prst="rect">
+            <a:avLst/>
+          </a:prstGeom>
+          <a:noFill/>
+          <a:ln/>
+        </p:spPr>
+        <p:txBody>
+          <a:bodyPr wrap="square" lIns="0" tIns="0" rIns="0" bIns="0" rtlCol="0" anchor="t"/>
+          <a:lstStyle/>
+          <a:p>
+            <a:pPr algn="l" indent="0" marL="0">
+              <a:spcAft>
+                <a:spcPts val="800"/>
+              </a:spcAft>
+              <a:buNone/>
+            </a:pPr>
+            <a:r>
+              <a:rPr lang="en-US" sz="4000" b="1" dirty="0">
+                <a:solidFill>
+                  <a:srgbClr val="1C4587"/>
+                </a:solidFill>
+                <a:latin typeface="Arial" pitchFamily="34" charset="0"/>
+                <a:ea typeface="Arial" pitchFamily="34" charset="-122"/>
+                <a:cs typeface="Arial" pitchFamily="34" charset="-120"/>
+              </a:rPr>
+              <a:t>Update</a:t>
+            </a:r>
+            <a:endParaRPr lang="en-US" sz="4000" dirty="0"/>
+          </a:p>
+        </p:txBody>
+      </p:sp>
+      <p:sp>
+        <p:nvSpPr>
+          <p:cNvPr id="4" name="Text 2"/>
+          <p:cNvSpPr/>
+          <p:nvPr/>
+        </p:nvSpPr>
+        <p:spPr>
+          <a:xfrm>
+            <a:off x="381000" y="2817763"/>
+            <a:ext cx="8549640" cy="352425"/>
+          </a:xfrm>
+          <a:prstGeom prst="rect">
+            <a:avLst/>
+          </a:prstGeom>
+          <a:noFill/>
+          <a:ln/>
+        </p:spPr>
+        <p:txBody>
+          <a:bodyPr wrap="square" lIns="0" tIns="0" rIns="0" bIns="0" rtlCol="0" anchor="t"/>
+          <a:lstStyle/>
+          <a:p>
+            <a:pPr algn="l" indent="0" marL="0">
               <a:spcAft>
                 <a:spcPts val="2000"/>
               </a:spcAft>
               <a:buNone/>
             </a:pPr>
             <a:r>
-              <a:rPr lang="en-US" sz="4400" b="1" dirty="0">
-                <a:solidFill>
-                  <a:srgbClr val="FFFFFF"/>
-                </a:solidFill>
-                <a:latin typeface="Arial" pitchFamily="34" charset="0"/>
-                <a:ea typeface="Arial" pitchFamily="34" charset="-122"/>
-                <a:cs typeface="Arial" pitchFamily="34" charset="-120"/>
-              </a:rPr>
-              <a:t>Blue Drop, LLC</a:t>
-            </a:r>
-            <a:endParaRPr lang="en-US" sz="4400" dirty="0"/>
-          </a:p>
-        </p:txBody>
-      </p:sp>
-      <p:sp>
-        <p:nvSpPr>
-          <p:cNvPr id="4" name="Text 2"/>
-          <p:cNvSpPr/>
-          <p:nvPr/>
-        </p:nvSpPr>
-        <p:spPr>
-          <a:xfrm>
-            <a:off x="1900694" y="2293888"/>
-            <a:ext cx="5342462" cy="409575"/>
-          </a:xfrm>
-          <a:prstGeom prst="rect">
-            <a:avLst/>
-          </a:prstGeom>
-          <a:noFill/>
-          <a:ln/>
-        </p:spPr>
-        <p:txBody>
-          <a:bodyPr wrap="square" lIns="0" tIns="0" rIns="0" bIns="0" rtlCol="0" anchor="t"/>
-          <a:lstStyle/>
-          <a:p>
-            <a:pPr algn="ctr" indent="0" marL="0">
-              <a:spcAft>
-                <a:spcPts val="3000"/>
-              </a:spcAft>
-              <a:buNone/>
-            </a:pPr>
-            <a:r>
-              <a:rPr lang="en-US" sz="2800" dirty="0">
-                <a:solidFill>
-                  <a:srgbClr val="CAF0F8"/>
-                </a:solidFill>
-                <a:latin typeface="Arial" pitchFamily="34" charset="0"/>
-                <a:ea typeface="Arial" pitchFamily="34" charset="-122"/>
-                <a:cs typeface="Arial" pitchFamily="34" charset="-120"/>
-              </a:rPr>
-              <a:t>FY26 Q2 Board Financial Update</a:t>
-            </a:r>
-            <a:endParaRPr lang="en-US" sz="2800" dirty="0"/>
+              <a:rPr lang="en-US" sz="2400" dirty="0">
+                <a:solidFill>
+                  <a:srgbClr val="1C4587"/>
+                </a:solidFill>
+                <a:latin typeface="Arial" pitchFamily="34" charset="0"/>
+                <a:ea typeface="Arial" pitchFamily="34" charset="-122"/>
+                <a:cs typeface="Arial" pitchFamily="34" charset="-120"/>
+              </a:rPr>
+              <a:t>FY26 - Q2 Financial Review</a:t>
+            </a:r>
+            <a:endParaRPr lang="en-US" sz="2400" dirty="0"/>
           </a:p>
         </p:txBody>
       </p:sp>
@@ -2259,76 +2271,34 @@
         </p:nvSpPr>
         <p:spPr>
           <a:xfrm>
-            <a:off x="3865351" y="3084463"/>
-            <a:ext cx="1413150" cy="266700"/>
-          </a:xfrm>
-          <a:prstGeom prst="rect">
-            <a:avLst/>
-          </a:prstGeom>
-          <a:noFill/>
-          <a:ln/>
-        </p:spPr>
-        <p:txBody>
-          <a:bodyPr wrap="square" lIns="0" tIns="0" rIns="0" bIns="0" rtlCol="0" anchor="t"/>
-          <a:lstStyle/>
-          <a:p>
-            <a:pPr algn="ctr" indent="0" marL="0">
+            <a:off x="381000" y="3424089"/>
+            <a:ext cx="8549640" cy="266700"/>
+          </a:xfrm>
+          <a:prstGeom prst="rect">
+            <a:avLst/>
+          </a:prstGeom>
+          <a:noFill/>
+          <a:ln/>
+        </p:spPr>
+        <p:txBody>
+          <a:bodyPr wrap="square" lIns="0" tIns="0" rIns="0" bIns="0" rtlCol="0" anchor="t"/>
+          <a:lstStyle/>
+          <a:p>
+            <a:pPr algn="l" indent="0" marL="0">
               <a:buNone/>
             </a:pPr>
             <a:r>
               <a:rPr lang="en-US" sz="1800" dirty="0">
                 <a:solidFill>
-                  <a:srgbClr val="FFFFFF"/>
-                </a:solidFill>
-                <a:latin typeface="Arial" pitchFamily="34" charset="0"/>
-                <a:ea typeface="Arial" pitchFamily="34" charset="-122"/>
-                <a:cs typeface="Arial" pitchFamily="34" charset="-120"/>
-              </a:rPr>
-              <a:t>January 2026</a:t>
+                  <a:srgbClr val="1C4587"/>
+                </a:solidFill>
+                <a:latin typeface="Arial" pitchFamily="34" charset="0"/>
+                <a:ea typeface="Arial" pitchFamily="34" charset="-122"/>
+                <a:cs typeface="Arial" pitchFamily="34" charset="-120"/>
+              </a:rPr>
+              <a:t>YTD Performance: October 1, 2025 - January 19, 2026</a:t>
             </a:r>
             <a:endParaRPr lang="en-US" sz="1800" dirty="0"/>
-          </a:p>
-        </p:txBody>
-      </p:sp>
-      <p:sp>
-        <p:nvSpPr>
-          <p:cNvPr id="6" name="Text 4"/>
-          <p:cNvSpPr/>
-          <p:nvPr/>
-        </p:nvSpPr>
-        <p:spPr>
-          <a:xfrm>
-            <a:off x="2292956" y="3605064"/>
-            <a:ext cx="4558088" cy="238125"/>
-          </a:xfrm>
-          <a:prstGeom prst="rect">
-            <a:avLst/>
-          </a:prstGeom>
-          <a:noFill/>
-          <a:ln/>
-        </p:spPr>
-        <p:txBody>
-          <a:bodyPr wrap="square" lIns="0" tIns="0" rIns="0" bIns="0" rtlCol="0" anchor="t"/>
-          <a:lstStyle/>
-          <a:p>
-            <a:pPr algn="ctr" indent="0" marL="0">
-              <a:spcBef>
-                <a:spcPts val="2000"/>
-              </a:spcBef>
-              <a:buNone/>
-            </a:pPr>
-            <a:r>
-              <a:rPr lang="en-US" sz="1600" dirty="0">
-                <a:solidFill>
-                  <a:srgbClr val="90E0EF"/>
-                </a:solidFill>
-                <a:latin typeface="Arial" pitchFamily="34" charset="0"/>
-                <a:ea typeface="Arial" pitchFamily="34" charset="-122"/>
-                <a:cs typeface="Arial" pitchFamily="34" charset="-120"/>
-              </a:rPr>
-              <a:t>Financial Performance Through January 19, 2026</a:t>
-            </a:r>
-            <a:endParaRPr lang="en-US" sz="1600" dirty="0"/>
           </a:p>
         </p:txBody>
       </p:sp>
@@ -2346,7 +2316,7 @@
     <p:bg>
       <p:bgPr>
         <a:solidFill>
-          <a:srgbClr val="F4F6F6"/>
+          <a:srgbClr val="FFFFFF"/>
         </a:solidFill>
       </p:bgPr>
     </p:bg>
@@ -2379,7 +2349,7 @@
             <a:avLst/>
           </a:prstGeom>
           <a:solidFill>
-            <a:srgbClr val="1C2833"/>
+            <a:srgbClr val="1C4587"/>
           </a:solidFill>
           <a:ln/>
         </p:spPr>
@@ -2446,20 +2416,13 @@
           </a:xfrm>
           <a:prstGeom prst="roundRect">
             <a:avLst>
-              <a:gd name="adj" fmla="val 7922"/>
+              <a:gd name="adj" fmla="val 5281"/>
             </a:avLst>
           </a:prstGeom>
           <a:solidFill>
-            <a:srgbClr val="FFFFFF"/>
+            <a:srgbClr val="F8F9FA"/>
           </a:solidFill>
           <a:ln/>
-          <a:effectLst>
-            <a:outerShdw sx="100000" sy="100000" kx="0" ky="0" algn="bl" rotWithShape="0" blurRad="57150" dist="13470" dir="2700000">
-              <a:srgbClr val="000000">
-                <a:alpha val="10000"/>
-              </a:srgbClr>
-            </a:outerShdw>
-          </a:effectLst>
         </p:spPr>
         <p:txBody>
           <a:bodyPr wrap="square" rtlCol="0" anchor="ctr"/>
@@ -2489,7 +2452,7 @@
           <a:noFill/>
           <a:ln w="47625">
             <a:solidFill>
-              <a:srgbClr val="27AE60"/>
+              <a:srgbClr val="50B432"/>
             </a:solidFill>
             <a:prstDash val="solid"/>
           </a:ln>
@@ -2525,7 +2488,7 @@
             <a:r>
               <a:rPr lang="en-US" sz="1000" dirty="0">
                 <a:solidFill>
-                  <a:srgbClr val="7F8C8D"/>
+                  <a:srgbClr val="666666"/>
                 </a:solidFill>
                 <a:latin typeface="Arial" pitchFamily="34" charset="0"/>
                 <a:ea typeface="Arial" pitchFamily="34" charset="-122"/>
@@ -2567,7 +2530,7 @@
             <a:r>
               <a:rPr lang="en-US" sz="2000" b="1" dirty="0">
                 <a:solidFill>
-                  <a:srgbClr val="1C2833"/>
+                  <a:srgbClr val="1C4587"/>
                 </a:solidFill>
                 <a:latin typeface="Arial" pitchFamily="34" charset="0"/>
                 <a:ea typeface="Arial" pitchFamily="34" charset="-122"/>
@@ -2606,7 +2569,7 @@
             <a:r>
               <a:rPr lang="en-US" sz="1000" dirty="0">
                 <a:solidFill>
-                  <a:srgbClr val="27AE60"/>
+                  <a:srgbClr val="50B432"/>
                 </a:solidFill>
                 <a:latin typeface="Arial" pitchFamily="34" charset="0"/>
                 <a:ea typeface="Arial" pitchFamily="34" charset="-122"/>
@@ -2631,20 +2594,13 @@
           </a:xfrm>
           <a:prstGeom prst="roundRect">
             <a:avLst>
-              <a:gd name="adj" fmla="val 7922"/>
+              <a:gd name="adj" fmla="val 5281"/>
             </a:avLst>
           </a:prstGeom>
           <a:solidFill>
-            <a:srgbClr val="FFFFFF"/>
+            <a:srgbClr val="F8F9FA"/>
           </a:solidFill>
           <a:ln/>
-          <a:effectLst>
-            <a:outerShdw sx="100000" sy="100000" kx="0" ky="0" algn="bl" rotWithShape="0" blurRad="57150" dist="13470" dir="2700000">
-              <a:srgbClr val="000000">
-                <a:alpha val="10000"/>
-              </a:srgbClr>
-            </a:outerShdw>
-          </a:effectLst>
         </p:spPr>
         <p:txBody>
           <a:bodyPr wrap="square" rtlCol="0" anchor="ctr"/>
@@ -2674,7 +2630,7 @@
           <a:noFill/>
           <a:ln w="47625">
             <a:solidFill>
-              <a:srgbClr val="27AE60"/>
+              <a:srgbClr val="50B432"/>
             </a:solidFill>
             <a:prstDash val="solid"/>
           </a:ln>
@@ -2710,7 +2666,7 @@
             <a:r>
               <a:rPr lang="en-US" sz="1000" dirty="0">
                 <a:solidFill>
-                  <a:srgbClr val="7F8C8D"/>
+                  <a:srgbClr val="666666"/>
                 </a:solidFill>
                 <a:latin typeface="Arial" pitchFamily="34" charset="0"/>
                 <a:ea typeface="Arial" pitchFamily="34" charset="-122"/>
@@ -2752,7 +2708,7 @@
             <a:r>
               <a:rPr lang="en-US" sz="2000" b="1" dirty="0">
                 <a:solidFill>
-                  <a:srgbClr val="1C2833"/>
+                  <a:srgbClr val="1C4587"/>
                 </a:solidFill>
                 <a:latin typeface="Arial" pitchFamily="34" charset="0"/>
                 <a:ea typeface="Arial" pitchFamily="34" charset="-122"/>
@@ -2791,7 +2747,7 @@
             <a:r>
               <a:rPr lang="en-US" sz="1000" dirty="0">
                 <a:solidFill>
-                  <a:srgbClr val="27AE60"/>
+                  <a:srgbClr val="50B432"/>
                 </a:solidFill>
                 <a:latin typeface="Arial" pitchFamily="34" charset="0"/>
                 <a:ea typeface="Arial" pitchFamily="34" charset="-122"/>
@@ -2816,20 +2772,13 @@
           </a:xfrm>
           <a:prstGeom prst="roundRect">
             <a:avLst>
-              <a:gd name="adj" fmla="val 7922"/>
+              <a:gd name="adj" fmla="val 5281"/>
             </a:avLst>
           </a:prstGeom>
           <a:solidFill>
-            <a:srgbClr val="FFFFFF"/>
+            <a:srgbClr val="F8F9FA"/>
           </a:solidFill>
           <a:ln/>
-          <a:effectLst>
-            <a:outerShdw sx="100000" sy="100000" kx="0" ky="0" algn="bl" rotWithShape="0" blurRad="57150" dist="13470" dir="2700000">
-              <a:srgbClr val="000000">
-                <a:alpha val="10000"/>
-              </a:srgbClr>
-            </a:outerShdw>
-          </a:effectLst>
         </p:spPr>
         <p:txBody>
           <a:bodyPr wrap="square" rtlCol="0" anchor="ctr"/>
@@ -2859,7 +2808,7 @@
           <a:noFill/>
           <a:ln w="47625">
             <a:solidFill>
-              <a:srgbClr val="F39C12"/>
+              <a:srgbClr val="ED561B"/>
             </a:solidFill>
             <a:prstDash val="solid"/>
           </a:ln>
@@ -2895,7 +2844,7 @@
             <a:r>
               <a:rPr lang="en-US" sz="1000" dirty="0">
                 <a:solidFill>
-                  <a:srgbClr val="7F8C8D"/>
+                  <a:srgbClr val="666666"/>
                 </a:solidFill>
                 <a:latin typeface="Arial" pitchFamily="34" charset="0"/>
                 <a:ea typeface="Arial" pitchFamily="34" charset="-122"/>
@@ -2937,7 +2886,7 @@
             <a:r>
               <a:rPr lang="en-US" sz="2000" b="1" dirty="0">
                 <a:solidFill>
-                  <a:srgbClr val="1C2833"/>
+                  <a:srgbClr val="1C4587"/>
                 </a:solidFill>
                 <a:latin typeface="Arial" pitchFamily="34" charset="0"/>
                 <a:ea typeface="Arial" pitchFamily="34" charset="-122"/>
@@ -2976,7 +2925,7 @@
             <a:r>
               <a:rPr lang="en-US" sz="1000" dirty="0">
                 <a:solidFill>
-                  <a:srgbClr val="F39C12"/>
+                  <a:srgbClr val="ED561B"/>
                 </a:solidFill>
                 <a:latin typeface="Arial" pitchFamily="34" charset="0"/>
                 <a:ea typeface="Arial" pitchFamily="34" charset="-122"/>
@@ -3001,20 +2950,13 @@
           </a:xfrm>
           <a:prstGeom prst="roundRect">
             <a:avLst>
-              <a:gd name="adj" fmla="val 2524"/>
+              <a:gd name="adj" fmla="val 1682"/>
             </a:avLst>
           </a:prstGeom>
           <a:solidFill>
-            <a:srgbClr val="FFFFFF"/>
+            <a:srgbClr val="F8F9FA"/>
           </a:solidFill>
           <a:ln/>
-          <a:effectLst>
-            <a:outerShdw sx="100000" sy="100000" kx="0" ky="0" algn="bl" rotWithShape="0" blurRad="57150" dist="13470" dir="2700000">
-              <a:srgbClr val="000000">
-                <a:alpha val="10000"/>
-              </a:srgbClr>
-            </a:outerShdw>
-          </a:effectLst>
         </p:spPr>
         <p:txBody>
           <a:bodyPr wrap="square" rtlCol="0" anchor="ctr"/>
@@ -3057,7 +2999,7 @@
             <a:r>
               <a:rPr lang="en-US" sz="1200" b="1" dirty="0">
                 <a:solidFill>
-                  <a:srgbClr val="1C2833"/>
+                  <a:srgbClr val="1C4587"/>
                 </a:solidFill>
                 <a:latin typeface="Arial" pitchFamily="34" charset="0"/>
                 <a:ea typeface="Arial" pitchFamily="34" charset="-122"/>
@@ -3102,7 +3044,7 @@
             <a:r>
               <a:rPr lang="en-US" sz="1000" dirty="0">
                 <a:solidFill>
-                  <a:srgbClr val="2C3E50"/>
+                  <a:srgbClr val="333333"/>
                 </a:solidFill>
                 <a:latin typeface="Arial" pitchFamily="34" charset="0"/>
                 <a:ea typeface="Arial" pitchFamily="34" charset="-122"/>
@@ -3147,7 +3089,7 @@
             <a:r>
               <a:rPr lang="en-US" sz="1000" dirty="0">
                 <a:solidFill>
-                  <a:srgbClr val="2C3E50"/>
+                  <a:srgbClr val="333333"/>
                 </a:solidFill>
                 <a:latin typeface="Arial" pitchFamily="34" charset="0"/>
                 <a:ea typeface="Arial" pitchFamily="34" charset="-122"/>
@@ -3192,7 +3134,7 @@
             <a:r>
               <a:rPr lang="en-US" sz="1000" dirty="0">
                 <a:solidFill>
-                  <a:srgbClr val="2C3E50"/>
+                  <a:srgbClr val="333333"/>
                 </a:solidFill>
                 <a:latin typeface="Arial" pitchFamily="34" charset="0"/>
                 <a:ea typeface="Arial" pitchFamily="34" charset="-122"/>
@@ -3237,7 +3179,7 @@
             <a:r>
               <a:rPr lang="en-US" sz="1000" dirty="0">
                 <a:solidFill>
-                  <a:srgbClr val="2C3E50"/>
+                  <a:srgbClr val="333333"/>
                 </a:solidFill>
                 <a:latin typeface="Arial" pitchFamily="34" charset="0"/>
                 <a:ea typeface="Arial" pitchFamily="34" charset="-122"/>
@@ -3263,7 +3205,7 @@
     <p:bg>
       <p:bgPr>
         <a:solidFill>
-          <a:srgbClr val="F4F6F6"/>
+          <a:srgbClr val="FFFFFF"/>
         </a:solidFill>
       </p:bgPr>
     </p:bg>
@@ -3296,7 +3238,7 @@
             <a:avLst/>
           </a:prstGeom>
           <a:solidFill>
-            <a:srgbClr val="1C2833"/>
+            <a:srgbClr val="1C4587"/>
           </a:solidFill>
           <a:ln/>
         </p:spPr>
@@ -3380,7 +3322,7 @@
             <a:r>
               <a:rPr lang="en-US" sz="900" b="1" dirty="0">
                 <a:solidFill>
-                  <a:srgbClr val="1C2833"/>
+                  <a:srgbClr val="1C4587"/>
                 </a:solidFill>
                 <a:latin typeface="Arial" pitchFamily="34" charset="0"/>
                 <a:ea typeface="Arial" pitchFamily="34" charset="-122"/>
@@ -3409,7 +3351,7 @@
             </a:avLst>
           </a:prstGeom>
           <a:solidFill>
-            <a:srgbClr val="FFFFFF"/>
+            <a:srgbClr val="F8F9FA"/>
           </a:solidFill>
           <a:ln/>
         </p:spPr>
@@ -3441,7 +3383,7 @@
             </a:avLst>
           </a:prstGeom>
           <a:solidFill>
-            <a:srgbClr val="1C2833"/>
+            <a:srgbClr val="1C4587"/>
           </a:solidFill>
           <a:ln/>
         </p:spPr>
@@ -3473,7 +3415,7 @@
           <a:noFill/>
           <a:ln w="9525">
             <a:solidFill>
-              <a:srgbClr val="ECF0F1"/>
+              <a:srgbClr val="E0E0E0"/>
             </a:solidFill>
             <a:prstDash val="solid"/>
           </a:ln>
@@ -3676,7 +3618,7 @@
           <a:noFill/>
           <a:ln w="9525">
             <a:solidFill>
-              <a:srgbClr val="ECF0F1"/>
+              <a:srgbClr val="E0E0E0"/>
             </a:solidFill>
             <a:prstDash val="solid"/>
           </a:ln>
@@ -3715,7 +3657,7 @@
             <a:r>
               <a:rPr lang="en-US" sz="700" dirty="0">
                 <a:solidFill>
-                  <a:srgbClr val="2C3E50"/>
+                  <a:srgbClr val="333333"/>
                 </a:solidFill>
                 <a:latin typeface="Arial" pitchFamily="34" charset="0"/>
                 <a:ea typeface="Arial" pitchFamily="34" charset="-122"/>
@@ -3760,7 +3702,7 @@
             <a:r>
               <a:rPr lang="en-US" sz="700" b="1" dirty="0">
                 <a:solidFill>
-                  <a:srgbClr val="1C2833"/>
+                  <a:srgbClr val="1C4587"/>
                 </a:solidFill>
                 <a:latin typeface="Arial" pitchFamily="34" charset="0"/>
                 <a:ea typeface="Arial" pitchFamily="34" charset="-122"/>
@@ -3805,7 +3747,7 @@
             <a:r>
               <a:rPr lang="en-US" sz="700" b="1" dirty="0">
                 <a:solidFill>
-                  <a:srgbClr val="27AE60"/>
+                  <a:srgbClr val="50B432"/>
                 </a:solidFill>
                 <a:latin typeface="Arial" pitchFamily="34" charset="0"/>
                 <a:ea typeface="Arial" pitchFamily="34" charset="-122"/>
@@ -3850,7 +3792,7 @@
             <a:r>
               <a:rPr lang="en-US" sz="700" b="1" dirty="0">
                 <a:solidFill>
-                  <a:srgbClr val="27AE60"/>
+                  <a:srgbClr val="50B432"/>
                 </a:solidFill>
                 <a:latin typeface="Arial" pitchFamily="34" charset="0"/>
                 <a:ea typeface="Arial" pitchFamily="34" charset="-122"/>
@@ -3879,7 +3821,7 @@
           <a:noFill/>
           <a:ln w="9525">
             <a:solidFill>
-              <a:srgbClr val="ECF0F1"/>
+              <a:srgbClr val="E0E0E0"/>
             </a:solidFill>
             <a:prstDash val="solid"/>
           </a:ln>
@@ -3918,7 +3860,7 @@
             <a:r>
               <a:rPr lang="en-US" sz="700" dirty="0">
                 <a:solidFill>
-                  <a:srgbClr val="2C3E50"/>
+                  <a:srgbClr val="333333"/>
                 </a:solidFill>
                 <a:latin typeface="Arial" pitchFamily="34" charset="0"/>
                 <a:ea typeface="Arial" pitchFamily="34" charset="-122"/>
@@ -3963,7 +3905,7 @@
             <a:r>
               <a:rPr lang="en-US" sz="700" b="1" dirty="0">
                 <a:solidFill>
-                  <a:srgbClr val="1C2833"/>
+                  <a:srgbClr val="1C4587"/>
                 </a:solidFill>
                 <a:latin typeface="Arial" pitchFamily="34" charset="0"/>
                 <a:ea typeface="Arial" pitchFamily="34" charset="-122"/>
@@ -4008,7 +3950,7 @@
             <a:r>
               <a:rPr lang="en-US" sz="700" b="1" dirty="0">
                 <a:solidFill>
-                  <a:srgbClr val="C0392B"/>
+                  <a:srgbClr val="ED561B"/>
                 </a:solidFill>
                 <a:latin typeface="Arial" pitchFamily="34" charset="0"/>
                 <a:ea typeface="Arial" pitchFamily="34" charset="-122"/>
@@ -4053,7 +3995,7 @@
             <a:r>
               <a:rPr lang="en-US" sz="700" b="1" dirty="0">
                 <a:solidFill>
-                  <a:srgbClr val="C0392B"/>
+                  <a:srgbClr val="ED561B"/>
                 </a:solidFill>
                 <a:latin typeface="Arial" pitchFamily="34" charset="0"/>
                 <a:ea typeface="Arial" pitchFamily="34" charset="-122"/>
@@ -4082,7 +4024,7 @@
           <a:noFill/>
           <a:ln w="9525">
             <a:solidFill>
-              <a:srgbClr val="ECF0F1"/>
+              <a:srgbClr val="E0E0E0"/>
             </a:solidFill>
             <a:prstDash val="solid"/>
           </a:ln>
@@ -4121,7 +4063,7 @@
             <a:r>
               <a:rPr lang="en-US" sz="700" dirty="0">
                 <a:solidFill>
-                  <a:srgbClr val="2C3E50"/>
+                  <a:srgbClr val="333333"/>
                 </a:solidFill>
                 <a:latin typeface="Arial" pitchFamily="34" charset="0"/>
                 <a:ea typeface="Arial" pitchFamily="34" charset="-122"/>
@@ -4166,7 +4108,7 @@
             <a:r>
               <a:rPr lang="en-US" sz="700" b="1" dirty="0">
                 <a:solidFill>
-                  <a:srgbClr val="1C2833"/>
+                  <a:srgbClr val="1C4587"/>
                 </a:solidFill>
                 <a:latin typeface="Arial" pitchFamily="34" charset="0"/>
                 <a:ea typeface="Arial" pitchFamily="34" charset="-122"/>
@@ -4211,7 +4153,7 @@
             <a:r>
               <a:rPr lang="en-US" sz="700" b="1" dirty="0">
                 <a:solidFill>
-                  <a:srgbClr val="C0392B"/>
+                  <a:srgbClr val="ED561B"/>
                 </a:solidFill>
                 <a:latin typeface="Arial" pitchFamily="34" charset="0"/>
                 <a:ea typeface="Arial" pitchFamily="34" charset="-122"/>
@@ -4256,7 +4198,7 @@
             <a:r>
               <a:rPr lang="en-US" sz="700" b="1" dirty="0">
                 <a:solidFill>
-                  <a:srgbClr val="C0392B"/>
+                  <a:srgbClr val="ED561B"/>
                 </a:solidFill>
                 <a:latin typeface="Arial" pitchFamily="34" charset="0"/>
                 <a:ea typeface="Arial" pitchFamily="34" charset="-122"/>
@@ -4285,7 +4227,7 @@
           <a:noFill/>
           <a:ln w="9525">
             <a:solidFill>
-              <a:srgbClr val="ECF0F1"/>
+              <a:srgbClr val="E0E0E0"/>
             </a:solidFill>
             <a:prstDash val="solid"/>
           </a:ln>
@@ -4324,7 +4266,7 @@
             <a:r>
               <a:rPr lang="en-US" sz="700" dirty="0">
                 <a:solidFill>
-                  <a:srgbClr val="2C3E50"/>
+                  <a:srgbClr val="333333"/>
                 </a:solidFill>
                 <a:latin typeface="Arial" pitchFamily="34" charset="0"/>
                 <a:ea typeface="Arial" pitchFamily="34" charset="-122"/>
@@ -4369,7 +4311,7 @@
             <a:r>
               <a:rPr lang="en-US" sz="700" b="1" dirty="0">
                 <a:solidFill>
-                  <a:srgbClr val="1C2833"/>
+                  <a:srgbClr val="1C4587"/>
                 </a:solidFill>
                 <a:latin typeface="Arial" pitchFamily="34" charset="0"/>
                 <a:ea typeface="Arial" pitchFamily="34" charset="-122"/>
@@ -4414,7 +4356,7 @@
             <a:r>
               <a:rPr lang="en-US" sz="700" b="1" dirty="0">
                 <a:solidFill>
-                  <a:srgbClr val="C0392B"/>
+                  <a:srgbClr val="ED561B"/>
                 </a:solidFill>
                 <a:latin typeface="Arial" pitchFamily="34" charset="0"/>
                 <a:ea typeface="Arial" pitchFamily="34" charset="-122"/>
@@ -4459,7 +4401,7 @@
             <a:r>
               <a:rPr lang="en-US" sz="700" b="1" dirty="0">
                 <a:solidFill>
-                  <a:srgbClr val="C0392B"/>
+                  <a:srgbClr val="ED561B"/>
                 </a:solidFill>
                 <a:latin typeface="Arial" pitchFamily="34" charset="0"/>
                 <a:ea typeface="Arial" pitchFamily="34" charset="-122"/>
@@ -4488,7 +4430,7 @@
           <a:noFill/>
           <a:ln w="9525">
             <a:solidFill>
-              <a:srgbClr val="ECF0F1"/>
+              <a:srgbClr val="E0E0E0"/>
             </a:solidFill>
             <a:prstDash val="solid"/>
           </a:ln>
@@ -4527,7 +4469,7 @@
             <a:r>
               <a:rPr lang="en-US" sz="700" dirty="0">
                 <a:solidFill>
-                  <a:srgbClr val="2C3E50"/>
+                  <a:srgbClr val="333333"/>
                 </a:solidFill>
                 <a:latin typeface="Arial" pitchFamily="34" charset="0"/>
                 <a:ea typeface="Arial" pitchFamily="34" charset="-122"/>
@@ -4572,7 +4514,7 @@
             <a:r>
               <a:rPr lang="en-US" sz="700" b="1" dirty="0">
                 <a:solidFill>
-                  <a:srgbClr val="1C2833"/>
+                  <a:srgbClr val="1C4587"/>
                 </a:solidFill>
                 <a:latin typeface="Arial" pitchFamily="34" charset="0"/>
                 <a:ea typeface="Arial" pitchFamily="34" charset="-122"/>
@@ -4617,7 +4559,7 @@
             <a:r>
               <a:rPr lang="en-US" sz="700" b="1" dirty="0">
                 <a:solidFill>
-                  <a:srgbClr val="C0392B"/>
+                  <a:srgbClr val="ED561B"/>
                 </a:solidFill>
                 <a:latin typeface="Arial" pitchFamily="34" charset="0"/>
                 <a:ea typeface="Arial" pitchFamily="34" charset="-122"/>
@@ -4662,7 +4604,7 @@
             <a:r>
               <a:rPr lang="en-US" sz="700" b="1" dirty="0">
                 <a:solidFill>
-                  <a:srgbClr val="C0392B"/>
+                  <a:srgbClr val="ED561B"/>
                 </a:solidFill>
                 <a:latin typeface="Arial" pitchFamily="34" charset="0"/>
                 <a:ea typeface="Arial" pitchFamily="34" charset="-122"/>
@@ -4691,7 +4633,7 @@
           <a:noFill/>
           <a:ln w="9525">
             <a:solidFill>
-              <a:srgbClr val="ECF0F1"/>
+              <a:srgbClr val="E0E0E0"/>
             </a:solidFill>
             <a:prstDash val="solid"/>
           </a:ln>
@@ -4730,7 +4672,7 @@
             <a:r>
               <a:rPr lang="en-US" sz="700" dirty="0">
                 <a:solidFill>
-                  <a:srgbClr val="2C3E50"/>
+                  <a:srgbClr val="333333"/>
                 </a:solidFill>
                 <a:latin typeface="Arial" pitchFamily="34" charset="0"/>
                 <a:ea typeface="Arial" pitchFamily="34" charset="-122"/>
@@ -4775,7 +4717,7 @@
             <a:r>
               <a:rPr lang="en-US" sz="700" b="1" dirty="0">
                 <a:solidFill>
-                  <a:srgbClr val="1C2833"/>
+                  <a:srgbClr val="1C4587"/>
                 </a:solidFill>
                 <a:latin typeface="Arial" pitchFamily="34" charset="0"/>
                 <a:ea typeface="Arial" pitchFamily="34" charset="-122"/>
@@ -4820,7 +4762,7 @@
             <a:r>
               <a:rPr lang="en-US" sz="700" b="1" dirty="0">
                 <a:solidFill>
-                  <a:srgbClr val="1C2833"/>
+                  <a:srgbClr val="1C4587"/>
                 </a:solidFill>
                 <a:latin typeface="Arial" pitchFamily="34" charset="0"/>
                 <a:ea typeface="Arial" pitchFamily="34" charset="-122"/>
@@ -4865,7 +4807,7 @@
             <a:r>
               <a:rPr lang="en-US" sz="700" b="1" dirty="0">
                 <a:solidFill>
-                  <a:srgbClr val="1C2833"/>
+                  <a:srgbClr val="1C4587"/>
                 </a:solidFill>
                 <a:latin typeface="Arial" pitchFamily="34" charset="0"/>
                 <a:ea typeface="Arial" pitchFamily="34" charset="-122"/>
@@ -4894,7 +4836,7 @@
           <a:noFill/>
           <a:ln w="9525">
             <a:solidFill>
-              <a:srgbClr val="ECF0F1"/>
+              <a:srgbClr val="E0E0E0"/>
             </a:solidFill>
             <a:prstDash val="solid"/>
           </a:ln>
@@ -4933,7 +4875,7 @@
             <a:r>
               <a:rPr lang="en-US" sz="700" dirty="0">
                 <a:solidFill>
-                  <a:srgbClr val="2C3E50"/>
+                  <a:srgbClr val="333333"/>
                 </a:solidFill>
                 <a:latin typeface="Arial" pitchFamily="34" charset="0"/>
                 <a:ea typeface="Arial" pitchFamily="34" charset="-122"/>
@@ -4978,7 +4920,7 @@
             <a:r>
               <a:rPr lang="en-US" sz="700" b="1" dirty="0">
                 <a:solidFill>
-                  <a:srgbClr val="1C2833"/>
+                  <a:srgbClr val="1C4587"/>
                 </a:solidFill>
                 <a:latin typeface="Arial" pitchFamily="34" charset="0"/>
                 <a:ea typeface="Arial" pitchFamily="34" charset="-122"/>
@@ -5023,7 +4965,7 @@
             <a:r>
               <a:rPr lang="en-US" sz="700" b="1" dirty="0">
                 <a:solidFill>
-                  <a:srgbClr val="27AE60"/>
+                  <a:srgbClr val="50B432"/>
                 </a:solidFill>
                 <a:latin typeface="Arial" pitchFamily="34" charset="0"/>
                 <a:ea typeface="Arial" pitchFamily="34" charset="-122"/>
@@ -5068,7 +5010,7 @@
             <a:r>
               <a:rPr lang="en-US" sz="700" b="1" dirty="0">
                 <a:solidFill>
-                  <a:srgbClr val="1C2833"/>
+                  <a:srgbClr val="1C4587"/>
                 </a:solidFill>
                 <a:latin typeface="Arial" pitchFamily="34" charset="0"/>
                 <a:ea typeface="Arial" pitchFamily="34" charset="-122"/>
@@ -5095,7 +5037,7 @@
             <a:avLst/>
           </a:prstGeom>
           <a:solidFill>
-            <a:srgbClr val="F8F9FA"/>
+            <a:srgbClr val="E8E8E8"/>
           </a:solidFill>
           <a:ln/>
         </p:spPr>
@@ -5143,7 +5085,7 @@
             <a:r>
               <a:rPr lang="en-US" sz="700" b="1" dirty="0">
                 <a:solidFill>
-                  <a:srgbClr val="2C3E50"/>
+                  <a:srgbClr val="333333"/>
                 </a:solidFill>
                 <a:latin typeface="Arial" pitchFamily="34" charset="0"/>
                 <a:ea typeface="Arial" pitchFamily="34" charset="-122"/>
@@ -5188,7 +5130,7 @@
             <a:r>
               <a:rPr lang="en-US" sz="700" b="1" dirty="0">
                 <a:solidFill>
-                  <a:srgbClr val="1C2833"/>
+                  <a:srgbClr val="1C4587"/>
                 </a:solidFill>
                 <a:latin typeface="Arial" pitchFamily="34" charset="0"/>
                 <a:ea typeface="Arial" pitchFamily="34" charset="-122"/>
@@ -5233,7 +5175,7 @@
             <a:r>
               <a:rPr lang="en-US" sz="700" b="1" dirty="0">
                 <a:solidFill>
-                  <a:srgbClr val="27AE60"/>
+                  <a:srgbClr val="50B432"/>
                 </a:solidFill>
                 <a:latin typeface="Arial" pitchFamily="34" charset="0"/>
                 <a:ea typeface="Arial" pitchFamily="34" charset="-122"/>
@@ -5278,7 +5220,7 @@
             <a:r>
               <a:rPr lang="en-US" sz="700" b="1" dirty="0">
                 <a:solidFill>
-                  <a:srgbClr val="27AE60"/>
+                  <a:srgbClr val="50B432"/>
                 </a:solidFill>
                 <a:latin typeface="Arial" pitchFamily="34" charset="0"/>
                 <a:ea typeface="Arial" pitchFamily="34" charset="-122"/>
@@ -5320,7 +5262,7 @@
             <a:r>
               <a:rPr lang="en-US" sz="900" b="1" dirty="0">
                 <a:solidFill>
-                  <a:srgbClr val="1C2833"/>
+                  <a:srgbClr val="1C4587"/>
                 </a:solidFill>
                 <a:latin typeface="Arial" pitchFamily="34" charset="0"/>
                 <a:ea typeface="Arial" pitchFamily="34" charset="-122"/>
@@ -5349,7 +5291,7 @@
             </a:avLst>
           </a:prstGeom>
           <a:solidFill>
-            <a:srgbClr val="FFFFFF"/>
+            <a:srgbClr val="F8F9FA"/>
           </a:solidFill>
           <a:ln/>
         </p:spPr>
@@ -5381,7 +5323,7 @@
           <a:noFill/>
           <a:ln w="9525">
             <a:solidFill>
-              <a:srgbClr val="ECF0F1"/>
+              <a:srgbClr val="E0E0E0"/>
             </a:solidFill>
             <a:prstDash val="solid"/>
           </a:ln>
@@ -5414,7 +5356,7 @@
             <a:r>
               <a:rPr lang="en-US" sz="700" dirty="0">
                 <a:solidFill>
-                  <a:srgbClr val="2C3E50"/>
+                  <a:srgbClr val="333333"/>
                 </a:solidFill>
                 <a:latin typeface="Arial" pitchFamily="34" charset="0"/>
                 <a:ea typeface="Arial" pitchFamily="34" charset="-122"/>
@@ -5443,7 +5385,7 @@
             </a:avLst>
           </a:prstGeom>
           <a:solidFill>
-            <a:srgbClr val="D5F5E3"/>
+            <a:srgbClr val="E8F5E9"/>
           </a:solidFill>
           <a:ln/>
         </p:spPr>
@@ -5485,7 +5427,7 @@
             <a:r>
               <a:rPr lang="en-US" sz="600" b="1" dirty="0">
                 <a:solidFill>
-                  <a:srgbClr val="1E8449"/>
+                  <a:srgbClr val="50B432"/>
                 </a:solidFill>
                 <a:latin typeface="Arial" pitchFamily="34" charset="0"/>
                 <a:ea typeface="Arial" pitchFamily="34" charset="-122"/>
@@ -5514,7 +5456,7 @@
           <a:noFill/>
           <a:ln w="9525">
             <a:solidFill>
-              <a:srgbClr val="ECF0F1"/>
+              <a:srgbClr val="E0E0E0"/>
             </a:solidFill>
             <a:prstDash val="solid"/>
           </a:ln>
@@ -5547,7 +5489,7 @@
             <a:r>
               <a:rPr lang="en-US" sz="700" dirty="0">
                 <a:solidFill>
-                  <a:srgbClr val="2C3E50"/>
+                  <a:srgbClr val="333333"/>
                 </a:solidFill>
                 <a:latin typeface="Arial" pitchFamily="34" charset="0"/>
                 <a:ea typeface="Arial" pitchFamily="34" charset="-122"/>
@@ -5576,7 +5518,7 @@
             </a:avLst>
           </a:prstGeom>
           <a:solidFill>
-            <a:srgbClr val="FADBD8"/>
+            <a:srgbClr val="FFEBEE"/>
           </a:solidFill>
           <a:ln/>
         </p:spPr>
@@ -5618,7 +5560,7 @@
             <a:r>
               <a:rPr lang="en-US" sz="600" b="1" dirty="0">
                 <a:solidFill>
-                  <a:srgbClr val="922B21"/>
+                  <a:srgbClr val="ED561B"/>
                 </a:solidFill>
                 <a:latin typeface="Arial" pitchFamily="34" charset="0"/>
                 <a:ea typeface="Arial" pitchFamily="34" charset="-122"/>
@@ -5647,7 +5589,7 @@
           <a:noFill/>
           <a:ln w="9525">
             <a:solidFill>
-              <a:srgbClr val="ECF0F1"/>
+              <a:srgbClr val="E0E0E0"/>
             </a:solidFill>
             <a:prstDash val="solid"/>
           </a:ln>
@@ -5680,7 +5622,7 @@
             <a:r>
               <a:rPr lang="en-US" sz="700" dirty="0">
                 <a:solidFill>
-                  <a:srgbClr val="2C3E50"/>
+                  <a:srgbClr val="333333"/>
                 </a:solidFill>
                 <a:latin typeface="Arial" pitchFamily="34" charset="0"/>
                 <a:ea typeface="Arial" pitchFamily="34" charset="-122"/>
@@ -5709,7 +5651,7 @@
             </a:avLst>
           </a:prstGeom>
           <a:solidFill>
-            <a:srgbClr val="FADBD8"/>
+            <a:srgbClr val="FFEBEE"/>
           </a:solidFill>
           <a:ln/>
         </p:spPr>
@@ -5751,7 +5693,7 @@
             <a:r>
               <a:rPr lang="en-US" sz="600" b="1" dirty="0">
                 <a:solidFill>
-                  <a:srgbClr val="922B21"/>
+                  <a:srgbClr val="ED561B"/>
                 </a:solidFill>
                 <a:latin typeface="Arial" pitchFamily="34" charset="0"/>
                 <a:ea typeface="Arial" pitchFamily="34" charset="-122"/>
@@ -5780,7 +5722,7 @@
           <a:noFill/>
           <a:ln w="9525">
             <a:solidFill>
-              <a:srgbClr val="ECF0F1"/>
+              <a:srgbClr val="E0E0E0"/>
             </a:solidFill>
             <a:prstDash val="solid"/>
           </a:ln>
@@ -5813,7 +5755,7 @@
             <a:r>
               <a:rPr lang="en-US" sz="700" dirty="0">
                 <a:solidFill>
-                  <a:srgbClr val="2C3E50"/>
+                  <a:srgbClr val="333333"/>
                 </a:solidFill>
                 <a:latin typeface="Arial" pitchFamily="34" charset="0"/>
                 <a:ea typeface="Arial" pitchFamily="34" charset="-122"/>
@@ -5842,7 +5784,7 @@
             </a:avLst>
           </a:prstGeom>
           <a:solidFill>
-            <a:srgbClr val="D5F5E3"/>
+            <a:srgbClr val="E8F5E9"/>
           </a:solidFill>
           <a:ln/>
         </p:spPr>
@@ -5884,7 +5826,7 @@
             <a:r>
               <a:rPr lang="en-US" sz="600" b="1" dirty="0">
                 <a:solidFill>
-                  <a:srgbClr val="1E8449"/>
+                  <a:srgbClr val="50B432"/>
                 </a:solidFill>
                 <a:latin typeface="Arial" pitchFamily="34" charset="0"/>
                 <a:ea typeface="Arial" pitchFamily="34" charset="-122"/>
@@ -5923,7 +5865,7 @@
             <a:r>
               <a:rPr lang="en-US" sz="700" dirty="0">
                 <a:solidFill>
-                  <a:srgbClr val="2C3E50"/>
+                  <a:srgbClr val="333333"/>
                 </a:solidFill>
                 <a:latin typeface="Arial" pitchFamily="34" charset="0"/>
                 <a:ea typeface="Arial" pitchFamily="34" charset="-122"/>
@@ -5952,7 +5894,7 @@
             </a:avLst>
           </a:prstGeom>
           <a:solidFill>
-            <a:srgbClr val="D5F5E3"/>
+            <a:srgbClr val="E8F5E9"/>
           </a:solidFill>
           <a:ln/>
         </p:spPr>
@@ -5994,7 +5936,7 @@
             <a:r>
               <a:rPr lang="en-US" sz="600" b="1" dirty="0">
                 <a:solidFill>
-                  <a:srgbClr val="1E8449"/>
+                  <a:srgbClr val="50B432"/>
                 </a:solidFill>
                 <a:latin typeface="Arial" pitchFamily="34" charset="0"/>
                 <a:ea typeface="Arial" pitchFamily="34" charset="-122"/>
@@ -6039,7 +5981,7 @@
             <a:r>
               <a:rPr lang="en-US" sz="900" b="1" dirty="0">
                 <a:solidFill>
-                  <a:srgbClr val="1C2833"/>
+                  <a:srgbClr val="1C4587"/>
                 </a:solidFill>
                 <a:latin typeface="Arial" pitchFamily="34" charset="0"/>
                 <a:ea typeface="Arial" pitchFamily="34" charset="-122"/>
@@ -6081,7 +6023,7 @@
     <p:bg>
       <p:bgPr>
         <a:solidFill>
-          <a:srgbClr val="F4F6F6"/>
+          <a:srgbClr val="FFFFFF"/>
         </a:solidFill>
       </p:bgPr>
     </p:bg>
@@ -6114,7 +6056,7 @@
             <a:avLst/>
           </a:prstGeom>
           <a:solidFill>
-            <a:srgbClr val="1C2833"/>
+            <a:srgbClr val="1C4587"/>
           </a:solidFill>
           <a:ln/>
         </p:spPr>
@@ -6198,7 +6140,7 @@
             <a:r>
               <a:rPr lang="en-US" sz="1000" b="1" dirty="0">
                 <a:solidFill>
-                  <a:srgbClr val="1C2833"/>
+                  <a:srgbClr val="1C4587"/>
                 </a:solidFill>
                 <a:latin typeface="Arial" pitchFamily="34" charset="0"/>
                 <a:ea typeface="Arial" pitchFamily="34" charset="-122"/>
@@ -6227,16 +6169,9 @@
             </a:avLst>
           </a:prstGeom>
           <a:solidFill>
-            <a:srgbClr val="FFFFFF"/>
+            <a:srgbClr val="F8F9FA"/>
           </a:solidFill>
           <a:ln/>
-          <a:effectLst>
-            <a:outerShdw sx="100000" sy="100000" kx="0" ky="0" algn="bl" rotWithShape="0" blurRad="38100" dist="13470" dir="2700000">
-              <a:srgbClr val="000000">
-                <a:alpha val="8000"/>
-              </a:srgbClr>
-            </a:outerShdw>
-          </a:effectLst>
         </p:spPr>
         <p:txBody>
           <a:bodyPr wrap="square" rtlCol="0" anchor="ctr"/>
@@ -6266,7 +6201,7 @@
           <a:noFill/>
           <a:ln w="38100">
             <a:solidFill>
-              <a:srgbClr val="27AE60"/>
+              <a:srgbClr val="50B432"/>
             </a:solidFill>
             <a:prstDash val="solid"/>
           </a:ln>
@@ -6299,7 +6234,7 @@
             <a:r>
               <a:rPr lang="en-US" sz="900" b="1" dirty="0">
                 <a:solidFill>
-                  <a:srgbClr val="2C3E50"/>
+                  <a:srgbClr val="333333"/>
                 </a:solidFill>
                 <a:latin typeface="Arial" pitchFamily="34" charset="0"/>
                 <a:ea typeface="Arial" pitchFamily="34" charset="-122"/>
@@ -6338,7 +6273,7 @@
             <a:r>
               <a:rPr lang="en-US" sz="1000" b="1" dirty="0">
                 <a:solidFill>
-                  <a:srgbClr val="27AE60"/>
+                  <a:srgbClr val="50B432"/>
                 </a:solidFill>
                 <a:latin typeface="Arial" pitchFamily="34" charset="0"/>
                 <a:ea typeface="Arial" pitchFamily="34" charset="-122"/>
@@ -6380,7 +6315,7 @@
             <a:r>
               <a:rPr lang="en-US" sz="700" dirty="0">
                 <a:solidFill>
-                  <a:srgbClr val="7F8C8D"/>
+                  <a:srgbClr val="666666"/>
                 </a:solidFill>
                 <a:latin typeface="Arial" pitchFamily="34" charset="0"/>
                 <a:ea typeface="Arial" pitchFamily="34" charset="-122"/>
@@ -6409,16 +6344,9 @@
             </a:avLst>
           </a:prstGeom>
           <a:solidFill>
-            <a:srgbClr val="FFFFFF"/>
+            <a:srgbClr val="F8F9FA"/>
           </a:solidFill>
           <a:ln/>
-          <a:effectLst>
-            <a:outerShdw sx="100000" sy="100000" kx="0" ky="0" algn="bl" rotWithShape="0" blurRad="38100" dist="13470" dir="2700000">
-              <a:srgbClr val="000000">
-                <a:alpha val="8000"/>
-              </a:srgbClr>
-            </a:outerShdw>
-          </a:effectLst>
         </p:spPr>
         <p:txBody>
           <a:bodyPr wrap="square" rtlCol="0" anchor="ctr"/>
@@ -6448,7 +6376,7 @@
           <a:noFill/>
           <a:ln w="38100">
             <a:solidFill>
-              <a:srgbClr val="27AE60"/>
+              <a:srgbClr val="50B432"/>
             </a:solidFill>
             <a:prstDash val="solid"/>
           </a:ln>
@@ -6481,7 +6409,7 @@
             <a:r>
               <a:rPr lang="en-US" sz="900" b="1" dirty="0">
                 <a:solidFill>
-                  <a:srgbClr val="2C3E50"/>
+                  <a:srgbClr val="333333"/>
                 </a:solidFill>
                 <a:latin typeface="Arial" pitchFamily="34" charset="0"/>
                 <a:ea typeface="Arial" pitchFamily="34" charset="-122"/>
@@ -6520,7 +6448,7 @@
             <a:r>
               <a:rPr lang="en-US" sz="1000" b="1" dirty="0">
                 <a:solidFill>
-                  <a:srgbClr val="27AE60"/>
+                  <a:srgbClr val="50B432"/>
                 </a:solidFill>
                 <a:latin typeface="Arial" pitchFamily="34" charset="0"/>
                 <a:ea typeface="Arial" pitchFamily="34" charset="-122"/>
@@ -6562,7 +6490,7 @@
             <a:r>
               <a:rPr lang="en-US" sz="700" dirty="0">
                 <a:solidFill>
-                  <a:srgbClr val="7F8C8D"/>
+                  <a:srgbClr val="666666"/>
                 </a:solidFill>
                 <a:latin typeface="Arial" pitchFamily="34" charset="0"/>
                 <a:ea typeface="Arial" pitchFamily="34" charset="-122"/>
@@ -6591,16 +6519,9 @@
             </a:avLst>
           </a:prstGeom>
           <a:solidFill>
-            <a:srgbClr val="FFFFFF"/>
+            <a:srgbClr val="F8F9FA"/>
           </a:solidFill>
           <a:ln/>
-          <a:effectLst>
-            <a:outerShdw sx="100000" sy="100000" kx="0" ky="0" algn="bl" rotWithShape="0" blurRad="38100" dist="13470" dir="2700000">
-              <a:srgbClr val="000000">
-                <a:alpha val="8000"/>
-              </a:srgbClr>
-            </a:outerShdw>
-          </a:effectLst>
         </p:spPr>
         <p:txBody>
           <a:bodyPr wrap="square" rtlCol="0" anchor="ctr"/>
@@ -6630,7 +6551,7 @@
           <a:noFill/>
           <a:ln w="38100">
             <a:solidFill>
-              <a:srgbClr val="27AE60"/>
+              <a:srgbClr val="50B432"/>
             </a:solidFill>
             <a:prstDash val="solid"/>
           </a:ln>
@@ -6663,7 +6584,7 @@
             <a:r>
               <a:rPr lang="en-US" sz="900" b="1" dirty="0">
                 <a:solidFill>
-                  <a:srgbClr val="2C3E50"/>
+                  <a:srgbClr val="333333"/>
                 </a:solidFill>
                 <a:latin typeface="Arial" pitchFamily="34" charset="0"/>
                 <a:ea typeface="Arial" pitchFamily="34" charset="-122"/>
@@ -6702,7 +6623,7 @@
             <a:r>
               <a:rPr lang="en-US" sz="1000" b="1" dirty="0">
                 <a:solidFill>
-                  <a:srgbClr val="27AE60"/>
+                  <a:srgbClr val="50B432"/>
                 </a:solidFill>
                 <a:latin typeface="Arial" pitchFamily="34" charset="0"/>
                 <a:ea typeface="Arial" pitchFamily="34" charset="-122"/>
@@ -6744,7 +6665,7 @@
             <a:r>
               <a:rPr lang="en-US" sz="700" dirty="0">
                 <a:solidFill>
-                  <a:srgbClr val="7F8C8D"/>
+                  <a:srgbClr val="666666"/>
                 </a:solidFill>
                 <a:latin typeface="Arial" pitchFamily="34" charset="0"/>
                 <a:ea typeface="Arial" pitchFamily="34" charset="-122"/>
@@ -6773,16 +6694,9 @@
             </a:avLst>
           </a:prstGeom>
           <a:solidFill>
-            <a:srgbClr val="FFFFFF"/>
+            <a:srgbClr val="F8F9FA"/>
           </a:solidFill>
           <a:ln/>
-          <a:effectLst>
-            <a:outerShdw sx="100000" sy="100000" kx="0" ky="0" algn="bl" rotWithShape="0" blurRad="38100" dist="13470" dir="2700000">
-              <a:srgbClr val="000000">
-                <a:alpha val="8000"/>
-              </a:srgbClr>
-            </a:outerShdw>
-          </a:effectLst>
         </p:spPr>
         <p:txBody>
           <a:bodyPr wrap="square" rtlCol="0" anchor="ctr"/>
@@ -6812,7 +6726,7 @@
           <a:noFill/>
           <a:ln w="38100">
             <a:solidFill>
-              <a:srgbClr val="27AE60"/>
+              <a:srgbClr val="50B432"/>
             </a:solidFill>
             <a:prstDash val="solid"/>
           </a:ln>
@@ -6845,7 +6759,7 @@
             <a:r>
               <a:rPr lang="en-US" sz="900" b="1" dirty="0">
                 <a:solidFill>
-                  <a:srgbClr val="2C3E50"/>
+                  <a:srgbClr val="333333"/>
                 </a:solidFill>
                 <a:latin typeface="Arial" pitchFamily="34" charset="0"/>
                 <a:ea typeface="Arial" pitchFamily="34" charset="-122"/>
@@ -6884,7 +6798,7 @@
             <a:r>
               <a:rPr lang="en-US" sz="1000" b="1" dirty="0">
                 <a:solidFill>
-                  <a:srgbClr val="27AE60"/>
+                  <a:srgbClr val="50B432"/>
                 </a:solidFill>
                 <a:latin typeface="Arial" pitchFamily="34" charset="0"/>
                 <a:ea typeface="Arial" pitchFamily="34" charset="-122"/>
@@ -6926,7 +6840,7 @@
             <a:r>
               <a:rPr lang="en-US" sz="700" dirty="0">
                 <a:solidFill>
-                  <a:srgbClr val="7F8C8D"/>
+                  <a:srgbClr val="666666"/>
                 </a:solidFill>
                 <a:latin typeface="Arial" pitchFamily="34" charset="0"/>
                 <a:ea typeface="Arial" pitchFamily="34" charset="-122"/>
@@ -6955,16 +6869,9 @@
             </a:avLst>
           </a:prstGeom>
           <a:solidFill>
-            <a:srgbClr val="FFFFFF"/>
+            <a:srgbClr val="F8F9FA"/>
           </a:solidFill>
           <a:ln/>
-          <a:effectLst>
-            <a:outerShdw sx="100000" sy="100000" kx="0" ky="0" algn="bl" rotWithShape="0" blurRad="38100" dist="13470" dir="2700000">
-              <a:srgbClr val="000000">
-                <a:alpha val="8000"/>
-              </a:srgbClr>
-            </a:outerShdw>
-          </a:effectLst>
         </p:spPr>
         <p:txBody>
           <a:bodyPr wrap="square" rtlCol="0" anchor="ctr"/>
@@ -6994,7 +6901,7 @@
           <a:noFill/>
           <a:ln w="38100">
             <a:solidFill>
-              <a:srgbClr val="27AE60"/>
+              <a:srgbClr val="50B432"/>
             </a:solidFill>
             <a:prstDash val="solid"/>
           </a:ln>
@@ -7027,7 +6934,7 @@
             <a:r>
               <a:rPr lang="en-US" sz="900" b="1" dirty="0">
                 <a:solidFill>
-                  <a:srgbClr val="2C3E50"/>
+                  <a:srgbClr val="333333"/>
                 </a:solidFill>
                 <a:latin typeface="Arial" pitchFamily="34" charset="0"/>
                 <a:ea typeface="Arial" pitchFamily="34" charset="-122"/>
@@ -7066,7 +6973,7 @@
             <a:r>
               <a:rPr lang="en-US" sz="1000" b="1" dirty="0">
                 <a:solidFill>
-                  <a:srgbClr val="27AE60"/>
+                  <a:srgbClr val="50B432"/>
                 </a:solidFill>
                 <a:latin typeface="Arial" pitchFamily="34" charset="0"/>
                 <a:ea typeface="Arial" pitchFamily="34" charset="-122"/>
@@ -7108,7 +7015,7 @@
             <a:r>
               <a:rPr lang="en-US" sz="700" dirty="0">
                 <a:solidFill>
-                  <a:srgbClr val="7F8C8D"/>
+                  <a:srgbClr val="666666"/>
                 </a:solidFill>
                 <a:latin typeface="Arial" pitchFamily="34" charset="0"/>
                 <a:ea typeface="Arial" pitchFamily="34" charset="-122"/>
@@ -7150,7 +7057,7 @@
             <a:r>
               <a:rPr lang="en-US" sz="1000" b="1" dirty="0">
                 <a:solidFill>
-                  <a:srgbClr val="1C2833"/>
+                  <a:srgbClr val="1C4587"/>
                 </a:solidFill>
                 <a:latin typeface="Arial" pitchFamily="34" charset="0"/>
                 <a:ea typeface="Arial" pitchFamily="34" charset="-122"/>
@@ -7179,16 +7086,9 @@
             </a:avLst>
           </a:prstGeom>
           <a:solidFill>
-            <a:srgbClr val="FFFFFF"/>
+            <a:srgbClr val="F8F9FA"/>
           </a:solidFill>
           <a:ln/>
-          <a:effectLst>
-            <a:outerShdw sx="100000" sy="100000" kx="0" ky="0" algn="bl" rotWithShape="0" blurRad="38100" dist="13470" dir="2700000">
-              <a:srgbClr val="000000">
-                <a:alpha val="8000"/>
-              </a:srgbClr>
-            </a:outerShdw>
-          </a:effectLst>
         </p:spPr>
         <p:txBody>
           <a:bodyPr wrap="square" rtlCol="0" anchor="ctr"/>
@@ -7218,7 +7118,7 @@
           <a:noFill/>
           <a:ln w="38100">
             <a:solidFill>
-              <a:srgbClr val="C0392B"/>
+              <a:srgbClr val="ED561B"/>
             </a:solidFill>
             <a:prstDash val="solid"/>
           </a:ln>
@@ -7251,7 +7151,7 @@
             <a:r>
               <a:rPr lang="en-US" sz="900" b="1" dirty="0">
                 <a:solidFill>
-                  <a:srgbClr val="2C3E50"/>
+                  <a:srgbClr val="333333"/>
                 </a:solidFill>
                 <a:latin typeface="Arial" pitchFamily="34" charset="0"/>
                 <a:ea typeface="Arial" pitchFamily="34" charset="-122"/>
@@ -7290,7 +7190,7 @@
             <a:r>
               <a:rPr lang="en-US" sz="1000" b="1" dirty="0">
                 <a:solidFill>
-                  <a:srgbClr val="C0392B"/>
+                  <a:srgbClr val="ED561B"/>
                 </a:solidFill>
                 <a:latin typeface="Arial" pitchFamily="34" charset="0"/>
                 <a:ea typeface="Arial" pitchFamily="34" charset="-122"/>
@@ -7332,7 +7232,7 @@
             <a:r>
               <a:rPr lang="en-US" sz="700" dirty="0">
                 <a:solidFill>
-                  <a:srgbClr val="7F8C8D"/>
+                  <a:srgbClr val="666666"/>
                 </a:solidFill>
                 <a:latin typeface="Arial" pitchFamily="34" charset="0"/>
                 <a:ea typeface="Arial" pitchFamily="34" charset="-122"/>
@@ -7361,16 +7261,9 @@
             </a:avLst>
           </a:prstGeom>
           <a:solidFill>
-            <a:srgbClr val="FFFFFF"/>
+            <a:srgbClr val="F8F9FA"/>
           </a:solidFill>
           <a:ln/>
-          <a:effectLst>
-            <a:outerShdw sx="100000" sy="100000" kx="0" ky="0" algn="bl" rotWithShape="0" blurRad="38100" dist="13470" dir="2700000">
-              <a:srgbClr val="000000">
-                <a:alpha val="8000"/>
-              </a:srgbClr>
-            </a:outerShdw>
-          </a:effectLst>
         </p:spPr>
         <p:txBody>
           <a:bodyPr wrap="square" rtlCol="0" anchor="ctr"/>
@@ -7400,7 +7293,7 @@
           <a:noFill/>
           <a:ln w="38100">
             <a:solidFill>
-              <a:srgbClr val="C0392B"/>
+              <a:srgbClr val="ED561B"/>
             </a:solidFill>
             <a:prstDash val="solid"/>
           </a:ln>
@@ -7433,7 +7326,7 @@
             <a:r>
               <a:rPr lang="en-US" sz="900" b="1" dirty="0">
                 <a:solidFill>
-                  <a:srgbClr val="2C3E50"/>
+                  <a:srgbClr val="333333"/>
                 </a:solidFill>
                 <a:latin typeface="Arial" pitchFamily="34" charset="0"/>
                 <a:ea typeface="Arial" pitchFamily="34" charset="-122"/>
@@ -7472,7 +7365,7 @@
             <a:r>
               <a:rPr lang="en-US" sz="1000" b="1" dirty="0">
                 <a:solidFill>
-                  <a:srgbClr val="C0392B"/>
+                  <a:srgbClr val="ED561B"/>
                 </a:solidFill>
                 <a:latin typeface="Arial" pitchFamily="34" charset="0"/>
                 <a:ea typeface="Arial" pitchFamily="34" charset="-122"/>
@@ -7514,7 +7407,7 @@
             <a:r>
               <a:rPr lang="en-US" sz="700" dirty="0">
                 <a:solidFill>
-                  <a:srgbClr val="7F8C8D"/>
+                  <a:srgbClr val="666666"/>
                 </a:solidFill>
                 <a:latin typeface="Arial" pitchFamily="34" charset="0"/>
                 <a:ea typeface="Arial" pitchFamily="34" charset="-122"/>
@@ -7543,7 +7436,7 @@
             </a:avLst>
           </a:prstGeom>
           <a:solidFill>
-            <a:srgbClr val="FEF9E7"/>
+            <a:srgbClr val="FFF8E1"/>
           </a:solidFill>
           <a:ln/>
         </p:spPr>
@@ -7575,7 +7468,7 @@
           <a:noFill/>
           <a:ln w="38100">
             <a:solidFill>
-              <a:srgbClr val="F39C12"/>
+              <a:srgbClr val="ED561B"/>
             </a:solidFill>
             <a:prstDash val="solid"/>
           </a:ln>
@@ -7611,7 +7504,7 @@
             <a:r>
               <a:rPr lang="en-US" sz="900" b="1" dirty="0">
                 <a:solidFill>
-                  <a:srgbClr val="9A7D0A"/>
+                  <a:srgbClr val="E65100"/>
                 </a:solidFill>
                 <a:latin typeface="Arial" pitchFamily="34" charset="0"/>
                 <a:ea typeface="Arial" pitchFamily="34" charset="-122"/>
@@ -7653,7 +7546,7 @@
             <a:r>
               <a:rPr lang="en-US" sz="800" dirty="0">
                 <a:solidFill>
-                  <a:srgbClr val="7D6608"/>
+                  <a:srgbClr val="BF360C"/>
                 </a:solidFill>
                 <a:latin typeface="Arial" pitchFamily="34" charset="0"/>
                 <a:ea typeface="Arial" pitchFamily="34" charset="-122"/>
@@ -7695,7 +7588,7 @@
             <a:r>
               <a:rPr lang="en-US" sz="800" dirty="0">
                 <a:solidFill>
-                  <a:srgbClr val="7D6608"/>
+                  <a:srgbClr val="BF360C"/>
                 </a:solidFill>
                 <a:latin typeface="Arial" pitchFamily="34" charset="0"/>
                 <a:ea typeface="Arial" pitchFamily="34" charset="-122"/>
@@ -7737,7 +7630,7 @@
             <a:r>
               <a:rPr lang="en-US" sz="800" dirty="0">
                 <a:solidFill>
-                  <a:srgbClr val="7D6608"/>
+                  <a:srgbClr val="BF360C"/>
                 </a:solidFill>
                 <a:latin typeface="Arial" pitchFamily="34" charset="0"/>
                 <a:ea typeface="Arial" pitchFamily="34" charset="-122"/>
@@ -7766,7 +7659,7 @@
             </a:avLst>
           </a:prstGeom>
           <a:solidFill>
-            <a:srgbClr val="1C2833"/>
+            <a:srgbClr val="1C4587"/>
           </a:solidFill>
           <a:ln/>
         </p:spPr>
@@ -7808,7 +7701,7 @@
             <a:r>
               <a:rPr lang="en-US" sz="900" dirty="0">
                 <a:solidFill>
-                  <a:srgbClr val="BDC3C7"/>
+                  <a:srgbClr val="AAAAAA"/>
                 </a:solidFill>
                 <a:latin typeface="Arial" pitchFamily="34" charset="0"/>
                 <a:ea typeface="Arial" pitchFamily="34" charset="-122"/>
@@ -7850,7 +7743,7 @@
             <a:r>
               <a:rPr lang="en-US" sz="1600" b="1" dirty="0">
                 <a:solidFill>
-                  <a:srgbClr val="27AE60"/>
+                  <a:srgbClr val="50B432"/>
                 </a:solidFill>
                 <a:latin typeface="Arial" pitchFamily="34" charset="0"/>
                 <a:ea typeface="Arial" pitchFamily="34" charset="-122"/>
@@ -7876,7 +7769,7 @@
     <p:bg>
       <p:bgPr>
         <a:solidFill>
-          <a:srgbClr val="F4F6F6"/>
+          <a:srgbClr val="FFFFFF"/>
         </a:solidFill>
       </p:bgPr>
     </p:bg>
@@ -7909,7 +7802,7 @@
             <a:avLst/>
           </a:prstGeom>
           <a:solidFill>
-            <a:srgbClr val="C0392B"/>
+            <a:srgbClr val="ED561B"/>
           </a:solidFill>
           <a:ln/>
         </p:spPr>
@@ -7980,16 +7873,9 @@
             </a:avLst>
           </a:prstGeom>
           <a:solidFill>
-            <a:srgbClr val="FFFFFF"/>
+            <a:srgbClr val="F8F9FA"/>
           </a:solidFill>
           <a:ln/>
-          <a:effectLst>
-            <a:outerShdw sx="100000" sy="100000" kx="0" ky="0" algn="bl" rotWithShape="0" blurRad="38100" dist="13470" dir="2700000">
-              <a:srgbClr val="000000">
-                <a:alpha val="8000"/>
-              </a:srgbClr>
-            </a:outerShdw>
-          </a:effectLst>
         </p:spPr>
         <p:txBody>
           <a:bodyPr wrap="square" rtlCol="0" anchor="ctr"/>
@@ -8029,7 +7915,7 @@
             <a:r>
               <a:rPr lang="en-US" sz="1100" b="1" dirty="0">
                 <a:solidFill>
-                  <a:srgbClr val="C0392B"/>
+                  <a:srgbClr val="ED561B"/>
                 </a:solidFill>
                 <a:latin typeface="Arial" pitchFamily="34" charset="0"/>
                 <a:ea typeface="Arial" pitchFamily="34" charset="-122"/>
@@ -8058,7 +7944,7 @@
             </a:avLst>
           </a:prstGeom>
           <a:solidFill>
-            <a:srgbClr val="FADBD8"/>
+            <a:srgbClr val="FFEBEE"/>
           </a:solidFill>
           <a:ln/>
         </p:spPr>
@@ -8100,7 +7986,7 @@
             <a:r>
               <a:rPr lang="en-US" sz="800" b="1" dirty="0">
                 <a:solidFill>
-                  <a:srgbClr val="922B21"/>
+                  <a:srgbClr val="ED561B"/>
                 </a:solidFill>
                 <a:latin typeface="Arial" pitchFamily="34" charset="0"/>
                 <a:ea typeface="Arial" pitchFamily="34" charset="-122"/>
@@ -8142,7 +8028,7 @@
             <a:r>
               <a:rPr lang="en-US" sz="900" dirty="0">
                 <a:solidFill>
-                  <a:srgbClr val="2C3E50"/>
+                  <a:srgbClr val="333333"/>
                 </a:solidFill>
                 <a:latin typeface="Arial" pitchFamily="34" charset="0"/>
                 <a:ea typeface="Arial" pitchFamily="34" charset="-122"/>
@@ -8181,7 +8067,7 @@
             <a:r>
               <a:rPr lang="en-US" sz="800" dirty="0">
                 <a:solidFill>
-                  <a:srgbClr val="7F8C8D"/>
+                  <a:srgbClr val="666666"/>
                 </a:solidFill>
                 <a:latin typeface="Arial" pitchFamily="34" charset="0"/>
                 <a:ea typeface="Arial" pitchFamily="34" charset="-122"/>
@@ -8210,16 +8096,9 @@
             </a:avLst>
           </a:prstGeom>
           <a:solidFill>
-            <a:srgbClr val="FFFFFF"/>
+            <a:srgbClr val="F8F9FA"/>
           </a:solidFill>
           <a:ln/>
-          <a:effectLst>
-            <a:outerShdw sx="100000" sy="100000" kx="0" ky="0" algn="bl" rotWithShape="0" blurRad="38100" dist="13470" dir="2700000">
-              <a:srgbClr val="000000">
-                <a:alpha val="8000"/>
-              </a:srgbClr>
-            </a:outerShdw>
-          </a:effectLst>
         </p:spPr>
         <p:txBody>
           <a:bodyPr wrap="square" rtlCol="0" anchor="ctr"/>
@@ -8259,7 +8138,7 @@
             <a:r>
               <a:rPr lang="en-US" sz="1100" b="1" dirty="0">
                 <a:solidFill>
-                  <a:srgbClr val="C0392B"/>
+                  <a:srgbClr val="ED561B"/>
                 </a:solidFill>
                 <a:latin typeface="Arial" pitchFamily="34" charset="0"/>
                 <a:ea typeface="Arial" pitchFamily="34" charset="-122"/>
@@ -8288,7 +8167,7 @@
             </a:avLst>
           </a:prstGeom>
           <a:solidFill>
-            <a:srgbClr val="FADBD8"/>
+            <a:srgbClr val="FFEBEE"/>
           </a:solidFill>
           <a:ln/>
         </p:spPr>
@@ -8330,7 +8209,7 @@
             <a:r>
               <a:rPr lang="en-US" sz="800" b="1" dirty="0">
                 <a:solidFill>
-                  <a:srgbClr val="922B21"/>
+                  <a:srgbClr val="ED561B"/>
                 </a:solidFill>
                 <a:latin typeface="Arial" pitchFamily="34" charset="0"/>
                 <a:ea typeface="Arial" pitchFamily="34" charset="-122"/>
@@ -8372,7 +8251,7 @@
             <a:r>
               <a:rPr lang="en-US" sz="900" dirty="0">
                 <a:solidFill>
-                  <a:srgbClr val="2C3E50"/>
+                  <a:srgbClr val="333333"/>
                 </a:solidFill>
                 <a:latin typeface="Arial" pitchFamily="34" charset="0"/>
                 <a:ea typeface="Arial" pitchFamily="34" charset="-122"/>
@@ -8411,7 +8290,7 @@
             <a:r>
               <a:rPr lang="en-US" sz="800" dirty="0">
                 <a:solidFill>
-                  <a:srgbClr val="7F8C8D"/>
+                  <a:srgbClr val="666666"/>
                 </a:solidFill>
                 <a:latin typeface="Arial" pitchFamily="34" charset="0"/>
                 <a:ea typeface="Arial" pitchFamily="34" charset="-122"/>
@@ -8440,16 +8319,9 @@
             </a:avLst>
           </a:prstGeom>
           <a:solidFill>
-            <a:srgbClr val="FFFFFF"/>
+            <a:srgbClr val="F8F9FA"/>
           </a:solidFill>
           <a:ln/>
-          <a:effectLst>
-            <a:outerShdw sx="100000" sy="100000" kx="0" ky="0" algn="bl" rotWithShape="0" blurRad="38100" dist="13470" dir="2700000">
-              <a:srgbClr val="000000">
-                <a:alpha val="8000"/>
-              </a:srgbClr>
-            </a:outerShdw>
-          </a:effectLst>
         </p:spPr>
         <p:txBody>
           <a:bodyPr wrap="square" rtlCol="0" anchor="ctr"/>
@@ -8489,7 +8361,7 @@
             <a:r>
               <a:rPr lang="en-US" sz="1100" b="1" dirty="0">
                 <a:solidFill>
-                  <a:srgbClr val="C0392B"/>
+                  <a:srgbClr val="ED561B"/>
                 </a:solidFill>
                 <a:latin typeface="Arial" pitchFamily="34" charset="0"/>
                 <a:ea typeface="Arial" pitchFamily="34" charset="-122"/>
@@ -8518,7 +8390,7 @@
             </a:avLst>
           </a:prstGeom>
           <a:solidFill>
-            <a:srgbClr val="FADBD8"/>
+            <a:srgbClr val="FFEBEE"/>
           </a:solidFill>
           <a:ln/>
         </p:spPr>
@@ -8560,7 +8432,7 @@
             <a:r>
               <a:rPr lang="en-US" sz="800" b="1" dirty="0">
                 <a:solidFill>
-                  <a:srgbClr val="922B21"/>
+                  <a:srgbClr val="ED561B"/>
                 </a:solidFill>
                 <a:latin typeface="Arial" pitchFamily="34" charset="0"/>
                 <a:ea typeface="Arial" pitchFamily="34" charset="-122"/>
@@ -8602,7 +8474,7 @@
             <a:r>
               <a:rPr lang="en-US" sz="900" dirty="0">
                 <a:solidFill>
-                  <a:srgbClr val="2C3E50"/>
+                  <a:srgbClr val="333333"/>
                 </a:solidFill>
                 <a:latin typeface="Arial" pitchFamily="34" charset="0"/>
                 <a:ea typeface="Arial" pitchFamily="34" charset="-122"/>
@@ -8641,7 +8513,7 @@
             <a:r>
               <a:rPr lang="en-US" sz="800" dirty="0">
                 <a:solidFill>
-                  <a:srgbClr val="7F8C8D"/>
+                  <a:srgbClr val="666666"/>
                 </a:solidFill>
                 <a:latin typeface="Arial" pitchFamily="34" charset="0"/>
                 <a:ea typeface="Arial" pitchFamily="34" charset="-122"/>
@@ -8670,16 +8542,9 @@
             </a:avLst>
           </a:prstGeom>
           <a:solidFill>
-            <a:srgbClr val="FFFFFF"/>
+            <a:srgbClr val="F8F9FA"/>
           </a:solidFill>
           <a:ln/>
-          <a:effectLst>
-            <a:outerShdw sx="100000" sy="100000" kx="0" ky="0" algn="bl" rotWithShape="0" blurRad="38100" dist="13470" dir="2700000">
-              <a:srgbClr val="000000">
-                <a:alpha val="8000"/>
-              </a:srgbClr>
-            </a:outerShdw>
-          </a:effectLst>
         </p:spPr>
         <p:txBody>
           <a:bodyPr wrap="square" rtlCol="0" anchor="ctr"/>
@@ -8722,7 +8587,7 @@
             <a:r>
               <a:rPr lang="en-US" sz="1100" b="1" dirty="0">
                 <a:solidFill>
-                  <a:srgbClr val="1C2833"/>
+                  <a:srgbClr val="1C4587"/>
                 </a:solidFill>
                 <a:latin typeface="Arial" pitchFamily="34" charset="0"/>
                 <a:ea typeface="Arial" pitchFamily="34" charset="-122"/>
@@ -8751,7 +8616,7 @@
           <a:noFill/>
           <a:ln w="9525">
             <a:solidFill>
-              <a:srgbClr val="ECF0F1"/>
+              <a:srgbClr val="E0E0E0"/>
             </a:solidFill>
             <a:prstDash val="solid"/>
           </a:ln>
@@ -8790,7 +8655,7 @@
             <a:r>
               <a:rPr lang="en-US" sz="900" dirty="0">
                 <a:solidFill>
-                  <a:srgbClr val="2C3E50"/>
+                  <a:srgbClr val="333333"/>
                 </a:solidFill>
                 <a:latin typeface="Arial" pitchFamily="34" charset="0"/>
                 <a:ea typeface="Arial" pitchFamily="34" charset="-122"/>
@@ -8835,7 +8700,7 @@
             <a:r>
               <a:rPr lang="en-US" sz="900" b="1" dirty="0">
                 <a:solidFill>
-                  <a:srgbClr val="1C2833"/>
+                  <a:srgbClr val="1C4587"/>
                 </a:solidFill>
                 <a:latin typeface="Arial" pitchFamily="34" charset="0"/>
                 <a:ea typeface="Arial" pitchFamily="34" charset="-122"/>
@@ -8864,7 +8729,7 @@
           <a:noFill/>
           <a:ln w="9525">
             <a:solidFill>
-              <a:srgbClr val="ECF0F1"/>
+              <a:srgbClr val="E0E0E0"/>
             </a:solidFill>
             <a:prstDash val="solid"/>
           </a:ln>
@@ -8903,7 +8768,7 @@
             <a:r>
               <a:rPr lang="en-US" sz="900" dirty="0">
                 <a:solidFill>
-                  <a:srgbClr val="2C3E50"/>
+                  <a:srgbClr val="333333"/>
                 </a:solidFill>
                 <a:latin typeface="Arial" pitchFamily="34" charset="0"/>
                 <a:ea typeface="Arial" pitchFamily="34" charset="-122"/>
@@ -8948,7 +8813,7 @@
             <a:r>
               <a:rPr lang="en-US" sz="900" b="1" dirty="0">
                 <a:solidFill>
-                  <a:srgbClr val="1C2833"/>
+                  <a:srgbClr val="1C4587"/>
                 </a:solidFill>
                 <a:latin typeface="Arial" pitchFamily="34" charset="0"/>
                 <a:ea typeface="Arial" pitchFamily="34" charset="-122"/>
@@ -8977,7 +8842,7 @@
           <a:noFill/>
           <a:ln w="9525">
             <a:solidFill>
-              <a:srgbClr val="ECF0F1"/>
+              <a:srgbClr val="E0E0E0"/>
             </a:solidFill>
             <a:prstDash val="solid"/>
           </a:ln>
@@ -9016,7 +8881,7 @@
             <a:r>
               <a:rPr lang="en-US" sz="900" dirty="0">
                 <a:solidFill>
-                  <a:srgbClr val="2C3E50"/>
+                  <a:srgbClr val="333333"/>
                 </a:solidFill>
                 <a:latin typeface="Arial" pitchFamily="34" charset="0"/>
                 <a:ea typeface="Arial" pitchFamily="34" charset="-122"/>
@@ -9061,7 +8926,7 @@
             <a:r>
               <a:rPr lang="en-US" sz="900" b="1" dirty="0">
                 <a:solidFill>
-                  <a:srgbClr val="1C2833"/>
+                  <a:srgbClr val="1C4587"/>
                 </a:solidFill>
                 <a:latin typeface="Arial" pitchFamily="34" charset="0"/>
                 <a:ea typeface="Arial" pitchFamily="34" charset="-122"/>
@@ -9106,7 +8971,7 @@
             <a:r>
               <a:rPr lang="en-US" sz="900" dirty="0">
                 <a:solidFill>
-                  <a:srgbClr val="2C3E50"/>
+                  <a:srgbClr val="333333"/>
                 </a:solidFill>
                 <a:latin typeface="Arial" pitchFamily="34" charset="0"/>
                 <a:ea typeface="Arial" pitchFamily="34" charset="-122"/>
@@ -9151,7 +9016,7 @@
             <a:r>
               <a:rPr lang="en-US" sz="900" b="1" dirty="0">
                 <a:solidFill>
-                  <a:srgbClr val="C0392B"/>
+                  <a:srgbClr val="ED561B"/>
                 </a:solidFill>
                 <a:latin typeface="Arial" pitchFamily="34" charset="0"/>
                 <a:ea typeface="Arial" pitchFamily="34" charset="-122"/>
@@ -9180,16 +9045,9 @@
             </a:avLst>
           </a:prstGeom>
           <a:solidFill>
-            <a:srgbClr val="FFFFFF"/>
+            <a:srgbClr val="FFF8E1"/>
           </a:solidFill>
           <a:ln/>
-          <a:effectLst>
-            <a:outerShdw sx="100000" sy="100000" kx="0" ky="0" algn="bl" rotWithShape="0" blurRad="38100" dist="13470" dir="2700000">
-              <a:srgbClr val="000000">
-                <a:alpha val="8000"/>
-              </a:srgbClr>
-            </a:outerShdw>
-          </a:effectLst>
         </p:spPr>
         <p:txBody>
           <a:bodyPr wrap="square" rtlCol="0" anchor="ctr"/>
@@ -9219,7 +9077,7 @@
           <a:noFill/>
           <a:ln w="38100">
             <a:solidFill>
-              <a:srgbClr val="F39C12"/>
+              <a:srgbClr val="ED561B"/>
             </a:solidFill>
             <a:prstDash val="solid"/>
           </a:ln>
@@ -9255,7 +9113,7 @@
             <a:r>
               <a:rPr lang="en-US" sz="1000" b="1" dirty="0">
                 <a:solidFill>
-                  <a:srgbClr val="9A7D0A"/>
+                  <a:srgbClr val="E65100"/>
                 </a:solidFill>
                 <a:latin typeface="Arial" pitchFamily="34" charset="0"/>
                 <a:ea typeface="Arial" pitchFamily="34" charset="-122"/>
@@ -9297,7 +9155,7 @@
             <a:r>
               <a:rPr lang="en-US" sz="800" dirty="0">
                 <a:solidFill>
-                  <a:srgbClr val="2C3E50"/>
+                  <a:srgbClr val="333333"/>
                 </a:solidFill>
                 <a:latin typeface="Arial" pitchFamily="34" charset="0"/>
                 <a:ea typeface="Arial" pitchFamily="34" charset="-122"/>
@@ -9339,7 +9197,7 @@
             <a:r>
               <a:rPr lang="en-US" sz="800" dirty="0">
                 <a:solidFill>
-                  <a:srgbClr val="2C3E50"/>
+                  <a:srgbClr val="333333"/>
                 </a:solidFill>
                 <a:latin typeface="Arial" pitchFamily="34" charset="0"/>
                 <a:ea typeface="Arial" pitchFamily="34" charset="-122"/>
@@ -9381,7 +9239,7 @@
             <a:r>
               <a:rPr lang="en-US" sz="800" dirty="0">
                 <a:solidFill>
-                  <a:srgbClr val="2C3E50"/>
+                  <a:srgbClr val="333333"/>
                 </a:solidFill>
                 <a:latin typeface="Arial" pitchFamily="34" charset="0"/>
                 <a:ea typeface="Arial" pitchFamily="34" charset="-122"/>
@@ -9423,7 +9281,7 @@
             <a:r>
               <a:rPr lang="en-US" sz="800" dirty="0">
                 <a:solidFill>
-                  <a:srgbClr val="2C3E50"/>
+                  <a:srgbClr val="333333"/>
                 </a:solidFill>
                 <a:latin typeface="Arial" pitchFamily="34" charset="0"/>
                 <a:ea typeface="Arial" pitchFamily="34" charset="-122"/>
@@ -9465,7 +9323,7 @@
             <a:r>
               <a:rPr lang="en-US" sz="800" dirty="0">
                 <a:solidFill>
-                  <a:srgbClr val="7F8C8D"/>
+                  <a:srgbClr val="666666"/>
                 </a:solidFill>
                 <a:latin typeface="Arial" pitchFamily="34" charset="0"/>
                 <a:ea typeface="Arial" pitchFamily="34" charset="-122"/>
@@ -9491,7 +9349,7 @@
     <p:bg>
       <p:bgPr>
         <a:solidFill>
-          <a:srgbClr val="F4F6F6"/>
+          <a:srgbClr val="FFFFFF"/>
         </a:solidFill>
       </p:bgPr>
     </p:bg>
@@ -9524,7 +9382,7 @@
             <a:avLst/>
           </a:prstGeom>
           <a:solidFill>
-            <a:srgbClr val="1C2833"/>
+            <a:srgbClr val="1C4587"/>
           </a:solidFill>
           <a:ln/>
         </p:spPr>
@@ -9608,7 +9466,7 @@
             <a:r>
               <a:rPr lang="en-US" sz="1100" b="1" dirty="0">
                 <a:solidFill>
-                  <a:srgbClr val="1C2833"/>
+                  <a:srgbClr val="1C4587"/>
                 </a:solidFill>
                 <a:latin typeface="Arial" pitchFamily="34" charset="0"/>
                 <a:ea typeface="Arial" pitchFamily="34" charset="-122"/>
@@ -9637,16 +9495,9 @@
             </a:avLst>
           </a:prstGeom>
           <a:solidFill>
-            <a:srgbClr val="FFFFFF"/>
+            <a:srgbClr val="F8F9FA"/>
           </a:solidFill>
           <a:ln/>
-          <a:effectLst>
-            <a:outerShdw sx="100000" sy="100000" kx="0" ky="0" algn="bl" rotWithShape="0" blurRad="38100" dist="13470" dir="2700000">
-              <a:srgbClr val="000000">
-                <a:alpha val="8000"/>
-              </a:srgbClr>
-            </a:outerShdw>
-          </a:effectLst>
         </p:spPr>
         <p:txBody>
           <a:bodyPr wrap="square" rtlCol="0" anchor="ctr"/>
@@ -9676,7 +9527,7 @@
           <a:noFill/>
           <a:ln w="38100">
             <a:solidFill>
-              <a:srgbClr val="3498DB"/>
+              <a:srgbClr val="058DC7"/>
             </a:solidFill>
             <a:prstDash val="solid"/>
           </a:ln>
@@ -9712,7 +9563,7 @@
             <a:r>
               <a:rPr lang="en-US" sz="1000" b="1" dirty="0">
                 <a:solidFill>
-                  <a:srgbClr val="1C2833"/>
+                  <a:srgbClr val="1C4587"/>
                 </a:solidFill>
                 <a:latin typeface="Arial" pitchFamily="34" charset="0"/>
                 <a:ea typeface="Arial" pitchFamily="34" charset="-122"/>
@@ -9751,7 +9602,7 @@
             <a:r>
               <a:rPr lang="en-US" sz="800" dirty="0">
                 <a:solidFill>
-                  <a:srgbClr val="2C3E50"/>
+                  <a:srgbClr val="333333"/>
                 </a:solidFill>
                 <a:latin typeface="Arial" pitchFamily="34" charset="0"/>
                 <a:ea typeface="Arial" pitchFamily="34" charset="-122"/>
@@ -9780,16 +9631,9 @@
             </a:avLst>
           </a:prstGeom>
           <a:solidFill>
-            <a:srgbClr val="FFFFFF"/>
+            <a:srgbClr val="F8F9FA"/>
           </a:solidFill>
           <a:ln/>
-          <a:effectLst>
-            <a:outerShdw sx="100000" sy="100000" kx="0" ky="0" algn="bl" rotWithShape="0" blurRad="38100" dist="13470" dir="2700000">
-              <a:srgbClr val="000000">
-                <a:alpha val="8000"/>
-              </a:srgbClr>
-            </a:outerShdw>
-          </a:effectLst>
         </p:spPr>
         <p:txBody>
           <a:bodyPr wrap="square" rtlCol="0" anchor="ctr"/>
@@ -9819,7 +9663,7 @@
           <a:noFill/>
           <a:ln w="38100">
             <a:solidFill>
-              <a:srgbClr val="3498DB"/>
+              <a:srgbClr val="058DC7"/>
             </a:solidFill>
             <a:prstDash val="solid"/>
           </a:ln>
@@ -9855,7 +9699,7 @@
             <a:r>
               <a:rPr lang="en-US" sz="1000" b="1" dirty="0">
                 <a:solidFill>
-                  <a:srgbClr val="1C2833"/>
+                  <a:srgbClr val="1C4587"/>
                 </a:solidFill>
                 <a:latin typeface="Arial" pitchFamily="34" charset="0"/>
                 <a:ea typeface="Arial" pitchFamily="34" charset="-122"/>
@@ -9894,7 +9738,7 @@
             <a:r>
               <a:rPr lang="en-US" sz="800" dirty="0">
                 <a:solidFill>
-                  <a:srgbClr val="2C3E50"/>
+                  <a:srgbClr val="333333"/>
                 </a:solidFill>
                 <a:latin typeface="Arial" pitchFamily="34" charset="0"/>
                 <a:ea typeface="Arial" pitchFamily="34" charset="-122"/>
@@ -9923,16 +9767,9 @@
             </a:avLst>
           </a:prstGeom>
           <a:solidFill>
-            <a:srgbClr val="FFFFFF"/>
+            <a:srgbClr val="F8F9FA"/>
           </a:solidFill>
           <a:ln/>
-          <a:effectLst>
-            <a:outerShdw sx="100000" sy="100000" kx="0" ky="0" algn="bl" rotWithShape="0" blurRad="38100" dist="13470" dir="2700000">
-              <a:srgbClr val="000000">
-                <a:alpha val="8000"/>
-              </a:srgbClr>
-            </a:outerShdw>
-          </a:effectLst>
         </p:spPr>
         <p:txBody>
           <a:bodyPr wrap="square" rtlCol="0" anchor="ctr"/>
@@ -9962,7 +9799,7 @@
           <a:noFill/>
           <a:ln w="38100">
             <a:solidFill>
-              <a:srgbClr val="3498DB"/>
+              <a:srgbClr val="058DC7"/>
             </a:solidFill>
             <a:prstDash val="solid"/>
           </a:ln>
@@ -9998,7 +9835,7 @@
             <a:r>
               <a:rPr lang="en-US" sz="1000" b="1" dirty="0">
                 <a:solidFill>
-                  <a:srgbClr val="1C2833"/>
+                  <a:srgbClr val="1C4587"/>
                 </a:solidFill>
                 <a:latin typeface="Arial" pitchFamily="34" charset="0"/>
                 <a:ea typeface="Arial" pitchFamily="34" charset="-122"/>
@@ -10037,7 +9874,7 @@
             <a:r>
               <a:rPr lang="en-US" sz="800" dirty="0">
                 <a:solidFill>
-                  <a:srgbClr val="2C3E50"/>
+                  <a:srgbClr val="333333"/>
                 </a:solidFill>
                 <a:latin typeface="Arial" pitchFamily="34" charset="0"/>
                 <a:ea typeface="Arial" pitchFamily="34" charset="-122"/>
@@ -10066,16 +9903,9 @@
             </a:avLst>
           </a:prstGeom>
           <a:solidFill>
-            <a:srgbClr val="FFFFFF"/>
+            <a:srgbClr val="F8F9FA"/>
           </a:solidFill>
           <a:ln/>
-          <a:effectLst>
-            <a:outerShdw sx="100000" sy="100000" kx="0" ky="0" algn="bl" rotWithShape="0" blurRad="38100" dist="13470" dir="2700000">
-              <a:srgbClr val="000000">
-                <a:alpha val="8000"/>
-              </a:srgbClr>
-            </a:outerShdw>
-          </a:effectLst>
         </p:spPr>
         <p:txBody>
           <a:bodyPr wrap="square" rtlCol="0" anchor="ctr"/>
@@ -10105,7 +9935,7 @@
           <a:noFill/>
           <a:ln w="38100">
             <a:solidFill>
-              <a:srgbClr val="3498DB"/>
+              <a:srgbClr val="058DC7"/>
             </a:solidFill>
             <a:prstDash val="solid"/>
           </a:ln>
@@ -10141,7 +9971,7 @@
             <a:r>
               <a:rPr lang="en-US" sz="1000" b="1" dirty="0">
                 <a:solidFill>
-                  <a:srgbClr val="1C2833"/>
+                  <a:srgbClr val="1C4587"/>
                 </a:solidFill>
                 <a:latin typeface="Arial" pitchFamily="34" charset="0"/>
                 <a:ea typeface="Arial" pitchFamily="34" charset="-122"/>
@@ -10180,7 +10010,7 @@
             <a:r>
               <a:rPr lang="en-US" sz="800" dirty="0">
                 <a:solidFill>
-                  <a:srgbClr val="2C3E50"/>
+                  <a:srgbClr val="333333"/>
                 </a:solidFill>
                 <a:latin typeface="Arial" pitchFamily="34" charset="0"/>
                 <a:ea typeface="Arial" pitchFamily="34" charset="-122"/>
@@ -10222,7 +10052,7 @@
             <a:r>
               <a:rPr lang="en-US" sz="1100" b="1" dirty="0">
                 <a:solidFill>
-                  <a:srgbClr val="1C2833"/>
+                  <a:srgbClr val="1C4587"/>
                 </a:solidFill>
                 <a:latin typeface="Arial" pitchFamily="34" charset="0"/>
                 <a:ea typeface="Arial" pitchFamily="34" charset="-122"/>
@@ -10251,7 +10081,7 @@
             </a:avLst>
           </a:prstGeom>
           <a:solidFill>
-            <a:srgbClr val="E8F6F3"/>
+            <a:srgbClr val="E8F5E9"/>
           </a:solidFill>
           <a:ln/>
         </p:spPr>
@@ -10283,7 +10113,7 @@
           <a:noFill/>
           <a:ln w="38100">
             <a:solidFill>
-              <a:srgbClr val="1ABC9C"/>
+              <a:srgbClr val="50B432"/>
             </a:solidFill>
             <a:prstDash val="solid"/>
           </a:ln>
@@ -10319,7 +10149,7 @@
             <a:r>
               <a:rPr lang="en-US" sz="1000" b="1" dirty="0">
                 <a:solidFill>
-                  <a:srgbClr val="148F77"/>
+                  <a:srgbClr val="2E7D32"/>
                 </a:solidFill>
                 <a:latin typeface="Arial" pitchFamily="34" charset="0"/>
                 <a:ea typeface="Arial" pitchFamily="34" charset="-122"/>
@@ -10358,7 +10188,7 @@
             <a:r>
               <a:rPr lang="en-US" sz="800" dirty="0">
                 <a:solidFill>
-                  <a:srgbClr val="0E6655"/>
+                  <a:srgbClr val="1B5E20"/>
                 </a:solidFill>
                 <a:latin typeface="Arial" pitchFamily="34" charset="0"/>
                 <a:ea typeface="Arial" pitchFamily="34" charset="-122"/>
@@ -10387,7 +10217,7 @@
             </a:avLst>
           </a:prstGeom>
           <a:solidFill>
-            <a:srgbClr val="E8F6F3"/>
+            <a:srgbClr val="E8F5E9"/>
           </a:solidFill>
           <a:ln/>
         </p:spPr>
@@ -10419,7 +10249,7 @@
           <a:noFill/>
           <a:ln w="38100">
             <a:solidFill>
-              <a:srgbClr val="1ABC9C"/>
+              <a:srgbClr val="50B432"/>
             </a:solidFill>
             <a:prstDash val="solid"/>
           </a:ln>
@@ -10455,7 +10285,7 @@
             <a:r>
               <a:rPr lang="en-US" sz="1000" b="1" dirty="0">
                 <a:solidFill>
-                  <a:srgbClr val="148F77"/>
+                  <a:srgbClr val="2E7D32"/>
                 </a:solidFill>
                 <a:latin typeface="Arial" pitchFamily="34" charset="0"/>
                 <a:ea typeface="Arial" pitchFamily="34" charset="-122"/>
@@ -10494,7 +10324,7 @@
             <a:r>
               <a:rPr lang="en-US" sz="800" dirty="0">
                 <a:solidFill>
-                  <a:srgbClr val="0E6655"/>
+                  <a:srgbClr val="1B5E20"/>
                 </a:solidFill>
                 <a:latin typeface="Arial" pitchFamily="34" charset="0"/>
                 <a:ea typeface="Arial" pitchFamily="34" charset="-122"/>
@@ -10523,16 +10353,9 @@
             </a:avLst>
           </a:prstGeom>
           <a:solidFill>
-            <a:srgbClr val="FFFFFF"/>
+            <a:srgbClr val="F8F9FA"/>
           </a:solidFill>
           <a:ln/>
-          <a:effectLst>
-            <a:outerShdw sx="100000" sy="100000" kx="0" ky="0" algn="bl" rotWithShape="0" blurRad="38100" dist="13470" dir="2700000">
-              <a:srgbClr val="000000">
-                <a:alpha val="8000"/>
-              </a:srgbClr>
-            </a:outerShdw>
-          </a:effectLst>
         </p:spPr>
         <p:txBody>
           <a:bodyPr wrap="square" rtlCol="0" anchor="ctr"/>
@@ -10575,7 +10398,7 @@
             <a:r>
               <a:rPr lang="en-US" sz="1000" b="1" dirty="0">
                 <a:solidFill>
-                  <a:srgbClr val="1C2833"/>
+                  <a:srgbClr val="1C4587"/>
                 </a:solidFill>
                 <a:latin typeface="Arial" pitchFamily="34" charset="0"/>
                 <a:ea typeface="Arial" pitchFamily="34" charset="-122"/>
@@ -10604,7 +10427,7 @@
           <a:noFill/>
           <a:ln w="9525">
             <a:solidFill>
-              <a:srgbClr val="ECF0F1"/>
+              <a:srgbClr val="E0E0E0"/>
             </a:solidFill>
             <a:prstDash val="solid"/>
           </a:ln>
@@ -10643,7 +10466,7 @@
             <a:r>
               <a:rPr lang="en-US" sz="800" dirty="0">
                 <a:solidFill>
-                  <a:srgbClr val="2C3E50"/>
+                  <a:srgbClr val="333333"/>
                 </a:solidFill>
                 <a:latin typeface="Arial" pitchFamily="34" charset="0"/>
                 <a:ea typeface="Arial" pitchFamily="34" charset="-122"/>
@@ -10688,7 +10511,7 @@
             <a:r>
               <a:rPr lang="en-US" sz="800" dirty="0">
                 <a:solidFill>
-                  <a:srgbClr val="7F8C8D"/>
+                  <a:srgbClr val="666666"/>
                 </a:solidFill>
                 <a:latin typeface="Arial" pitchFamily="34" charset="0"/>
                 <a:ea typeface="Arial" pitchFamily="34" charset="-122"/>
@@ -10717,7 +10540,7 @@
           <a:noFill/>
           <a:ln w="9525">
             <a:solidFill>
-              <a:srgbClr val="ECF0F1"/>
+              <a:srgbClr val="E0E0E0"/>
             </a:solidFill>
             <a:prstDash val="solid"/>
           </a:ln>
@@ -10756,7 +10579,7 @@
             <a:r>
               <a:rPr lang="en-US" sz="800" dirty="0">
                 <a:solidFill>
-                  <a:srgbClr val="2C3E50"/>
+                  <a:srgbClr val="333333"/>
                 </a:solidFill>
                 <a:latin typeface="Arial" pitchFamily="34" charset="0"/>
                 <a:ea typeface="Arial" pitchFamily="34" charset="-122"/>
@@ -10801,7 +10624,7 @@
             <a:r>
               <a:rPr lang="en-US" sz="800" dirty="0">
                 <a:solidFill>
-                  <a:srgbClr val="7F8C8D"/>
+                  <a:srgbClr val="666666"/>
                 </a:solidFill>
                 <a:latin typeface="Arial" pitchFamily="34" charset="0"/>
                 <a:ea typeface="Arial" pitchFamily="34" charset="-122"/>
@@ -10830,7 +10653,7 @@
           <a:noFill/>
           <a:ln w="9525">
             <a:solidFill>
-              <a:srgbClr val="ECF0F1"/>
+              <a:srgbClr val="E0E0E0"/>
             </a:solidFill>
             <a:prstDash val="solid"/>
           </a:ln>
@@ -10869,7 +10692,7 @@
             <a:r>
               <a:rPr lang="en-US" sz="800" dirty="0">
                 <a:solidFill>
-                  <a:srgbClr val="2C3E50"/>
+                  <a:srgbClr val="333333"/>
                 </a:solidFill>
                 <a:latin typeface="Arial" pitchFamily="34" charset="0"/>
                 <a:ea typeface="Arial" pitchFamily="34" charset="-122"/>
@@ -10914,7 +10737,7 @@
             <a:r>
               <a:rPr lang="en-US" sz="800" dirty="0">
                 <a:solidFill>
-                  <a:srgbClr val="7F8C8D"/>
+                  <a:srgbClr val="666666"/>
                 </a:solidFill>
                 <a:latin typeface="Arial" pitchFamily="34" charset="0"/>
                 <a:ea typeface="Arial" pitchFamily="34" charset="-122"/>
@@ -10959,7 +10782,7 @@
             <a:r>
               <a:rPr lang="en-US" sz="800" dirty="0">
                 <a:solidFill>
-                  <a:srgbClr val="2C3E50"/>
+                  <a:srgbClr val="333333"/>
                 </a:solidFill>
                 <a:latin typeface="Arial" pitchFamily="34" charset="0"/>
                 <a:ea typeface="Arial" pitchFamily="34" charset="-122"/>
@@ -11004,7 +10827,7 @@
             <a:r>
               <a:rPr lang="en-US" sz="800" dirty="0">
                 <a:solidFill>
-                  <a:srgbClr val="7F8C8D"/>
+                  <a:srgbClr val="666666"/>
                 </a:solidFill>
                 <a:latin typeface="Arial" pitchFamily="34" charset="0"/>
                 <a:ea typeface="Arial" pitchFamily="34" charset="-122"/>
@@ -11030,7 +10853,7 @@
     <p:bg>
       <p:bgPr>
         <a:solidFill>
-          <a:srgbClr val="F4F6F6"/>
+          <a:srgbClr val="FFFFFF"/>
         </a:solidFill>
       </p:bgPr>
     </p:bg>
@@ -11063,7 +10886,7 @@
             <a:avLst/>
           </a:prstGeom>
           <a:solidFill>
-            <a:srgbClr val="1C2833"/>
+            <a:srgbClr val="1C4587"/>
           </a:solidFill>
           <a:ln/>
         </p:spPr>
@@ -11147,7 +10970,7 @@
             <a:r>
               <a:rPr lang="en-US" sz="1100" b="1" dirty="0">
                 <a:solidFill>
-                  <a:srgbClr val="1C2833"/>
+                  <a:srgbClr val="1C4587"/>
                 </a:solidFill>
                 <a:latin typeface="Arial" pitchFamily="34" charset="0"/>
                 <a:ea typeface="Arial" pitchFamily="34" charset="-122"/>
@@ -11176,16 +10999,9 @@
             </a:avLst>
           </a:prstGeom>
           <a:solidFill>
-            <a:srgbClr val="FFFFFF"/>
+            <a:srgbClr val="F8F9FA"/>
           </a:solidFill>
           <a:ln/>
-          <a:effectLst>
-            <a:outerShdw sx="100000" sy="100000" kx="0" ky="0" algn="bl" rotWithShape="0" blurRad="38100" dist="13470" dir="2700000">
-              <a:srgbClr val="000000">
-                <a:alpha val="8000"/>
-              </a:srgbClr>
-            </a:outerShdw>
-          </a:effectLst>
         </p:spPr>
         <p:txBody>
           <a:bodyPr wrap="square" rtlCol="0" anchor="ctr"/>
@@ -11215,7 +11031,7 @@
             </a:avLst>
           </a:prstGeom>
           <a:solidFill>
-            <a:srgbClr val="1C2833"/>
+            <a:srgbClr val="1C4587"/>
           </a:solidFill>
           <a:ln/>
         </p:spPr>
@@ -11247,7 +11063,7 @@
           <a:noFill/>
           <a:ln w="9525">
             <a:solidFill>
-              <a:srgbClr val="ECF0F1"/>
+              <a:srgbClr val="E0E0E0"/>
             </a:solidFill>
             <a:prstDash val="solid"/>
           </a:ln>
@@ -11450,7 +11266,7 @@
           <a:noFill/>
           <a:ln w="9525">
             <a:solidFill>
-              <a:srgbClr val="ECF0F1"/>
+              <a:srgbClr val="E0E0E0"/>
             </a:solidFill>
             <a:prstDash val="solid"/>
           </a:ln>
@@ -11489,7 +11305,7 @@
             <a:r>
               <a:rPr lang="en-US" sz="900" dirty="0">
                 <a:solidFill>
-                  <a:srgbClr val="2C3E50"/>
+                  <a:srgbClr val="333333"/>
                 </a:solidFill>
                 <a:latin typeface="Arial" pitchFamily="34" charset="0"/>
                 <a:ea typeface="Arial" pitchFamily="34" charset="-122"/>
@@ -11534,7 +11350,7 @@
             <a:r>
               <a:rPr lang="en-US" sz="900" b="1" dirty="0">
                 <a:solidFill>
-                  <a:srgbClr val="1C2833"/>
+                  <a:srgbClr val="1C4587"/>
                 </a:solidFill>
                 <a:latin typeface="Arial" pitchFamily="34" charset="0"/>
                 <a:ea typeface="Arial" pitchFamily="34" charset="-122"/>
@@ -11579,7 +11395,7 @@
             <a:r>
               <a:rPr lang="en-US" sz="900" b="1" dirty="0">
                 <a:solidFill>
-                  <a:srgbClr val="1C2833"/>
+                  <a:srgbClr val="1C4587"/>
                 </a:solidFill>
                 <a:latin typeface="Arial" pitchFamily="34" charset="0"/>
                 <a:ea typeface="Arial" pitchFamily="34" charset="-122"/>
@@ -11624,7 +11440,7 @@
             <a:r>
               <a:rPr lang="en-US" sz="900" b="1" dirty="0">
                 <a:solidFill>
-                  <a:srgbClr val="27AE60"/>
+                  <a:srgbClr val="50B432"/>
                 </a:solidFill>
                 <a:latin typeface="Arial" pitchFamily="34" charset="0"/>
                 <a:ea typeface="Arial" pitchFamily="34" charset="-122"/>
@@ -11653,7 +11469,7 @@
           <a:noFill/>
           <a:ln w="9525">
             <a:solidFill>
-              <a:srgbClr val="ECF0F1"/>
+              <a:srgbClr val="E0E0E0"/>
             </a:solidFill>
             <a:prstDash val="solid"/>
           </a:ln>
@@ -11692,7 +11508,7 @@
             <a:r>
               <a:rPr lang="en-US" sz="900" dirty="0">
                 <a:solidFill>
-                  <a:srgbClr val="2C3E50"/>
+                  <a:srgbClr val="333333"/>
                 </a:solidFill>
                 <a:latin typeface="Arial" pitchFamily="34" charset="0"/>
                 <a:ea typeface="Arial" pitchFamily="34" charset="-122"/>
@@ -11737,7 +11553,7 @@
             <a:r>
               <a:rPr lang="en-US" sz="900" b="1" dirty="0">
                 <a:solidFill>
-                  <a:srgbClr val="1C2833"/>
+                  <a:srgbClr val="1C4587"/>
                 </a:solidFill>
                 <a:latin typeface="Arial" pitchFamily="34" charset="0"/>
                 <a:ea typeface="Arial" pitchFamily="34" charset="-122"/>
@@ -11782,7 +11598,7 @@
             <a:r>
               <a:rPr lang="en-US" sz="900" b="1" dirty="0">
                 <a:solidFill>
-                  <a:srgbClr val="1C2833"/>
+                  <a:srgbClr val="1C4587"/>
                 </a:solidFill>
                 <a:latin typeface="Arial" pitchFamily="34" charset="0"/>
                 <a:ea typeface="Arial" pitchFamily="34" charset="-122"/>
@@ -11827,7 +11643,7 @@
             <a:r>
               <a:rPr lang="en-US" sz="900" b="1" dirty="0">
                 <a:solidFill>
-                  <a:srgbClr val="27AE60"/>
+                  <a:srgbClr val="50B432"/>
                 </a:solidFill>
                 <a:latin typeface="Arial" pitchFamily="34" charset="0"/>
                 <a:ea typeface="Arial" pitchFamily="34" charset="-122"/>
@@ -11854,7 +11670,7 @@
             <a:avLst/>
           </a:prstGeom>
           <a:solidFill>
-            <a:srgbClr val="F8F9FA"/>
+            <a:srgbClr val="F0F0F0"/>
           </a:solidFill>
           <a:ln/>
         </p:spPr>
@@ -11902,7 +11718,7 @@
             <a:r>
               <a:rPr lang="en-US" sz="900" b="1" dirty="0">
                 <a:solidFill>
-                  <a:srgbClr val="2C3E50"/>
+                  <a:srgbClr val="333333"/>
                 </a:solidFill>
                 <a:latin typeface="Arial" pitchFamily="34" charset="0"/>
                 <a:ea typeface="Arial" pitchFamily="34" charset="-122"/>
@@ -11947,7 +11763,7 @@
             <a:r>
               <a:rPr lang="en-US" sz="900" b="1" dirty="0">
                 <a:solidFill>
-                  <a:srgbClr val="1C2833"/>
+                  <a:srgbClr val="1C4587"/>
                 </a:solidFill>
                 <a:latin typeface="Arial" pitchFamily="34" charset="0"/>
                 <a:ea typeface="Arial" pitchFamily="34" charset="-122"/>
@@ -11992,7 +11808,7 @@
             <a:r>
               <a:rPr lang="en-US" sz="900" b="1" dirty="0">
                 <a:solidFill>
-                  <a:srgbClr val="27AE60"/>
+                  <a:srgbClr val="50B432"/>
                 </a:solidFill>
                 <a:latin typeface="Arial" pitchFamily="34" charset="0"/>
                 <a:ea typeface="Arial" pitchFamily="34" charset="-122"/>
@@ -12037,7 +11853,7 @@
             <a:r>
               <a:rPr lang="en-US" sz="900" b="1" dirty="0">
                 <a:solidFill>
-                  <a:srgbClr val="27AE60"/>
+                  <a:srgbClr val="50B432"/>
                 </a:solidFill>
                 <a:latin typeface="Arial" pitchFamily="34" charset="0"/>
                 <a:ea typeface="Arial" pitchFamily="34" charset="-122"/>
@@ -12066,7 +11882,7 @@
             </a:avLst>
           </a:prstGeom>
           <a:solidFill>
-            <a:srgbClr val="EBF5FB"/>
+            <a:srgbClr val="E3F2FD"/>
           </a:solidFill>
           <a:ln/>
         </p:spPr>
@@ -12098,7 +11914,7 @@
           <a:noFill/>
           <a:ln w="38100">
             <a:solidFill>
-              <a:srgbClr val="3498DB"/>
+              <a:srgbClr val="058DC7"/>
             </a:solidFill>
             <a:prstDash val="solid"/>
           </a:ln>
@@ -12134,7 +11950,7 @@
             <a:r>
               <a:rPr lang="en-US" sz="1100" b="1" dirty="0">
                 <a:solidFill>
-                  <a:srgbClr val="1A5276"/>
+                  <a:srgbClr val="1565C0"/>
                 </a:solidFill>
                 <a:latin typeface="Arial" pitchFamily="34" charset="0"/>
                 <a:ea typeface="Arial" pitchFamily="34" charset="-122"/>
@@ -12176,7 +11992,7 @@
             <a:r>
               <a:rPr lang="en-US" sz="900" dirty="0">
                 <a:solidFill>
-                  <a:srgbClr val="2471A3"/>
+                  <a:srgbClr val="1976D2"/>
                 </a:solidFill>
                 <a:latin typeface="Arial" pitchFamily="34" charset="0"/>
                 <a:ea typeface="Arial" pitchFamily="34" charset="-122"/>
@@ -12218,7 +12034,7 @@
             <a:r>
               <a:rPr lang="en-US" sz="900" dirty="0">
                 <a:solidFill>
-                  <a:srgbClr val="2471A3"/>
+                  <a:srgbClr val="1976D2"/>
                 </a:solidFill>
                 <a:latin typeface="Arial" pitchFamily="34" charset="0"/>
                 <a:ea typeface="Arial" pitchFamily="34" charset="-122"/>
@@ -12260,7 +12076,7 @@
             <a:r>
               <a:rPr lang="en-US" sz="900" dirty="0">
                 <a:solidFill>
-                  <a:srgbClr val="2471A3"/>
+                  <a:srgbClr val="1976D2"/>
                 </a:solidFill>
                 <a:latin typeface="Arial" pitchFamily="34" charset="0"/>
                 <a:ea typeface="Arial" pitchFamily="34" charset="-122"/>
@@ -12302,7 +12118,7 @@
             <a:r>
               <a:rPr lang="en-US" sz="1100" b="1" dirty="0">
                 <a:solidFill>
-                  <a:srgbClr val="1C2833"/>
+                  <a:srgbClr val="1C4587"/>
                 </a:solidFill>
                 <a:latin typeface="Arial" pitchFamily="34" charset="0"/>
                 <a:ea typeface="Arial" pitchFamily="34" charset="-122"/>

--- a/Documents/SDO - Workspace/FY26_Q2_Board_Presentation.pptx
+++ b/Documents/SDO - Workspace/FY26_Q2_Board_Presentation.pptx
@@ -12,9 +12,15 @@
     <p:sldId id="260" r:id="rId6"/>
     <p:sldId id="261" r:id="rId7"/>
     <p:sldId id="262" r:id="rId8"/>
+    <p:sldId id="263" r:id="rId9"/>
+    <p:sldId id="264" r:id="rId10"/>
+    <p:sldId id="265" r:id="rId11"/>
+    <p:sldId id="266" r:id="rId12"/>
+    <p:sldId id="267" r:id="rId13"/>
+    <p:sldId id="268" r:id="rId14"/>
   </p:sldIdLst>
   <p:notesMasterIdLst>
-    <p:notesMasterId r:id="rId9"/>
+    <p:notesMasterId r:id="rId15"/>
   </p:notesMasterIdLst>
   <p:sldSz cx="9144000" cy="5143500"/>
   <p:notesSz cx="5143500" cy="9144000"/>
@@ -841,6 +847,601 @@
 </c:chartSpace>
 </file>
 
+<file path=ppt/charts/chart3.xml><?xml version="1.0" encoding="utf-8"?>
+<c:chartSpace xmlns:c="http://schemas.openxmlformats.org/drawingml/2006/chart" xmlns:a="http://schemas.openxmlformats.org/drawingml/2006/main" xmlns:r="http://schemas.openxmlformats.org/officeDocument/2006/relationships">
+  <c:date1904 val="0"/>
+  <c:roundedCorners val="1"/>
+  <c:chart>
+    <c:autoTitleDeleted val="1"/>
+    <c:plotArea>
+      <c:layout/>
+      <c:barChart>
+        <c:barDir val="col"/>
+        <c:grouping val="clustered"/>
+        <c:varyColors val="0"/>
+        <c:ser>
+          <c:idx val="0"/>
+          <c:order val="0"/>
+          <c:tx>
+            <c:strRef>
+              <c:f>Sheet1!$B$1</c:f>
+              <c:strCache>
+                <c:ptCount val="1"/>
+                <c:pt idx="0">
+                  <c:v>FY26 YTD</c:v>
+                </c:pt>
+              </c:strCache>
+            </c:strRef>
+          </c:tx>
+          <c:spPr>
+            <a:solidFill>
+              <a:srgbClr val="50B432"/>
+            </a:solidFill>
+            <a:effectLst/>
+          </c:spPr>
+          <c:invertIfNegative val="0"/>
+          <c:dLbls>
+            <c:numFmt formatCode="#,##0" sourceLinked="0"/>
+            <c:txPr>
+              <a:bodyPr/>
+              <a:lstStyle/>
+              <a:p>
+                <a:pPr>
+                  <a:defRPr b="0" i="0" strike="noStrike" sz="1200" u="none">
+                    <a:solidFill>
+                      <a:srgbClr val="000000"/>
+                    </a:solidFill>
+                    <a:latin typeface="Arial"/>
+                  </a:defRPr>
+                </a:pPr>
+              </a:p>
+            </c:txPr>
+            <c:showLegendKey val="0"/>
+            <c:showVal val="0"/>
+            <c:showCatName val="0"/>
+            <c:showSerName val="0"/>
+            <c:showPercent val="0"/>
+            <c:showBubbleSize val="0"/>
+            <c:showLeaderLines val="0"/>
+          </c:dLbls>
+          <c:cat>
+            <c:multiLvlStrRef>
+              <c:f>Sheet1!$A$2:$A$4</c:f>
+              <c:multiLvlStrCache>
+                <c:ptCount val="3"/>
+                <c:lvl>
+                  <c:pt idx="0">
+                    <c:v>Non-Ag</c:v>
+                  </c:pt>
+                  <c:pt idx="1">
+                    <c:v>Ag Direct</c:v>
+                  </c:pt>
+                  <c:pt idx="2">
+                    <c:v>Landscapers</c:v>
+                  </c:pt>
+                </c:lvl>
+              </c:multiLvlStrCache>
+            </c:multiLvlStrRef>
+          </c:cat>
+          <c:val>
+            <c:numRef>
+              <c:f>Sheet1!$B$2:$B$4</c:f>
+              <c:numCache>
+                <c:formatCode>General</c:formatCode>
+                <c:ptCount val="3"/>
+                <c:pt idx="0">
+                  <c:v>45000</c:v>
+                </c:pt>
+                <c:pt idx="1">
+                  <c:v>35000</c:v>
+                </c:pt>
+                <c:pt idx="2">
+                  <c:v>10769</c:v>
+                </c:pt>
+              </c:numCache>
+            </c:numRef>
+          </c:val>
+        </c:ser>
+        <c:ser>
+          <c:idx val="1"/>
+          <c:order val="1"/>
+          <c:tx>
+            <c:strRef>
+              <c:f>Sheet1!$C$1</c:f>
+              <c:strCache>
+                <c:ptCount val="1"/>
+                <c:pt idx="0">
+                  <c:v>Target</c:v>
+                </c:pt>
+              </c:strCache>
+            </c:strRef>
+          </c:tx>
+          <c:spPr>
+            <a:solidFill>
+              <a:srgbClr val="1C4587"/>
+            </a:solidFill>
+            <a:effectLst/>
+          </c:spPr>
+          <c:invertIfNegative val="0"/>
+          <c:dLbls>
+            <c:numFmt formatCode="#,##0" sourceLinked="0"/>
+            <c:txPr>
+              <a:bodyPr/>
+              <a:lstStyle/>
+              <a:p>
+                <a:pPr>
+                  <a:defRPr b="0" i="0" strike="noStrike" sz="1200" u="none">
+                    <a:solidFill>
+                      <a:srgbClr val="000000"/>
+                    </a:solidFill>
+                    <a:latin typeface="Arial"/>
+                  </a:defRPr>
+                </a:pPr>
+              </a:p>
+            </c:txPr>
+            <c:showLegendKey val="0"/>
+            <c:showVal val="0"/>
+            <c:showCatName val="0"/>
+            <c:showSerName val="0"/>
+            <c:showPercent val="0"/>
+            <c:showBubbleSize val="0"/>
+            <c:showLeaderLines val="0"/>
+          </c:dLbls>
+          <c:cat>
+            <c:multiLvlStrRef>
+              <c:f>Sheet1!$A$2:$A$4</c:f>
+              <c:multiLvlStrCache>
+                <c:ptCount val="3"/>
+                <c:lvl>
+                  <c:pt idx="0">
+                    <c:v>Non-Ag</c:v>
+                  </c:pt>
+                  <c:pt idx="1">
+                    <c:v>Ag Direct</c:v>
+                  </c:pt>
+                  <c:pt idx="2">
+                    <c:v>Landscapers</c:v>
+                  </c:pt>
+                </c:lvl>
+              </c:multiLvlStrCache>
+            </c:multiLvlStrRef>
+          </c:cat>
+          <c:val>
+            <c:numRef>
+              <c:f>Sheet1!$C$2:$C$4</c:f>
+              <c:numCache>
+                <c:formatCode>General</c:formatCode>
+                <c:ptCount val="3"/>
+                <c:pt idx="0">
+                  <c:v>75000</c:v>
+                </c:pt>
+                <c:pt idx="1">
+                  <c:v>50000</c:v>
+                </c:pt>
+                <c:pt idx="2">
+                  <c:v>12500</c:v>
+                </c:pt>
+              </c:numCache>
+            </c:numRef>
+          </c:val>
+        </c:ser>
+        <c:dLbls>
+          <c:numFmt formatCode="#,##0" sourceLinked="0"/>
+          <c:txPr>
+            <a:bodyPr/>
+            <a:lstStyle/>
+            <a:p>
+              <a:pPr>
+                <a:defRPr b="0" i="0" strike="noStrike" sz="1200" u="none">
+                  <a:solidFill>
+                    <a:srgbClr val="000000"/>
+                  </a:solidFill>
+                  <a:latin typeface="Arial"/>
+                </a:defRPr>
+              </a:pPr>
+            </a:p>
+          </c:txPr>
+          <c:showLegendKey val="0"/>
+          <c:showVal val="0"/>
+          <c:showCatName val="0"/>
+          <c:showSerName val="0"/>
+          <c:showPercent val="0"/>
+          <c:showBubbleSize val="0"/>
+          <c:showLeaderLines val="0"/>
+        </c:dLbls>
+        <c:gapWidth val="150"/>
+        <c:overlap val="0"/>
+        <c:axId val="2094734554"/>
+        <c:axId val="2094734552"/>
+        <c:axId val="2094734556"/>
+      </c:barChart>
+      <c:catAx>
+        <c:axId val="2094734554"/>
+        <c:scaling>
+          <c:orientation val="minMax"/>
+        </c:scaling>
+        <c:delete val="0"/>
+        <c:axPos val="b"/>
+        <c:numFmt formatCode="General" sourceLinked="1"/>
+        <c:majorTickMark val="out"/>
+        <c:minorTickMark val="none"/>
+        <c:tickLblPos val="low"/>
+        <c:spPr>
+          <a:ln w="12700" cap="flat">
+            <a:solidFill>
+              <a:srgbClr val="888888"/>
+            </a:solidFill>
+            <a:prstDash val="solid"/>
+            <a:round/>
+          </a:ln>
+        </c:spPr>
+        <c:txPr>
+          <a:bodyPr/>
+          <a:lstStyle/>
+          <a:p>
+            <a:pPr>
+              <a:defRPr sz="1200" b="0" i="0" u="none" strike="noStrike">
+                <a:solidFill>
+                  <a:srgbClr val="000000"/>
+                </a:solidFill>
+                <a:latin typeface="Arial"/>
+              </a:defRPr>
+            </a:pPr>
+            <a:endParaRPr lang="en-US"/>
+          </a:p>
+        </c:txPr>
+        <c:crossAx val="2094734552"/>
+        <c:crosses val="autoZero"/>
+        <c:auto val="1"/>
+        <c:lblAlgn val="ctr"/>
+        <c:noMultiLvlLbl val="1"/>
+      </c:catAx>
+      <c:valAx>
+        <c:axId val="2094734552"/>
+        <c:scaling>
+          <c:orientation val="minMax"/>
+        </c:scaling>
+        <c:delete val="0"/>
+        <c:axPos val="l"/>
+        <c:majorGridlines>
+          <c:spPr>
+            <a:ln w="12700" cap="flat">
+              <a:solidFill>
+                <a:srgbClr val="888888"/>
+              </a:solidFill>
+              <a:prstDash val="solid"/>
+              <a:round/>
+            </a:ln>
+          </c:spPr>
+        </c:majorGridlines>
+        <c:numFmt formatCode="General" sourceLinked="0"/>
+        <c:majorTickMark val="out"/>
+        <c:minorTickMark val="none"/>
+        <c:tickLblPos val="nextTo"/>
+        <c:spPr>
+          <a:ln w="12700" cap="flat">
+            <a:solidFill>
+              <a:srgbClr val="888888"/>
+            </a:solidFill>
+            <a:prstDash val="solid"/>
+            <a:round/>
+          </a:ln>
+        </c:spPr>
+        <c:txPr>
+          <a:bodyPr/>
+          <a:lstStyle/>
+          <a:p>
+            <a:pPr>
+              <a:defRPr sz="1200" b="0" i="0" u="none" strike="noStrike">
+                <a:solidFill>
+                  <a:srgbClr val="000000"/>
+                </a:solidFill>
+                <a:latin typeface="Arial"/>
+              </a:defRPr>
+            </a:pPr>
+            <a:endParaRPr lang="en-US"/>
+          </a:p>
+        </c:txPr>
+        <c:crossAx val="2094734554"/>
+        <c:crosses val="autoZero"/>
+        <c:crossBetween val="between"/>
+      </c:valAx>
+      <c:spPr>
+        <a:noFill/>
+        <a:ln>
+          <a:noFill/>
+        </a:ln>
+        <a:effectLst/>
+      </c:spPr>
+    </c:plotArea>
+    <c:legend>
+      <c:legendPos val="b"/>
+      <c:overlay val="0"/>
+    </c:legend>
+    <c:plotVisOnly val="1"/>
+    <c:dispBlanksAs val="span"/>
+  </c:chart>
+  <c:spPr>
+    <a:noFill/>
+    <a:ln>
+      <a:noFill/>
+    </a:ln>
+    <a:effectLst/>
+  </c:spPr>
+  <c:externalData r:id="rId1">
+    <c:autoUpdate val="0"/>
+  </c:externalData>
+</c:chartSpace>
+</file>
+
+<file path=ppt/charts/chart4.xml><?xml version="1.0" encoding="utf-8"?>
+<c:chartSpace xmlns:c="http://schemas.openxmlformats.org/drawingml/2006/chart" xmlns:a="http://schemas.openxmlformats.org/drawingml/2006/main" xmlns:r="http://schemas.openxmlformats.org/officeDocument/2006/relationships">
+  <c:date1904 val="0"/>
+  <c:roundedCorners val="1"/>
+  <c:chart>
+    <c:autoTitleDeleted val="1"/>
+    <c:plotArea>
+      <c:layout/>
+      <c:lineChart>
+        <c:varyColors val="0"/>
+        <c:ser>
+          <c:idx val="0"/>
+          <c:order val="0"/>
+          <c:tx>
+            <c:strRef>
+              <c:f>Sheet1!$B$1</c:f>
+              <c:strCache>
+                <c:ptCount val="1"/>
+                <c:pt idx="0">
+                  <c:v>REC Price ($/MWh)</c:v>
+                </c:pt>
+              </c:strCache>
+            </c:strRef>
+          </c:tx>
+          <c:spPr>
+            <a:solidFill>
+              <a:srgbClr val="058DC7"/>
+            </a:solidFill>
+            <a:ln w="25400" cap="flat">
+              <a:solidFill>
+                <a:srgbClr val="058DC7"/>
+              </a:solidFill>
+              <a:prstDash val="solid"/>
+              <a:round/>
+            </a:ln>
+            <a:effectLst/>
+          </c:spPr>
+          <c:invertIfNegative val="0"/>
+          <c:dLbls>
+            <c:numFmt formatCode="#,##0" sourceLinked="0"/>
+            <c:txPr>
+              <a:bodyPr/>
+              <a:lstStyle/>
+              <a:p>
+                <a:pPr>
+                  <a:defRPr b="0" i="0" strike="noStrike" sz="1200" u="none">
+                    <a:solidFill>
+                      <a:srgbClr val="000000"/>
+                    </a:solidFill>
+                    <a:latin typeface="Arial"/>
+                  </a:defRPr>
+                </a:pPr>
+              </a:p>
+            </c:txPr>
+            <c:showLegendKey val="0"/>
+            <c:showVal val="0"/>
+            <c:showCatName val="0"/>
+            <c:showSerName val="0"/>
+            <c:showPercent val="0"/>
+            <c:showBubbleSize val="0"/>
+            <c:showLeaderLines val="0"/>
+          </c:dLbls>
+          <c:marker>
+            <c:symbol val="circle"/>
+            <c:size val="8"/>
+            <c:spPr>
+              <a:solidFill>
+                <a:srgbClr val="058DC7"/>
+              </a:solidFill>
+              <a:ln w="9525" cap="flat">
+                <a:solidFill>
+                  <a:srgbClr val="058DC7"/>
+                </a:solidFill>
+                <a:prstDash val="solid"/>
+                <a:round/>
+              </a:ln>
+              <a:effectLst/>
+            </c:spPr>
+          </c:marker>
+          <c:cat>
+            <c:multiLvlStrRef>
+              <c:f>Sheet1!$A$2:$A$5</c:f>
+              <c:multiLvlStrCache>
+                <c:ptCount val="4"/>
+                <c:lvl>
+                  <c:pt idx="0">
+                    <c:v>Oct</c:v>
+                  </c:pt>
+                  <c:pt idx="1">
+                    <c:v>Nov</c:v>
+                  </c:pt>
+                  <c:pt idx="2">
+                    <c:v>Dec</c:v>
+                  </c:pt>
+                  <c:pt idx="3">
+                    <c:v>Jan</c:v>
+                  </c:pt>
+                </c:lvl>
+              </c:multiLvlStrCache>
+            </c:multiLvlStrRef>
+          </c:cat>
+          <c:val>
+            <c:numRef>
+              <c:f>Sheet1!$B$2:$B$5</c:f>
+              <c:numCache>
+                <c:formatCode>General</c:formatCode>
+                <c:ptCount val="4"/>
+                <c:pt idx="0">
+                  <c:v>45</c:v>
+                </c:pt>
+                <c:pt idx="1">
+                  <c:v>47</c:v>
+                </c:pt>
+                <c:pt idx="2">
+                  <c:v>48</c:v>
+                </c:pt>
+                <c:pt idx="3">
+                  <c:v>50</c:v>
+                </c:pt>
+              </c:numCache>
+            </c:numRef>
+          </c:val>
+          <c:smooth val="0"/>
+        </c:ser>
+        <c:dLbls>
+          <c:numFmt formatCode="#,##0" sourceLinked="0"/>
+          <c:txPr>
+            <a:bodyPr/>
+            <a:lstStyle/>
+            <a:p>
+              <a:pPr>
+                <a:defRPr b="0" i="0" strike="noStrike" sz="1200" u="none">
+                  <a:solidFill>
+                    <a:srgbClr val="000000"/>
+                  </a:solidFill>
+                  <a:latin typeface="Arial"/>
+                </a:defRPr>
+              </a:pPr>
+            </a:p>
+          </c:txPr>
+          <c:showLegendKey val="0"/>
+          <c:showVal val="0"/>
+          <c:showCatName val="0"/>
+          <c:showSerName val="0"/>
+          <c:showPercent val="0"/>
+          <c:showBubbleSize val="0"/>
+          <c:showLeaderLines val="0"/>
+        </c:dLbls>
+        <c:marker val="1"/>
+        <c:axId val="2094734554"/>
+        <c:axId val="2094734552"/>
+        <c:axId val="2094734556"/>
+      </c:lineChart>
+      <c:catAx>
+        <c:axId val="2094734554"/>
+        <c:scaling>
+          <c:orientation val="minMax"/>
+        </c:scaling>
+        <c:delete val="0"/>
+        <c:axPos val="b"/>
+        <c:numFmt formatCode="General" sourceLinked="1"/>
+        <c:majorTickMark val="out"/>
+        <c:minorTickMark val="none"/>
+        <c:tickLblPos val="low"/>
+        <c:spPr>
+          <a:ln w="12700" cap="flat">
+            <a:solidFill>
+              <a:srgbClr val="888888"/>
+            </a:solidFill>
+            <a:prstDash val="solid"/>
+            <a:round/>
+          </a:ln>
+        </c:spPr>
+        <c:txPr>
+          <a:bodyPr/>
+          <a:lstStyle/>
+          <a:p>
+            <a:pPr>
+              <a:defRPr sz="1200" b="0" i="0" u="none" strike="noStrike">
+                <a:solidFill>
+                  <a:srgbClr val="000000"/>
+                </a:solidFill>
+                <a:latin typeface="Arial"/>
+              </a:defRPr>
+            </a:pPr>
+            <a:endParaRPr lang="en-US"/>
+          </a:p>
+        </c:txPr>
+        <c:crossAx val="2094734552"/>
+        <c:crosses val="autoZero"/>
+        <c:auto val="1"/>
+        <c:lblAlgn val="ctr"/>
+        <c:noMultiLvlLbl val="1"/>
+      </c:catAx>
+      <c:valAx>
+        <c:axId val="2094734552"/>
+        <c:scaling>
+          <c:orientation val="minMax"/>
+        </c:scaling>
+        <c:delete val="0"/>
+        <c:axPos val="l"/>
+        <c:majorGridlines>
+          <c:spPr>
+            <a:ln w="12700" cap="flat">
+              <a:solidFill>
+                <a:srgbClr val="888888"/>
+              </a:solidFill>
+              <a:prstDash val="solid"/>
+              <a:round/>
+            </a:ln>
+          </c:spPr>
+        </c:majorGridlines>
+        <c:numFmt formatCode="General" sourceLinked="0"/>
+        <c:majorTickMark val="out"/>
+        <c:minorTickMark val="none"/>
+        <c:tickLblPos val="nextTo"/>
+        <c:spPr>
+          <a:ln w="12700" cap="flat">
+            <a:solidFill>
+              <a:srgbClr val="888888"/>
+            </a:solidFill>
+            <a:prstDash val="solid"/>
+            <a:round/>
+          </a:ln>
+        </c:spPr>
+        <c:txPr>
+          <a:bodyPr/>
+          <a:lstStyle/>
+          <a:p>
+            <a:pPr>
+              <a:defRPr sz="1200" b="0" i="0" u="none" strike="noStrike">
+                <a:solidFill>
+                  <a:srgbClr val="000000"/>
+                </a:solidFill>
+                <a:latin typeface="Arial"/>
+              </a:defRPr>
+            </a:pPr>
+            <a:endParaRPr lang="en-US"/>
+          </a:p>
+        </c:txPr>
+        <c:crossAx val="2094734554"/>
+        <c:crosses val="autoZero"/>
+        <c:crossBetween val="between"/>
+      </c:valAx>
+      <c:spPr>
+        <a:noFill/>
+        <a:ln>
+          <a:noFill/>
+        </a:ln>
+        <a:effectLst/>
+      </c:spPr>
+    </c:plotArea>
+    <c:plotVisOnly val="1"/>
+    <c:dispBlanksAs val="span"/>
+  </c:chart>
+  <c:spPr>
+    <a:noFill/>
+    <a:ln>
+      <a:noFill/>
+    </a:ln>
+    <a:effectLst/>
+  </c:spPr>
+  <c:externalData r:id="rId1">
+    <c:autoUpdate val="0"/>
+  </c:externalData>
+</c:chartSpace>
+</file>
+
 <file path=ppt/notesMasters/notesMaster1.xml><?xml version="1.0" encoding="utf-8"?>
 <p:notesMaster xmlns:a="http://schemas.openxmlformats.org/drawingml/2006/main" xmlns:r="http://schemas.openxmlformats.org/officeDocument/2006/relationships" xmlns:p="http://schemas.openxmlformats.org/presentationml/2006/main">
   <p:cSld>
@@ -1278,6 +1879,358 @@
 </p:notes>
 </file>
 
+<file path=ppt/notesSlides/notesSlide10.xml><?xml version="1.0" encoding="utf-8"?>
+<p:notes xmlns:a="http://schemas.openxmlformats.org/drawingml/2006/main" xmlns:r="http://schemas.openxmlformats.org/officeDocument/2006/relationships" xmlns:p="http://schemas.openxmlformats.org/presentationml/2006/main">
+  <p:cSld>
+    <p:spTree>
+      <p:nvGrpSpPr>
+        <p:cNvPr id="1" name=""/>
+        <p:cNvGrpSpPr/>
+        <p:nvPr/>
+      </p:nvGrpSpPr>
+      <p:grpSpPr>
+        <a:xfrm>
+          <a:off x="0" y="0"/>
+          <a:ext cx="0" cy="0"/>
+          <a:chOff x="0" y="0"/>
+          <a:chExt cx="0" cy="0"/>
+        </a:xfrm>
+      </p:grpSpPr>
+      <p:sp>
+        <p:nvSpPr>
+          <p:cNvPr id="2" name="Slide Image Placeholder 1"/>
+          <p:cNvSpPr>
+            <a:spLocks noGrp="1" noRot="1" noChangeAspect="1"/>
+          </p:cNvSpPr>
+          <p:nvPr>
+            <p:ph type="sldImg"/>
+          </p:nvPr>
+        </p:nvSpPr>
+        <p:spPr/>
+      </p:sp>
+      <p:sp>
+        <p:nvSpPr>
+          <p:cNvPr id="3" name="Notes Placeholder 2"/>
+          <p:cNvSpPr>
+            <a:spLocks noGrp="1"/>
+          </p:cNvSpPr>
+          <p:nvPr>
+            <p:ph type="body" idx="1"/>
+          </p:nvPr>
+        </p:nvSpPr>
+        <p:spPr/>
+        <p:txBody>
+          <a:bodyPr/>
+          <a:lstStyle/>
+          <a:p>
+            <a:r>
+              <a:rPr lang="en-US" dirty="0"/>
+              <a:t/>
+            </a:r>
+            <a:endParaRPr lang="en-US" dirty="0"/>
+          </a:p>
+        </p:txBody>
+      </p:sp>
+      <p:sp>
+        <p:nvSpPr>
+          <p:cNvPr id="4" name="Slide Number Placeholder 3"/>
+          <p:cNvSpPr>
+            <a:spLocks noGrp="1"/>
+          </p:cNvSpPr>
+          <p:nvPr>
+            <p:ph type="sldNum" sz="quarter" idx="10"/>
+          </p:nvPr>
+        </p:nvSpPr>
+        <p:spPr/>
+        <p:txBody>
+          <a:bodyPr/>
+          <a:lstStyle/>
+          <a:p>
+            <a:fld id="{F7021451-1387-4CA6-816F-3879F97B5CBC}" type="slidenum">
+              <a:rPr lang="en-US"/>
+              <a:t>10</a:t>
+            </a:fld>
+            <a:endParaRPr lang="en-US"/>
+          </a:p>
+        </p:txBody>
+      </p:sp>
+    </p:spTree>
+    <p:extLst>
+      <p:ext uri="{BB962C8B-B14F-4D97-AF65-F5344CB8AC3E}">
+        <p14:creationId xmlns:p14="http://schemas.microsoft.com/office/powerpoint/2010/main" val="1024086991"/>
+      </p:ext>
+    </p:extLst>
+  </p:cSld>
+  <p:clrMapOvr>
+    <a:masterClrMapping/>
+  </p:clrMapOvr>
+</p:notes>
+</file>
+
+<file path=ppt/notesSlides/notesSlide11.xml><?xml version="1.0" encoding="utf-8"?>
+<p:notes xmlns:a="http://schemas.openxmlformats.org/drawingml/2006/main" xmlns:r="http://schemas.openxmlformats.org/officeDocument/2006/relationships" xmlns:p="http://schemas.openxmlformats.org/presentationml/2006/main">
+  <p:cSld>
+    <p:spTree>
+      <p:nvGrpSpPr>
+        <p:cNvPr id="1" name=""/>
+        <p:cNvGrpSpPr/>
+        <p:nvPr/>
+      </p:nvGrpSpPr>
+      <p:grpSpPr>
+        <a:xfrm>
+          <a:off x="0" y="0"/>
+          <a:ext cx="0" cy="0"/>
+          <a:chOff x="0" y="0"/>
+          <a:chExt cx="0" cy="0"/>
+        </a:xfrm>
+      </p:grpSpPr>
+      <p:sp>
+        <p:nvSpPr>
+          <p:cNvPr id="2" name="Slide Image Placeholder 1"/>
+          <p:cNvSpPr>
+            <a:spLocks noGrp="1" noRot="1" noChangeAspect="1"/>
+          </p:cNvSpPr>
+          <p:nvPr>
+            <p:ph type="sldImg"/>
+          </p:nvPr>
+        </p:nvSpPr>
+        <p:spPr/>
+      </p:sp>
+      <p:sp>
+        <p:nvSpPr>
+          <p:cNvPr id="3" name="Notes Placeholder 2"/>
+          <p:cNvSpPr>
+            <a:spLocks noGrp="1"/>
+          </p:cNvSpPr>
+          <p:nvPr>
+            <p:ph type="body" idx="1"/>
+          </p:nvPr>
+        </p:nvSpPr>
+        <p:spPr/>
+        <p:txBody>
+          <a:bodyPr/>
+          <a:lstStyle/>
+          <a:p>
+            <a:r>
+              <a:rPr lang="en-US" dirty="0"/>
+              <a:t/>
+            </a:r>
+            <a:endParaRPr lang="en-US" dirty="0"/>
+          </a:p>
+        </p:txBody>
+      </p:sp>
+      <p:sp>
+        <p:nvSpPr>
+          <p:cNvPr id="4" name="Slide Number Placeholder 3"/>
+          <p:cNvSpPr>
+            <a:spLocks noGrp="1"/>
+          </p:cNvSpPr>
+          <p:nvPr>
+            <p:ph type="sldNum" sz="quarter" idx="10"/>
+          </p:nvPr>
+        </p:nvSpPr>
+        <p:spPr/>
+        <p:txBody>
+          <a:bodyPr/>
+          <a:lstStyle/>
+          <a:p>
+            <a:fld id="{F7021451-1387-4CA6-816F-3879F97B5CBC}" type="slidenum">
+              <a:rPr lang="en-US"/>
+              <a:t>11</a:t>
+            </a:fld>
+            <a:endParaRPr lang="en-US"/>
+          </a:p>
+        </p:txBody>
+      </p:sp>
+    </p:spTree>
+    <p:extLst>
+      <p:ext uri="{BB962C8B-B14F-4D97-AF65-F5344CB8AC3E}">
+        <p14:creationId xmlns:p14="http://schemas.microsoft.com/office/powerpoint/2010/main" val="1024086991"/>
+      </p:ext>
+    </p:extLst>
+  </p:cSld>
+  <p:clrMapOvr>
+    <a:masterClrMapping/>
+  </p:clrMapOvr>
+</p:notes>
+</file>
+
+<file path=ppt/notesSlides/notesSlide12.xml><?xml version="1.0" encoding="utf-8"?>
+<p:notes xmlns:a="http://schemas.openxmlformats.org/drawingml/2006/main" xmlns:r="http://schemas.openxmlformats.org/officeDocument/2006/relationships" xmlns:p="http://schemas.openxmlformats.org/presentationml/2006/main">
+  <p:cSld>
+    <p:spTree>
+      <p:nvGrpSpPr>
+        <p:cNvPr id="1" name=""/>
+        <p:cNvGrpSpPr/>
+        <p:nvPr/>
+      </p:nvGrpSpPr>
+      <p:grpSpPr>
+        <a:xfrm>
+          <a:off x="0" y="0"/>
+          <a:ext cx="0" cy="0"/>
+          <a:chOff x="0" y="0"/>
+          <a:chExt cx="0" cy="0"/>
+        </a:xfrm>
+      </p:grpSpPr>
+      <p:sp>
+        <p:nvSpPr>
+          <p:cNvPr id="2" name="Slide Image Placeholder 1"/>
+          <p:cNvSpPr>
+            <a:spLocks noGrp="1" noRot="1" noChangeAspect="1"/>
+          </p:cNvSpPr>
+          <p:nvPr>
+            <p:ph type="sldImg"/>
+          </p:nvPr>
+        </p:nvSpPr>
+        <p:spPr/>
+      </p:sp>
+      <p:sp>
+        <p:nvSpPr>
+          <p:cNvPr id="3" name="Notes Placeholder 2"/>
+          <p:cNvSpPr>
+            <a:spLocks noGrp="1"/>
+          </p:cNvSpPr>
+          <p:nvPr>
+            <p:ph type="body" idx="1"/>
+          </p:nvPr>
+        </p:nvSpPr>
+        <p:spPr/>
+        <p:txBody>
+          <a:bodyPr/>
+          <a:lstStyle/>
+          <a:p>
+            <a:r>
+              <a:rPr lang="en-US" dirty="0"/>
+              <a:t/>
+            </a:r>
+            <a:endParaRPr lang="en-US" dirty="0"/>
+          </a:p>
+        </p:txBody>
+      </p:sp>
+      <p:sp>
+        <p:nvSpPr>
+          <p:cNvPr id="4" name="Slide Number Placeholder 3"/>
+          <p:cNvSpPr>
+            <a:spLocks noGrp="1"/>
+          </p:cNvSpPr>
+          <p:nvPr>
+            <p:ph type="sldNum" sz="quarter" idx="10"/>
+          </p:nvPr>
+        </p:nvSpPr>
+        <p:spPr/>
+        <p:txBody>
+          <a:bodyPr/>
+          <a:lstStyle/>
+          <a:p>
+            <a:fld id="{F7021451-1387-4CA6-816F-3879F97B5CBC}" type="slidenum">
+              <a:rPr lang="en-US"/>
+              <a:t>12</a:t>
+            </a:fld>
+            <a:endParaRPr lang="en-US"/>
+          </a:p>
+        </p:txBody>
+      </p:sp>
+    </p:spTree>
+    <p:extLst>
+      <p:ext uri="{BB962C8B-B14F-4D97-AF65-F5344CB8AC3E}">
+        <p14:creationId xmlns:p14="http://schemas.microsoft.com/office/powerpoint/2010/main" val="1024086991"/>
+      </p:ext>
+    </p:extLst>
+  </p:cSld>
+  <p:clrMapOvr>
+    <a:masterClrMapping/>
+  </p:clrMapOvr>
+</p:notes>
+</file>
+
+<file path=ppt/notesSlides/notesSlide13.xml><?xml version="1.0" encoding="utf-8"?>
+<p:notes xmlns:a="http://schemas.openxmlformats.org/drawingml/2006/main" xmlns:r="http://schemas.openxmlformats.org/officeDocument/2006/relationships" xmlns:p="http://schemas.openxmlformats.org/presentationml/2006/main">
+  <p:cSld>
+    <p:spTree>
+      <p:nvGrpSpPr>
+        <p:cNvPr id="1" name=""/>
+        <p:cNvGrpSpPr/>
+        <p:nvPr/>
+      </p:nvGrpSpPr>
+      <p:grpSpPr>
+        <a:xfrm>
+          <a:off x="0" y="0"/>
+          <a:ext cx="0" cy="0"/>
+          <a:chOff x="0" y="0"/>
+          <a:chExt cx="0" cy="0"/>
+        </a:xfrm>
+      </p:grpSpPr>
+      <p:sp>
+        <p:nvSpPr>
+          <p:cNvPr id="2" name="Slide Image Placeholder 1"/>
+          <p:cNvSpPr>
+            <a:spLocks noGrp="1" noRot="1" noChangeAspect="1"/>
+          </p:cNvSpPr>
+          <p:nvPr>
+            <p:ph type="sldImg"/>
+          </p:nvPr>
+        </p:nvSpPr>
+        <p:spPr/>
+      </p:sp>
+      <p:sp>
+        <p:nvSpPr>
+          <p:cNvPr id="3" name="Notes Placeholder 2"/>
+          <p:cNvSpPr>
+            <a:spLocks noGrp="1"/>
+          </p:cNvSpPr>
+          <p:nvPr>
+            <p:ph type="body" idx="1"/>
+          </p:nvPr>
+        </p:nvSpPr>
+        <p:spPr/>
+        <p:txBody>
+          <a:bodyPr/>
+          <a:lstStyle/>
+          <a:p>
+            <a:r>
+              <a:rPr lang="en-US" dirty="0"/>
+              <a:t/>
+            </a:r>
+            <a:endParaRPr lang="en-US" dirty="0"/>
+          </a:p>
+        </p:txBody>
+      </p:sp>
+      <p:sp>
+        <p:nvSpPr>
+          <p:cNvPr id="4" name="Slide Number Placeholder 3"/>
+          <p:cNvSpPr>
+            <a:spLocks noGrp="1"/>
+          </p:cNvSpPr>
+          <p:nvPr>
+            <p:ph type="sldNum" sz="quarter" idx="10"/>
+          </p:nvPr>
+        </p:nvSpPr>
+        <p:spPr/>
+        <p:txBody>
+          <a:bodyPr/>
+          <a:lstStyle/>
+          <a:p>
+            <a:fld id="{F7021451-1387-4CA6-816F-3879F97B5CBC}" type="slidenum">
+              <a:rPr lang="en-US"/>
+              <a:t>13</a:t>
+            </a:fld>
+            <a:endParaRPr lang="en-US"/>
+          </a:p>
+        </p:txBody>
+      </p:sp>
+    </p:spTree>
+    <p:extLst>
+      <p:ext uri="{BB962C8B-B14F-4D97-AF65-F5344CB8AC3E}">
+        <p14:creationId xmlns:p14="http://schemas.microsoft.com/office/powerpoint/2010/main" val="1024086991"/>
+      </p:ext>
+    </p:extLst>
+  </p:cSld>
+  <p:clrMapOvr>
+    <a:masterClrMapping/>
+  </p:clrMapOvr>
+</p:notes>
+</file>
+
 <file path=ppt/notesSlides/notesSlide2.xml><?xml version="1.0" encoding="utf-8"?>
 <p:notes xmlns:a="http://schemas.openxmlformats.org/drawingml/2006/main" xmlns:r="http://schemas.openxmlformats.org/officeDocument/2006/relationships" xmlns:p="http://schemas.openxmlformats.org/presentationml/2006/main">
   <p:cSld>
@@ -1788,6 +2741,182 @@
             <a:fld id="{F7021451-1387-4CA6-816F-3879F97B5CBC}" type="slidenum">
               <a:rPr lang="en-US"/>
               <a:t>7</a:t>
+            </a:fld>
+            <a:endParaRPr lang="en-US"/>
+          </a:p>
+        </p:txBody>
+      </p:sp>
+    </p:spTree>
+    <p:extLst>
+      <p:ext uri="{BB962C8B-B14F-4D97-AF65-F5344CB8AC3E}">
+        <p14:creationId xmlns:p14="http://schemas.microsoft.com/office/powerpoint/2010/main" val="1024086991"/>
+      </p:ext>
+    </p:extLst>
+  </p:cSld>
+  <p:clrMapOvr>
+    <a:masterClrMapping/>
+  </p:clrMapOvr>
+</p:notes>
+</file>
+
+<file path=ppt/notesSlides/notesSlide8.xml><?xml version="1.0" encoding="utf-8"?>
+<p:notes xmlns:a="http://schemas.openxmlformats.org/drawingml/2006/main" xmlns:r="http://schemas.openxmlformats.org/officeDocument/2006/relationships" xmlns:p="http://schemas.openxmlformats.org/presentationml/2006/main">
+  <p:cSld>
+    <p:spTree>
+      <p:nvGrpSpPr>
+        <p:cNvPr id="1" name=""/>
+        <p:cNvGrpSpPr/>
+        <p:nvPr/>
+      </p:nvGrpSpPr>
+      <p:grpSpPr>
+        <a:xfrm>
+          <a:off x="0" y="0"/>
+          <a:ext cx="0" cy="0"/>
+          <a:chOff x="0" y="0"/>
+          <a:chExt cx="0" cy="0"/>
+        </a:xfrm>
+      </p:grpSpPr>
+      <p:sp>
+        <p:nvSpPr>
+          <p:cNvPr id="2" name="Slide Image Placeholder 1"/>
+          <p:cNvSpPr>
+            <a:spLocks noGrp="1" noRot="1" noChangeAspect="1"/>
+          </p:cNvSpPr>
+          <p:nvPr>
+            <p:ph type="sldImg"/>
+          </p:nvPr>
+        </p:nvSpPr>
+        <p:spPr/>
+      </p:sp>
+      <p:sp>
+        <p:nvSpPr>
+          <p:cNvPr id="3" name="Notes Placeholder 2"/>
+          <p:cNvSpPr>
+            <a:spLocks noGrp="1"/>
+          </p:cNvSpPr>
+          <p:nvPr>
+            <p:ph type="body" idx="1"/>
+          </p:nvPr>
+        </p:nvSpPr>
+        <p:spPr/>
+        <p:txBody>
+          <a:bodyPr/>
+          <a:lstStyle/>
+          <a:p>
+            <a:r>
+              <a:rPr lang="en-US" dirty="0"/>
+              <a:t/>
+            </a:r>
+            <a:endParaRPr lang="en-US" dirty="0"/>
+          </a:p>
+        </p:txBody>
+      </p:sp>
+      <p:sp>
+        <p:nvSpPr>
+          <p:cNvPr id="4" name="Slide Number Placeholder 3"/>
+          <p:cNvSpPr>
+            <a:spLocks noGrp="1"/>
+          </p:cNvSpPr>
+          <p:nvPr>
+            <p:ph type="sldNum" sz="quarter" idx="10"/>
+          </p:nvPr>
+        </p:nvSpPr>
+        <p:spPr/>
+        <p:txBody>
+          <a:bodyPr/>
+          <a:lstStyle/>
+          <a:p>
+            <a:fld id="{F7021451-1387-4CA6-816F-3879F97B5CBC}" type="slidenum">
+              <a:rPr lang="en-US"/>
+              <a:t>8</a:t>
+            </a:fld>
+            <a:endParaRPr lang="en-US"/>
+          </a:p>
+        </p:txBody>
+      </p:sp>
+    </p:spTree>
+    <p:extLst>
+      <p:ext uri="{BB962C8B-B14F-4D97-AF65-F5344CB8AC3E}">
+        <p14:creationId xmlns:p14="http://schemas.microsoft.com/office/powerpoint/2010/main" val="1024086991"/>
+      </p:ext>
+    </p:extLst>
+  </p:cSld>
+  <p:clrMapOvr>
+    <a:masterClrMapping/>
+  </p:clrMapOvr>
+</p:notes>
+</file>
+
+<file path=ppt/notesSlides/notesSlide9.xml><?xml version="1.0" encoding="utf-8"?>
+<p:notes xmlns:a="http://schemas.openxmlformats.org/drawingml/2006/main" xmlns:r="http://schemas.openxmlformats.org/officeDocument/2006/relationships" xmlns:p="http://schemas.openxmlformats.org/presentationml/2006/main">
+  <p:cSld>
+    <p:spTree>
+      <p:nvGrpSpPr>
+        <p:cNvPr id="1" name=""/>
+        <p:cNvGrpSpPr/>
+        <p:nvPr/>
+      </p:nvGrpSpPr>
+      <p:grpSpPr>
+        <a:xfrm>
+          <a:off x="0" y="0"/>
+          <a:ext cx="0" cy="0"/>
+          <a:chOff x="0" y="0"/>
+          <a:chExt cx="0" cy="0"/>
+        </a:xfrm>
+      </p:grpSpPr>
+      <p:sp>
+        <p:nvSpPr>
+          <p:cNvPr id="2" name="Slide Image Placeholder 1"/>
+          <p:cNvSpPr>
+            <a:spLocks noGrp="1" noRot="1" noChangeAspect="1"/>
+          </p:cNvSpPr>
+          <p:nvPr>
+            <p:ph type="sldImg"/>
+          </p:nvPr>
+        </p:nvSpPr>
+        <p:spPr/>
+      </p:sp>
+      <p:sp>
+        <p:nvSpPr>
+          <p:cNvPr id="3" name="Notes Placeholder 2"/>
+          <p:cNvSpPr>
+            <a:spLocks noGrp="1"/>
+          </p:cNvSpPr>
+          <p:nvPr>
+            <p:ph type="body" idx="1"/>
+          </p:nvPr>
+        </p:nvSpPr>
+        <p:spPr/>
+        <p:txBody>
+          <a:bodyPr/>
+          <a:lstStyle/>
+          <a:p>
+            <a:r>
+              <a:rPr lang="en-US" dirty="0"/>
+              <a:t/>
+            </a:r>
+            <a:endParaRPr lang="en-US" dirty="0"/>
+          </a:p>
+        </p:txBody>
+      </p:sp>
+      <p:sp>
+        <p:nvSpPr>
+          <p:cNvPr id="4" name="Slide Number Placeholder 3"/>
+          <p:cNvSpPr>
+            <a:spLocks noGrp="1"/>
+          </p:cNvSpPr>
+          <p:nvPr>
+            <p:ph type="sldNum" sz="quarter" idx="10"/>
+          </p:nvPr>
+        </p:nvSpPr>
+        <p:spPr/>
+        <p:txBody>
+          <a:bodyPr/>
+          <a:lstStyle/>
+          <a:p>
+            <a:fld id="{F7021451-1387-4CA6-816F-3879F97B5CBC}" type="slidenum">
+              <a:rPr lang="en-US"/>
+              <a:t>9</a:t>
             </a:fld>
             <a:endParaRPr lang="en-US"/>
           </a:p>
@@ -2116,6 +3245,145 @@
 <file path=ppt/slides/slide1.xml><?xml version="1.0" encoding="utf-8"?>
 <p:sld xmlns:a="http://schemas.openxmlformats.org/drawingml/2006/main" xmlns:r="http://schemas.openxmlformats.org/officeDocument/2006/relationships" xmlns:p="http://schemas.openxmlformats.org/presentationml/2006/main">
   <p:cSld name="Slide 1">
+    <p:spTree>
+      <p:nvGrpSpPr>
+        <p:cNvPr id="1" name=""/>
+        <p:cNvGrpSpPr/>
+        <p:nvPr/>
+      </p:nvGrpSpPr>
+      <p:grpSpPr>
+        <a:xfrm>
+          <a:off x="0" y="0"/>
+          <a:ext cx="0" cy="0"/>
+          <a:chOff x="0" y="0"/>
+          <a:chExt cx="0" cy="0"/>
+        </a:xfrm>
+      </p:grpSpPr>
+      <p:sp>
+        <p:nvSpPr>
+          <p:cNvPr id="2" name="Text 0"/>
+          <p:cNvSpPr/>
+          <p:nvPr/>
+        </p:nvSpPr>
+        <p:spPr>
+          <a:xfrm>
+            <a:off x="457200" y="1371600"/>
+            <a:ext cx="5486400" cy="2743200"/>
+          </a:xfrm>
+          <a:prstGeom prst="rect">
+            <a:avLst/>
+          </a:prstGeom>
+          <a:noFill/>
+          <a:ln/>
+        </p:spPr>
+        <p:txBody>
+          <a:bodyPr wrap="square" rtlCol="0" anchor="ctr"/>
+          <a:lstStyle/>
+          <a:p>
+            <a:pPr indent="0" marL="0">
+              <a:buNone/>
+            </a:pPr>
+            <a:r>
+              <a:rPr lang="en-US" sz="4000" b="1" dirty="0">
+                <a:solidFill>
+                  <a:srgbClr val="1C4587"/>
+                </a:solidFill>
+              </a:rPr>
+              <a:t>Blue Drop Board</a:t>
+            </a:r>
+            <a:endParaRPr lang="en-US" sz="4000" dirty="0"/>
+          </a:p>
+          <a:p>
+            <a:pPr indent="0" marL="0">
+              <a:buNone/>
+            </a:pPr>
+            <a:r>
+              <a:rPr lang="en-US" sz="4000" b="1" dirty="0">
+                <a:solidFill>
+                  <a:srgbClr val="1C4587"/>
+                </a:solidFill>
+              </a:rPr>
+              <a:t>Update</a:t>
+            </a:r>
+            <a:endParaRPr lang="en-US" sz="4000" dirty="0"/>
+          </a:p>
+          <a:p>
+            <a:pPr indent="0" marL="0">
+              <a:buNone/>
+            </a:pPr>
+            <a:endParaRPr lang="en-US" sz="4000" dirty="0"/>
+          </a:p>
+          <a:p>
+            <a:pPr indent="0" marL="0">
+              <a:buNone/>
+            </a:pPr>
+            <a:r>
+              <a:rPr lang="en-US" sz="2400" dirty="0">
+                <a:solidFill>
+                  <a:srgbClr val="1C4587"/>
+                </a:solidFill>
+              </a:rPr>
+              <a:t>FY26 - Q2 Financial Review</a:t>
+            </a:r>
+            <a:endParaRPr lang="en-US" sz="4000" dirty="0"/>
+          </a:p>
+          <a:p>
+            <a:pPr indent="0" marL="0">
+              <a:buNone/>
+            </a:pPr>
+            <a:endParaRPr lang="en-US" sz="4000" dirty="0"/>
+          </a:p>
+          <a:p>
+            <a:pPr indent="0" marL="0">
+              <a:buNone/>
+            </a:pPr>
+            <a:r>
+              <a:rPr lang="en-US" sz="1800" dirty="0">
+                <a:solidFill>
+                  <a:srgbClr val="1C4587"/>
+                </a:solidFill>
+              </a:rPr>
+              <a:t>YTD Performance: October 1, 2025 - January 19, 2026</a:t>
+            </a:r>
+            <a:endParaRPr lang="en-US" sz="4000" dirty="0"/>
+          </a:p>
+        </p:txBody>
+      </p:sp>
+      <p:pic>
+        <p:nvPicPr>
+          <p:cNvPr id="3" name="Image 0" descr="/Users/loveg/Documents/SDO - Workspace/pptx_workspace/bluedrop_logo.png">    </p:cNvPr>
+          <p:cNvPicPr>
+            <a:picLocks noChangeAspect="1"/>
+          </p:cNvPicPr>
+          <p:nvPr/>
+        </p:nvPicPr>
+        <p:blipFill>
+          <a:blip r:embed="rId1"/>
+          <a:stretch>
+            <a:fillRect/>
+          </a:stretch>
+        </p:blipFill>
+        <p:spPr>
+          <a:xfrm>
+            <a:off x="6858000" y="1371600"/>
+            <a:ext cx="1828800" cy="1371600"/>
+          </a:xfrm>
+          <a:prstGeom prst="rect">
+            <a:avLst/>
+          </a:prstGeom>
+        </p:spPr>
+      </p:pic>
+    </p:spTree>
+  </p:cSld>
+  <p:clrMapOvr>
+    <a:masterClrMapping/>
+  </p:clrMapOvr>
+</p:sld>
+</file>
+
+<file path=ppt/slides/slide10.xml><?xml version="1.0" encoding="utf-8"?>
+<p:sld xmlns:a="http://schemas.openxmlformats.org/drawingml/2006/main" xmlns:r="http://schemas.openxmlformats.org/officeDocument/2006/relationships" xmlns:p="http://schemas.openxmlformats.org/presentationml/2006/main">
+  <p:cSld name="Slide 10">
     <p:bg>
       <p:bgPr>
         <a:solidFill>
@@ -2145,8 +3413,77 @@
         </p:nvSpPr>
         <p:spPr>
           <a:xfrm>
-            <a:off x="381000" y="1452711"/>
-            <a:ext cx="8549640" cy="581025"/>
+            <a:off x="0" y="0"/>
+            <a:ext cx="9144000" cy="628650"/>
+          </a:xfrm>
+          <a:prstGeom prst="rect">
+            <a:avLst/>
+          </a:prstGeom>
+          <a:solidFill>
+            <a:srgbClr val="058DC7"/>
+          </a:solidFill>
+          <a:ln/>
+        </p:spPr>
+        <p:txBody>
+          <a:bodyPr wrap="square" rtlCol="0" anchor="ctr"/>
+          <a:lstStyle/>
+          <a:p>
+            <a:pPr indent="0" marL="0">
+              <a:buNone/>
+            </a:pPr>
+            <a:endParaRPr lang="en-US" dirty="0"/>
+          </a:p>
+        </p:txBody>
+      </p:sp>
+      <p:sp>
+        <p:nvSpPr>
+          <p:cNvPr id="3" name="Text 1"/>
+          <p:cNvSpPr/>
+          <p:nvPr/>
+        </p:nvSpPr>
+        <p:spPr>
+          <a:xfrm>
+            <a:off x="317450" y="152400"/>
+            <a:ext cx="8679281" cy="323850"/>
+          </a:xfrm>
+          <a:prstGeom prst="rect">
+            <a:avLst/>
+          </a:prstGeom>
+          <a:noFill/>
+          <a:ln/>
+        </p:spPr>
+        <p:txBody>
+          <a:bodyPr wrap="square" lIns="0" tIns="0" rIns="0" bIns="0" rtlCol="0" anchor="t"/>
+          <a:lstStyle/>
+          <a:p>
+            <a:pPr algn="l" indent="0" marL="0">
+              <a:buNone/>
+            </a:pPr>
+            <a:r>
+              <a:rPr lang="en-US" sz="2200" b="1" dirty="0">
+                <a:solidFill>
+                  <a:srgbClr val="FFFFFF"/>
+                </a:solidFill>
+                <a:latin typeface="Arial" pitchFamily="34" charset="0"/>
+                <a:ea typeface="Arial" pitchFamily="34" charset="-122"/>
+                <a:cs typeface="Arial" pitchFamily="34" charset="-120"/>
+              </a:rPr>
+              <a:t>RECs Performance &amp; Market Update</a:t>
+            </a:r>
+            <a:endParaRPr lang="en-US" sz="2200" dirty="0"/>
+          </a:p>
+        </p:txBody>
+      </p:sp>
+      <p:sp>
+        <p:nvSpPr>
+          <p:cNvPr id="4" name="Text 2"/>
+          <p:cNvSpPr/>
+          <p:nvPr/>
+        </p:nvSpPr>
+        <p:spPr>
+          <a:xfrm>
+            <a:off x="317450" y="781050"/>
+            <a:ext cx="4242486" cy="152400"/>
           </a:xfrm>
           <a:prstGeom prst="rect">
             <a:avLst/>
@@ -2165,7 +3502,7 @@
               <a:buNone/>
             </a:pPr>
             <a:r>
-              <a:rPr lang="en-US" sz="4000" b="1" dirty="0">
+              <a:rPr lang="en-US" sz="1100" b="1" dirty="0">
                 <a:solidFill>
                   <a:srgbClr val="1C4587"/>
                 </a:solidFill>
@@ -2173,41 +3510,400 @@
                 <a:ea typeface="Arial" pitchFamily="34" charset="-122"/>
                 <a:cs typeface="Arial" pitchFamily="34" charset="-120"/>
               </a:rPr>
-              <a:t>Blue Drop Board</a:t>
-            </a:r>
-            <a:endParaRPr lang="en-US" sz="4000" dirty="0"/>
-          </a:p>
-        </p:txBody>
-      </p:sp>
-      <p:sp>
-        <p:nvSpPr>
-          <p:cNvPr id="3" name="Text 1"/>
-          <p:cNvSpPr/>
-          <p:nvPr/>
-        </p:nvSpPr>
-        <p:spPr>
-          <a:xfrm>
-            <a:off x="381000" y="2135237"/>
-            <a:ext cx="8549640" cy="581025"/>
-          </a:xfrm>
-          <a:prstGeom prst="rect">
-            <a:avLst/>
-          </a:prstGeom>
-          <a:noFill/>
-          <a:ln/>
-        </p:spPr>
-        <p:txBody>
-          <a:bodyPr wrap="square" lIns="0" tIns="0" rIns="0" bIns="0" rtlCol="0" anchor="t"/>
-          <a:lstStyle/>
-          <a:p>
-            <a:pPr algn="l" indent="0" marL="0">
+              <a:t>YTD Performance</a:t>
+            </a:r>
+            <a:endParaRPr lang="en-US" sz="1100" dirty="0"/>
+          </a:p>
+        </p:txBody>
+      </p:sp>
+      <p:sp>
+        <p:nvSpPr>
+          <p:cNvPr id="5" name="Text 3"/>
+          <p:cNvSpPr/>
+          <p:nvPr/>
+        </p:nvSpPr>
+        <p:spPr>
+          <a:xfrm>
+            <a:off x="317450" y="1034951"/>
+            <a:ext cx="2028825" cy="977801"/>
+          </a:xfrm>
+          <a:prstGeom prst="roundRect">
+            <a:avLst>
+              <a:gd name="adj" fmla="val 5195"/>
+            </a:avLst>
+          </a:prstGeom>
+          <a:solidFill>
+            <a:srgbClr val="F8F9FA"/>
+          </a:solidFill>
+          <a:ln/>
+        </p:spPr>
+        <p:txBody>
+          <a:bodyPr wrap="square" rtlCol="0" anchor="ctr"/>
+          <a:lstStyle/>
+          <a:p>
+            <a:pPr indent="0" marL="0">
+              <a:buNone/>
+            </a:pPr>
+            <a:endParaRPr lang="en-US" dirty="0"/>
+          </a:p>
+        </p:txBody>
+      </p:sp>
+      <p:sp>
+        <p:nvSpPr>
+          <p:cNvPr id="6" name="Shape 4"/>
+          <p:cNvSpPr/>
+          <p:nvPr/>
+        </p:nvSpPr>
+        <p:spPr>
+          <a:xfrm>
+            <a:off x="317450" y="1054001"/>
+            <a:ext cx="2028825" cy="0"/>
+          </a:xfrm>
+          <a:prstGeom prst="line">
+            <a:avLst/>
+          </a:prstGeom>
+          <a:noFill/>
+          <a:ln w="38100">
+            <a:solidFill>
+              <a:srgbClr val="058DC7"/>
+            </a:solidFill>
+            <a:prstDash val="solid"/>
+          </a:ln>
+        </p:spPr>
+      </p:sp>
+      <p:sp>
+        <p:nvSpPr>
+          <p:cNvPr id="7" name="Text 5"/>
+          <p:cNvSpPr/>
+          <p:nvPr/>
+        </p:nvSpPr>
+        <p:spPr>
+          <a:xfrm>
+            <a:off x="452610" y="1225451"/>
+            <a:ext cx="1758506" cy="133350"/>
+          </a:xfrm>
+          <a:prstGeom prst="rect">
+            <a:avLst/>
+          </a:prstGeom>
+          <a:noFill/>
+          <a:ln/>
+        </p:spPr>
+        <p:txBody>
+          <a:bodyPr wrap="square" lIns="0" tIns="0" rIns="0" bIns="0" rtlCol="0" anchor="t"/>
+          <a:lstStyle/>
+          <a:p>
+            <a:pPr algn="ctr" indent="0" marL="0">
+              <a:spcAft>
+                <a:spcPts val="400"/>
+              </a:spcAft>
+              <a:buNone/>
+            </a:pPr>
+            <a:r>
+              <a:rPr lang="en-US" sz="900" dirty="0">
+                <a:solidFill>
+                  <a:srgbClr val="666666"/>
+                </a:solidFill>
+                <a:latin typeface="Arial" pitchFamily="34" charset="0"/>
+                <a:ea typeface="Arial" pitchFamily="34" charset="-122"/>
+                <a:cs typeface="Arial" pitchFamily="34" charset="-120"/>
+              </a:rPr>
+              <a:t>YTD Revenue</a:t>
+            </a:r>
+            <a:endParaRPr lang="en-US" sz="900" dirty="0"/>
+          </a:p>
+        </p:txBody>
+      </p:sp>
+      <p:sp>
+        <p:nvSpPr>
+          <p:cNvPr id="8" name="Text 6"/>
+          <p:cNvSpPr/>
+          <p:nvPr/>
+        </p:nvSpPr>
+        <p:spPr>
+          <a:xfrm>
+            <a:off x="452610" y="1409551"/>
+            <a:ext cx="1758506" cy="266700"/>
+          </a:xfrm>
+          <a:prstGeom prst="rect">
+            <a:avLst/>
+          </a:prstGeom>
+          <a:noFill/>
+          <a:ln/>
+        </p:spPr>
+        <p:txBody>
+          <a:bodyPr wrap="square" lIns="0" tIns="0" rIns="0" bIns="0" rtlCol="0" anchor="t"/>
+          <a:lstStyle/>
+          <a:p>
+            <a:pPr algn="ctr" indent="0" marL="0">
+              <a:buNone/>
+            </a:pPr>
+            <a:r>
+              <a:rPr lang="en-US" sz="1800" b="1" dirty="0">
+                <a:solidFill>
+                  <a:srgbClr val="1C4587"/>
+                </a:solidFill>
+                <a:latin typeface="Arial" pitchFamily="34" charset="0"/>
+                <a:ea typeface="Arial" pitchFamily="34" charset="-122"/>
+                <a:cs typeface="Arial" pitchFamily="34" charset="-120"/>
+              </a:rPr>
+              <a:t>$2.52M</a:t>
+            </a:r>
+            <a:endParaRPr lang="en-US" sz="1800" dirty="0"/>
+          </a:p>
+        </p:txBody>
+      </p:sp>
+      <p:sp>
+        <p:nvSpPr>
+          <p:cNvPr id="9" name="Text 7"/>
+          <p:cNvSpPr/>
+          <p:nvPr/>
+        </p:nvSpPr>
+        <p:spPr>
+          <a:xfrm>
+            <a:off x="452610" y="1727002"/>
+            <a:ext cx="1758506" cy="133350"/>
+          </a:xfrm>
+          <a:prstGeom prst="rect">
+            <a:avLst/>
+          </a:prstGeom>
+          <a:noFill/>
+          <a:ln/>
+        </p:spPr>
+        <p:txBody>
+          <a:bodyPr wrap="square" lIns="0" tIns="0" rIns="0" bIns="0" rtlCol="0" anchor="t"/>
+          <a:lstStyle/>
+          <a:p>
+            <a:pPr algn="ctr" indent="0" marL="0">
+              <a:spcBef>
+                <a:spcPts val="400"/>
+              </a:spcBef>
+              <a:buNone/>
+            </a:pPr>
+            <a:r>
+              <a:rPr lang="en-US" sz="900" dirty="0">
+                <a:solidFill>
+                  <a:srgbClr val="50B432"/>
+                </a:solidFill>
+                <a:latin typeface="Arial" pitchFamily="34" charset="0"/>
+                <a:ea typeface="Arial" pitchFamily="34" charset="-122"/>
+                <a:cs typeface="Arial" pitchFamily="34" charset="-120"/>
+              </a:rPr>
+              <a:t>207% of Q1 Budget</a:t>
+            </a:r>
+            <a:endParaRPr lang="en-US" sz="900" dirty="0"/>
+          </a:p>
+        </p:txBody>
+      </p:sp>
+      <p:sp>
+        <p:nvSpPr>
+          <p:cNvPr id="10" name="Text 8"/>
+          <p:cNvSpPr/>
+          <p:nvPr/>
+        </p:nvSpPr>
+        <p:spPr>
+          <a:xfrm>
+            <a:off x="2447776" y="1034951"/>
+            <a:ext cx="2028974" cy="977801"/>
+          </a:xfrm>
+          <a:prstGeom prst="roundRect">
+            <a:avLst>
+              <a:gd name="adj" fmla="val 5195"/>
+            </a:avLst>
+          </a:prstGeom>
+          <a:solidFill>
+            <a:srgbClr val="F8F9FA"/>
+          </a:solidFill>
+          <a:ln/>
+        </p:spPr>
+        <p:txBody>
+          <a:bodyPr wrap="square" rtlCol="0" anchor="ctr"/>
+          <a:lstStyle/>
+          <a:p>
+            <a:pPr indent="0" marL="0">
+              <a:buNone/>
+            </a:pPr>
+            <a:endParaRPr lang="en-US" dirty="0"/>
+          </a:p>
+        </p:txBody>
+      </p:sp>
+      <p:sp>
+        <p:nvSpPr>
+          <p:cNvPr id="11" name="Shape 9"/>
+          <p:cNvSpPr/>
+          <p:nvPr/>
+        </p:nvSpPr>
+        <p:spPr>
+          <a:xfrm>
+            <a:off x="2447776" y="1054001"/>
+            <a:ext cx="2028974" cy="0"/>
+          </a:xfrm>
+          <a:prstGeom prst="line">
+            <a:avLst/>
+          </a:prstGeom>
+          <a:noFill/>
+          <a:ln w="38100">
+            <a:solidFill>
+              <a:srgbClr val="058DC7"/>
+            </a:solidFill>
+            <a:prstDash val="solid"/>
+          </a:ln>
+        </p:spPr>
+      </p:sp>
+      <p:sp>
+        <p:nvSpPr>
+          <p:cNvPr id="12" name="Text 10"/>
+          <p:cNvSpPr/>
+          <p:nvPr/>
+        </p:nvSpPr>
+        <p:spPr>
+          <a:xfrm>
+            <a:off x="2582934" y="1225451"/>
+            <a:ext cx="1758657" cy="133350"/>
+          </a:xfrm>
+          <a:prstGeom prst="rect">
+            <a:avLst/>
+          </a:prstGeom>
+          <a:noFill/>
+          <a:ln/>
+        </p:spPr>
+        <p:txBody>
+          <a:bodyPr wrap="square" lIns="0" tIns="0" rIns="0" bIns="0" rtlCol="0" anchor="t"/>
+          <a:lstStyle/>
+          <a:p>
+            <a:pPr algn="ctr" indent="0" marL="0">
+              <a:spcAft>
+                <a:spcPts val="400"/>
+              </a:spcAft>
+              <a:buNone/>
+            </a:pPr>
+            <a:r>
+              <a:rPr lang="en-US" sz="900" dirty="0">
+                <a:solidFill>
+                  <a:srgbClr val="666666"/>
+                </a:solidFill>
+                <a:latin typeface="Arial" pitchFamily="34" charset="0"/>
+                <a:ea typeface="Arial" pitchFamily="34" charset="-122"/>
+                <a:cs typeface="Arial" pitchFamily="34" charset="-120"/>
+              </a:rPr>
+              <a:t>Net Contribution</a:t>
+            </a:r>
+            <a:endParaRPr lang="en-US" sz="900" dirty="0"/>
+          </a:p>
+        </p:txBody>
+      </p:sp>
+      <p:sp>
+        <p:nvSpPr>
+          <p:cNvPr id="13" name="Text 11"/>
+          <p:cNvSpPr/>
+          <p:nvPr/>
+        </p:nvSpPr>
+        <p:spPr>
+          <a:xfrm>
+            <a:off x="2582934" y="1409551"/>
+            <a:ext cx="1758657" cy="266700"/>
+          </a:xfrm>
+          <a:prstGeom prst="rect">
+            <a:avLst/>
+          </a:prstGeom>
+          <a:noFill/>
+          <a:ln/>
+        </p:spPr>
+        <p:txBody>
+          <a:bodyPr wrap="square" lIns="0" tIns="0" rIns="0" bIns="0" rtlCol="0" anchor="t"/>
+          <a:lstStyle/>
+          <a:p>
+            <a:pPr algn="ctr" indent="0" marL="0">
+              <a:buNone/>
+            </a:pPr>
+            <a:r>
+              <a:rPr lang="en-US" sz="1800" b="1" dirty="0">
+                <a:solidFill>
+                  <a:srgbClr val="1C4587"/>
+                </a:solidFill>
+                <a:latin typeface="Arial" pitchFamily="34" charset="0"/>
+                <a:ea typeface="Arial" pitchFamily="34" charset="-122"/>
+                <a:cs typeface="Arial" pitchFamily="34" charset="-120"/>
+              </a:rPr>
+              <a:t>$2.39M</a:t>
+            </a:r>
+            <a:endParaRPr lang="en-US" sz="1800" dirty="0"/>
+          </a:p>
+        </p:txBody>
+      </p:sp>
+      <p:sp>
+        <p:nvSpPr>
+          <p:cNvPr id="14" name="Text 12"/>
+          <p:cNvSpPr/>
+          <p:nvPr/>
+        </p:nvSpPr>
+        <p:spPr>
+          <a:xfrm>
+            <a:off x="2582934" y="1727002"/>
+            <a:ext cx="1758657" cy="133350"/>
+          </a:xfrm>
+          <a:prstGeom prst="rect">
+            <a:avLst/>
+          </a:prstGeom>
+          <a:noFill/>
+          <a:ln/>
+        </p:spPr>
+        <p:txBody>
+          <a:bodyPr wrap="square" lIns="0" tIns="0" rIns="0" bIns="0" rtlCol="0" anchor="t"/>
+          <a:lstStyle/>
+          <a:p>
+            <a:pPr algn="ctr" indent="0" marL="0">
+              <a:spcBef>
+                <a:spcPts val="400"/>
+              </a:spcBef>
+              <a:buNone/>
+            </a:pPr>
+            <a:r>
+              <a:rPr lang="en-US" sz="900" dirty="0">
+                <a:solidFill>
+                  <a:srgbClr val="50B432"/>
+                </a:solidFill>
+                <a:latin typeface="Arial" pitchFamily="34" charset="0"/>
+                <a:ea typeface="Arial" pitchFamily="34" charset="-122"/>
+                <a:cs typeface="Arial" pitchFamily="34" charset="-120"/>
+              </a:rPr>
+              <a:t>95% margin</a:t>
+            </a:r>
+            <a:endParaRPr lang="en-US" sz="900" dirty="0"/>
+          </a:p>
+        </p:txBody>
+      </p:sp>
+      <p:sp>
+        <p:nvSpPr>
+          <p:cNvPr id="15" name="Text 13"/>
+          <p:cNvSpPr/>
+          <p:nvPr/>
+        </p:nvSpPr>
+        <p:spPr>
+          <a:xfrm>
+            <a:off x="317450" y="2241203"/>
+            <a:ext cx="4242486" cy="152400"/>
+          </a:xfrm>
+          <a:prstGeom prst="rect">
+            <a:avLst/>
+          </a:prstGeom>
+          <a:noFill/>
+          <a:ln/>
+        </p:spPr>
+        <p:txBody>
+          <a:bodyPr wrap="square" lIns="0" tIns="0" rIns="0" bIns="0" rtlCol="0" anchor="t"/>
+          <a:lstStyle/>
+          <a:p>
+            <a:pPr algn="l" indent="0" marL="0">
+              <a:spcBef>
+                <a:spcPts val="1000"/>
+              </a:spcBef>
               <a:spcAft>
                 <a:spcPts val="800"/>
               </a:spcAft>
               <a:buNone/>
             </a:pPr>
             <a:r>
-              <a:rPr lang="en-US" sz="4000" b="1" dirty="0">
+              <a:rPr lang="en-US" sz="1100" b="1" dirty="0">
                 <a:solidFill>
                   <a:srgbClr val="1C4587"/>
                 </a:solidFill>
@@ -2215,9 +3911,795 @@
                 <a:ea typeface="Arial" pitchFamily="34" charset="-122"/>
                 <a:cs typeface="Arial" pitchFamily="34" charset="-120"/>
               </a:rPr>
-              <a:t>Update</a:t>
-            </a:r>
-            <a:endParaRPr lang="en-US" sz="4000" dirty="0"/>
+              <a:t>Price Trend</a:t>
+            </a:r>
+            <a:endParaRPr lang="en-US" sz="1100" dirty="0"/>
+          </a:p>
+        </p:txBody>
+      </p:sp>
+      <p:sp>
+        <p:nvSpPr>
+          <p:cNvPr id="16" name="Text 14"/>
+          <p:cNvSpPr/>
+          <p:nvPr/>
+        </p:nvSpPr>
+        <p:spPr>
+          <a:xfrm>
+            <a:off x="4667250" y="781050"/>
+            <a:ext cx="4242486" cy="152400"/>
+          </a:xfrm>
+          <a:prstGeom prst="rect">
+            <a:avLst/>
+          </a:prstGeom>
+          <a:noFill/>
+          <a:ln/>
+        </p:spPr>
+        <p:txBody>
+          <a:bodyPr wrap="square" lIns="0" tIns="0" rIns="0" bIns="0" rtlCol="0" anchor="t"/>
+          <a:lstStyle/>
+          <a:p>
+            <a:pPr algn="l" indent="0" marL="0">
+              <a:spcAft>
+                <a:spcPts val="800"/>
+              </a:spcAft>
+              <a:buNone/>
+            </a:pPr>
+            <a:r>
+              <a:rPr lang="en-US" sz="1100" b="1" dirty="0">
+                <a:solidFill>
+                  <a:srgbClr val="1C4587"/>
+                </a:solidFill>
+                <a:latin typeface="Arial" pitchFamily="34" charset="0"/>
+                <a:ea typeface="Arial" pitchFamily="34" charset="-122"/>
+                <a:cs typeface="Arial" pitchFamily="34" charset="-120"/>
+              </a:rPr>
+              <a:t>Market Updates</a:t>
+            </a:r>
+            <a:endParaRPr lang="en-US" sz="1100" dirty="0"/>
+          </a:p>
+        </p:txBody>
+      </p:sp>
+      <p:sp>
+        <p:nvSpPr>
+          <p:cNvPr id="17" name="Text 15"/>
+          <p:cNvSpPr/>
+          <p:nvPr/>
+        </p:nvSpPr>
+        <p:spPr>
+          <a:xfrm>
+            <a:off x="4667250" y="1034951"/>
+            <a:ext cx="4159300" cy="968127"/>
+          </a:xfrm>
+          <a:prstGeom prst="roundRect">
+            <a:avLst>
+              <a:gd name="adj" fmla="val 5247"/>
+            </a:avLst>
+          </a:prstGeom>
+          <a:solidFill>
+            <a:srgbClr val="E3F2FD"/>
+          </a:solidFill>
+          <a:ln/>
+        </p:spPr>
+        <p:txBody>
+          <a:bodyPr wrap="square" rtlCol="0" anchor="ctr"/>
+          <a:lstStyle/>
+          <a:p>
+            <a:pPr indent="0" marL="0">
+              <a:buNone/>
+            </a:pPr>
+            <a:endParaRPr lang="en-US" dirty="0"/>
+          </a:p>
+        </p:txBody>
+      </p:sp>
+      <p:sp>
+        <p:nvSpPr>
+          <p:cNvPr id="18" name="Shape 16"/>
+          <p:cNvSpPr/>
+          <p:nvPr/>
+        </p:nvSpPr>
+        <p:spPr>
+          <a:xfrm>
+            <a:off x="4686300" y="1034951"/>
+            <a:ext cx="0" cy="968127"/>
+          </a:xfrm>
+          <a:prstGeom prst="line">
+            <a:avLst/>
+          </a:prstGeom>
+          <a:noFill/>
+          <a:ln w="38100">
+            <a:solidFill>
+              <a:srgbClr val="058DC7"/>
+            </a:solidFill>
+            <a:prstDash val="solid"/>
+          </a:ln>
+        </p:spPr>
+      </p:sp>
+      <p:sp>
+        <p:nvSpPr>
+          <p:cNvPr id="19" name="Text 17"/>
+          <p:cNvSpPr/>
+          <p:nvPr/>
+        </p:nvSpPr>
+        <p:spPr>
+          <a:xfrm>
+            <a:off x="4832300" y="1161901"/>
+            <a:ext cx="3944645" cy="142875"/>
+          </a:xfrm>
+          <a:prstGeom prst="rect">
+            <a:avLst/>
+          </a:prstGeom>
+          <a:noFill/>
+          <a:ln/>
+        </p:spPr>
+        <p:txBody>
+          <a:bodyPr wrap="square" lIns="0" tIns="0" rIns="0" bIns="0" rtlCol="0" anchor="t"/>
+          <a:lstStyle/>
+          <a:p>
+            <a:pPr algn="l" indent="0" marL="0">
+              <a:spcAft>
+                <a:spcPts val="600"/>
+              </a:spcAft>
+              <a:buNone/>
+            </a:pPr>
+            <a:r>
+              <a:rPr lang="en-US" sz="1000" b="1" dirty="0">
+                <a:solidFill>
+                  <a:srgbClr val="1565C0"/>
+                </a:solidFill>
+                <a:latin typeface="Arial" pitchFamily="34" charset="0"/>
+                <a:ea typeface="Arial" pitchFamily="34" charset="-122"/>
+                <a:cs typeface="Arial" pitchFamily="34" charset="-120"/>
+              </a:rPr>
+              <a:t>New Jersey RPS Revision (May)</a:t>
+            </a:r>
+            <a:endParaRPr lang="en-US" sz="1000" dirty="0"/>
+          </a:p>
+        </p:txBody>
+      </p:sp>
+      <p:sp>
+        <p:nvSpPr>
+          <p:cNvPr id="20" name="Text 18"/>
+          <p:cNvSpPr/>
+          <p:nvPr/>
+        </p:nvSpPr>
+        <p:spPr>
+          <a:xfrm>
+            <a:off x="4832300" y="1380976"/>
+            <a:ext cx="3944645" cy="114300"/>
+          </a:xfrm>
+          <a:prstGeom prst="rect">
+            <a:avLst/>
+          </a:prstGeom>
+          <a:noFill/>
+          <a:ln/>
+        </p:spPr>
+        <p:txBody>
+          <a:bodyPr wrap="square" lIns="0" tIns="0" rIns="0" bIns="0" rtlCol="0" anchor="t"/>
+          <a:lstStyle/>
+          <a:p>
+            <a:pPr algn="l" indent="0" marL="0">
+              <a:spcAft>
+                <a:spcPts val="400"/>
+              </a:spcAft>
+              <a:buNone/>
+            </a:pPr>
+            <a:r>
+              <a:rPr lang="en-US" sz="800" dirty="0">
+                <a:solidFill>
+                  <a:srgbClr val="1976D2"/>
+                </a:solidFill>
+                <a:latin typeface="Arial" pitchFamily="34" charset="0"/>
+                <a:ea typeface="Arial" pitchFamily="34" charset="-122"/>
+                <a:cs typeface="Arial" pitchFamily="34" charset="-120"/>
+              </a:rPr>
+              <a:t>Revised Renewable Portfolio Standards</a:t>
+            </a:r>
+            <a:endParaRPr lang="en-US" sz="800" dirty="0"/>
+          </a:p>
+        </p:txBody>
+      </p:sp>
+      <p:sp>
+        <p:nvSpPr>
+          <p:cNvPr id="21" name="Text 19"/>
+          <p:cNvSpPr/>
+          <p:nvPr/>
+        </p:nvSpPr>
+        <p:spPr>
+          <a:xfrm>
+            <a:off x="4832300" y="1546027"/>
+            <a:ext cx="3944645" cy="114300"/>
+          </a:xfrm>
+          <a:prstGeom prst="rect">
+            <a:avLst/>
+          </a:prstGeom>
+          <a:noFill/>
+          <a:ln/>
+        </p:spPr>
+        <p:txBody>
+          <a:bodyPr wrap="square" lIns="0" tIns="0" rIns="0" bIns="0" rtlCol="0" anchor="t"/>
+          <a:lstStyle/>
+          <a:p>
+            <a:pPr algn="l" indent="0" marL="0">
+              <a:spcAft>
+                <a:spcPts val="400"/>
+              </a:spcAft>
+              <a:buNone/>
+            </a:pPr>
+            <a:r>
+              <a:rPr lang="en-US" sz="800" dirty="0">
+                <a:solidFill>
+                  <a:srgbClr val="1976D2"/>
+                </a:solidFill>
+                <a:latin typeface="Arial" pitchFamily="34" charset="0"/>
+                <a:ea typeface="Arial" pitchFamily="34" charset="-122"/>
+                <a:cs typeface="Arial" pitchFamily="34" charset="-120"/>
+              </a:rPr>
+              <a:t>Favorable impact on REC demand</a:t>
+            </a:r>
+            <a:endParaRPr lang="en-US" sz="800" dirty="0"/>
+          </a:p>
+        </p:txBody>
+      </p:sp>
+      <p:sp>
+        <p:nvSpPr>
+          <p:cNvPr id="22" name="Text 20"/>
+          <p:cNvSpPr/>
+          <p:nvPr/>
+        </p:nvSpPr>
+        <p:spPr>
+          <a:xfrm>
+            <a:off x="4832300" y="1711077"/>
+            <a:ext cx="3944645" cy="114300"/>
+          </a:xfrm>
+          <a:prstGeom prst="rect">
+            <a:avLst/>
+          </a:prstGeom>
+          <a:noFill/>
+          <a:ln/>
+        </p:spPr>
+        <p:txBody>
+          <a:bodyPr wrap="square" lIns="0" tIns="0" rIns="0" bIns="0" rtlCol="0" anchor="t"/>
+          <a:lstStyle/>
+          <a:p>
+            <a:pPr algn="l" indent="0" marL="0">
+              <a:spcAft>
+                <a:spcPts val="400"/>
+              </a:spcAft>
+              <a:buNone/>
+            </a:pPr>
+            <a:r>
+              <a:rPr lang="en-US" sz="800" dirty="0">
+                <a:solidFill>
+                  <a:srgbClr val="1976D2"/>
+                </a:solidFill>
+                <a:latin typeface="Arial" pitchFamily="34" charset="0"/>
+                <a:ea typeface="Arial" pitchFamily="34" charset="-122"/>
+                <a:cs typeface="Arial" pitchFamily="34" charset="-120"/>
+              </a:rPr>
+              <a:t>Pricing outlook remains strong</a:t>
+            </a:r>
+            <a:endParaRPr lang="en-US" sz="800" dirty="0"/>
+          </a:p>
+        </p:txBody>
+      </p:sp>
+      <p:sp>
+        <p:nvSpPr>
+          <p:cNvPr id="23" name="Text 21"/>
+          <p:cNvSpPr/>
+          <p:nvPr/>
+        </p:nvSpPr>
+        <p:spPr>
+          <a:xfrm>
+            <a:off x="4667250" y="2104579"/>
+            <a:ext cx="4159300" cy="968127"/>
+          </a:xfrm>
+          <a:prstGeom prst="roundRect">
+            <a:avLst>
+              <a:gd name="adj" fmla="val 5247"/>
+            </a:avLst>
+          </a:prstGeom>
+          <a:solidFill>
+            <a:srgbClr val="E3F2FD"/>
+          </a:solidFill>
+          <a:ln/>
+        </p:spPr>
+        <p:txBody>
+          <a:bodyPr wrap="square" rtlCol="0" anchor="ctr"/>
+          <a:lstStyle/>
+          <a:p>
+            <a:pPr indent="0" marL="0">
+              <a:buNone/>
+            </a:pPr>
+            <a:endParaRPr lang="en-US" dirty="0"/>
+          </a:p>
+        </p:txBody>
+      </p:sp>
+      <p:sp>
+        <p:nvSpPr>
+          <p:cNvPr id="24" name="Shape 22"/>
+          <p:cNvSpPr/>
+          <p:nvPr/>
+        </p:nvSpPr>
+        <p:spPr>
+          <a:xfrm>
+            <a:off x="4686300" y="2104579"/>
+            <a:ext cx="0" cy="968127"/>
+          </a:xfrm>
+          <a:prstGeom prst="line">
+            <a:avLst/>
+          </a:prstGeom>
+          <a:noFill/>
+          <a:ln w="38100">
+            <a:solidFill>
+              <a:srgbClr val="058DC7"/>
+            </a:solidFill>
+            <a:prstDash val="solid"/>
+          </a:ln>
+        </p:spPr>
+      </p:sp>
+      <p:sp>
+        <p:nvSpPr>
+          <p:cNvPr id="25" name="Text 23"/>
+          <p:cNvSpPr/>
+          <p:nvPr/>
+        </p:nvSpPr>
+        <p:spPr>
+          <a:xfrm>
+            <a:off x="4832300" y="2231529"/>
+            <a:ext cx="3944645" cy="142875"/>
+          </a:xfrm>
+          <a:prstGeom prst="rect">
+            <a:avLst/>
+          </a:prstGeom>
+          <a:noFill/>
+          <a:ln/>
+        </p:spPr>
+        <p:txBody>
+          <a:bodyPr wrap="square" lIns="0" tIns="0" rIns="0" bIns="0" rtlCol="0" anchor="t"/>
+          <a:lstStyle/>
+          <a:p>
+            <a:pPr algn="l" indent="0" marL="0">
+              <a:spcAft>
+                <a:spcPts val="600"/>
+              </a:spcAft>
+              <a:buNone/>
+            </a:pPr>
+            <a:r>
+              <a:rPr lang="en-US" sz="1000" b="1" dirty="0">
+                <a:solidFill>
+                  <a:srgbClr val="1565C0"/>
+                </a:solidFill>
+                <a:latin typeface="Arial" pitchFamily="34" charset="0"/>
+                <a:ea typeface="Arial" pitchFamily="34" charset="-122"/>
+                <a:cs typeface="Arial" pitchFamily="34" charset="-120"/>
+              </a:rPr>
+              <a:t>Policy Environment</a:t>
+            </a:r>
+            <a:endParaRPr lang="en-US" sz="1000" dirty="0"/>
+          </a:p>
+        </p:txBody>
+      </p:sp>
+      <p:sp>
+        <p:nvSpPr>
+          <p:cNvPr id="26" name="Text 24"/>
+          <p:cNvSpPr/>
+          <p:nvPr/>
+        </p:nvSpPr>
+        <p:spPr>
+          <a:xfrm>
+            <a:off x="4832300" y="2450604"/>
+            <a:ext cx="3944645" cy="114300"/>
+          </a:xfrm>
+          <a:prstGeom prst="rect">
+            <a:avLst/>
+          </a:prstGeom>
+          <a:noFill/>
+          <a:ln/>
+        </p:spPr>
+        <p:txBody>
+          <a:bodyPr wrap="square" lIns="0" tIns="0" rIns="0" bIns="0" rtlCol="0" anchor="t"/>
+          <a:lstStyle/>
+          <a:p>
+            <a:pPr algn="l" indent="0" marL="0">
+              <a:spcAft>
+                <a:spcPts val="400"/>
+              </a:spcAft>
+              <a:buNone/>
+            </a:pPr>
+            <a:r>
+              <a:rPr lang="en-US" sz="800" dirty="0">
+                <a:solidFill>
+                  <a:srgbClr val="1976D2"/>
+                </a:solidFill>
+                <a:latin typeface="Arial" pitchFamily="34" charset="0"/>
+                <a:ea typeface="Arial" pitchFamily="34" charset="-122"/>
+                <a:cs typeface="Arial" pitchFamily="34" charset="-120"/>
+              </a:rPr>
+              <a:t>Federal executive orders monitored</a:t>
+            </a:r>
+            <a:endParaRPr lang="en-US" sz="800" dirty="0"/>
+          </a:p>
+        </p:txBody>
+      </p:sp>
+      <p:sp>
+        <p:nvSpPr>
+          <p:cNvPr id="27" name="Text 25"/>
+          <p:cNvSpPr/>
+          <p:nvPr/>
+        </p:nvSpPr>
+        <p:spPr>
+          <a:xfrm>
+            <a:off x="4832300" y="2615654"/>
+            <a:ext cx="3944645" cy="114300"/>
+          </a:xfrm>
+          <a:prstGeom prst="rect">
+            <a:avLst/>
+          </a:prstGeom>
+          <a:noFill/>
+          <a:ln/>
+        </p:spPr>
+        <p:txBody>
+          <a:bodyPr wrap="square" lIns="0" tIns="0" rIns="0" bIns="0" rtlCol="0" anchor="t"/>
+          <a:lstStyle/>
+          <a:p>
+            <a:pPr algn="l" indent="0" marL="0">
+              <a:spcAft>
+                <a:spcPts val="400"/>
+              </a:spcAft>
+              <a:buNone/>
+            </a:pPr>
+            <a:r>
+              <a:rPr lang="en-US" sz="800" dirty="0">
+                <a:solidFill>
+                  <a:srgbClr val="1976D2"/>
+                </a:solidFill>
+                <a:latin typeface="Arial" pitchFamily="34" charset="0"/>
+                <a:ea typeface="Arial" pitchFamily="34" charset="-122"/>
+                <a:cs typeface="Arial" pitchFamily="34" charset="-120"/>
+              </a:rPr>
+              <a:t>State-level RPS programs driving demand</a:t>
+            </a:r>
+            <a:endParaRPr lang="en-US" sz="800" dirty="0"/>
+          </a:p>
+        </p:txBody>
+      </p:sp>
+      <p:sp>
+        <p:nvSpPr>
+          <p:cNvPr id="28" name="Text 26"/>
+          <p:cNvSpPr/>
+          <p:nvPr/>
+        </p:nvSpPr>
+        <p:spPr>
+          <a:xfrm>
+            <a:off x="4832300" y="2780705"/>
+            <a:ext cx="3944645" cy="114300"/>
+          </a:xfrm>
+          <a:prstGeom prst="rect">
+            <a:avLst/>
+          </a:prstGeom>
+          <a:noFill/>
+          <a:ln/>
+        </p:spPr>
+        <p:txBody>
+          <a:bodyPr wrap="square" lIns="0" tIns="0" rIns="0" bIns="0" rtlCol="0" anchor="t"/>
+          <a:lstStyle/>
+          <a:p>
+            <a:pPr algn="l" indent="0" marL="0">
+              <a:spcAft>
+                <a:spcPts val="400"/>
+              </a:spcAft>
+              <a:buNone/>
+            </a:pPr>
+            <a:r>
+              <a:rPr lang="en-US" sz="800" dirty="0">
+                <a:solidFill>
+                  <a:srgbClr val="1976D2"/>
+                </a:solidFill>
+                <a:latin typeface="Arial" pitchFamily="34" charset="0"/>
+                <a:ea typeface="Arial" pitchFamily="34" charset="-122"/>
+                <a:cs typeface="Arial" pitchFamily="34" charset="-120"/>
+              </a:rPr>
+              <a:t>Long-term contracts providing stability</a:t>
+            </a:r>
+            <a:endParaRPr lang="en-US" sz="800" dirty="0"/>
+          </a:p>
+        </p:txBody>
+      </p:sp>
+      <p:sp>
+        <p:nvSpPr>
+          <p:cNvPr id="29" name="Text 27"/>
+          <p:cNvSpPr/>
+          <p:nvPr/>
+        </p:nvSpPr>
+        <p:spPr>
+          <a:xfrm>
+            <a:off x="4667250" y="3174206"/>
+            <a:ext cx="4159300" cy="803077"/>
+          </a:xfrm>
+          <a:prstGeom prst="roundRect">
+            <a:avLst>
+              <a:gd name="adj" fmla="val 6326"/>
+            </a:avLst>
+          </a:prstGeom>
+          <a:solidFill>
+            <a:srgbClr val="E3F2FD"/>
+          </a:solidFill>
+          <a:ln/>
+        </p:spPr>
+        <p:txBody>
+          <a:bodyPr wrap="square" rtlCol="0" anchor="ctr"/>
+          <a:lstStyle/>
+          <a:p>
+            <a:pPr indent="0" marL="0">
+              <a:buNone/>
+            </a:pPr>
+            <a:endParaRPr lang="en-US" dirty="0"/>
+          </a:p>
+        </p:txBody>
+      </p:sp>
+      <p:sp>
+        <p:nvSpPr>
+          <p:cNvPr id="30" name="Shape 28"/>
+          <p:cNvSpPr/>
+          <p:nvPr/>
+        </p:nvSpPr>
+        <p:spPr>
+          <a:xfrm>
+            <a:off x="4686300" y="3174206"/>
+            <a:ext cx="0" cy="803077"/>
+          </a:xfrm>
+          <a:prstGeom prst="line">
+            <a:avLst/>
+          </a:prstGeom>
+          <a:noFill/>
+          <a:ln w="38100">
+            <a:solidFill>
+              <a:srgbClr val="058DC7"/>
+            </a:solidFill>
+            <a:prstDash val="solid"/>
+          </a:ln>
+        </p:spPr>
+      </p:sp>
+      <p:sp>
+        <p:nvSpPr>
+          <p:cNvPr id="31" name="Text 29"/>
+          <p:cNvSpPr/>
+          <p:nvPr/>
+        </p:nvSpPr>
+        <p:spPr>
+          <a:xfrm>
+            <a:off x="4832300" y="3301157"/>
+            <a:ext cx="3944645" cy="142875"/>
+          </a:xfrm>
+          <a:prstGeom prst="rect">
+            <a:avLst/>
+          </a:prstGeom>
+          <a:noFill/>
+          <a:ln/>
+        </p:spPr>
+        <p:txBody>
+          <a:bodyPr wrap="square" lIns="0" tIns="0" rIns="0" bIns="0" rtlCol="0" anchor="t"/>
+          <a:lstStyle/>
+          <a:p>
+            <a:pPr algn="l" indent="0" marL="0">
+              <a:spcAft>
+                <a:spcPts val="600"/>
+              </a:spcAft>
+              <a:buNone/>
+            </a:pPr>
+            <a:r>
+              <a:rPr lang="en-US" sz="1000" b="1" dirty="0">
+                <a:solidFill>
+                  <a:srgbClr val="1565C0"/>
+                </a:solidFill>
+                <a:latin typeface="Arial" pitchFamily="34" charset="0"/>
+                <a:ea typeface="Arial" pitchFamily="34" charset="-122"/>
+                <a:cs typeface="Arial" pitchFamily="34" charset="-120"/>
+              </a:rPr>
+              <a:t>Outlook</a:t>
+            </a:r>
+            <a:endParaRPr lang="en-US" sz="1000" dirty="0"/>
+          </a:p>
+        </p:txBody>
+      </p:sp>
+      <p:sp>
+        <p:nvSpPr>
+          <p:cNvPr id="32" name="Text 30"/>
+          <p:cNvSpPr/>
+          <p:nvPr/>
+        </p:nvSpPr>
+        <p:spPr>
+          <a:xfrm>
+            <a:off x="4832300" y="3520232"/>
+            <a:ext cx="3944645" cy="114300"/>
+          </a:xfrm>
+          <a:prstGeom prst="rect">
+            <a:avLst/>
+          </a:prstGeom>
+          <a:noFill/>
+          <a:ln/>
+        </p:spPr>
+        <p:txBody>
+          <a:bodyPr wrap="square" lIns="0" tIns="0" rIns="0" bIns="0" rtlCol="0" anchor="t"/>
+          <a:lstStyle/>
+          <a:p>
+            <a:pPr algn="l" indent="0" marL="0">
+              <a:spcAft>
+                <a:spcPts val="400"/>
+              </a:spcAft>
+              <a:buNone/>
+            </a:pPr>
+            <a:r>
+              <a:rPr lang="en-US" sz="800" dirty="0">
+                <a:solidFill>
+                  <a:srgbClr val="1976D2"/>
+                </a:solidFill>
+                <a:latin typeface="Arial" pitchFamily="34" charset="0"/>
+                <a:ea typeface="Arial" pitchFamily="34" charset="-122"/>
+                <a:cs typeface="Arial" pitchFamily="34" charset="-120"/>
+              </a:rPr>
+              <a:t>Strong pricing expected through FY26</a:t>
+            </a:r>
+            <a:endParaRPr lang="en-US" sz="800" dirty="0"/>
+          </a:p>
+        </p:txBody>
+      </p:sp>
+      <p:sp>
+        <p:nvSpPr>
+          <p:cNvPr id="33" name="Text 31"/>
+          <p:cNvSpPr/>
+          <p:nvPr/>
+        </p:nvSpPr>
+        <p:spPr>
+          <a:xfrm>
+            <a:off x="4832300" y="3685282"/>
+            <a:ext cx="3944645" cy="114300"/>
+          </a:xfrm>
+          <a:prstGeom prst="rect">
+            <a:avLst/>
+          </a:prstGeom>
+          <a:noFill/>
+          <a:ln/>
+        </p:spPr>
+        <p:txBody>
+          <a:bodyPr wrap="square" lIns="0" tIns="0" rIns="0" bIns="0" rtlCol="0" anchor="t"/>
+          <a:lstStyle/>
+          <a:p>
+            <a:pPr algn="l" indent="0" marL="0">
+              <a:spcAft>
+                <a:spcPts val="400"/>
+              </a:spcAft>
+              <a:buNone/>
+            </a:pPr>
+            <a:r>
+              <a:rPr lang="en-US" sz="800" dirty="0">
+                <a:solidFill>
+                  <a:srgbClr val="1976D2"/>
+                </a:solidFill>
+                <a:latin typeface="Arial" pitchFamily="34" charset="0"/>
+                <a:ea typeface="Arial" pitchFamily="34" charset="-122"/>
+                <a:cs typeface="Arial" pitchFamily="34" charset="-120"/>
+              </a:rPr>
+              <a:t>Diversifying buyer relationships</a:t>
+            </a:r>
+            <a:endParaRPr lang="en-US" sz="800" dirty="0"/>
+          </a:p>
+        </p:txBody>
+      </p:sp>
+      <p:graphicFrame>
+        <p:nvGraphicFramePr>
+          <p:cNvPr id="34" name="Chart 0" descr=""/>
+          <p:cNvGraphicFramePr/>
+          <p:nvPr/>
+        </p:nvGraphicFramePr>
+        <p:xfrm>
+          <a:off x="317450" y="2495104"/>
+          <a:ext cx="4159300" cy="2031950"/>
+        </p:xfrm>
+        <a:graphic xmlns:a="http://schemas.openxmlformats.org/drawingml/2006/main">
+          <a:graphicData uri="http://schemas.openxmlformats.org/drawingml/2006/chart">
+            <c:chart xmlns:c="http://schemas.openxmlformats.org/drawingml/2006/chart" r:id="rId1"/>
+          </a:graphicData>
+        </a:graphic>
+      </p:graphicFrame>
+    </p:spTree>
+  </p:cSld>
+  <p:clrMapOvr>
+    <a:masterClrMapping/>
+  </p:clrMapOvr>
+</p:sld>
+</file>
+
+<file path=ppt/slides/slide11.xml><?xml version="1.0" encoding="utf-8"?>
+<p:sld xmlns:a="http://schemas.openxmlformats.org/drawingml/2006/main" xmlns:r="http://schemas.openxmlformats.org/officeDocument/2006/relationships" xmlns:p="http://schemas.openxmlformats.org/presentationml/2006/main">
+  <p:cSld name="Slide 11">
+    <p:bg>
+      <p:bgPr>
+        <a:solidFill>
+          <a:srgbClr val="FFFFFF"/>
+        </a:solidFill>
+      </p:bgPr>
+    </p:bg>
+    <p:spTree>
+      <p:nvGrpSpPr>
+        <p:cNvPr id="1" name=""/>
+        <p:cNvGrpSpPr/>
+        <p:nvPr/>
+      </p:nvGrpSpPr>
+      <p:grpSpPr>
+        <a:xfrm>
+          <a:off x="0" y="0"/>
+          <a:ext cx="0" cy="0"/>
+          <a:chOff x="0" y="0"/>
+          <a:chExt cx="0" cy="0"/>
+        </a:xfrm>
+      </p:grpSpPr>
+      <p:sp>
+        <p:nvSpPr>
+          <p:cNvPr id="2" name="Text 0"/>
+          <p:cNvSpPr/>
+          <p:nvPr/>
+        </p:nvSpPr>
+        <p:spPr>
+          <a:xfrm>
+            <a:off x="0" y="0"/>
+            <a:ext cx="9144000" cy="628650"/>
+          </a:xfrm>
+          <a:prstGeom prst="rect">
+            <a:avLst/>
+          </a:prstGeom>
+          <a:solidFill>
+            <a:srgbClr val="1C4587"/>
+          </a:solidFill>
+          <a:ln/>
+        </p:spPr>
+        <p:txBody>
+          <a:bodyPr wrap="square" rtlCol="0" anchor="ctr"/>
+          <a:lstStyle/>
+          <a:p>
+            <a:pPr indent="0" marL="0">
+              <a:buNone/>
+            </a:pPr>
+            <a:endParaRPr lang="en-US" dirty="0"/>
+          </a:p>
+        </p:txBody>
+      </p:sp>
+      <p:sp>
+        <p:nvSpPr>
+          <p:cNvPr id="3" name="Text 1"/>
+          <p:cNvSpPr/>
+          <p:nvPr/>
+        </p:nvSpPr>
+        <p:spPr>
+          <a:xfrm>
+            <a:off x="317450" y="152400"/>
+            <a:ext cx="8679281" cy="323850"/>
+          </a:xfrm>
+          <a:prstGeom prst="rect">
+            <a:avLst/>
+          </a:prstGeom>
+          <a:noFill/>
+          <a:ln/>
+        </p:spPr>
+        <p:txBody>
+          <a:bodyPr wrap="square" lIns="0" tIns="0" rIns="0" bIns="0" rtlCol="0" anchor="t"/>
+          <a:lstStyle/>
+          <a:p>
+            <a:pPr algn="l" indent="0" marL="0">
+              <a:buNone/>
+            </a:pPr>
+            <a:r>
+              <a:rPr lang="en-US" sz="2200" b="1" dirty="0">
+                <a:solidFill>
+                  <a:srgbClr val="FFFFFF"/>
+                </a:solidFill>
+                <a:latin typeface="Arial" pitchFamily="34" charset="0"/>
+                <a:ea typeface="Arial" pitchFamily="34" charset="-122"/>
+                <a:cs typeface="Arial" pitchFamily="34" charset="-120"/>
+              </a:rPr>
+              <a:t>HQO - Events Performance Overview</a:t>
+            </a:r>
+            <a:endParaRPr lang="en-US" sz="2200" dirty="0"/>
           </a:p>
         </p:txBody>
       </p:sp>
@@ -2229,8 +4711,8 @@
         </p:nvSpPr>
         <p:spPr>
           <a:xfrm>
-            <a:off x="381000" y="2817763"/>
-            <a:ext cx="8549640" cy="352425"/>
+            <a:off x="317450" y="781050"/>
+            <a:ext cx="4242486" cy="152400"/>
           </a:xfrm>
           <a:prstGeom prst="rect">
             <a:avLst/>
@@ -2244,12 +4726,12 @@
           <a:p>
             <a:pPr algn="l" indent="0" marL="0">
               <a:spcAft>
-                <a:spcPts val="2000"/>
+                <a:spcPts val="800"/>
               </a:spcAft>
               <a:buNone/>
             </a:pPr>
             <a:r>
-              <a:rPr lang="en-US" sz="2400" dirty="0">
+              <a:rPr lang="en-US" sz="1100" b="1" dirty="0">
                 <a:solidFill>
                   <a:srgbClr val="1C4587"/>
                 </a:solidFill>
@@ -2257,9 +4739,9 @@
                 <a:ea typeface="Arial" pitchFamily="34" charset="-122"/>
                 <a:cs typeface="Arial" pitchFamily="34" charset="-120"/>
               </a:rPr>
-              <a:t>FY26 - Q2 Financial Review</a:t>
-            </a:r>
-            <a:endParaRPr lang="en-US" sz="2400" dirty="0"/>
+              <a:t>YTD Metrics</a:t>
+            </a:r>
+            <a:endParaRPr lang="en-US" sz="1100" dirty="0"/>
           </a:p>
         </p:txBody>
       </p:sp>
@@ -2271,24 +4753,121 @@
         </p:nvSpPr>
         <p:spPr>
           <a:xfrm>
-            <a:off x="381000" y="3424089"/>
-            <a:ext cx="8549640" cy="266700"/>
-          </a:xfrm>
-          <a:prstGeom prst="rect">
-            <a:avLst/>
-          </a:prstGeom>
-          <a:noFill/>
-          <a:ln/>
-        </p:spPr>
-        <p:txBody>
-          <a:bodyPr wrap="square" lIns="0" tIns="0" rIns="0" bIns="0" rtlCol="0" anchor="t"/>
-          <a:lstStyle/>
-          <a:p>
-            <a:pPr algn="l" indent="0" marL="0">
-              <a:buNone/>
-            </a:pPr>
-            <a:r>
-              <a:rPr lang="en-US" sz="1800" dirty="0">
+            <a:off x="317450" y="1034951"/>
+            <a:ext cx="2028825" cy="815727"/>
+          </a:xfrm>
+          <a:prstGeom prst="roundRect">
+            <a:avLst>
+              <a:gd name="adj" fmla="val 6228"/>
+            </a:avLst>
+          </a:prstGeom>
+          <a:solidFill>
+            <a:srgbClr val="F8F9FA"/>
+          </a:solidFill>
+          <a:ln/>
+        </p:spPr>
+        <p:txBody>
+          <a:bodyPr wrap="square" rtlCol="0" anchor="ctr"/>
+          <a:lstStyle/>
+          <a:p>
+            <a:pPr indent="0" marL="0">
+              <a:buNone/>
+            </a:pPr>
+            <a:endParaRPr lang="en-US" dirty="0"/>
+          </a:p>
+        </p:txBody>
+      </p:sp>
+      <p:sp>
+        <p:nvSpPr>
+          <p:cNvPr id="6" name="Shape 4"/>
+          <p:cNvSpPr/>
+          <p:nvPr/>
+        </p:nvSpPr>
+        <p:spPr>
+          <a:xfrm>
+            <a:off x="317450" y="1054001"/>
+            <a:ext cx="2028825" cy="0"/>
+          </a:xfrm>
+          <a:prstGeom prst="line">
+            <a:avLst/>
+          </a:prstGeom>
+          <a:noFill/>
+          <a:ln w="38100">
+            <a:solidFill>
+              <a:srgbClr val="1C4587"/>
+            </a:solidFill>
+            <a:prstDash val="solid"/>
+          </a:ln>
+        </p:spPr>
+      </p:sp>
+      <p:sp>
+        <p:nvSpPr>
+          <p:cNvPr id="7" name="Text 5"/>
+          <p:cNvSpPr/>
+          <p:nvPr/>
+        </p:nvSpPr>
+        <p:spPr>
+          <a:xfrm>
+            <a:off x="426652" y="1200001"/>
+            <a:ext cx="1810423" cy="114300"/>
+          </a:xfrm>
+          <a:prstGeom prst="rect">
+            <a:avLst/>
+          </a:prstGeom>
+          <a:noFill/>
+          <a:ln/>
+        </p:spPr>
+        <p:txBody>
+          <a:bodyPr wrap="square" lIns="0" tIns="0" rIns="0" bIns="0" rtlCol="0" anchor="t"/>
+          <a:lstStyle/>
+          <a:p>
+            <a:pPr algn="ctr" indent="0" marL="0">
+              <a:spcAft>
+                <a:spcPts val="400"/>
+              </a:spcAft>
+              <a:buNone/>
+            </a:pPr>
+            <a:r>
+              <a:rPr lang="en-US" sz="800" dirty="0">
+                <a:solidFill>
+                  <a:srgbClr val="666666"/>
+                </a:solidFill>
+                <a:latin typeface="Arial" pitchFamily="34" charset="0"/>
+                <a:ea typeface="Arial" pitchFamily="34" charset="-122"/>
+                <a:cs typeface="Arial" pitchFamily="34" charset="-120"/>
+              </a:rPr>
+              <a:t>Events Booked</a:t>
+            </a:r>
+            <a:endParaRPr lang="en-US" sz="800" dirty="0"/>
+          </a:p>
+        </p:txBody>
+      </p:sp>
+      <p:sp>
+        <p:nvSpPr>
+          <p:cNvPr id="8" name="Text 6"/>
+          <p:cNvSpPr/>
+          <p:nvPr/>
+        </p:nvSpPr>
+        <p:spPr>
+          <a:xfrm>
+            <a:off x="426652" y="1365052"/>
+            <a:ext cx="1810423" cy="238125"/>
+          </a:xfrm>
+          <a:prstGeom prst="rect">
+            <a:avLst/>
+          </a:prstGeom>
+          <a:noFill/>
+          <a:ln/>
+        </p:spPr>
+        <p:txBody>
+          <a:bodyPr wrap="square" lIns="0" tIns="0" rIns="0" bIns="0" rtlCol="0" anchor="t"/>
+          <a:lstStyle/>
+          <a:p>
+            <a:pPr algn="ctr" indent="0" marL="0">
+              <a:buNone/>
+            </a:pPr>
+            <a:r>
+              <a:rPr lang="en-US" sz="1600" b="1" dirty="0">
                 <a:solidFill>
                   <a:srgbClr val="1C4587"/>
                 </a:solidFill>
@@ -2296,12 +4875,3238 @@
                 <a:ea typeface="Arial" pitchFamily="34" charset="-122"/>
                 <a:cs typeface="Arial" pitchFamily="34" charset="-120"/>
               </a:rPr>
-              <a:t>YTD Performance: October 1, 2025 - January 19, 2026</a:t>
-            </a:r>
-            <a:endParaRPr lang="en-US" sz="1800" dirty="0"/>
-          </a:p>
-        </p:txBody>
-      </p:sp>
+              <a:t>XX</a:t>
+            </a:r>
+            <a:endParaRPr lang="en-US" sz="1600" dirty="0"/>
+          </a:p>
+        </p:txBody>
+      </p:sp>
+      <p:sp>
+        <p:nvSpPr>
+          <p:cNvPr id="9" name="Text 7"/>
+          <p:cNvSpPr/>
+          <p:nvPr/>
+        </p:nvSpPr>
+        <p:spPr>
+          <a:xfrm>
+            <a:off x="426652" y="1628477"/>
+            <a:ext cx="1810423" cy="95250"/>
+          </a:xfrm>
+          <a:prstGeom prst="rect">
+            <a:avLst/>
+          </a:prstGeom>
+          <a:noFill/>
+          <a:ln/>
+        </p:spPr>
+        <p:txBody>
+          <a:bodyPr wrap="square" lIns="0" tIns="0" rIns="0" bIns="0" rtlCol="0" anchor="t"/>
+          <a:lstStyle/>
+          <a:p>
+            <a:pPr algn="ctr" indent="0" marL="0">
+              <a:spcBef>
+                <a:spcPts val="200"/>
+              </a:spcBef>
+              <a:buNone/>
+            </a:pPr>
+            <a:r>
+              <a:rPr lang="en-US" sz="700" dirty="0">
+                <a:solidFill>
+                  <a:srgbClr val="666666"/>
+                </a:solidFill>
+                <a:latin typeface="Arial" pitchFamily="34" charset="0"/>
+                <a:ea typeface="Arial" pitchFamily="34" charset="-122"/>
+                <a:cs typeface="Arial" pitchFamily="34" charset="-120"/>
+              </a:rPr>
+              <a:t>Target: XX</a:t>
+            </a:r>
+            <a:endParaRPr lang="en-US" sz="700" dirty="0"/>
+          </a:p>
+        </p:txBody>
+      </p:sp>
+      <p:sp>
+        <p:nvSpPr>
+          <p:cNvPr id="10" name="Text 8"/>
+          <p:cNvSpPr/>
+          <p:nvPr/>
+        </p:nvSpPr>
+        <p:spPr>
+          <a:xfrm>
+            <a:off x="2447776" y="1034951"/>
+            <a:ext cx="2028974" cy="815727"/>
+          </a:xfrm>
+          <a:prstGeom prst="roundRect">
+            <a:avLst>
+              <a:gd name="adj" fmla="val 6228"/>
+            </a:avLst>
+          </a:prstGeom>
+          <a:solidFill>
+            <a:srgbClr val="F8F9FA"/>
+          </a:solidFill>
+          <a:ln/>
+        </p:spPr>
+        <p:txBody>
+          <a:bodyPr wrap="square" rtlCol="0" anchor="ctr"/>
+          <a:lstStyle/>
+          <a:p>
+            <a:pPr indent="0" marL="0">
+              <a:buNone/>
+            </a:pPr>
+            <a:endParaRPr lang="en-US" dirty="0"/>
+          </a:p>
+        </p:txBody>
+      </p:sp>
+      <p:sp>
+        <p:nvSpPr>
+          <p:cNvPr id="11" name="Shape 9"/>
+          <p:cNvSpPr/>
+          <p:nvPr/>
+        </p:nvSpPr>
+        <p:spPr>
+          <a:xfrm>
+            <a:off x="2447776" y="1054001"/>
+            <a:ext cx="2028974" cy="0"/>
+          </a:xfrm>
+          <a:prstGeom prst="line">
+            <a:avLst/>
+          </a:prstGeom>
+          <a:noFill/>
+          <a:ln w="38100">
+            <a:solidFill>
+              <a:srgbClr val="1C4587"/>
+            </a:solidFill>
+            <a:prstDash val="solid"/>
+          </a:ln>
+        </p:spPr>
+      </p:sp>
+      <p:sp>
+        <p:nvSpPr>
+          <p:cNvPr id="12" name="Text 10"/>
+          <p:cNvSpPr/>
+          <p:nvPr/>
+        </p:nvSpPr>
+        <p:spPr>
+          <a:xfrm>
+            <a:off x="2556976" y="1200001"/>
+            <a:ext cx="1810575" cy="114300"/>
+          </a:xfrm>
+          <a:prstGeom prst="rect">
+            <a:avLst/>
+          </a:prstGeom>
+          <a:noFill/>
+          <a:ln/>
+        </p:spPr>
+        <p:txBody>
+          <a:bodyPr wrap="square" lIns="0" tIns="0" rIns="0" bIns="0" rtlCol="0" anchor="t"/>
+          <a:lstStyle/>
+          <a:p>
+            <a:pPr algn="ctr" indent="0" marL="0">
+              <a:spcAft>
+                <a:spcPts val="400"/>
+              </a:spcAft>
+              <a:buNone/>
+            </a:pPr>
+            <a:r>
+              <a:rPr lang="en-US" sz="800" dirty="0">
+                <a:solidFill>
+                  <a:srgbClr val="666666"/>
+                </a:solidFill>
+                <a:latin typeface="Arial" pitchFamily="34" charset="0"/>
+                <a:ea typeface="Arial" pitchFamily="34" charset="-122"/>
+                <a:cs typeface="Arial" pitchFamily="34" charset="-120"/>
+              </a:rPr>
+              <a:t>Revenue</a:t>
+            </a:r>
+            <a:endParaRPr lang="en-US" sz="800" dirty="0"/>
+          </a:p>
+        </p:txBody>
+      </p:sp>
+      <p:sp>
+        <p:nvSpPr>
+          <p:cNvPr id="13" name="Text 11"/>
+          <p:cNvSpPr/>
+          <p:nvPr/>
+        </p:nvSpPr>
+        <p:spPr>
+          <a:xfrm>
+            <a:off x="2556976" y="1365052"/>
+            <a:ext cx="1810575" cy="238125"/>
+          </a:xfrm>
+          <a:prstGeom prst="rect">
+            <a:avLst/>
+          </a:prstGeom>
+          <a:noFill/>
+          <a:ln/>
+        </p:spPr>
+        <p:txBody>
+          <a:bodyPr wrap="square" lIns="0" tIns="0" rIns="0" bIns="0" rtlCol="0" anchor="t"/>
+          <a:lstStyle/>
+          <a:p>
+            <a:pPr algn="ctr" indent="0" marL="0">
+              <a:buNone/>
+            </a:pPr>
+            <a:r>
+              <a:rPr lang="en-US" sz="1600" b="1" dirty="0">
+                <a:solidFill>
+                  <a:srgbClr val="1C4587"/>
+                </a:solidFill>
+                <a:latin typeface="Arial" pitchFamily="34" charset="0"/>
+                <a:ea typeface="Arial" pitchFamily="34" charset="-122"/>
+                <a:cs typeface="Arial" pitchFamily="34" charset="-120"/>
+              </a:rPr>
+              <a:t>$XXK</a:t>
+            </a:r>
+            <a:endParaRPr lang="en-US" sz="1600" dirty="0"/>
+          </a:p>
+        </p:txBody>
+      </p:sp>
+      <p:sp>
+        <p:nvSpPr>
+          <p:cNvPr id="14" name="Text 12"/>
+          <p:cNvSpPr/>
+          <p:nvPr/>
+        </p:nvSpPr>
+        <p:spPr>
+          <a:xfrm>
+            <a:off x="2556976" y="1628477"/>
+            <a:ext cx="1810575" cy="95250"/>
+          </a:xfrm>
+          <a:prstGeom prst="rect">
+            <a:avLst/>
+          </a:prstGeom>
+          <a:noFill/>
+          <a:ln/>
+        </p:spPr>
+        <p:txBody>
+          <a:bodyPr wrap="square" lIns="0" tIns="0" rIns="0" bIns="0" rtlCol="0" anchor="t"/>
+          <a:lstStyle/>
+          <a:p>
+            <a:pPr algn="ctr" indent="0" marL="0">
+              <a:spcBef>
+                <a:spcPts val="200"/>
+              </a:spcBef>
+              <a:buNone/>
+            </a:pPr>
+            <a:r>
+              <a:rPr lang="en-US" sz="700" dirty="0">
+                <a:solidFill>
+                  <a:srgbClr val="666666"/>
+                </a:solidFill>
+                <a:latin typeface="Arial" pitchFamily="34" charset="0"/>
+                <a:ea typeface="Arial" pitchFamily="34" charset="-122"/>
+                <a:cs typeface="Arial" pitchFamily="34" charset="-120"/>
+              </a:rPr>
+              <a:t>Target: $XXK</a:t>
+            </a:r>
+            <a:endParaRPr lang="en-US" sz="700" dirty="0"/>
+          </a:p>
+        </p:txBody>
+      </p:sp>
+      <p:sp>
+        <p:nvSpPr>
+          <p:cNvPr id="15" name="Text 13"/>
+          <p:cNvSpPr/>
+          <p:nvPr/>
+        </p:nvSpPr>
+        <p:spPr>
+          <a:xfrm>
+            <a:off x="317450" y="1977628"/>
+            <a:ext cx="2028825" cy="815727"/>
+          </a:xfrm>
+          <a:prstGeom prst="roundRect">
+            <a:avLst>
+              <a:gd name="adj" fmla="val 6228"/>
+            </a:avLst>
+          </a:prstGeom>
+          <a:solidFill>
+            <a:srgbClr val="F8F9FA"/>
+          </a:solidFill>
+          <a:ln/>
+        </p:spPr>
+        <p:txBody>
+          <a:bodyPr wrap="square" rtlCol="0" anchor="ctr"/>
+          <a:lstStyle/>
+          <a:p>
+            <a:pPr indent="0" marL="0">
+              <a:buNone/>
+            </a:pPr>
+            <a:endParaRPr lang="en-US" dirty="0"/>
+          </a:p>
+        </p:txBody>
+      </p:sp>
+      <p:sp>
+        <p:nvSpPr>
+          <p:cNvPr id="16" name="Shape 14"/>
+          <p:cNvSpPr/>
+          <p:nvPr/>
+        </p:nvSpPr>
+        <p:spPr>
+          <a:xfrm>
+            <a:off x="317450" y="1996678"/>
+            <a:ext cx="2028825" cy="0"/>
+          </a:xfrm>
+          <a:prstGeom prst="line">
+            <a:avLst/>
+          </a:prstGeom>
+          <a:noFill/>
+          <a:ln w="38100">
+            <a:solidFill>
+              <a:srgbClr val="1C4587"/>
+            </a:solidFill>
+            <a:prstDash val="solid"/>
+          </a:ln>
+        </p:spPr>
+      </p:sp>
+      <p:sp>
+        <p:nvSpPr>
+          <p:cNvPr id="17" name="Text 15"/>
+          <p:cNvSpPr/>
+          <p:nvPr/>
+        </p:nvSpPr>
+        <p:spPr>
+          <a:xfrm>
+            <a:off x="426652" y="2142679"/>
+            <a:ext cx="1810423" cy="114300"/>
+          </a:xfrm>
+          <a:prstGeom prst="rect">
+            <a:avLst/>
+          </a:prstGeom>
+          <a:noFill/>
+          <a:ln/>
+        </p:spPr>
+        <p:txBody>
+          <a:bodyPr wrap="square" lIns="0" tIns="0" rIns="0" bIns="0" rtlCol="0" anchor="t"/>
+          <a:lstStyle/>
+          <a:p>
+            <a:pPr algn="ctr" indent="0" marL="0">
+              <a:spcAft>
+                <a:spcPts val="400"/>
+              </a:spcAft>
+              <a:buNone/>
+            </a:pPr>
+            <a:r>
+              <a:rPr lang="en-US" sz="800" dirty="0">
+                <a:solidFill>
+                  <a:srgbClr val="666666"/>
+                </a:solidFill>
+                <a:latin typeface="Arial" pitchFamily="34" charset="0"/>
+                <a:ea typeface="Arial" pitchFamily="34" charset="-122"/>
+                <a:cs typeface="Arial" pitchFamily="34" charset="-120"/>
+              </a:rPr>
+              <a:t>Avg Event Value</a:t>
+            </a:r>
+            <a:endParaRPr lang="en-US" sz="800" dirty="0"/>
+          </a:p>
+        </p:txBody>
+      </p:sp>
+      <p:sp>
+        <p:nvSpPr>
+          <p:cNvPr id="18" name="Text 16"/>
+          <p:cNvSpPr/>
+          <p:nvPr/>
+        </p:nvSpPr>
+        <p:spPr>
+          <a:xfrm>
+            <a:off x="426652" y="2307729"/>
+            <a:ext cx="1810423" cy="238125"/>
+          </a:xfrm>
+          <a:prstGeom prst="rect">
+            <a:avLst/>
+          </a:prstGeom>
+          <a:noFill/>
+          <a:ln/>
+        </p:spPr>
+        <p:txBody>
+          <a:bodyPr wrap="square" lIns="0" tIns="0" rIns="0" bIns="0" rtlCol="0" anchor="t"/>
+          <a:lstStyle/>
+          <a:p>
+            <a:pPr algn="ctr" indent="0" marL="0">
+              <a:buNone/>
+            </a:pPr>
+            <a:r>
+              <a:rPr lang="en-US" sz="1600" b="1" dirty="0">
+                <a:solidFill>
+                  <a:srgbClr val="1C4587"/>
+                </a:solidFill>
+                <a:latin typeface="Arial" pitchFamily="34" charset="0"/>
+                <a:ea typeface="Arial" pitchFamily="34" charset="-122"/>
+                <a:cs typeface="Arial" pitchFamily="34" charset="-120"/>
+              </a:rPr>
+              <a:t>$X,XXX</a:t>
+            </a:r>
+            <a:endParaRPr lang="en-US" sz="1600" dirty="0"/>
+          </a:p>
+        </p:txBody>
+      </p:sp>
+      <p:sp>
+        <p:nvSpPr>
+          <p:cNvPr id="19" name="Text 17"/>
+          <p:cNvSpPr/>
+          <p:nvPr/>
+        </p:nvSpPr>
+        <p:spPr>
+          <a:xfrm>
+            <a:off x="426652" y="2571155"/>
+            <a:ext cx="1810423" cy="95250"/>
+          </a:xfrm>
+          <a:prstGeom prst="rect">
+            <a:avLst/>
+          </a:prstGeom>
+          <a:noFill/>
+          <a:ln/>
+        </p:spPr>
+        <p:txBody>
+          <a:bodyPr wrap="square" lIns="0" tIns="0" rIns="0" bIns="0" rtlCol="0" anchor="t"/>
+          <a:lstStyle/>
+          <a:p>
+            <a:pPr algn="ctr" indent="0" marL="0">
+              <a:spcBef>
+                <a:spcPts val="200"/>
+              </a:spcBef>
+              <a:buNone/>
+            </a:pPr>
+            <a:r>
+              <a:rPr lang="en-US" sz="700" dirty="0">
+                <a:solidFill>
+                  <a:srgbClr val="666666"/>
+                </a:solidFill>
+                <a:latin typeface="Arial" pitchFamily="34" charset="0"/>
+                <a:ea typeface="Arial" pitchFamily="34" charset="-122"/>
+                <a:cs typeface="Arial" pitchFamily="34" charset="-120"/>
+              </a:rPr>
+              <a:t>vs LY: +XX%</a:t>
+            </a:r>
+            <a:endParaRPr lang="en-US" sz="700" dirty="0"/>
+          </a:p>
+        </p:txBody>
+      </p:sp>
+      <p:sp>
+        <p:nvSpPr>
+          <p:cNvPr id="20" name="Text 18"/>
+          <p:cNvSpPr/>
+          <p:nvPr/>
+        </p:nvSpPr>
+        <p:spPr>
+          <a:xfrm>
+            <a:off x="2447776" y="1977628"/>
+            <a:ext cx="2028974" cy="815727"/>
+          </a:xfrm>
+          <a:prstGeom prst="roundRect">
+            <a:avLst>
+              <a:gd name="adj" fmla="val 6228"/>
+            </a:avLst>
+          </a:prstGeom>
+          <a:solidFill>
+            <a:srgbClr val="F8F9FA"/>
+          </a:solidFill>
+          <a:ln/>
+        </p:spPr>
+        <p:txBody>
+          <a:bodyPr wrap="square" rtlCol="0" anchor="ctr"/>
+          <a:lstStyle/>
+          <a:p>
+            <a:pPr indent="0" marL="0">
+              <a:buNone/>
+            </a:pPr>
+            <a:endParaRPr lang="en-US" dirty="0"/>
+          </a:p>
+        </p:txBody>
+      </p:sp>
+      <p:sp>
+        <p:nvSpPr>
+          <p:cNvPr id="21" name="Shape 19"/>
+          <p:cNvSpPr/>
+          <p:nvPr/>
+        </p:nvSpPr>
+        <p:spPr>
+          <a:xfrm>
+            <a:off x="2447776" y="1996678"/>
+            <a:ext cx="2028974" cy="0"/>
+          </a:xfrm>
+          <a:prstGeom prst="line">
+            <a:avLst/>
+          </a:prstGeom>
+          <a:noFill/>
+          <a:ln w="38100">
+            <a:solidFill>
+              <a:srgbClr val="1C4587"/>
+            </a:solidFill>
+            <a:prstDash val="solid"/>
+          </a:ln>
+        </p:spPr>
+      </p:sp>
+      <p:sp>
+        <p:nvSpPr>
+          <p:cNvPr id="22" name="Text 20"/>
+          <p:cNvSpPr/>
+          <p:nvPr/>
+        </p:nvSpPr>
+        <p:spPr>
+          <a:xfrm>
+            <a:off x="2556976" y="2142679"/>
+            <a:ext cx="1810575" cy="114300"/>
+          </a:xfrm>
+          <a:prstGeom prst="rect">
+            <a:avLst/>
+          </a:prstGeom>
+          <a:noFill/>
+          <a:ln/>
+        </p:spPr>
+        <p:txBody>
+          <a:bodyPr wrap="square" lIns="0" tIns="0" rIns="0" bIns="0" rtlCol="0" anchor="t"/>
+          <a:lstStyle/>
+          <a:p>
+            <a:pPr algn="ctr" indent="0" marL="0">
+              <a:spcAft>
+                <a:spcPts val="400"/>
+              </a:spcAft>
+              <a:buNone/>
+            </a:pPr>
+            <a:r>
+              <a:rPr lang="en-US" sz="800" dirty="0">
+                <a:solidFill>
+                  <a:srgbClr val="666666"/>
+                </a:solidFill>
+                <a:latin typeface="Arial" pitchFamily="34" charset="0"/>
+                <a:ea typeface="Arial" pitchFamily="34" charset="-122"/>
+                <a:cs typeface="Arial" pitchFamily="34" charset="-120"/>
+              </a:rPr>
+              <a:t>Conversion Rate</a:t>
+            </a:r>
+            <a:endParaRPr lang="en-US" sz="800" dirty="0"/>
+          </a:p>
+        </p:txBody>
+      </p:sp>
+      <p:sp>
+        <p:nvSpPr>
+          <p:cNvPr id="23" name="Text 21"/>
+          <p:cNvSpPr/>
+          <p:nvPr/>
+        </p:nvSpPr>
+        <p:spPr>
+          <a:xfrm>
+            <a:off x="2556976" y="2307729"/>
+            <a:ext cx="1810575" cy="238125"/>
+          </a:xfrm>
+          <a:prstGeom prst="rect">
+            <a:avLst/>
+          </a:prstGeom>
+          <a:noFill/>
+          <a:ln/>
+        </p:spPr>
+        <p:txBody>
+          <a:bodyPr wrap="square" lIns="0" tIns="0" rIns="0" bIns="0" rtlCol="0" anchor="t"/>
+          <a:lstStyle/>
+          <a:p>
+            <a:pPr algn="ctr" indent="0" marL="0">
+              <a:buNone/>
+            </a:pPr>
+            <a:r>
+              <a:rPr lang="en-US" sz="1600" b="1" dirty="0">
+                <a:solidFill>
+                  <a:srgbClr val="1C4587"/>
+                </a:solidFill>
+                <a:latin typeface="Arial" pitchFamily="34" charset="0"/>
+                <a:ea typeface="Arial" pitchFamily="34" charset="-122"/>
+                <a:cs typeface="Arial" pitchFamily="34" charset="-120"/>
+              </a:rPr>
+              <a:t>XX%</a:t>
+            </a:r>
+            <a:endParaRPr lang="en-US" sz="1600" dirty="0"/>
+          </a:p>
+        </p:txBody>
+      </p:sp>
+      <p:sp>
+        <p:nvSpPr>
+          <p:cNvPr id="24" name="Text 22"/>
+          <p:cNvSpPr/>
+          <p:nvPr/>
+        </p:nvSpPr>
+        <p:spPr>
+          <a:xfrm>
+            <a:off x="2556976" y="2571155"/>
+            <a:ext cx="1810575" cy="95250"/>
+          </a:xfrm>
+          <a:prstGeom prst="rect">
+            <a:avLst/>
+          </a:prstGeom>
+          <a:noFill/>
+          <a:ln/>
+        </p:spPr>
+        <p:txBody>
+          <a:bodyPr wrap="square" lIns="0" tIns="0" rIns="0" bIns="0" rtlCol="0" anchor="t"/>
+          <a:lstStyle/>
+          <a:p>
+            <a:pPr algn="ctr" indent="0" marL="0">
+              <a:spcBef>
+                <a:spcPts val="200"/>
+              </a:spcBef>
+              <a:buNone/>
+            </a:pPr>
+            <a:r>
+              <a:rPr lang="en-US" sz="700" dirty="0">
+                <a:solidFill>
+                  <a:srgbClr val="666666"/>
+                </a:solidFill>
+                <a:latin typeface="Arial" pitchFamily="34" charset="0"/>
+                <a:ea typeface="Arial" pitchFamily="34" charset="-122"/>
+                <a:cs typeface="Arial" pitchFamily="34" charset="-120"/>
+              </a:rPr>
+              <a:t>Inquiries → Bookings</a:t>
+            </a:r>
+            <a:endParaRPr lang="en-US" sz="700" dirty="0"/>
+          </a:p>
+        </p:txBody>
+      </p:sp>
+      <p:sp>
+        <p:nvSpPr>
+          <p:cNvPr id="25" name="Text 23"/>
+          <p:cNvSpPr/>
+          <p:nvPr/>
+        </p:nvSpPr>
+        <p:spPr>
+          <a:xfrm>
+            <a:off x="317450" y="2920305"/>
+            <a:ext cx="4242486" cy="152400"/>
+          </a:xfrm>
+          <a:prstGeom prst="rect">
+            <a:avLst/>
+          </a:prstGeom>
+          <a:noFill/>
+          <a:ln/>
+        </p:spPr>
+        <p:txBody>
+          <a:bodyPr wrap="square" lIns="0" tIns="0" rIns="0" bIns="0" rtlCol="0" anchor="t"/>
+          <a:lstStyle/>
+          <a:p>
+            <a:pPr algn="l" indent="0" marL="0">
+              <a:spcBef>
+                <a:spcPts val="600"/>
+              </a:spcBef>
+              <a:spcAft>
+                <a:spcPts val="800"/>
+              </a:spcAft>
+              <a:buNone/>
+            </a:pPr>
+            <a:r>
+              <a:rPr lang="en-US" sz="1100" b="1" dirty="0">
+                <a:solidFill>
+                  <a:srgbClr val="1C4587"/>
+                </a:solidFill>
+                <a:latin typeface="Arial" pitchFamily="34" charset="0"/>
+                <a:ea typeface="Arial" pitchFamily="34" charset="-122"/>
+                <a:cs typeface="Arial" pitchFamily="34" charset="-120"/>
+              </a:rPr>
+              <a:t>Activity Metrics</a:t>
+            </a:r>
+            <a:endParaRPr lang="en-US" sz="1100" dirty="0"/>
+          </a:p>
+        </p:txBody>
+      </p:sp>
+      <p:sp>
+        <p:nvSpPr>
+          <p:cNvPr id="26" name="Text 24"/>
+          <p:cNvSpPr/>
+          <p:nvPr/>
+        </p:nvSpPr>
+        <p:spPr>
+          <a:xfrm>
+            <a:off x="317450" y="3174206"/>
+            <a:ext cx="2028825" cy="815727"/>
+          </a:xfrm>
+          <a:prstGeom prst="roundRect">
+            <a:avLst>
+              <a:gd name="adj" fmla="val 6228"/>
+            </a:avLst>
+          </a:prstGeom>
+          <a:solidFill>
+            <a:srgbClr val="F8F9FA"/>
+          </a:solidFill>
+          <a:ln/>
+        </p:spPr>
+        <p:txBody>
+          <a:bodyPr wrap="square" rtlCol="0" anchor="ctr"/>
+          <a:lstStyle/>
+          <a:p>
+            <a:pPr indent="0" marL="0">
+              <a:buNone/>
+            </a:pPr>
+            <a:endParaRPr lang="en-US" dirty="0"/>
+          </a:p>
+        </p:txBody>
+      </p:sp>
+      <p:sp>
+        <p:nvSpPr>
+          <p:cNvPr id="27" name="Shape 25"/>
+          <p:cNvSpPr/>
+          <p:nvPr/>
+        </p:nvSpPr>
+        <p:spPr>
+          <a:xfrm>
+            <a:off x="317450" y="3193256"/>
+            <a:ext cx="2028825" cy="0"/>
+          </a:xfrm>
+          <a:prstGeom prst="line">
+            <a:avLst/>
+          </a:prstGeom>
+          <a:noFill/>
+          <a:ln w="38100">
+            <a:solidFill>
+              <a:srgbClr val="1C4587"/>
+            </a:solidFill>
+            <a:prstDash val="solid"/>
+          </a:ln>
+        </p:spPr>
+      </p:sp>
+      <p:sp>
+        <p:nvSpPr>
+          <p:cNvPr id="28" name="Text 26"/>
+          <p:cNvSpPr/>
+          <p:nvPr/>
+        </p:nvSpPr>
+        <p:spPr>
+          <a:xfrm>
+            <a:off x="426652" y="3339257"/>
+            <a:ext cx="1810423" cy="114300"/>
+          </a:xfrm>
+          <a:prstGeom prst="rect">
+            <a:avLst/>
+          </a:prstGeom>
+          <a:noFill/>
+          <a:ln/>
+        </p:spPr>
+        <p:txBody>
+          <a:bodyPr wrap="square" lIns="0" tIns="0" rIns="0" bIns="0" rtlCol="0" anchor="t"/>
+          <a:lstStyle/>
+          <a:p>
+            <a:pPr algn="ctr" indent="0" marL="0">
+              <a:spcAft>
+                <a:spcPts val="400"/>
+              </a:spcAft>
+              <a:buNone/>
+            </a:pPr>
+            <a:r>
+              <a:rPr lang="en-US" sz="800" dirty="0">
+                <a:solidFill>
+                  <a:srgbClr val="666666"/>
+                </a:solidFill>
+                <a:latin typeface="Arial" pitchFamily="34" charset="0"/>
+                <a:ea typeface="Arial" pitchFamily="34" charset="-122"/>
+                <a:cs typeface="Arial" pitchFamily="34" charset="-120"/>
+              </a:rPr>
+              <a:t>Calls Placed</a:t>
+            </a:r>
+            <a:endParaRPr lang="en-US" sz="800" dirty="0"/>
+          </a:p>
+        </p:txBody>
+      </p:sp>
+      <p:sp>
+        <p:nvSpPr>
+          <p:cNvPr id="29" name="Text 27"/>
+          <p:cNvSpPr/>
+          <p:nvPr/>
+        </p:nvSpPr>
+        <p:spPr>
+          <a:xfrm>
+            <a:off x="426652" y="3504307"/>
+            <a:ext cx="1810423" cy="238125"/>
+          </a:xfrm>
+          <a:prstGeom prst="rect">
+            <a:avLst/>
+          </a:prstGeom>
+          <a:noFill/>
+          <a:ln/>
+        </p:spPr>
+        <p:txBody>
+          <a:bodyPr wrap="square" lIns="0" tIns="0" rIns="0" bIns="0" rtlCol="0" anchor="t"/>
+          <a:lstStyle/>
+          <a:p>
+            <a:pPr algn="ctr" indent="0" marL="0">
+              <a:buNone/>
+            </a:pPr>
+            <a:r>
+              <a:rPr lang="en-US" sz="1600" b="1" dirty="0">
+                <a:solidFill>
+                  <a:srgbClr val="1C4587"/>
+                </a:solidFill>
+                <a:latin typeface="Arial" pitchFamily="34" charset="0"/>
+                <a:ea typeface="Arial" pitchFamily="34" charset="-122"/>
+                <a:cs typeface="Arial" pitchFamily="34" charset="-120"/>
+              </a:rPr>
+              <a:t>XXX</a:t>
+            </a:r>
+            <a:endParaRPr lang="en-US" sz="1600" dirty="0"/>
+          </a:p>
+        </p:txBody>
+      </p:sp>
+      <p:sp>
+        <p:nvSpPr>
+          <p:cNvPr id="30" name="Text 28"/>
+          <p:cNvSpPr/>
+          <p:nvPr/>
+        </p:nvSpPr>
+        <p:spPr>
+          <a:xfrm>
+            <a:off x="426652" y="3767733"/>
+            <a:ext cx="1810423" cy="95250"/>
+          </a:xfrm>
+          <a:prstGeom prst="rect">
+            <a:avLst/>
+          </a:prstGeom>
+          <a:noFill/>
+          <a:ln/>
+        </p:spPr>
+        <p:txBody>
+          <a:bodyPr wrap="square" lIns="0" tIns="0" rIns="0" bIns="0" rtlCol="0" anchor="t"/>
+          <a:lstStyle/>
+          <a:p>
+            <a:pPr algn="ctr" indent="0" marL="0">
+              <a:spcBef>
+                <a:spcPts val="200"/>
+              </a:spcBef>
+              <a:buNone/>
+            </a:pPr>
+            <a:r>
+              <a:rPr lang="en-US" sz="700" dirty="0">
+                <a:solidFill>
+                  <a:srgbClr val="666666"/>
+                </a:solidFill>
+                <a:latin typeface="Arial" pitchFamily="34" charset="0"/>
+                <a:ea typeface="Arial" pitchFamily="34" charset="-122"/>
+                <a:cs typeface="Arial" pitchFamily="34" charset="-120"/>
+              </a:rPr>
+              <a:t>Last Week</a:t>
+            </a:r>
+            <a:endParaRPr lang="en-US" sz="700" dirty="0"/>
+          </a:p>
+        </p:txBody>
+      </p:sp>
+      <p:sp>
+        <p:nvSpPr>
+          <p:cNvPr id="31" name="Text 29"/>
+          <p:cNvSpPr/>
+          <p:nvPr/>
+        </p:nvSpPr>
+        <p:spPr>
+          <a:xfrm>
+            <a:off x="2447776" y="3174206"/>
+            <a:ext cx="2028974" cy="815727"/>
+          </a:xfrm>
+          <a:prstGeom prst="roundRect">
+            <a:avLst>
+              <a:gd name="adj" fmla="val 6228"/>
+            </a:avLst>
+          </a:prstGeom>
+          <a:solidFill>
+            <a:srgbClr val="F8F9FA"/>
+          </a:solidFill>
+          <a:ln/>
+        </p:spPr>
+        <p:txBody>
+          <a:bodyPr wrap="square" rtlCol="0" anchor="ctr"/>
+          <a:lstStyle/>
+          <a:p>
+            <a:pPr indent="0" marL="0">
+              <a:buNone/>
+            </a:pPr>
+            <a:endParaRPr lang="en-US" dirty="0"/>
+          </a:p>
+        </p:txBody>
+      </p:sp>
+      <p:sp>
+        <p:nvSpPr>
+          <p:cNvPr id="32" name="Shape 30"/>
+          <p:cNvSpPr/>
+          <p:nvPr/>
+        </p:nvSpPr>
+        <p:spPr>
+          <a:xfrm>
+            <a:off x="2447776" y="3193256"/>
+            <a:ext cx="2028974" cy="0"/>
+          </a:xfrm>
+          <a:prstGeom prst="line">
+            <a:avLst/>
+          </a:prstGeom>
+          <a:noFill/>
+          <a:ln w="38100">
+            <a:solidFill>
+              <a:srgbClr val="1C4587"/>
+            </a:solidFill>
+            <a:prstDash val="solid"/>
+          </a:ln>
+        </p:spPr>
+      </p:sp>
+      <p:sp>
+        <p:nvSpPr>
+          <p:cNvPr id="33" name="Text 31"/>
+          <p:cNvSpPr/>
+          <p:nvPr/>
+        </p:nvSpPr>
+        <p:spPr>
+          <a:xfrm>
+            <a:off x="2556976" y="3339257"/>
+            <a:ext cx="1810575" cy="114300"/>
+          </a:xfrm>
+          <a:prstGeom prst="rect">
+            <a:avLst/>
+          </a:prstGeom>
+          <a:noFill/>
+          <a:ln/>
+        </p:spPr>
+        <p:txBody>
+          <a:bodyPr wrap="square" lIns="0" tIns="0" rIns="0" bIns="0" rtlCol="0" anchor="t"/>
+          <a:lstStyle/>
+          <a:p>
+            <a:pPr algn="ctr" indent="0" marL="0">
+              <a:spcAft>
+                <a:spcPts val="400"/>
+              </a:spcAft>
+              <a:buNone/>
+            </a:pPr>
+            <a:r>
+              <a:rPr lang="en-US" sz="800" dirty="0">
+                <a:solidFill>
+                  <a:srgbClr val="666666"/>
+                </a:solidFill>
+                <a:latin typeface="Arial" pitchFamily="34" charset="0"/>
+                <a:ea typeface="Arial" pitchFamily="34" charset="-122"/>
+                <a:cs typeface="Arial" pitchFamily="34" charset="-120"/>
+              </a:rPr>
+              <a:t>Tours Given</a:t>
+            </a:r>
+            <a:endParaRPr lang="en-US" sz="800" dirty="0"/>
+          </a:p>
+        </p:txBody>
+      </p:sp>
+      <p:sp>
+        <p:nvSpPr>
+          <p:cNvPr id="34" name="Text 32"/>
+          <p:cNvSpPr/>
+          <p:nvPr/>
+        </p:nvSpPr>
+        <p:spPr>
+          <a:xfrm>
+            <a:off x="2556976" y="3504307"/>
+            <a:ext cx="1810575" cy="238125"/>
+          </a:xfrm>
+          <a:prstGeom prst="rect">
+            <a:avLst/>
+          </a:prstGeom>
+          <a:noFill/>
+          <a:ln/>
+        </p:spPr>
+        <p:txBody>
+          <a:bodyPr wrap="square" lIns="0" tIns="0" rIns="0" bIns="0" rtlCol="0" anchor="t"/>
+          <a:lstStyle/>
+          <a:p>
+            <a:pPr algn="ctr" indent="0" marL="0">
+              <a:buNone/>
+            </a:pPr>
+            <a:r>
+              <a:rPr lang="en-US" sz="1600" b="1" dirty="0">
+                <a:solidFill>
+                  <a:srgbClr val="1C4587"/>
+                </a:solidFill>
+                <a:latin typeface="Arial" pitchFamily="34" charset="0"/>
+                <a:ea typeface="Arial" pitchFamily="34" charset="-122"/>
+                <a:cs typeface="Arial" pitchFamily="34" charset="-120"/>
+              </a:rPr>
+              <a:t>XX</a:t>
+            </a:r>
+            <a:endParaRPr lang="en-US" sz="1600" dirty="0"/>
+          </a:p>
+        </p:txBody>
+      </p:sp>
+      <p:sp>
+        <p:nvSpPr>
+          <p:cNvPr id="35" name="Text 33"/>
+          <p:cNvSpPr/>
+          <p:nvPr/>
+        </p:nvSpPr>
+        <p:spPr>
+          <a:xfrm>
+            <a:off x="2556976" y="3767733"/>
+            <a:ext cx="1810575" cy="95250"/>
+          </a:xfrm>
+          <a:prstGeom prst="rect">
+            <a:avLst/>
+          </a:prstGeom>
+          <a:noFill/>
+          <a:ln/>
+        </p:spPr>
+        <p:txBody>
+          <a:bodyPr wrap="square" lIns="0" tIns="0" rIns="0" bIns="0" rtlCol="0" anchor="t"/>
+          <a:lstStyle/>
+          <a:p>
+            <a:pPr algn="ctr" indent="0" marL="0">
+              <a:spcBef>
+                <a:spcPts val="200"/>
+              </a:spcBef>
+              <a:buNone/>
+            </a:pPr>
+            <a:r>
+              <a:rPr lang="en-US" sz="700" dirty="0">
+                <a:solidFill>
+                  <a:srgbClr val="666666"/>
+                </a:solidFill>
+                <a:latin typeface="Arial" pitchFamily="34" charset="0"/>
+                <a:ea typeface="Arial" pitchFamily="34" charset="-122"/>
+                <a:cs typeface="Arial" pitchFamily="34" charset="-120"/>
+              </a:rPr>
+              <a:t>This Month</a:t>
+            </a:r>
+            <a:endParaRPr lang="en-US" sz="700" dirty="0"/>
+          </a:p>
+        </p:txBody>
+      </p:sp>
+      <p:sp>
+        <p:nvSpPr>
+          <p:cNvPr id="36" name="Text 34"/>
+          <p:cNvSpPr/>
+          <p:nvPr/>
+        </p:nvSpPr>
+        <p:spPr>
+          <a:xfrm>
+            <a:off x="4667250" y="781050"/>
+            <a:ext cx="4242486" cy="152400"/>
+          </a:xfrm>
+          <a:prstGeom prst="rect">
+            <a:avLst/>
+          </a:prstGeom>
+          <a:noFill/>
+          <a:ln/>
+        </p:spPr>
+        <p:txBody>
+          <a:bodyPr wrap="square" lIns="0" tIns="0" rIns="0" bIns="0" rtlCol="0" anchor="t"/>
+          <a:lstStyle/>
+          <a:p>
+            <a:pPr algn="l" indent="0" marL="0">
+              <a:spcAft>
+                <a:spcPts val="800"/>
+              </a:spcAft>
+              <a:buNone/>
+            </a:pPr>
+            <a:r>
+              <a:rPr lang="en-US" sz="1100" b="1" dirty="0">
+                <a:solidFill>
+                  <a:srgbClr val="1C4587"/>
+                </a:solidFill>
+                <a:latin typeface="Arial" pitchFamily="34" charset="0"/>
+                <a:ea typeface="Arial" pitchFamily="34" charset="-122"/>
+                <a:cs typeface="Arial" pitchFamily="34" charset="-120"/>
+              </a:rPr>
+              <a:t>What's Working</a:t>
+            </a:r>
+            <a:endParaRPr lang="en-US" sz="1100" dirty="0"/>
+          </a:p>
+        </p:txBody>
+      </p:sp>
+      <p:sp>
+        <p:nvSpPr>
+          <p:cNvPr id="37" name="Text 35"/>
+          <p:cNvSpPr/>
+          <p:nvPr/>
+        </p:nvSpPr>
+        <p:spPr>
+          <a:xfrm>
+            <a:off x="4667250" y="1034951"/>
+            <a:ext cx="4159300" cy="475952"/>
+          </a:xfrm>
+          <a:prstGeom prst="roundRect">
+            <a:avLst>
+              <a:gd name="adj" fmla="val 10673"/>
+            </a:avLst>
+          </a:prstGeom>
+          <a:solidFill>
+            <a:srgbClr val="E8F5E9"/>
+          </a:solidFill>
+          <a:ln/>
+        </p:spPr>
+        <p:txBody>
+          <a:bodyPr wrap="square" rtlCol="0" anchor="ctr"/>
+          <a:lstStyle/>
+          <a:p>
+            <a:pPr indent="0" marL="0">
+              <a:buNone/>
+            </a:pPr>
+            <a:endParaRPr lang="en-US" dirty="0"/>
+          </a:p>
+        </p:txBody>
+      </p:sp>
+      <p:sp>
+        <p:nvSpPr>
+          <p:cNvPr id="38" name="Shape 36"/>
+          <p:cNvSpPr/>
+          <p:nvPr/>
+        </p:nvSpPr>
+        <p:spPr>
+          <a:xfrm>
+            <a:off x="4686300" y="1034951"/>
+            <a:ext cx="0" cy="475952"/>
+          </a:xfrm>
+          <a:prstGeom prst="line">
+            <a:avLst/>
+          </a:prstGeom>
+          <a:noFill/>
+          <a:ln w="38100">
+            <a:solidFill>
+              <a:srgbClr val="50B432"/>
+            </a:solidFill>
+            <a:prstDash val="solid"/>
+          </a:ln>
+        </p:spPr>
+      </p:sp>
+      <p:sp>
+        <p:nvSpPr>
+          <p:cNvPr id="39" name="Text 37"/>
+          <p:cNvSpPr/>
+          <p:nvPr/>
+        </p:nvSpPr>
+        <p:spPr>
+          <a:xfrm>
+            <a:off x="4806851" y="1136452"/>
+            <a:ext cx="3996562" cy="133350"/>
+          </a:xfrm>
+          <a:prstGeom prst="rect">
+            <a:avLst/>
+          </a:prstGeom>
+          <a:noFill/>
+          <a:ln/>
+        </p:spPr>
+        <p:txBody>
+          <a:bodyPr wrap="square" lIns="0" tIns="0" rIns="0" bIns="0" rtlCol="0" anchor="t"/>
+          <a:lstStyle/>
+          <a:p>
+            <a:pPr algn="l" indent="0" marL="0">
+              <a:spcAft>
+                <a:spcPts val="200"/>
+              </a:spcAft>
+              <a:buNone/>
+            </a:pPr>
+            <a:r>
+              <a:rPr lang="en-US" sz="900" b="1" dirty="0">
+                <a:solidFill>
+                  <a:srgbClr val="2E7D32"/>
+                </a:solidFill>
+                <a:latin typeface="Arial" pitchFamily="34" charset="0"/>
+                <a:ea typeface="Arial" pitchFamily="34" charset="-122"/>
+                <a:cs typeface="Arial" pitchFamily="34" charset="-120"/>
+              </a:rPr>
+              <a:t>Corporate Events Growth</a:t>
+            </a:r>
+            <a:endParaRPr lang="en-US" sz="900" dirty="0"/>
+          </a:p>
+        </p:txBody>
+      </p:sp>
+      <p:sp>
+        <p:nvSpPr>
+          <p:cNvPr id="40" name="Text 38"/>
+          <p:cNvSpPr/>
+          <p:nvPr/>
+        </p:nvSpPr>
+        <p:spPr>
+          <a:xfrm>
+            <a:off x="4806851" y="1295102"/>
+            <a:ext cx="3996562" cy="114300"/>
+          </a:xfrm>
+          <a:prstGeom prst="rect">
+            <a:avLst/>
+          </a:prstGeom>
+          <a:noFill/>
+          <a:ln/>
+        </p:spPr>
+        <p:txBody>
+          <a:bodyPr wrap="square" lIns="0" tIns="0" rIns="0" bIns="0" rtlCol="0" anchor="t"/>
+          <a:lstStyle/>
+          <a:p>
+            <a:pPr algn="l" indent="0" marL="0">
+              <a:buNone/>
+            </a:pPr>
+            <a:r>
+              <a:rPr lang="en-US" sz="800" dirty="0">
+                <a:solidFill>
+                  <a:srgbClr val="1B5E20"/>
+                </a:solidFill>
+                <a:latin typeface="Arial" pitchFamily="34" charset="0"/>
+                <a:ea typeface="Arial" pitchFamily="34" charset="-122"/>
+                <a:cs typeface="Arial" pitchFamily="34" charset="-120"/>
+              </a:rPr>
+              <a:t>Increased corporate bookings and repeat clients</a:t>
+            </a:r>
+            <a:endParaRPr lang="en-US" sz="800" dirty="0"/>
+          </a:p>
+        </p:txBody>
+      </p:sp>
+      <p:sp>
+        <p:nvSpPr>
+          <p:cNvPr id="41" name="Text 39"/>
+          <p:cNvSpPr/>
+          <p:nvPr/>
+        </p:nvSpPr>
+        <p:spPr>
+          <a:xfrm>
+            <a:off x="4667250" y="1587103"/>
+            <a:ext cx="4159300" cy="475952"/>
+          </a:xfrm>
+          <a:prstGeom prst="roundRect">
+            <a:avLst>
+              <a:gd name="adj" fmla="val 10673"/>
+            </a:avLst>
+          </a:prstGeom>
+          <a:solidFill>
+            <a:srgbClr val="E8F5E9"/>
+          </a:solidFill>
+          <a:ln/>
+        </p:spPr>
+        <p:txBody>
+          <a:bodyPr wrap="square" rtlCol="0" anchor="ctr"/>
+          <a:lstStyle/>
+          <a:p>
+            <a:pPr indent="0" marL="0">
+              <a:buNone/>
+            </a:pPr>
+            <a:endParaRPr lang="en-US" dirty="0"/>
+          </a:p>
+        </p:txBody>
+      </p:sp>
+      <p:sp>
+        <p:nvSpPr>
+          <p:cNvPr id="42" name="Shape 40"/>
+          <p:cNvSpPr/>
+          <p:nvPr/>
+        </p:nvSpPr>
+        <p:spPr>
+          <a:xfrm>
+            <a:off x="4686300" y="1587103"/>
+            <a:ext cx="0" cy="475952"/>
+          </a:xfrm>
+          <a:prstGeom prst="line">
+            <a:avLst/>
+          </a:prstGeom>
+          <a:noFill/>
+          <a:ln w="38100">
+            <a:solidFill>
+              <a:srgbClr val="50B432"/>
+            </a:solidFill>
+            <a:prstDash val="solid"/>
+          </a:ln>
+        </p:spPr>
+      </p:sp>
+      <p:sp>
+        <p:nvSpPr>
+          <p:cNvPr id="43" name="Text 41"/>
+          <p:cNvSpPr/>
+          <p:nvPr/>
+        </p:nvSpPr>
+        <p:spPr>
+          <a:xfrm>
+            <a:off x="4806851" y="1688604"/>
+            <a:ext cx="3996562" cy="133350"/>
+          </a:xfrm>
+          <a:prstGeom prst="rect">
+            <a:avLst/>
+          </a:prstGeom>
+          <a:noFill/>
+          <a:ln/>
+        </p:spPr>
+        <p:txBody>
+          <a:bodyPr wrap="square" lIns="0" tIns="0" rIns="0" bIns="0" rtlCol="0" anchor="t"/>
+          <a:lstStyle/>
+          <a:p>
+            <a:pPr algn="l" indent="0" marL="0">
+              <a:spcAft>
+                <a:spcPts val="200"/>
+              </a:spcAft>
+              <a:buNone/>
+            </a:pPr>
+            <a:r>
+              <a:rPr lang="en-US" sz="900" b="1" dirty="0">
+                <a:solidFill>
+                  <a:srgbClr val="2E7D32"/>
+                </a:solidFill>
+                <a:latin typeface="Arial" pitchFamily="34" charset="0"/>
+                <a:ea typeface="Arial" pitchFamily="34" charset="-122"/>
+                <a:cs typeface="Arial" pitchFamily="34" charset="-120"/>
+              </a:rPr>
+              <a:t>Wedding Package Updates</a:t>
+            </a:r>
+            <a:endParaRPr lang="en-US" sz="900" dirty="0"/>
+          </a:p>
+        </p:txBody>
+      </p:sp>
+      <p:sp>
+        <p:nvSpPr>
+          <p:cNvPr id="44" name="Text 42"/>
+          <p:cNvSpPr/>
+          <p:nvPr/>
+        </p:nvSpPr>
+        <p:spPr>
+          <a:xfrm>
+            <a:off x="4806851" y="1847255"/>
+            <a:ext cx="3996562" cy="114300"/>
+          </a:xfrm>
+          <a:prstGeom prst="rect">
+            <a:avLst/>
+          </a:prstGeom>
+          <a:noFill/>
+          <a:ln/>
+        </p:spPr>
+        <p:txBody>
+          <a:bodyPr wrap="square" lIns="0" tIns="0" rIns="0" bIns="0" rtlCol="0" anchor="t"/>
+          <a:lstStyle/>
+          <a:p>
+            <a:pPr algn="l" indent="0" marL="0">
+              <a:buNone/>
+            </a:pPr>
+            <a:r>
+              <a:rPr lang="en-US" sz="800" dirty="0">
+                <a:solidFill>
+                  <a:srgbClr val="1B5E20"/>
+                </a:solidFill>
+                <a:latin typeface="Arial" pitchFamily="34" charset="0"/>
+                <a:ea typeface="Arial" pitchFamily="34" charset="-122"/>
+                <a:cs typeface="Arial" pitchFamily="34" charset="-120"/>
+              </a:rPr>
+              <a:t>New packages driving higher average values</a:t>
+            </a:r>
+            <a:endParaRPr lang="en-US" sz="800" dirty="0"/>
+          </a:p>
+        </p:txBody>
+      </p:sp>
+      <p:sp>
+        <p:nvSpPr>
+          <p:cNvPr id="45" name="Text 43"/>
+          <p:cNvSpPr/>
+          <p:nvPr/>
+        </p:nvSpPr>
+        <p:spPr>
+          <a:xfrm>
+            <a:off x="4667250" y="2164556"/>
+            <a:ext cx="4242486" cy="152400"/>
+          </a:xfrm>
+          <a:prstGeom prst="rect">
+            <a:avLst/>
+          </a:prstGeom>
+          <a:noFill/>
+          <a:ln/>
+        </p:spPr>
+        <p:txBody>
+          <a:bodyPr wrap="square" lIns="0" tIns="0" rIns="0" bIns="0" rtlCol="0" anchor="t"/>
+          <a:lstStyle/>
+          <a:p>
+            <a:pPr algn="l" indent="0" marL="0">
+              <a:spcBef>
+                <a:spcPts val="800"/>
+              </a:spcBef>
+              <a:spcAft>
+                <a:spcPts val="800"/>
+              </a:spcAft>
+              <a:buNone/>
+            </a:pPr>
+            <a:r>
+              <a:rPr lang="en-US" sz="1100" b="1" dirty="0">
+                <a:solidFill>
+                  <a:srgbClr val="1C4587"/>
+                </a:solidFill>
+                <a:latin typeface="Arial" pitchFamily="34" charset="0"/>
+                <a:ea typeface="Arial" pitchFamily="34" charset="-122"/>
+                <a:cs typeface="Arial" pitchFamily="34" charset="-120"/>
+              </a:rPr>
+              <a:t>Challenges</a:t>
+            </a:r>
+            <a:endParaRPr lang="en-US" sz="1100" dirty="0"/>
+          </a:p>
+        </p:txBody>
+      </p:sp>
+      <p:sp>
+        <p:nvSpPr>
+          <p:cNvPr id="46" name="Text 44"/>
+          <p:cNvSpPr/>
+          <p:nvPr/>
+        </p:nvSpPr>
+        <p:spPr>
+          <a:xfrm>
+            <a:off x="4667250" y="2418457"/>
+            <a:ext cx="4159300" cy="475952"/>
+          </a:xfrm>
+          <a:prstGeom prst="roundRect">
+            <a:avLst>
+              <a:gd name="adj" fmla="val 10673"/>
+            </a:avLst>
+          </a:prstGeom>
+          <a:solidFill>
+            <a:srgbClr val="FFF8E1"/>
+          </a:solidFill>
+          <a:ln/>
+        </p:spPr>
+        <p:txBody>
+          <a:bodyPr wrap="square" rtlCol="0" anchor="ctr"/>
+          <a:lstStyle/>
+          <a:p>
+            <a:pPr indent="0" marL="0">
+              <a:buNone/>
+            </a:pPr>
+            <a:endParaRPr lang="en-US" dirty="0"/>
+          </a:p>
+        </p:txBody>
+      </p:sp>
+      <p:sp>
+        <p:nvSpPr>
+          <p:cNvPr id="47" name="Shape 45"/>
+          <p:cNvSpPr/>
+          <p:nvPr/>
+        </p:nvSpPr>
+        <p:spPr>
+          <a:xfrm>
+            <a:off x="4686300" y="2418457"/>
+            <a:ext cx="0" cy="475952"/>
+          </a:xfrm>
+          <a:prstGeom prst="line">
+            <a:avLst/>
+          </a:prstGeom>
+          <a:noFill/>
+          <a:ln w="38100">
+            <a:solidFill>
+              <a:srgbClr val="ED561B"/>
+            </a:solidFill>
+            <a:prstDash val="solid"/>
+          </a:ln>
+        </p:spPr>
+      </p:sp>
+      <p:sp>
+        <p:nvSpPr>
+          <p:cNvPr id="48" name="Text 46"/>
+          <p:cNvSpPr/>
+          <p:nvPr/>
+        </p:nvSpPr>
+        <p:spPr>
+          <a:xfrm>
+            <a:off x="4806851" y="2519958"/>
+            <a:ext cx="3996562" cy="133350"/>
+          </a:xfrm>
+          <a:prstGeom prst="rect">
+            <a:avLst/>
+          </a:prstGeom>
+          <a:noFill/>
+          <a:ln/>
+        </p:spPr>
+        <p:txBody>
+          <a:bodyPr wrap="square" lIns="0" tIns="0" rIns="0" bIns="0" rtlCol="0" anchor="t"/>
+          <a:lstStyle/>
+          <a:p>
+            <a:pPr algn="l" indent="0" marL="0">
+              <a:spcAft>
+                <a:spcPts val="200"/>
+              </a:spcAft>
+              <a:buNone/>
+            </a:pPr>
+            <a:r>
+              <a:rPr lang="en-US" sz="900" b="1" dirty="0">
+                <a:solidFill>
+                  <a:srgbClr val="E65100"/>
+                </a:solidFill>
+                <a:latin typeface="Arial" pitchFamily="34" charset="0"/>
+                <a:ea typeface="Arial" pitchFamily="34" charset="-122"/>
+                <a:cs typeface="Arial" pitchFamily="34" charset="-120"/>
+              </a:rPr>
+              <a:t>Booking Pipeline</a:t>
+            </a:r>
+            <a:endParaRPr lang="en-US" sz="900" dirty="0"/>
+          </a:p>
+        </p:txBody>
+      </p:sp>
+      <p:sp>
+        <p:nvSpPr>
+          <p:cNvPr id="49" name="Text 47"/>
+          <p:cNvSpPr/>
+          <p:nvPr/>
+        </p:nvSpPr>
+        <p:spPr>
+          <a:xfrm>
+            <a:off x="4806851" y="2678609"/>
+            <a:ext cx="3996562" cy="114300"/>
+          </a:xfrm>
+          <a:prstGeom prst="rect">
+            <a:avLst/>
+          </a:prstGeom>
+          <a:noFill/>
+          <a:ln/>
+        </p:spPr>
+        <p:txBody>
+          <a:bodyPr wrap="square" lIns="0" tIns="0" rIns="0" bIns="0" rtlCol="0" anchor="t"/>
+          <a:lstStyle/>
+          <a:p>
+            <a:pPr algn="l" indent="0" marL="0">
+              <a:buNone/>
+            </a:pPr>
+            <a:r>
+              <a:rPr lang="en-US" sz="800" dirty="0">
+                <a:solidFill>
+                  <a:srgbClr val="BF360C"/>
+                </a:solidFill>
+                <a:latin typeface="Arial" pitchFamily="34" charset="0"/>
+                <a:ea typeface="Arial" pitchFamily="34" charset="-122"/>
+                <a:cs typeface="Arial" pitchFamily="34" charset="-120"/>
+              </a:rPr>
+              <a:t>YTD at 24% of Q1 target - requires review</a:t>
+            </a:r>
+            <a:endParaRPr lang="en-US" sz="800" dirty="0"/>
+          </a:p>
+        </p:txBody>
+      </p:sp>
+      <p:sp>
+        <p:nvSpPr>
+          <p:cNvPr id="50" name="Text 48"/>
+          <p:cNvSpPr/>
+          <p:nvPr/>
+        </p:nvSpPr>
+        <p:spPr>
+          <a:xfrm>
+            <a:off x="4667250" y="2970609"/>
+            <a:ext cx="4159300" cy="475952"/>
+          </a:xfrm>
+          <a:prstGeom prst="roundRect">
+            <a:avLst>
+              <a:gd name="adj" fmla="val 10673"/>
+            </a:avLst>
+          </a:prstGeom>
+          <a:solidFill>
+            <a:srgbClr val="FFF8E1"/>
+          </a:solidFill>
+          <a:ln/>
+        </p:spPr>
+        <p:txBody>
+          <a:bodyPr wrap="square" rtlCol="0" anchor="ctr"/>
+          <a:lstStyle/>
+          <a:p>
+            <a:pPr indent="0" marL="0">
+              <a:buNone/>
+            </a:pPr>
+            <a:endParaRPr lang="en-US" dirty="0"/>
+          </a:p>
+        </p:txBody>
+      </p:sp>
+      <p:sp>
+        <p:nvSpPr>
+          <p:cNvPr id="51" name="Shape 49"/>
+          <p:cNvSpPr/>
+          <p:nvPr/>
+        </p:nvSpPr>
+        <p:spPr>
+          <a:xfrm>
+            <a:off x="4686300" y="2970609"/>
+            <a:ext cx="0" cy="475952"/>
+          </a:xfrm>
+          <a:prstGeom prst="line">
+            <a:avLst/>
+          </a:prstGeom>
+          <a:noFill/>
+          <a:ln w="38100">
+            <a:solidFill>
+              <a:srgbClr val="ED561B"/>
+            </a:solidFill>
+            <a:prstDash val="solid"/>
+          </a:ln>
+        </p:spPr>
+      </p:sp>
+      <p:sp>
+        <p:nvSpPr>
+          <p:cNvPr id="52" name="Text 50"/>
+          <p:cNvSpPr/>
+          <p:nvPr/>
+        </p:nvSpPr>
+        <p:spPr>
+          <a:xfrm>
+            <a:off x="4806851" y="3072110"/>
+            <a:ext cx="3996562" cy="133350"/>
+          </a:xfrm>
+          <a:prstGeom prst="rect">
+            <a:avLst/>
+          </a:prstGeom>
+          <a:noFill/>
+          <a:ln/>
+        </p:spPr>
+        <p:txBody>
+          <a:bodyPr wrap="square" lIns="0" tIns="0" rIns="0" bIns="0" rtlCol="0" anchor="t"/>
+          <a:lstStyle/>
+          <a:p>
+            <a:pPr algn="l" indent="0" marL="0">
+              <a:spcAft>
+                <a:spcPts val="200"/>
+              </a:spcAft>
+              <a:buNone/>
+            </a:pPr>
+            <a:r>
+              <a:rPr lang="en-US" sz="900" b="1" dirty="0">
+                <a:solidFill>
+                  <a:srgbClr val="E65100"/>
+                </a:solidFill>
+                <a:latin typeface="Arial" pitchFamily="34" charset="0"/>
+                <a:ea typeface="Arial" pitchFamily="34" charset="-122"/>
+                <a:cs typeface="Arial" pitchFamily="34" charset="-120"/>
+              </a:rPr>
+              <a:t>Seasonal Timing</a:t>
+            </a:r>
+            <a:endParaRPr lang="en-US" sz="900" dirty="0"/>
+          </a:p>
+        </p:txBody>
+      </p:sp>
+      <p:sp>
+        <p:nvSpPr>
+          <p:cNvPr id="53" name="Text 51"/>
+          <p:cNvSpPr/>
+          <p:nvPr/>
+        </p:nvSpPr>
+        <p:spPr>
+          <a:xfrm>
+            <a:off x="4806851" y="3230761"/>
+            <a:ext cx="3996562" cy="114300"/>
+          </a:xfrm>
+          <a:prstGeom prst="rect">
+            <a:avLst/>
+          </a:prstGeom>
+          <a:noFill/>
+          <a:ln/>
+        </p:spPr>
+        <p:txBody>
+          <a:bodyPr wrap="square" lIns="0" tIns="0" rIns="0" bIns="0" rtlCol="0" anchor="t"/>
+          <a:lstStyle/>
+          <a:p>
+            <a:pPr algn="l" indent="0" marL="0">
+              <a:buNone/>
+            </a:pPr>
+            <a:r>
+              <a:rPr lang="en-US" sz="800" dirty="0">
+                <a:solidFill>
+                  <a:srgbClr val="BF360C"/>
+                </a:solidFill>
+                <a:latin typeface="Arial" pitchFamily="34" charset="0"/>
+                <a:ea typeface="Arial" pitchFamily="34" charset="-122"/>
+                <a:cs typeface="Arial" pitchFamily="34" charset="-120"/>
+              </a:rPr>
+              <a:t>Q1 typically slower - focus on Q2-Q3 bookings</a:t>
+            </a:r>
+            <a:endParaRPr lang="en-US" sz="800" dirty="0"/>
+          </a:p>
+        </p:txBody>
+      </p:sp>
+    </p:spTree>
+  </p:cSld>
+  <p:clrMapOvr>
+    <a:masterClrMapping/>
+  </p:clrMapOvr>
+</p:sld>
+</file>
+
+<file path=ppt/slides/slide12.xml><?xml version="1.0" encoding="utf-8"?>
+<p:sld xmlns:a="http://schemas.openxmlformats.org/drawingml/2006/main" xmlns:r="http://schemas.openxmlformats.org/officeDocument/2006/relationships" xmlns:p="http://schemas.openxmlformats.org/presentationml/2006/main">
+  <p:cSld name="Slide 12">
+    <p:bg>
+      <p:bgPr>
+        <a:solidFill>
+          <a:srgbClr val="FFFFFF"/>
+        </a:solidFill>
+      </p:bgPr>
+    </p:bg>
+    <p:spTree>
+      <p:nvGrpSpPr>
+        <p:cNvPr id="1" name=""/>
+        <p:cNvGrpSpPr/>
+        <p:nvPr/>
+      </p:nvGrpSpPr>
+      <p:grpSpPr>
+        <a:xfrm>
+          <a:off x="0" y="0"/>
+          <a:ext cx="0" cy="0"/>
+          <a:chOff x="0" y="0"/>
+          <a:chExt cx="0" cy="0"/>
+        </a:xfrm>
+      </p:grpSpPr>
+      <p:sp>
+        <p:nvSpPr>
+          <p:cNvPr id="2" name="Text 0"/>
+          <p:cNvSpPr/>
+          <p:nvPr/>
+        </p:nvSpPr>
+        <p:spPr>
+          <a:xfrm>
+            <a:off x="0" y="0"/>
+            <a:ext cx="9144000" cy="628650"/>
+          </a:xfrm>
+          <a:prstGeom prst="rect">
+            <a:avLst/>
+          </a:prstGeom>
+          <a:solidFill>
+            <a:srgbClr val="1C4587"/>
+          </a:solidFill>
+          <a:ln/>
+        </p:spPr>
+        <p:txBody>
+          <a:bodyPr wrap="square" rtlCol="0" anchor="ctr"/>
+          <a:lstStyle/>
+          <a:p>
+            <a:pPr indent="0" marL="0">
+              <a:buNone/>
+            </a:pPr>
+            <a:endParaRPr lang="en-US" dirty="0"/>
+          </a:p>
+        </p:txBody>
+      </p:sp>
+      <p:sp>
+        <p:nvSpPr>
+          <p:cNvPr id="3" name="Text 1"/>
+          <p:cNvSpPr/>
+          <p:nvPr/>
+        </p:nvSpPr>
+        <p:spPr>
+          <a:xfrm>
+            <a:off x="317450" y="152400"/>
+            <a:ext cx="8679281" cy="323850"/>
+          </a:xfrm>
+          <a:prstGeom prst="rect">
+            <a:avLst/>
+          </a:prstGeom>
+          <a:noFill/>
+          <a:ln/>
+        </p:spPr>
+        <p:txBody>
+          <a:bodyPr wrap="square" lIns="0" tIns="0" rIns="0" bIns="0" rtlCol="0" anchor="t"/>
+          <a:lstStyle/>
+          <a:p>
+            <a:pPr algn="l" indent="0" marL="0">
+              <a:buNone/>
+            </a:pPr>
+            <a:r>
+              <a:rPr lang="en-US" sz="2200" b="1" dirty="0">
+                <a:solidFill>
+                  <a:srgbClr val="FFFFFF"/>
+                </a:solidFill>
+                <a:latin typeface="Arial" pitchFamily="34" charset="0"/>
+                <a:ea typeface="Arial" pitchFamily="34" charset="-122"/>
+                <a:cs typeface="Arial" pitchFamily="34" charset="-120"/>
+              </a:rPr>
+              <a:t>Other Initiatives &amp; Passive Income</a:t>
+            </a:r>
+            <a:endParaRPr lang="en-US" sz="2200" dirty="0"/>
+          </a:p>
+        </p:txBody>
+      </p:sp>
+      <p:sp>
+        <p:nvSpPr>
+          <p:cNvPr id="4" name="Text 2"/>
+          <p:cNvSpPr/>
+          <p:nvPr/>
+        </p:nvSpPr>
+        <p:spPr>
+          <a:xfrm>
+            <a:off x="317450" y="781050"/>
+            <a:ext cx="4242486" cy="152400"/>
+          </a:xfrm>
+          <a:prstGeom prst="rect">
+            <a:avLst/>
+          </a:prstGeom>
+          <a:noFill/>
+          <a:ln/>
+        </p:spPr>
+        <p:txBody>
+          <a:bodyPr wrap="square" lIns="0" tIns="0" rIns="0" bIns="0" rtlCol="0" anchor="t"/>
+          <a:lstStyle/>
+          <a:p>
+            <a:pPr algn="l" indent="0" marL="0">
+              <a:spcAft>
+                <a:spcPts val="800"/>
+              </a:spcAft>
+              <a:buNone/>
+            </a:pPr>
+            <a:r>
+              <a:rPr lang="en-US" sz="1100" b="1" dirty="0">
+                <a:solidFill>
+                  <a:srgbClr val="1C4587"/>
+                </a:solidFill>
+                <a:latin typeface="Arial" pitchFamily="34" charset="0"/>
+                <a:ea typeface="Arial" pitchFamily="34" charset="-122"/>
+                <a:cs typeface="Arial" pitchFamily="34" charset="-120"/>
+              </a:rPr>
+              <a:t>Passive Income Streams</a:t>
+            </a:r>
+            <a:endParaRPr lang="en-US" sz="1100" dirty="0"/>
+          </a:p>
+        </p:txBody>
+      </p:sp>
+      <p:sp>
+        <p:nvSpPr>
+          <p:cNvPr id="5" name="Text 3"/>
+          <p:cNvSpPr/>
+          <p:nvPr/>
+        </p:nvSpPr>
+        <p:spPr>
+          <a:xfrm>
+            <a:off x="317450" y="1034951"/>
+            <a:ext cx="4159300" cy="590401"/>
+          </a:xfrm>
+          <a:prstGeom prst="roundRect">
+            <a:avLst>
+              <a:gd name="adj" fmla="val 8604"/>
+            </a:avLst>
+          </a:prstGeom>
+          <a:solidFill>
+            <a:srgbClr val="E8F5E9"/>
+          </a:solidFill>
+          <a:ln/>
+        </p:spPr>
+        <p:txBody>
+          <a:bodyPr wrap="square" rtlCol="0" anchor="ctr"/>
+          <a:lstStyle/>
+          <a:p>
+            <a:pPr indent="0" marL="0">
+              <a:buNone/>
+            </a:pPr>
+            <a:endParaRPr lang="en-US" dirty="0"/>
+          </a:p>
+        </p:txBody>
+      </p:sp>
+      <p:sp>
+        <p:nvSpPr>
+          <p:cNvPr id="6" name="Shape 4"/>
+          <p:cNvSpPr/>
+          <p:nvPr/>
+        </p:nvSpPr>
+        <p:spPr>
+          <a:xfrm>
+            <a:off x="336500" y="1034951"/>
+            <a:ext cx="0" cy="590401"/>
+          </a:xfrm>
+          <a:prstGeom prst="line">
+            <a:avLst/>
+          </a:prstGeom>
+          <a:noFill/>
+          <a:ln w="38100">
+            <a:solidFill>
+              <a:srgbClr val="50B432"/>
+            </a:solidFill>
+            <a:prstDash val="solid"/>
+          </a:ln>
+        </p:spPr>
+      </p:sp>
+      <p:sp>
+        <p:nvSpPr>
+          <p:cNvPr id="7" name="Text 5"/>
+          <p:cNvSpPr/>
+          <p:nvPr/>
+        </p:nvSpPr>
+        <p:spPr>
+          <a:xfrm>
+            <a:off x="482501" y="1176189"/>
+            <a:ext cx="1221117" cy="142875"/>
+          </a:xfrm>
+          <a:prstGeom prst="rect">
+            <a:avLst/>
+          </a:prstGeom>
+          <a:noFill/>
+          <a:ln/>
+        </p:spPr>
+        <p:txBody>
+          <a:bodyPr wrap="square" lIns="0" tIns="0" rIns="0" bIns="0" rtlCol="0" anchor="t"/>
+          <a:lstStyle/>
+          <a:p>
+            <a:pPr algn="l" indent="0" marL="0">
+              <a:buNone/>
+            </a:pPr>
+            <a:r>
+              <a:rPr lang="en-US" sz="1000" b="1" dirty="0">
+                <a:solidFill>
+                  <a:srgbClr val="2E7D32"/>
+                </a:solidFill>
+                <a:latin typeface="Arial" pitchFamily="34" charset="0"/>
+                <a:ea typeface="Arial" pitchFamily="34" charset="-122"/>
+                <a:cs typeface="Arial" pitchFamily="34" charset="-120"/>
+              </a:rPr>
+              <a:t>Cell Tower Revenue</a:t>
+            </a:r>
+            <a:endParaRPr lang="en-US" sz="1000" dirty="0"/>
+          </a:p>
+        </p:txBody>
+      </p:sp>
+      <p:sp>
+        <p:nvSpPr>
+          <p:cNvPr id="8" name="Text 6"/>
+          <p:cNvSpPr/>
+          <p:nvPr/>
+        </p:nvSpPr>
+        <p:spPr>
+          <a:xfrm>
+            <a:off x="3798838" y="1161901"/>
+            <a:ext cx="561981" cy="171450"/>
+          </a:xfrm>
+          <a:prstGeom prst="rect">
+            <a:avLst/>
+          </a:prstGeom>
+          <a:noFill/>
+          <a:ln/>
+        </p:spPr>
+        <p:txBody>
+          <a:bodyPr wrap="square" lIns="0" tIns="0" rIns="0" bIns="0" rtlCol="0" anchor="t"/>
+          <a:lstStyle/>
+          <a:p>
+            <a:pPr algn="l" indent="0" marL="0">
+              <a:buNone/>
+            </a:pPr>
+            <a:r>
+              <a:rPr lang="en-US" sz="1200" b="1" dirty="0">
+                <a:solidFill>
+                  <a:srgbClr val="50B432"/>
+                </a:solidFill>
+                <a:latin typeface="Arial" pitchFamily="34" charset="0"/>
+                <a:ea typeface="Arial" pitchFamily="34" charset="-122"/>
+                <a:cs typeface="Arial" pitchFamily="34" charset="-120"/>
+              </a:rPr>
+              <a:t>$43,182</a:t>
+            </a:r>
+            <a:endParaRPr lang="en-US" sz="1200" dirty="0"/>
+          </a:p>
+        </p:txBody>
+      </p:sp>
+      <p:sp>
+        <p:nvSpPr>
+          <p:cNvPr id="9" name="Text 7"/>
+          <p:cNvSpPr/>
+          <p:nvPr/>
+        </p:nvSpPr>
+        <p:spPr>
+          <a:xfrm>
+            <a:off x="482501" y="1384102"/>
+            <a:ext cx="3944645" cy="114300"/>
+          </a:xfrm>
+          <a:prstGeom prst="rect">
+            <a:avLst/>
+          </a:prstGeom>
+          <a:noFill/>
+          <a:ln/>
+        </p:spPr>
+        <p:txBody>
+          <a:bodyPr wrap="square" lIns="0" tIns="0" rIns="0" bIns="0" rtlCol="0" anchor="t"/>
+          <a:lstStyle/>
+          <a:p>
+            <a:pPr algn="l" indent="0" marL="0">
+              <a:spcBef>
+                <a:spcPts val="400"/>
+              </a:spcBef>
+              <a:buNone/>
+            </a:pPr>
+            <a:r>
+              <a:rPr lang="en-US" sz="800" dirty="0">
+                <a:solidFill>
+                  <a:srgbClr val="1B5E20"/>
+                </a:solidFill>
+                <a:latin typeface="Arial" pitchFamily="34" charset="0"/>
+                <a:ea typeface="Arial" pitchFamily="34" charset="-122"/>
+                <a:cs typeface="Arial" pitchFamily="34" charset="-120"/>
+              </a:rPr>
+              <a:t>96% of Q1 Budget | 100% margin</a:t>
+            </a:r>
+            <a:endParaRPr lang="en-US" sz="800" dirty="0"/>
+          </a:p>
+        </p:txBody>
+      </p:sp>
+      <p:sp>
+        <p:nvSpPr>
+          <p:cNvPr id="10" name="Text 8"/>
+          <p:cNvSpPr/>
+          <p:nvPr/>
+        </p:nvSpPr>
+        <p:spPr>
+          <a:xfrm>
+            <a:off x="317450" y="1726853"/>
+            <a:ext cx="4159300" cy="590401"/>
+          </a:xfrm>
+          <a:prstGeom prst="roundRect">
+            <a:avLst>
+              <a:gd name="adj" fmla="val 8604"/>
+            </a:avLst>
+          </a:prstGeom>
+          <a:solidFill>
+            <a:srgbClr val="E8F5E9"/>
+          </a:solidFill>
+          <a:ln/>
+        </p:spPr>
+        <p:txBody>
+          <a:bodyPr wrap="square" rtlCol="0" anchor="ctr"/>
+          <a:lstStyle/>
+          <a:p>
+            <a:pPr indent="0" marL="0">
+              <a:buNone/>
+            </a:pPr>
+            <a:endParaRPr lang="en-US" dirty="0"/>
+          </a:p>
+        </p:txBody>
+      </p:sp>
+      <p:sp>
+        <p:nvSpPr>
+          <p:cNvPr id="11" name="Shape 9"/>
+          <p:cNvSpPr/>
+          <p:nvPr/>
+        </p:nvSpPr>
+        <p:spPr>
+          <a:xfrm>
+            <a:off x="336500" y="1726853"/>
+            <a:ext cx="0" cy="590401"/>
+          </a:xfrm>
+          <a:prstGeom prst="line">
+            <a:avLst/>
+          </a:prstGeom>
+          <a:noFill/>
+          <a:ln w="38100">
+            <a:solidFill>
+              <a:srgbClr val="50B432"/>
+            </a:solidFill>
+            <a:prstDash val="solid"/>
+          </a:ln>
+        </p:spPr>
+      </p:sp>
+      <p:sp>
+        <p:nvSpPr>
+          <p:cNvPr id="12" name="Text 10"/>
+          <p:cNvSpPr/>
+          <p:nvPr/>
+        </p:nvSpPr>
+        <p:spPr>
+          <a:xfrm>
+            <a:off x="482501" y="1868091"/>
+            <a:ext cx="957280" cy="142875"/>
+          </a:xfrm>
+          <a:prstGeom prst="rect">
+            <a:avLst/>
+          </a:prstGeom>
+          <a:noFill/>
+          <a:ln/>
+        </p:spPr>
+        <p:txBody>
+          <a:bodyPr wrap="square" lIns="0" tIns="0" rIns="0" bIns="0" rtlCol="0" anchor="t"/>
+          <a:lstStyle/>
+          <a:p>
+            <a:pPr algn="l" indent="0" marL="0">
+              <a:buNone/>
+            </a:pPr>
+            <a:r>
+              <a:rPr lang="en-US" sz="1000" b="1" dirty="0">
+                <a:solidFill>
+                  <a:srgbClr val="2E7D32"/>
+                </a:solidFill>
+                <a:latin typeface="Arial" pitchFamily="34" charset="0"/>
+                <a:ea typeface="Arial" pitchFamily="34" charset="-122"/>
+                <a:cs typeface="Arial" pitchFamily="34" charset="-120"/>
+              </a:rPr>
+              <a:t>Interest Income</a:t>
+            </a:r>
+            <a:endParaRPr lang="en-US" sz="1000" dirty="0"/>
+          </a:p>
+        </p:txBody>
+      </p:sp>
+      <p:sp>
+        <p:nvSpPr>
+          <p:cNvPr id="13" name="Text 11"/>
+          <p:cNvSpPr/>
+          <p:nvPr/>
+        </p:nvSpPr>
+        <p:spPr>
+          <a:xfrm>
+            <a:off x="3798838" y="1853803"/>
+            <a:ext cx="561981" cy="171450"/>
+          </a:xfrm>
+          <a:prstGeom prst="rect">
+            <a:avLst/>
+          </a:prstGeom>
+          <a:noFill/>
+          <a:ln/>
+        </p:spPr>
+        <p:txBody>
+          <a:bodyPr wrap="square" lIns="0" tIns="0" rIns="0" bIns="0" rtlCol="0" anchor="t"/>
+          <a:lstStyle/>
+          <a:p>
+            <a:pPr algn="l" indent="0" marL="0">
+              <a:buNone/>
+            </a:pPr>
+            <a:r>
+              <a:rPr lang="en-US" sz="1200" b="1" dirty="0">
+                <a:solidFill>
+                  <a:srgbClr val="50B432"/>
+                </a:solidFill>
+                <a:latin typeface="Arial" pitchFamily="34" charset="0"/>
+                <a:ea typeface="Arial" pitchFamily="34" charset="-122"/>
+                <a:cs typeface="Arial" pitchFamily="34" charset="-120"/>
+              </a:rPr>
+              <a:t>$72,048</a:t>
+            </a:r>
+            <a:endParaRPr lang="en-US" sz="1200" dirty="0"/>
+          </a:p>
+        </p:txBody>
+      </p:sp>
+      <p:sp>
+        <p:nvSpPr>
+          <p:cNvPr id="14" name="Text 12"/>
+          <p:cNvSpPr/>
+          <p:nvPr/>
+        </p:nvSpPr>
+        <p:spPr>
+          <a:xfrm>
+            <a:off x="482501" y="2076004"/>
+            <a:ext cx="3944645" cy="114300"/>
+          </a:xfrm>
+          <a:prstGeom prst="rect">
+            <a:avLst/>
+          </a:prstGeom>
+          <a:noFill/>
+          <a:ln/>
+        </p:spPr>
+        <p:txBody>
+          <a:bodyPr wrap="square" lIns="0" tIns="0" rIns="0" bIns="0" rtlCol="0" anchor="t"/>
+          <a:lstStyle/>
+          <a:p>
+            <a:pPr algn="l" indent="0" marL="0">
+              <a:spcBef>
+                <a:spcPts val="400"/>
+              </a:spcBef>
+              <a:buNone/>
+            </a:pPr>
+            <a:r>
+              <a:rPr lang="en-US" sz="800" dirty="0">
+                <a:solidFill>
+                  <a:srgbClr val="1B5E20"/>
+                </a:solidFill>
+                <a:latin typeface="Arial" pitchFamily="34" charset="0"/>
+                <a:ea typeface="Arial" pitchFamily="34" charset="-122"/>
+                <a:cs typeface="Arial" pitchFamily="34" charset="-120"/>
+              </a:rPr>
+              <a:t>5.5% yield on $14.3M cash | 99% of Q1 Budget</a:t>
+            </a:r>
+            <a:endParaRPr lang="en-US" sz="800" dirty="0"/>
+          </a:p>
+        </p:txBody>
+      </p:sp>
+      <p:sp>
+        <p:nvSpPr>
+          <p:cNvPr id="15" name="Text 13"/>
+          <p:cNvSpPr/>
+          <p:nvPr/>
+        </p:nvSpPr>
+        <p:spPr>
+          <a:xfrm>
+            <a:off x="317450" y="2418755"/>
+            <a:ext cx="4159300" cy="590401"/>
+          </a:xfrm>
+          <a:prstGeom prst="roundRect">
+            <a:avLst>
+              <a:gd name="adj" fmla="val 8604"/>
+            </a:avLst>
+          </a:prstGeom>
+          <a:solidFill>
+            <a:srgbClr val="E8F5E9"/>
+          </a:solidFill>
+          <a:ln/>
+        </p:spPr>
+        <p:txBody>
+          <a:bodyPr wrap="square" rtlCol="0" anchor="ctr"/>
+          <a:lstStyle/>
+          <a:p>
+            <a:pPr indent="0" marL="0">
+              <a:buNone/>
+            </a:pPr>
+            <a:endParaRPr lang="en-US" dirty="0"/>
+          </a:p>
+        </p:txBody>
+      </p:sp>
+      <p:sp>
+        <p:nvSpPr>
+          <p:cNvPr id="16" name="Shape 14"/>
+          <p:cNvSpPr/>
+          <p:nvPr/>
+        </p:nvSpPr>
+        <p:spPr>
+          <a:xfrm>
+            <a:off x="336500" y="2418755"/>
+            <a:ext cx="0" cy="590401"/>
+          </a:xfrm>
+          <a:prstGeom prst="line">
+            <a:avLst/>
+          </a:prstGeom>
+          <a:noFill/>
+          <a:ln w="38100">
+            <a:solidFill>
+              <a:srgbClr val="50B432"/>
+            </a:solidFill>
+            <a:prstDash val="solid"/>
+          </a:ln>
+        </p:spPr>
+      </p:sp>
+      <p:sp>
+        <p:nvSpPr>
+          <p:cNvPr id="17" name="Text 15"/>
+          <p:cNvSpPr/>
+          <p:nvPr/>
+        </p:nvSpPr>
+        <p:spPr>
+          <a:xfrm>
+            <a:off x="482501" y="2559993"/>
+            <a:ext cx="890031" cy="142875"/>
+          </a:xfrm>
+          <a:prstGeom prst="rect">
+            <a:avLst/>
+          </a:prstGeom>
+          <a:noFill/>
+          <a:ln/>
+        </p:spPr>
+        <p:txBody>
+          <a:bodyPr wrap="square" lIns="0" tIns="0" rIns="0" bIns="0" rtlCol="0" anchor="t"/>
+          <a:lstStyle/>
+          <a:p>
+            <a:pPr algn="l" indent="0" marL="0">
+              <a:buNone/>
+            </a:pPr>
+            <a:r>
+              <a:rPr lang="en-US" sz="1000" b="1" dirty="0">
+                <a:solidFill>
+                  <a:srgbClr val="2E7D32"/>
+                </a:solidFill>
+                <a:latin typeface="Arial" pitchFamily="34" charset="0"/>
+                <a:ea typeface="Arial" pitchFamily="34" charset="-122"/>
+                <a:cs typeface="Arial" pitchFamily="34" charset="-120"/>
+              </a:rPr>
+              <a:t>IP &amp; Licensing</a:t>
+            </a:r>
+            <a:endParaRPr lang="en-US" sz="1000" dirty="0"/>
+          </a:p>
+        </p:txBody>
+      </p:sp>
+      <p:sp>
+        <p:nvSpPr>
+          <p:cNvPr id="18" name="Text 16"/>
+          <p:cNvSpPr/>
+          <p:nvPr/>
+        </p:nvSpPr>
+        <p:spPr>
+          <a:xfrm>
+            <a:off x="3798838" y="2545705"/>
+            <a:ext cx="561981" cy="171450"/>
+          </a:xfrm>
+          <a:prstGeom prst="rect">
+            <a:avLst/>
+          </a:prstGeom>
+          <a:noFill/>
+          <a:ln/>
+        </p:spPr>
+        <p:txBody>
+          <a:bodyPr wrap="square" lIns="0" tIns="0" rIns="0" bIns="0" rtlCol="0" anchor="t"/>
+          <a:lstStyle/>
+          <a:p>
+            <a:pPr algn="l" indent="0" marL="0">
+              <a:buNone/>
+            </a:pPr>
+            <a:r>
+              <a:rPr lang="en-US" sz="1200" b="1" dirty="0">
+                <a:solidFill>
+                  <a:srgbClr val="50B432"/>
+                </a:solidFill>
+                <a:latin typeface="Arial" pitchFamily="34" charset="0"/>
+                <a:ea typeface="Arial" pitchFamily="34" charset="-122"/>
+                <a:cs typeface="Arial" pitchFamily="34" charset="-120"/>
+              </a:rPr>
+              <a:t>$61,500</a:t>
+            </a:r>
+            <a:endParaRPr lang="en-US" sz="1200" dirty="0"/>
+          </a:p>
+        </p:txBody>
+      </p:sp>
+      <p:sp>
+        <p:nvSpPr>
+          <p:cNvPr id="19" name="Text 17"/>
+          <p:cNvSpPr/>
+          <p:nvPr/>
+        </p:nvSpPr>
+        <p:spPr>
+          <a:xfrm>
+            <a:off x="482501" y="2767905"/>
+            <a:ext cx="3944645" cy="114300"/>
+          </a:xfrm>
+          <a:prstGeom prst="rect">
+            <a:avLst/>
+          </a:prstGeom>
+          <a:noFill/>
+          <a:ln/>
+        </p:spPr>
+        <p:txBody>
+          <a:bodyPr wrap="square" lIns="0" tIns="0" rIns="0" bIns="0" rtlCol="0" anchor="t"/>
+          <a:lstStyle/>
+          <a:p>
+            <a:pPr algn="l" indent="0" marL="0">
+              <a:spcBef>
+                <a:spcPts val="400"/>
+              </a:spcBef>
+              <a:buNone/>
+            </a:pPr>
+            <a:r>
+              <a:rPr lang="en-US" sz="800" dirty="0">
+                <a:solidFill>
+                  <a:srgbClr val="1B5E20"/>
+                </a:solidFill>
+                <a:latin typeface="Arial" pitchFamily="34" charset="0"/>
+                <a:ea typeface="Arial" pitchFamily="34" charset="-122"/>
+                <a:cs typeface="Arial" pitchFamily="34" charset="-120"/>
+              </a:rPr>
+              <a:t>72% of Q1 Budget | High-margin revenue</a:t>
+            </a:r>
+            <a:endParaRPr lang="en-US" sz="800" dirty="0"/>
+          </a:p>
+        </p:txBody>
+      </p:sp>
+      <p:sp>
+        <p:nvSpPr>
+          <p:cNvPr id="20" name="Text 18"/>
+          <p:cNvSpPr/>
+          <p:nvPr/>
+        </p:nvSpPr>
+        <p:spPr>
+          <a:xfrm>
+            <a:off x="4667250" y="781050"/>
+            <a:ext cx="4242486" cy="152400"/>
+          </a:xfrm>
+          <a:prstGeom prst="rect">
+            <a:avLst/>
+          </a:prstGeom>
+          <a:noFill/>
+          <a:ln/>
+        </p:spPr>
+        <p:txBody>
+          <a:bodyPr wrap="square" lIns="0" tIns="0" rIns="0" bIns="0" rtlCol="0" anchor="t"/>
+          <a:lstStyle/>
+          <a:p>
+            <a:pPr algn="l" indent="0" marL="0">
+              <a:spcAft>
+                <a:spcPts val="800"/>
+              </a:spcAft>
+              <a:buNone/>
+            </a:pPr>
+            <a:r>
+              <a:rPr lang="en-US" sz="1100" b="1" dirty="0">
+                <a:solidFill>
+                  <a:srgbClr val="1C4587"/>
+                </a:solidFill>
+                <a:latin typeface="Arial" pitchFamily="34" charset="0"/>
+                <a:ea typeface="Arial" pitchFamily="34" charset="-122"/>
+                <a:cs typeface="Arial" pitchFamily="34" charset="-120"/>
+              </a:rPr>
+              <a:t>Strategic Initiatives</a:t>
+            </a:r>
+            <a:endParaRPr lang="en-US" sz="1100" dirty="0"/>
+          </a:p>
+        </p:txBody>
+      </p:sp>
+      <p:sp>
+        <p:nvSpPr>
+          <p:cNvPr id="21" name="Text 19"/>
+          <p:cNvSpPr/>
+          <p:nvPr/>
+        </p:nvSpPr>
+        <p:spPr>
+          <a:xfrm>
+            <a:off x="4667250" y="1034951"/>
+            <a:ext cx="4159300" cy="714226"/>
+          </a:xfrm>
+          <a:prstGeom prst="roundRect">
+            <a:avLst>
+              <a:gd name="adj" fmla="val 7113"/>
+            </a:avLst>
+          </a:prstGeom>
+          <a:solidFill>
+            <a:srgbClr val="F8F9FA"/>
+          </a:solidFill>
+          <a:ln/>
+        </p:spPr>
+        <p:txBody>
+          <a:bodyPr wrap="square" rtlCol="0" anchor="ctr"/>
+          <a:lstStyle/>
+          <a:p>
+            <a:pPr indent="0" marL="0">
+              <a:buNone/>
+            </a:pPr>
+            <a:endParaRPr lang="en-US" dirty="0"/>
+          </a:p>
+        </p:txBody>
+      </p:sp>
+      <p:sp>
+        <p:nvSpPr>
+          <p:cNvPr id="22" name="Shape 20"/>
+          <p:cNvSpPr/>
+          <p:nvPr/>
+        </p:nvSpPr>
+        <p:spPr>
+          <a:xfrm>
+            <a:off x="4686300" y="1034951"/>
+            <a:ext cx="0" cy="714226"/>
+          </a:xfrm>
+          <a:prstGeom prst="line">
+            <a:avLst/>
+          </a:prstGeom>
+          <a:noFill/>
+          <a:ln w="38100">
+            <a:solidFill>
+              <a:srgbClr val="058DC7"/>
+            </a:solidFill>
+            <a:prstDash val="solid"/>
+          </a:ln>
+        </p:spPr>
+      </p:sp>
+      <p:sp>
+        <p:nvSpPr>
+          <p:cNvPr id="23" name="Text 21"/>
+          <p:cNvSpPr/>
+          <p:nvPr/>
+        </p:nvSpPr>
+        <p:spPr>
+          <a:xfrm>
+            <a:off x="4832300" y="1161901"/>
+            <a:ext cx="3944645" cy="142875"/>
+          </a:xfrm>
+          <a:prstGeom prst="rect">
+            <a:avLst/>
+          </a:prstGeom>
+          <a:noFill/>
+          <a:ln/>
+        </p:spPr>
+        <p:txBody>
+          <a:bodyPr wrap="square" lIns="0" tIns="0" rIns="0" bIns="0" rtlCol="0" anchor="t"/>
+          <a:lstStyle/>
+          <a:p>
+            <a:pPr algn="l" indent="0" marL="0">
+              <a:spcAft>
+                <a:spcPts val="400"/>
+              </a:spcAft>
+              <a:buNone/>
+            </a:pPr>
+            <a:r>
+              <a:rPr lang="en-US" sz="1000" b="1" dirty="0">
+                <a:solidFill>
+                  <a:srgbClr val="1C4587"/>
+                </a:solidFill>
+                <a:latin typeface="Arial" pitchFamily="34" charset="0"/>
+                <a:ea typeface="Arial" pitchFamily="34" charset="-122"/>
+                <a:cs typeface="Arial" pitchFamily="34" charset="-120"/>
+              </a:rPr>
+              <a:t>Bill.com Implementation</a:t>
+            </a:r>
+            <a:endParaRPr lang="en-US" sz="1000" dirty="0"/>
+          </a:p>
+        </p:txBody>
+      </p:sp>
+      <p:sp>
+        <p:nvSpPr>
+          <p:cNvPr id="24" name="Text 22"/>
+          <p:cNvSpPr/>
+          <p:nvPr/>
+        </p:nvSpPr>
+        <p:spPr>
+          <a:xfrm>
+            <a:off x="4832300" y="1355527"/>
+            <a:ext cx="3944645" cy="114300"/>
+          </a:xfrm>
+          <a:prstGeom prst="rect">
+            <a:avLst/>
+          </a:prstGeom>
+          <a:noFill/>
+          <a:ln/>
+        </p:spPr>
+        <p:txBody>
+          <a:bodyPr wrap="square" lIns="0" tIns="0" rIns="0" bIns="0" rtlCol="0" anchor="t"/>
+          <a:lstStyle/>
+          <a:p>
+            <a:pPr algn="l" indent="0" marL="0">
+              <a:spcAft>
+                <a:spcPts val="300"/>
+              </a:spcAft>
+              <a:buNone/>
+            </a:pPr>
+            <a:r>
+              <a:rPr lang="en-US" sz="800" dirty="0">
+                <a:solidFill>
+                  <a:srgbClr val="333333"/>
+                </a:solidFill>
+                <a:latin typeface="Arial" pitchFamily="34" charset="0"/>
+                <a:ea typeface="Arial" pitchFamily="34" charset="-122"/>
+                <a:cs typeface="Arial" pitchFamily="34" charset="-120"/>
+              </a:rPr>
+              <a:t>Streamlining AP/AR processes</a:t>
+            </a:r>
+            <a:endParaRPr lang="en-US" sz="800" dirty="0"/>
+          </a:p>
+        </p:txBody>
+      </p:sp>
+      <p:sp>
+        <p:nvSpPr>
+          <p:cNvPr id="25" name="Text 23"/>
+          <p:cNvSpPr/>
+          <p:nvPr/>
+        </p:nvSpPr>
+        <p:spPr>
+          <a:xfrm>
+            <a:off x="4832300" y="1507927"/>
+            <a:ext cx="3944645" cy="114300"/>
+          </a:xfrm>
+          <a:prstGeom prst="rect">
+            <a:avLst/>
+          </a:prstGeom>
+          <a:noFill/>
+          <a:ln/>
+        </p:spPr>
+        <p:txBody>
+          <a:bodyPr wrap="square" lIns="0" tIns="0" rIns="0" bIns="0" rtlCol="0" anchor="t"/>
+          <a:lstStyle/>
+          <a:p>
+            <a:pPr algn="l" indent="0" marL="0">
+              <a:buNone/>
+            </a:pPr>
+            <a:r>
+              <a:rPr lang="en-US" sz="800" b="1" dirty="0">
+                <a:solidFill>
+                  <a:srgbClr val="058DC7"/>
+                </a:solidFill>
+                <a:latin typeface="Arial" pitchFamily="34" charset="0"/>
+                <a:ea typeface="Arial" pitchFamily="34" charset="-122"/>
+                <a:cs typeface="Arial" pitchFamily="34" charset="-120"/>
+              </a:rPr>
+              <a:t>Target: Jan 31, 2026</a:t>
+            </a:r>
+            <a:endParaRPr lang="en-US" sz="800" dirty="0"/>
+          </a:p>
+        </p:txBody>
+      </p:sp>
+      <p:sp>
+        <p:nvSpPr>
+          <p:cNvPr id="26" name="Text 24"/>
+          <p:cNvSpPr/>
+          <p:nvPr/>
+        </p:nvSpPr>
+        <p:spPr>
+          <a:xfrm>
+            <a:off x="4667250" y="1850678"/>
+            <a:ext cx="4159300" cy="714226"/>
+          </a:xfrm>
+          <a:prstGeom prst="roundRect">
+            <a:avLst>
+              <a:gd name="adj" fmla="val 7113"/>
+            </a:avLst>
+          </a:prstGeom>
+          <a:solidFill>
+            <a:srgbClr val="F8F9FA"/>
+          </a:solidFill>
+          <a:ln/>
+        </p:spPr>
+        <p:txBody>
+          <a:bodyPr wrap="square" rtlCol="0" anchor="ctr"/>
+          <a:lstStyle/>
+          <a:p>
+            <a:pPr indent="0" marL="0">
+              <a:buNone/>
+            </a:pPr>
+            <a:endParaRPr lang="en-US" dirty="0"/>
+          </a:p>
+        </p:txBody>
+      </p:sp>
+      <p:sp>
+        <p:nvSpPr>
+          <p:cNvPr id="27" name="Shape 25"/>
+          <p:cNvSpPr/>
+          <p:nvPr/>
+        </p:nvSpPr>
+        <p:spPr>
+          <a:xfrm>
+            <a:off x="4686300" y="1850678"/>
+            <a:ext cx="0" cy="714226"/>
+          </a:xfrm>
+          <a:prstGeom prst="line">
+            <a:avLst/>
+          </a:prstGeom>
+          <a:noFill/>
+          <a:ln w="38100">
+            <a:solidFill>
+              <a:srgbClr val="058DC7"/>
+            </a:solidFill>
+            <a:prstDash val="solid"/>
+          </a:ln>
+        </p:spPr>
+      </p:sp>
+      <p:sp>
+        <p:nvSpPr>
+          <p:cNvPr id="28" name="Text 26"/>
+          <p:cNvSpPr/>
+          <p:nvPr/>
+        </p:nvSpPr>
+        <p:spPr>
+          <a:xfrm>
+            <a:off x="4832300" y="1977628"/>
+            <a:ext cx="3944645" cy="142875"/>
+          </a:xfrm>
+          <a:prstGeom prst="rect">
+            <a:avLst/>
+          </a:prstGeom>
+          <a:noFill/>
+          <a:ln/>
+        </p:spPr>
+        <p:txBody>
+          <a:bodyPr wrap="square" lIns="0" tIns="0" rIns="0" bIns="0" rtlCol="0" anchor="t"/>
+          <a:lstStyle/>
+          <a:p>
+            <a:pPr algn="l" indent="0" marL="0">
+              <a:spcAft>
+                <a:spcPts val="400"/>
+              </a:spcAft>
+              <a:buNone/>
+            </a:pPr>
+            <a:r>
+              <a:rPr lang="en-US" sz="1000" b="1" dirty="0">
+                <a:solidFill>
+                  <a:srgbClr val="1C4587"/>
+                </a:solidFill>
+                <a:latin typeface="Arial" pitchFamily="34" charset="0"/>
+                <a:ea typeface="Arial" pitchFamily="34" charset="-122"/>
+                <a:cs typeface="Arial" pitchFamily="34" charset="-120"/>
+              </a:rPr>
+              <a:t>Growth &amp; Branding Focus</a:t>
+            </a:r>
+            <a:endParaRPr lang="en-US" sz="1000" dirty="0"/>
+          </a:p>
+        </p:txBody>
+      </p:sp>
+      <p:sp>
+        <p:nvSpPr>
+          <p:cNvPr id="29" name="Text 27"/>
+          <p:cNvSpPr/>
+          <p:nvPr/>
+        </p:nvSpPr>
+        <p:spPr>
+          <a:xfrm>
+            <a:off x="4832300" y="2171254"/>
+            <a:ext cx="3944645" cy="114300"/>
+          </a:xfrm>
+          <a:prstGeom prst="rect">
+            <a:avLst/>
+          </a:prstGeom>
+          <a:noFill/>
+          <a:ln/>
+        </p:spPr>
+        <p:txBody>
+          <a:bodyPr wrap="square" lIns="0" tIns="0" rIns="0" bIns="0" rtlCol="0" anchor="t"/>
+          <a:lstStyle/>
+          <a:p>
+            <a:pPr algn="l" indent="0" marL="0">
+              <a:spcAft>
+                <a:spcPts val="300"/>
+              </a:spcAft>
+              <a:buNone/>
+            </a:pPr>
+            <a:r>
+              <a:rPr lang="en-US" sz="800" dirty="0">
+                <a:solidFill>
+                  <a:srgbClr val="333333"/>
+                </a:solidFill>
+                <a:latin typeface="Arial" pitchFamily="34" charset="0"/>
+                <a:ea typeface="Arial" pitchFamily="34" charset="-122"/>
+                <a:cs typeface="Arial" pitchFamily="34" charset="-120"/>
+              </a:rPr>
+              <a:t>Expanding brand awareness and market presence</a:t>
+            </a:r>
+            <a:endParaRPr lang="en-US" sz="800" dirty="0"/>
+          </a:p>
+        </p:txBody>
+      </p:sp>
+      <p:sp>
+        <p:nvSpPr>
+          <p:cNvPr id="30" name="Text 28"/>
+          <p:cNvSpPr/>
+          <p:nvPr/>
+        </p:nvSpPr>
+        <p:spPr>
+          <a:xfrm>
+            <a:off x="4832300" y="2323654"/>
+            <a:ext cx="3944645" cy="114300"/>
+          </a:xfrm>
+          <a:prstGeom prst="rect">
+            <a:avLst/>
+          </a:prstGeom>
+          <a:noFill/>
+          <a:ln/>
+        </p:spPr>
+        <p:txBody>
+          <a:bodyPr wrap="square" lIns="0" tIns="0" rIns="0" bIns="0" rtlCol="0" anchor="t"/>
+          <a:lstStyle/>
+          <a:p>
+            <a:pPr algn="l" indent="0" marL="0">
+              <a:buNone/>
+            </a:pPr>
+            <a:r>
+              <a:rPr lang="en-US" sz="800" b="1" dirty="0">
+                <a:solidFill>
+                  <a:srgbClr val="058DC7"/>
+                </a:solidFill>
+                <a:latin typeface="Arial" pitchFamily="34" charset="0"/>
+                <a:ea typeface="Arial" pitchFamily="34" charset="-122"/>
+                <a:cs typeface="Arial" pitchFamily="34" charset="-120"/>
+              </a:rPr>
+              <a:t>Ongoing</a:t>
+            </a:r>
+            <a:endParaRPr lang="en-US" sz="800" dirty="0"/>
+          </a:p>
+        </p:txBody>
+      </p:sp>
+      <p:sp>
+        <p:nvSpPr>
+          <p:cNvPr id="31" name="Text 29"/>
+          <p:cNvSpPr/>
+          <p:nvPr/>
+        </p:nvSpPr>
+        <p:spPr>
+          <a:xfrm>
+            <a:off x="4667250" y="2666405"/>
+            <a:ext cx="4159300" cy="714226"/>
+          </a:xfrm>
+          <a:prstGeom prst="roundRect">
+            <a:avLst>
+              <a:gd name="adj" fmla="val 7113"/>
+            </a:avLst>
+          </a:prstGeom>
+          <a:solidFill>
+            <a:srgbClr val="F8F9FA"/>
+          </a:solidFill>
+          <a:ln/>
+        </p:spPr>
+        <p:txBody>
+          <a:bodyPr wrap="square" rtlCol="0" anchor="ctr"/>
+          <a:lstStyle/>
+          <a:p>
+            <a:pPr indent="0" marL="0">
+              <a:buNone/>
+            </a:pPr>
+            <a:endParaRPr lang="en-US" dirty="0"/>
+          </a:p>
+        </p:txBody>
+      </p:sp>
+      <p:sp>
+        <p:nvSpPr>
+          <p:cNvPr id="32" name="Shape 30"/>
+          <p:cNvSpPr/>
+          <p:nvPr/>
+        </p:nvSpPr>
+        <p:spPr>
+          <a:xfrm>
+            <a:off x="4686300" y="2666405"/>
+            <a:ext cx="0" cy="714226"/>
+          </a:xfrm>
+          <a:prstGeom prst="line">
+            <a:avLst/>
+          </a:prstGeom>
+          <a:noFill/>
+          <a:ln w="38100">
+            <a:solidFill>
+              <a:srgbClr val="058DC7"/>
+            </a:solidFill>
+            <a:prstDash val="solid"/>
+          </a:ln>
+        </p:spPr>
+      </p:sp>
+      <p:sp>
+        <p:nvSpPr>
+          <p:cNvPr id="33" name="Text 31"/>
+          <p:cNvSpPr/>
+          <p:nvPr/>
+        </p:nvSpPr>
+        <p:spPr>
+          <a:xfrm>
+            <a:off x="4832300" y="2793355"/>
+            <a:ext cx="3944645" cy="142875"/>
+          </a:xfrm>
+          <a:prstGeom prst="rect">
+            <a:avLst/>
+          </a:prstGeom>
+          <a:noFill/>
+          <a:ln/>
+        </p:spPr>
+        <p:txBody>
+          <a:bodyPr wrap="square" lIns="0" tIns="0" rIns="0" bIns="0" rtlCol="0" anchor="t"/>
+          <a:lstStyle/>
+          <a:p>
+            <a:pPr algn="l" indent="0" marL="0">
+              <a:spcAft>
+                <a:spcPts val="400"/>
+              </a:spcAft>
+              <a:buNone/>
+            </a:pPr>
+            <a:r>
+              <a:rPr lang="en-US" sz="1000" b="1" dirty="0">
+                <a:solidFill>
+                  <a:srgbClr val="1C4587"/>
+                </a:solidFill>
+                <a:latin typeface="Arial" pitchFamily="34" charset="0"/>
+                <a:ea typeface="Arial" pitchFamily="34" charset="-122"/>
+                <a:cs typeface="Arial" pitchFamily="34" charset="-120"/>
+              </a:rPr>
+              <a:t>Land Acquisition Search</a:t>
+            </a:r>
+            <a:endParaRPr lang="en-US" sz="1000" dirty="0"/>
+          </a:p>
+        </p:txBody>
+      </p:sp>
+      <p:sp>
+        <p:nvSpPr>
+          <p:cNvPr id="34" name="Text 32"/>
+          <p:cNvSpPr/>
+          <p:nvPr/>
+        </p:nvSpPr>
+        <p:spPr>
+          <a:xfrm>
+            <a:off x="4832300" y="2986980"/>
+            <a:ext cx="3944645" cy="114300"/>
+          </a:xfrm>
+          <a:prstGeom prst="rect">
+            <a:avLst/>
+          </a:prstGeom>
+          <a:noFill/>
+          <a:ln/>
+        </p:spPr>
+        <p:txBody>
+          <a:bodyPr wrap="square" lIns="0" tIns="0" rIns="0" bIns="0" rtlCol="0" anchor="t"/>
+          <a:lstStyle/>
+          <a:p>
+            <a:pPr algn="l" indent="0" marL="0">
+              <a:spcAft>
+                <a:spcPts val="300"/>
+              </a:spcAft>
+              <a:buNone/>
+            </a:pPr>
+            <a:r>
+              <a:rPr lang="en-US" sz="800" dirty="0">
+                <a:solidFill>
+                  <a:srgbClr val="333333"/>
+                </a:solidFill>
+                <a:latin typeface="Arial" pitchFamily="34" charset="0"/>
+                <a:ea typeface="Arial" pitchFamily="34" charset="-122"/>
+                <a:cs typeface="Arial" pitchFamily="34" charset="-120"/>
+              </a:rPr>
+              <a:t>Storage capacity expansion for Bloom operations</a:t>
+            </a:r>
+            <a:endParaRPr lang="en-US" sz="800" dirty="0"/>
+          </a:p>
+        </p:txBody>
+      </p:sp>
+      <p:sp>
+        <p:nvSpPr>
+          <p:cNvPr id="35" name="Text 33"/>
+          <p:cNvSpPr/>
+          <p:nvPr/>
+        </p:nvSpPr>
+        <p:spPr>
+          <a:xfrm>
+            <a:off x="4832300" y="3139380"/>
+            <a:ext cx="3944645" cy="114300"/>
+          </a:xfrm>
+          <a:prstGeom prst="rect">
+            <a:avLst/>
+          </a:prstGeom>
+          <a:noFill/>
+          <a:ln/>
+        </p:spPr>
+        <p:txBody>
+          <a:bodyPr wrap="square" lIns="0" tIns="0" rIns="0" bIns="0" rtlCol="0" anchor="t"/>
+          <a:lstStyle/>
+          <a:p>
+            <a:pPr algn="l" indent="0" marL="0">
+              <a:buNone/>
+            </a:pPr>
+            <a:r>
+              <a:rPr lang="en-US" sz="800" b="1" dirty="0">
+                <a:solidFill>
+                  <a:srgbClr val="058DC7"/>
+                </a:solidFill>
+                <a:latin typeface="Arial" pitchFamily="34" charset="0"/>
+                <a:ea typeface="Arial" pitchFamily="34" charset="-122"/>
+                <a:cs typeface="Arial" pitchFamily="34" charset="-120"/>
+              </a:rPr>
+              <a:t>In Progress</a:t>
+            </a:r>
+            <a:endParaRPr lang="en-US" sz="800" dirty="0"/>
+          </a:p>
+        </p:txBody>
+      </p:sp>
+      <p:sp>
+        <p:nvSpPr>
+          <p:cNvPr id="36" name="Text 34"/>
+          <p:cNvSpPr/>
+          <p:nvPr/>
+        </p:nvSpPr>
+        <p:spPr>
+          <a:xfrm>
+            <a:off x="4667250" y="3482132"/>
+            <a:ext cx="4159300" cy="714226"/>
+          </a:xfrm>
+          <a:prstGeom prst="roundRect">
+            <a:avLst>
+              <a:gd name="adj" fmla="val 7113"/>
+            </a:avLst>
+          </a:prstGeom>
+          <a:solidFill>
+            <a:srgbClr val="F8F9FA"/>
+          </a:solidFill>
+          <a:ln/>
+        </p:spPr>
+        <p:txBody>
+          <a:bodyPr wrap="square" rtlCol="0" anchor="ctr"/>
+          <a:lstStyle/>
+          <a:p>
+            <a:pPr indent="0" marL="0">
+              <a:buNone/>
+            </a:pPr>
+            <a:endParaRPr lang="en-US" dirty="0"/>
+          </a:p>
+        </p:txBody>
+      </p:sp>
+      <p:sp>
+        <p:nvSpPr>
+          <p:cNvPr id="37" name="Shape 35"/>
+          <p:cNvSpPr/>
+          <p:nvPr/>
+        </p:nvSpPr>
+        <p:spPr>
+          <a:xfrm>
+            <a:off x="4686300" y="3482132"/>
+            <a:ext cx="0" cy="714226"/>
+          </a:xfrm>
+          <a:prstGeom prst="line">
+            <a:avLst/>
+          </a:prstGeom>
+          <a:noFill/>
+          <a:ln w="38100">
+            <a:solidFill>
+              <a:srgbClr val="058DC7"/>
+            </a:solidFill>
+            <a:prstDash val="solid"/>
+          </a:ln>
+        </p:spPr>
+      </p:sp>
+      <p:sp>
+        <p:nvSpPr>
+          <p:cNvPr id="38" name="Text 36"/>
+          <p:cNvSpPr/>
+          <p:nvPr/>
+        </p:nvSpPr>
+        <p:spPr>
+          <a:xfrm>
+            <a:off x="4832300" y="3609082"/>
+            <a:ext cx="3944645" cy="142875"/>
+          </a:xfrm>
+          <a:prstGeom prst="rect">
+            <a:avLst/>
+          </a:prstGeom>
+          <a:noFill/>
+          <a:ln/>
+        </p:spPr>
+        <p:txBody>
+          <a:bodyPr wrap="square" lIns="0" tIns="0" rIns="0" bIns="0" rtlCol="0" anchor="t"/>
+          <a:lstStyle/>
+          <a:p>
+            <a:pPr algn="l" indent="0" marL="0">
+              <a:spcAft>
+                <a:spcPts val="400"/>
+              </a:spcAft>
+              <a:buNone/>
+            </a:pPr>
+            <a:r>
+              <a:rPr lang="en-US" sz="1000" b="1" dirty="0">
+                <a:solidFill>
+                  <a:srgbClr val="1C4587"/>
+                </a:solidFill>
+                <a:latin typeface="Arial" pitchFamily="34" charset="0"/>
+                <a:ea typeface="Arial" pitchFamily="34" charset="-122"/>
+                <a:cs typeface="Arial" pitchFamily="34" charset="-120"/>
+              </a:rPr>
+              <a:t>Blue Plains Construction</a:t>
+            </a:r>
+            <a:endParaRPr lang="en-US" sz="1000" dirty="0"/>
+          </a:p>
+        </p:txBody>
+      </p:sp>
+      <p:sp>
+        <p:nvSpPr>
+          <p:cNvPr id="39" name="Text 37"/>
+          <p:cNvSpPr/>
+          <p:nvPr/>
+        </p:nvSpPr>
+        <p:spPr>
+          <a:xfrm>
+            <a:off x="4832300" y="3802707"/>
+            <a:ext cx="3944645" cy="114300"/>
+          </a:xfrm>
+          <a:prstGeom prst="rect">
+            <a:avLst/>
+          </a:prstGeom>
+          <a:noFill/>
+          <a:ln/>
+        </p:spPr>
+        <p:txBody>
+          <a:bodyPr wrap="square" lIns="0" tIns="0" rIns="0" bIns="0" rtlCol="0" anchor="t"/>
+          <a:lstStyle/>
+          <a:p>
+            <a:pPr algn="l" indent="0" marL="0">
+              <a:spcAft>
+                <a:spcPts val="300"/>
+              </a:spcAft>
+              <a:buNone/>
+            </a:pPr>
+            <a:r>
+              <a:rPr lang="en-US" sz="800" dirty="0">
+                <a:solidFill>
+                  <a:srgbClr val="333333"/>
+                </a:solidFill>
+                <a:latin typeface="Arial" pitchFamily="34" charset="0"/>
+                <a:ea typeface="Arial" pitchFamily="34" charset="-122"/>
+                <a:cs typeface="Arial" pitchFamily="34" charset="-120"/>
+              </a:rPr>
+              <a:t>Curing/storage pad development</a:t>
+            </a:r>
+            <a:endParaRPr lang="en-US" sz="800" dirty="0"/>
+          </a:p>
+        </p:txBody>
+      </p:sp>
+      <p:sp>
+        <p:nvSpPr>
+          <p:cNvPr id="40" name="Text 38"/>
+          <p:cNvSpPr/>
+          <p:nvPr/>
+        </p:nvSpPr>
+        <p:spPr>
+          <a:xfrm>
+            <a:off x="4832300" y="3955107"/>
+            <a:ext cx="3944645" cy="114300"/>
+          </a:xfrm>
+          <a:prstGeom prst="rect">
+            <a:avLst/>
+          </a:prstGeom>
+          <a:noFill/>
+          <a:ln/>
+        </p:spPr>
+        <p:txBody>
+          <a:bodyPr wrap="square" lIns="0" tIns="0" rIns="0" bIns="0" rtlCol="0" anchor="t"/>
+          <a:lstStyle/>
+          <a:p>
+            <a:pPr algn="l" indent="0" marL="0">
+              <a:buNone/>
+            </a:pPr>
+            <a:r>
+              <a:rPr lang="en-US" sz="800" b="1" dirty="0">
+                <a:solidFill>
+                  <a:srgbClr val="058DC7"/>
+                </a:solidFill>
+                <a:latin typeface="Arial" pitchFamily="34" charset="0"/>
+                <a:ea typeface="Arial" pitchFamily="34" charset="-122"/>
+                <a:cs typeface="Arial" pitchFamily="34" charset="-120"/>
+              </a:rPr>
+              <a:t>ETA: Early 2026</a:t>
+            </a:r>
+            <a:endParaRPr lang="en-US" sz="800" dirty="0"/>
+          </a:p>
+        </p:txBody>
+      </p:sp>
+    </p:spTree>
+  </p:cSld>
+  <p:clrMapOvr>
+    <a:masterClrMapping/>
+  </p:clrMapOvr>
+</p:sld>
+</file>
+
+<file path=ppt/slides/slide13.xml><?xml version="1.0" encoding="utf-8"?>
+<p:sld xmlns:a="http://schemas.openxmlformats.org/drawingml/2006/main" xmlns:r="http://schemas.openxmlformats.org/officeDocument/2006/relationships" xmlns:p="http://schemas.openxmlformats.org/presentationml/2006/main">
+  <p:cSld name="Slide 13">
+    <p:spTree>
+      <p:nvGrpSpPr>
+        <p:cNvPr id="1" name=""/>
+        <p:cNvGrpSpPr/>
+        <p:nvPr/>
+      </p:nvGrpSpPr>
+      <p:grpSpPr>
+        <a:xfrm>
+          <a:off x="0" y="0"/>
+          <a:ext cx="0" cy="0"/>
+          <a:chOff x="0" y="0"/>
+          <a:chExt cx="0" cy="0"/>
+        </a:xfrm>
+      </p:grpSpPr>
+      <p:sp>
+        <p:nvSpPr>
+          <p:cNvPr id="2" name="Text 0"/>
+          <p:cNvSpPr/>
+          <p:nvPr/>
+        </p:nvSpPr>
+        <p:spPr>
+          <a:xfrm>
+            <a:off x="457200" y="1828800"/>
+            <a:ext cx="8229600" cy="1371600"/>
+          </a:xfrm>
+          <a:prstGeom prst="rect">
+            <a:avLst/>
+          </a:prstGeom>
+          <a:noFill/>
+          <a:ln/>
+        </p:spPr>
+        <p:txBody>
+          <a:bodyPr wrap="square" rtlCol="0" anchor="ctr"/>
+          <a:lstStyle/>
+          <a:p>
+            <a:pPr algn="ctr" indent="0" marL="0">
+              <a:buNone/>
+            </a:pPr>
+            <a:r>
+              <a:rPr lang="en-US" sz="3600" b="1" dirty="0">
+                <a:solidFill>
+                  <a:srgbClr val="1C4587"/>
+                </a:solidFill>
+              </a:rPr>
+              <a:t>Questions &amp; Comments</a:t>
+            </a:r>
+            <a:endParaRPr lang="en-US" sz="3600" dirty="0"/>
+          </a:p>
+        </p:txBody>
+      </p:sp>
+      <p:sp>
+        <p:nvSpPr>
+          <p:cNvPr id="3" name="Text 1"/>
+          <p:cNvSpPr/>
+          <p:nvPr/>
+        </p:nvSpPr>
+        <p:spPr>
+          <a:xfrm>
+            <a:off x="457200" y="2926080"/>
+            <a:ext cx="8229600" cy="457200"/>
+          </a:xfrm>
+          <a:prstGeom prst="rect">
+            <a:avLst/>
+          </a:prstGeom>
+          <a:noFill/>
+          <a:ln/>
+        </p:spPr>
+        <p:txBody>
+          <a:bodyPr wrap="square" rtlCol="0" anchor="ctr"/>
+          <a:lstStyle/>
+          <a:p>
+            <a:pPr algn="ctr" indent="0" marL="0">
+              <a:buNone/>
+            </a:pPr>
+            <a:r>
+              <a:rPr lang="en-US" sz="1600" dirty="0">
+                <a:solidFill>
+                  <a:srgbClr val="666666"/>
+                </a:solidFill>
+              </a:rPr>
+              <a:t>Thank you for your time and engagement</a:t>
+            </a:r>
+            <a:endParaRPr lang="en-US" sz="1600" dirty="0"/>
+          </a:p>
+        </p:txBody>
+      </p:sp>
+      <p:sp>
+        <p:nvSpPr>
+          <p:cNvPr id="4" name="Shape 2"/>
+          <p:cNvSpPr/>
+          <p:nvPr/>
+        </p:nvSpPr>
+        <p:spPr>
+          <a:xfrm>
+            <a:off x="2743200" y="3657600"/>
+            <a:ext cx="3657600" cy="914400"/>
+          </a:xfrm>
+          <a:prstGeom prst="roundRect">
+            <a:avLst/>
+          </a:prstGeom>
+          <a:solidFill>
+            <a:srgbClr val="F8F9FA"/>
+          </a:solidFill>
+          <a:ln w="12700">
+            <a:solidFill>
+              <a:srgbClr val="E0E0E0"/>
+            </a:solidFill>
+            <a:prstDash val="solid"/>
+          </a:ln>
+        </p:spPr>
+      </p:sp>
+      <p:sp>
+        <p:nvSpPr>
+          <p:cNvPr id="5" name="Text 3"/>
+          <p:cNvSpPr/>
+          <p:nvPr/>
+        </p:nvSpPr>
+        <p:spPr>
+          <a:xfrm>
+            <a:off x="2743200" y="3794760"/>
+            <a:ext cx="3657600" cy="640080"/>
+          </a:xfrm>
+          <a:prstGeom prst="rect">
+            <a:avLst/>
+          </a:prstGeom>
+          <a:noFill/>
+          <a:ln/>
+        </p:spPr>
+        <p:txBody>
+          <a:bodyPr wrap="square" rtlCol="0" anchor="ctr"/>
+          <a:lstStyle/>
+          <a:p>
+            <a:pPr algn="ctr" indent="0" marL="0">
+              <a:buNone/>
+            </a:pPr>
+            <a:r>
+              <a:rPr lang="en-US" sz="1200" b="1" dirty="0">
+                <a:solidFill>
+                  <a:srgbClr val="1C4587"/>
+                </a:solidFill>
+              </a:rPr>
+              <a:t>Blue Drop, LLC</a:t>
+            </a:r>
+            <a:endParaRPr lang="en-US" sz="1200" dirty="0"/>
+          </a:p>
+          <a:p>
+            <a:pPr algn="ctr" indent="0" marL="0">
+              <a:buNone/>
+            </a:pPr>
+            <a:r>
+              <a:rPr lang="en-US" sz="1000" dirty="0">
+                <a:solidFill>
+                  <a:srgbClr val="666666"/>
+                </a:solidFill>
+              </a:rPr>
+              <a:t>FY26 Q2 Board Update</a:t>
+            </a:r>
+            <a:endParaRPr lang="en-US" sz="1200" dirty="0"/>
+          </a:p>
+        </p:txBody>
+      </p:sp>
+      <p:pic>
+        <p:nvPicPr>
+          <p:cNvPr id="6" name="Image 0" descr="/Users/loveg/Documents/SDO - Workspace/pptx_workspace/bluedrop_logo.png">    </p:cNvPr>
+          <p:cNvPicPr>
+            <a:picLocks noChangeAspect="1"/>
+          </p:cNvPicPr>
+          <p:nvPr/>
+        </p:nvPicPr>
+        <p:blipFill>
+          <a:blip r:embed="rId1"/>
+          <a:stretch>
+            <a:fillRect/>
+          </a:stretch>
+        </p:blipFill>
+        <p:spPr>
+          <a:xfrm>
+            <a:off x="3886200" y="274320"/>
+            <a:ext cx="1371600" cy="1005840"/>
+          </a:xfrm>
+          <a:prstGeom prst="rect">
+            <a:avLst/>
+          </a:prstGeom>
+        </p:spPr>
+      </p:pic>
     </p:spTree>
   </p:cSld>
   <p:clrMapOvr>
@@ -12146,6 +17951,2252 @@
           </a:graphicData>
         </a:graphic>
       </p:graphicFrame>
+    </p:spTree>
+  </p:cSld>
+  <p:clrMapOvr>
+    <a:masterClrMapping/>
+  </p:clrMapOvr>
+</p:sld>
+</file>
+
+<file path=ppt/slides/slide8.xml><?xml version="1.0" encoding="utf-8"?>
+<p:sld xmlns:a="http://schemas.openxmlformats.org/drawingml/2006/main" xmlns:r="http://schemas.openxmlformats.org/officeDocument/2006/relationships" xmlns:p="http://schemas.openxmlformats.org/presentationml/2006/main">
+  <p:cSld name="Slide 8">
+    <p:bg>
+      <p:bgPr>
+        <a:solidFill>
+          <a:srgbClr val="FFFFFF"/>
+        </a:solidFill>
+      </p:bgPr>
+    </p:bg>
+    <p:spTree>
+      <p:nvGrpSpPr>
+        <p:cNvPr id="1" name=""/>
+        <p:cNvGrpSpPr/>
+        <p:nvPr/>
+      </p:nvGrpSpPr>
+      <p:grpSpPr>
+        <a:xfrm>
+          <a:off x="0" y="0"/>
+          <a:ext cx="0" cy="0"/>
+          <a:chOff x="0" y="0"/>
+          <a:chExt cx="0" cy="0"/>
+        </a:xfrm>
+      </p:grpSpPr>
+      <p:sp>
+        <p:nvSpPr>
+          <p:cNvPr id="2" name="Text 0"/>
+          <p:cNvSpPr/>
+          <p:nvPr/>
+        </p:nvSpPr>
+        <p:spPr>
+          <a:xfrm>
+            <a:off x="0" y="0"/>
+            <a:ext cx="9144000" cy="628650"/>
+          </a:xfrm>
+          <a:prstGeom prst="rect">
+            <a:avLst/>
+          </a:prstGeom>
+          <a:solidFill>
+            <a:srgbClr val="50B432"/>
+          </a:solidFill>
+          <a:ln/>
+        </p:spPr>
+        <p:txBody>
+          <a:bodyPr wrap="square" rtlCol="0" anchor="ctr"/>
+          <a:lstStyle/>
+          <a:p>
+            <a:pPr indent="0" marL="0">
+              <a:buNone/>
+            </a:pPr>
+            <a:endParaRPr lang="en-US" dirty="0"/>
+          </a:p>
+        </p:txBody>
+      </p:sp>
+      <p:sp>
+        <p:nvSpPr>
+          <p:cNvPr id="3" name="Text 1"/>
+          <p:cNvSpPr/>
+          <p:nvPr/>
+        </p:nvSpPr>
+        <p:spPr>
+          <a:xfrm>
+            <a:off x="317450" y="152400"/>
+            <a:ext cx="8679281" cy="323850"/>
+          </a:xfrm>
+          <a:prstGeom prst="rect">
+            <a:avLst/>
+          </a:prstGeom>
+          <a:noFill/>
+          <a:ln/>
+        </p:spPr>
+        <p:txBody>
+          <a:bodyPr wrap="square" lIns="0" tIns="0" rIns="0" bIns="0" rtlCol="0" anchor="t"/>
+          <a:lstStyle/>
+          <a:p>
+            <a:pPr algn="l" indent="0" marL="0">
+              <a:buNone/>
+            </a:pPr>
+            <a:r>
+              <a:rPr lang="en-US" sz="2200" b="1" dirty="0">
+                <a:solidFill>
+                  <a:srgbClr val="FFFFFF"/>
+                </a:solidFill>
+                <a:latin typeface="Arial" pitchFamily="34" charset="0"/>
+                <a:ea typeface="Arial" pitchFamily="34" charset="-122"/>
+                <a:cs typeface="Arial" pitchFamily="34" charset="-120"/>
+              </a:rPr>
+              <a:t>Bloom Sales Update</a:t>
+            </a:r>
+            <a:endParaRPr lang="en-US" sz="2200" dirty="0"/>
+          </a:p>
+        </p:txBody>
+      </p:sp>
+      <p:sp>
+        <p:nvSpPr>
+          <p:cNvPr id="4" name="Text 2"/>
+          <p:cNvSpPr/>
+          <p:nvPr/>
+        </p:nvSpPr>
+        <p:spPr>
+          <a:xfrm>
+            <a:off x="317450" y="781050"/>
+            <a:ext cx="4242486" cy="152400"/>
+          </a:xfrm>
+          <a:prstGeom prst="rect">
+            <a:avLst/>
+          </a:prstGeom>
+          <a:noFill/>
+          <a:ln/>
+        </p:spPr>
+        <p:txBody>
+          <a:bodyPr wrap="square" lIns="0" tIns="0" rIns="0" bIns="0" rtlCol="0" anchor="t"/>
+          <a:lstStyle/>
+          <a:p>
+            <a:pPr algn="l" indent="0" marL="0">
+              <a:spcAft>
+                <a:spcPts val="800"/>
+              </a:spcAft>
+              <a:buNone/>
+            </a:pPr>
+            <a:r>
+              <a:rPr lang="en-US" sz="1100" b="1" dirty="0">
+                <a:solidFill>
+                  <a:srgbClr val="1C4587"/>
+                </a:solidFill>
+                <a:latin typeface="Arial" pitchFamily="34" charset="0"/>
+                <a:ea typeface="Arial" pitchFamily="34" charset="-122"/>
+                <a:cs typeface="Arial" pitchFamily="34" charset="-120"/>
+              </a:rPr>
+              <a:t>Non-Agricultural Sales</a:t>
+            </a:r>
+            <a:endParaRPr lang="en-US" sz="1100" dirty="0"/>
+          </a:p>
+        </p:txBody>
+      </p:sp>
+      <p:sp>
+        <p:nvSpPr>
+          <p:cNvPr id="5" name="Text 3"/>
+          <p:cNvSpPr/>
+          <p:nvPr/>
+        </p:nvSpPr>
+        <p:spPr>
+          <a:xfrm>
+            <a:off x="317450" y="1034951"/>
+            <a:ext cx="4159300" cy="628501"/>
+          </a:xfrm>
+          <a:prstGeom prst="roundRect">
+            <a:avLst>
+              <a:gd name="adj" fmla="val 8083"/>
+            </a:avLst>
+          </a:prstGeom>
+          <a:solidFill>
+            <a:srgbClr val="F8F9FA"/>
+          </a:solidFill>
+          <a:ln/>
+        </p:spPr>
+        <p:txBody>
+          <a:bodyPr wrap="square" rtlCol="0" anchor="ctr"/>
+          <a:lstStyle/>
+          <a:p>
+            <a:pPr indent="0" marL="0">
+              <a:buNone/>
+            </a:pPr>
+            <a:endParaRPr lang="en-US" dirty="0"/>
+          </a:p>
+        </p:txBody>
+      </p:sp>
+      <p:sp>
+        <p:nvSpPr>
+          <p:cNvPr id="6" name="Shape 4"/>
+          <p:cNvSpPr/>
+          <p:nvPr/>
+        </p:nvSpPr>
+        <p:spPr>
+          <a:xfrm>
+            <a:off x="336500" y="1034951"/>
+            <a:ext cx="0" cy="628501"/>
+          </a:xfrm>
+          <a:prstGeom prst="line">
+            <a:avLst/>
+          </a:prstGeom>
+          <a:noFill/>
+          <a:ln w="38100">
+            <a:solidFill>
+              <a:srgbClr val="50B432"/>
+            </a:solidFill>
+            <a:prstDash val="solid"/>
+          </a:ln>
+        </p:spPr>
+      </p:sp>
+      <p:sp>
+        <p:nvSpPr>
+          <p:cNvPr id="7" name="Text 5"/>
+          <p:cNvSpPr/>
+          <p:nvPr/>
+        </p:nvSpPr>
+        <p:spPr>
+          <a:xfrm>
+            <a:off x="482501" y="1195239"/>
+            <a:ext cx="827639" cy="142875"/>
+          </a:xfrm>
+          <a:prstGeom prst="rect">
+            <a:avLst/>
+          </a:prstGeom>
+          <a:noFill/>
+          <a:ln/>
+        </p:spPr>
+        <p:txBody>
+          <a:bodyPr wrap="square" lIns="0" tIns="0" rIns="0" bIns="0" rtlCol="0" anchor="t"/>
+          <a:lstStyle/>
+          <a:p>
+            <a:pPr algn="l" indent="0" marL="0">
+              <a:buNone/>
+            </a:pPr>
+            <a:r>
+              <a:rPr lang="en-US" sz="1000" b="1" dirty="0">
+                <a:solidFill>
+                  <a:srgbClr val="333333"/>
+                </a:solidFill>
+                <a:latin typeface="Arial" pitchFamily="34" charset="0"/>
+                <a:ea typeface="Arial" pitchFamily="34" charset="-122"/>
+                <a:cs typeface="Arial" pitchFamily="34" charset="-120"/>
+              </a:rPr>
+              <a:t>Soil Blenders</a:t>
+            </a:r>
+            <a:endParaRPr lang="en-US" sz="1000" dirty="0"/>
+          </a:p>
+        </p:txBody>
+      </p:sp>
+      <p:sp>
+        <p:nvSpPr>
+          <p:cNvPr id="8" name="Text 6"/>
+          <p:cNvSpPr/>
+          <p:nvPr/>
+        </p:nvSpPr>
+        <p:spPr>
+          <a:xfrm>
+            <a:off x="3608784" y="1161901"/>
+            <a:ext cx="755836" cy="209550"/>
+          </a:xfrm>
+          <a:prstGeom prst="rect">
+            <a:avLst/>
+          </a:prstGeom>
+          <a:noFill/>
+          <a:ln/>
+        </p:spPr>
+        <p:txBody>
+          <a:bodyPr wrap="square" lIns="0" tIns="0" rIns="0" bIns="0" rtlCol="0" anchor="t"/>
+          <a:lstStyle/>
+          <a:p>
+            <a:pPr algn="l" indent="0" marL="0">
+              <a:buNone/>
+            </a:pPr>
+            <a:r>
+              <a:rPr lang="en-US" sz="1400" b="1" dirty="0">
+                <a:solidFill>
+                  <a:srgbClr val="1C4587"/>
+                </a:solidFill>
+                <a:latin typeface="Arial" pitchFamily="34" charset="0"/>
+                <a:ea typeface="Arial" pitchFamily="34" charset="-122"/>
+                <a:cs typeface="Arial" pitchFamily="34" charset="-120"/>
+              </a:rPr>
+              <a:t>$XX,XXX</a:t>
+            </a:r>
+            <a:endParaRPr lang="en-US" sz="1400" dirty="0"/>
+          </a:p>
+        </p:txBody>
+      </p:sp>
+      <p:sp>
+        <p:nvSpPr>
+          <p:cNvPr id="9" name="Text 7"/>
+          <p:cNvSpPr/>
+          <p:nvPr/>
+        </p:nvSpPr>
+        <p:spPr>
+          <a:xfrm>
+            <a:off x="482501" y="1422202"/>
+            <a:ext cx="3944645" cy="114300"/>
+          </a:xfrm>
+          <a:prstGeom prst="rect">
+            <a:avLst/>
+          </a:prstGeom>
+          <a:noFill/>
+          <a:ln/>
+        </p:spPr>
+        <p:txBody>
+          <a:bodyPr wrap="square" lIns="0" tIns="0" rIns="0" bIns="0" rtlCol="0" anchor="t"/>
+          <a:lstStyle/>
+          <a:p>
+            <a:pPr algn="l" indent="0" marL="0">
+              <a:spcBef>
+                <a:spcPts val="400"/>
+              </a:spcBef>
+              <a:buNone/>
+            </a:pPr>
+            <a:r>
+              <a:rPr lang="en-US" sz="800" dirty="0">
+                <a:solidFill>
+                  <a:srgbClr val="666666"/>
+                </a:solidFill>
+                <a:latin typeface="Arial" pitchFamily="34" charset="0"/>
+                <a:ea typeface="Arial" pitchFamily="34" charset="-122"/>
+                <a:cs typeface="Arial" pitchFamily="34" charset="-120"/>
+              </a:rPr>
+              <a:t>YTD vs Target: XX% | Key customers seeing business downturn</a:t>
+            </a:r>
+            <a:endParaRPr lang="en-US" sz="800" dirty="0"/>
+          </a:p>
+        </p:txBody>
+      </p:sp>
+      <p:sp>
+        <p:nvSpPr>
+          <p:cNvPr id="10" name="Text 8"/>
+          <p:cNvSpPr/>
+          <p:nvPr/>
+        </p:nvSpPr>
+        <p:spPr>
+          <a:xfrm>
+            <a:off x="317450" y="1764953"/>
+            <a:ext cx="4159300" cy="628501"/>
+          </a:xfrm>
+          <a:prstGeom prst="roundRect">
+            <a:avLst>
+              <a:gd name="adj" fmla="val 8083"/>
+            </a:avLst>
+          </a:prstGeom>
+          <a:solidFill>
+            <a:srgbClr val="F8F9FA"/>
+          </a:solidFill>
+          <a:ln/>
+        </p:spPr>
+        <p:txBody>
+          <a:bodyPr wrap="square" rtlCol="0" anchor="ctr"/>
+          <a:lstStyle/>
+          <a:p>
+            <a:pPr indent="0" marL="0">
+              <a:buNone/>
+            </a:pPr>
+            <a:endParaRPr lang="en-US" dirty="0"/>
+          </a:p>
+        </p:txBody>
+      </p:sp>
+      <p:sp>
+        <p:nvSpPr>
+          <p:cNvPr id="11" name="Shape 9"/>
+          <p:cNvSpPr/>
+          <p:nvPr/>
+        </p:nvSpPr>
+        <p:spPr>
+          <a:xfrm>
+            <a:off x="336500" y="1764953"/>
+            <a:ext cx="0" cy="628501"/>
+          </a:xfrm>
+          <a:prstGeom prst="line">
+            <a:avLst/>
+          </a:prstGeom>
+          <a:noFill/>
+          <a:ln w="38100">
+            <a:solidFill>
+              <a:srgbClr val="50B432"/>
+            </a:solidFill>
+            <a:prstDash val="solid"/>
+          </a:ln>
+        </p:spPr>
+      </p:sp>
+      <p:sp>
+        <p:nvSpPr>
+          <p:cNvPr id="12" name="Text 10"/>
+          <p:cNvSpPr/>
+          <p:nvPr/>
+        </p:nvSpPr>
+        <p:spPr>
+          <a:xfrm>
+            <a:off x="482501" y="1925241"/>
+            <a:ext cx="799100" cy="142875"/>
+          </a:xfrm>
+          <a:prstGeom prst="rect">
+            <a:avLst/>
+          </a:prstGeom>
+          <a:noFill/>
+          <a:ln/>
+        </p:spPr>
+        <p:txBody>
+          <a:bodyPr wrap="square" lIns="0" tIns="0" rIns="0" bIns="0" rtlCol="0" anchor="t"/>
+          <a:lstStyle/>
+          <a:p>
+            <a:pPr algn="l" indent="0" marL="0">
+              <a:buNone/>
+            </a:pPr>
+            <a:r>
+              <a:rPr lang="en-US" sz="1000" b="1" dirty="0">
+                <a:solidFill>
+                  <a:srgbClr val="333333"/>
+                </a:solidFill>
+                <a:latin typeface="Arial" pitchFamily="34" charset="0"/>
+                <a:ea typeface="Arial" pitchFamily="34" charset="-122"/>
+                <a:cs typeface="Arial" pitchFamily="34" charset="-120"/>
+              </a:rPr>
+              <a:t>Landscapers</a:t>
+            </a:r>
+            <a:endParaRPr lang="en-US" sz="1000" dirty="0"/>
+          </a:p>
+        </p:txBody>
+      </p:sp>
+      <p:sp>
+        <p:nvSpPr>
+          <p:cNvPr id="13" name="Text 11"/>
+          <p:cNvSpPr/>
+          <p:nvPr/>
+        </p:nvSpPr>
+        <p:spPr>
+          <a:xfrm>
+            <a:off x="3608784" y="1891903"/>
+            <a:ext cx="755836" cy="209550"/>
+          </a:xfrm>
+          <a:prstGeom prst="rect">
+            <a:avLst/>
+          </a:prstGeom>
+          <a:noFill/>
+          <a:ln/>
+        </p:spPr>
+        <p:txBody>
+          <a:bodyPr wrap="square" lIns="0" tIns="0" rIns="0" bIns="0" rtlCol="0" anchor="t"/>
+          <a:lstStyle/>
+          <a:p>
+            <a:pPr algn="l" indent="0" marL="0">
+              <a:buNone/>
+            </a:pPr>
+            <a:r>
+              <a:rPr lang="en-US" sz="1400" b="1" dirty="0">
+                <a:solidFill>
+                  <a:srgbClr val="1C4587"/>
+                </a:solidFill>
+                <a:latin typeface="Arial" pitchFamily="34" charset="0"/>
+                <a:ea typeface="Arial" pitchFamily="34" charset="-122"/>
+                <a:cs typeface="Arial" pitchFamily="34" charset="-120"/>
+              </a:rPr>
+              <a:t>$XX,XXX</a:t>
+            </a:r>
+            <a:endParaRPr lang="en-US" sz="1400" dirty="0"/>
+          </a:p>
+        </p:txBody>
+      </p:sp>
+      <p:sp>
+        <p:nvSpPr>
+          <p:cNvPr id="14" name="Text 12"/>
+          <p:cNvSpPr/>
+          <p:nvPr/>
+        </p:nvSpPr>
+        <p:spPr>
+          <a:xfrm>
+            <a:off x="482501" y="2152204"/>
+            <a:ext cx="3944645" cy="114300"/>
+          </a:xfrm>
+          <a:prstGeom prst="rect">
+            <a:avLst/>
+          </a:prstGeom>
+          <a:noFill/>
+          <a:ln/>
+        </p:spPr>
+        <p:txBody>
+          <a:bodyPr wrap="square" lIns="0" tIns="0" rIns="0" bIns="0" rtlCol="0" anchor="t"/>
+          <a:lstStyle/>
+          <a:p>
+            <a:pPr algn="l" indent="0" marL="0">
+              <a:spcBef>
+                <a:spcPts val="400"/>
+              </a:spcBef>
+              <a:buNone/>
+            </a:pPr>
+            <a:r>
+              <a:rPr lang="en-US" sz="800" dirty="0">
+                <a:solidFill>
+                  <a:srgbClr val="666666"/>
+                </a:solidFill>
+                <a:latin typeface="Arial" pitchFamily="34" charset="0"/>
+                <a:ea typeface="Arial" pitchFamily="34" charset="-122"/>
+                <a:cs typeface="Arial" pitchFamily="34" charset="-120"/>
+              </a:rPr>
+              <a:t>YTD vs Target: XX%</a:t>
+            </a:r>
+            <a:endParaRPr lang="en-US" sz="800" dirty="0"/>
+          </a:p>
+        </p:txBody>
+      </p:sp>
+      <p:sp>
+        <p:nvSpPr>
+          <p:cNvPr id="15" name="Text 13"/>
+          <p:cNvSpPr/>
+          <p:nvPr/>
+        </p:nvSpPr>
+        <p:spPr>
+          <a:xfrm>
+            <a:off x="317450" y="2494955"/>
+            <a:ext cx="4242486" cy="152400"/>
+          </a:xfrm>
+          <a:prstGeom prst="rect">
+            <a:avLst/>
+          </a:prstGeom>
+          <a:noFill/>
+          <a:ln/>
+        </p:spPr>
+        <p:txBody>
+          <a:bodyPr wrap="square" lIns="0" tIns="0" rIns="0" bIns="0" rtlCol="0" anchor="t"/>
+          <a:lstStyle/>
+          <a:p>
+            <a:pPr algn="l" indent="0" marL="0">
+              <a:spcBef>
+                <a:spcPts val="800"/>
+              </a:spcBef>
+              <a:spcAft>
+                <a:spcPts val="800"/>
+              </a:spcAft>
+              <a:buNone/>
+            </a:pPr>
+            <a:r>
+              <a:rPr lang="en-US" sz="1100" b="1" dirty="0">
+                <a:solidFill>
+                  <a:srgbClr val="1C4587"/>
+                </a:solidFill>
+                <a:latin typeface="Arial" pitchFamily="34" charset="0"/>
+                <a:ea typeface="Arial" pitchFamily="34" charset="-122"/>
+                <a:cs typeface="Arial" pitchFamily="34" charset="-120"/>
+              </a:rPr>
+              <a:t>Agricultural Sales</a:t>
+            </a:r>
+            <a:endParaRPr lang="en-US" sz="1100" dirty="0"/>
+          </a:p>
+        </p:txBody>
+      </p:sp>
+      <p:sp>
+        <p:nvSpPr>
+          <p:cNvPr id="16" name="Text 14"/>
+          <p:cNvSpPr/>
+          <p:nvPr/>
+        </p:nvSpPr>
+        <p:spPr>
+          <a:xfrm>
+            <a:off x="317450" y="2748855"/>
+            <a:ext cx="4159300" cy="628501"/>
+          </a:xfrm>
+          <a:prstGeom prst="roundRect">
+            <a:avLst>
+              <a:gd name="adj" fmla="val 8083"/>
+            </a:avLst>
+          </a:prstGeom>
+          <a:solidFill>
+            <a:srgbClr val="F8F9FA"/>
+          </a:solidFill>
+          <a:ln/>
+        </p:spPr>
+        <p:txBody>
+          <a:bodyPr wrap="square" rtlCol="0" anchor="ctr"/>
+          <a:lstStyle/>
+          <a:p>
+            <a:pPr indent="0" marL="0">
+              <a:buNone/>
+            </a:pPr>
+            <a:endParaRPr lang="en-US" dirty="0"/>
+          </a:p>
+        </p:txBody>
+      </p:sp>
+      <p:sp>
+        <p:nvSpPr>
+          <p:cNvPr id="17" name="Shape 15"/>
+          <p:cNvSpPr/>
+          <p:nvPr/>
+        </p:nvSpPr>
+        <p:spPr>
+          <a:xfrm>
+            <a:off x="336500" y="2748855"/>
+            <a:ext cx="0" cy="628501"/>
+          </a:xfrm>
+          <a:prstGeom prst="line">
+            <a:avLst/>
+          </a:prstGeom>
+          <a:noFill/>
+          <a:ln w="38100">
+            <a:solidFill>
+              <a:srgbClr val="50B432"/>
+            </a:solidFill>
+            <a:prstDash val="solid"/>
+          </a:ln>
+        </p:spPr>
+      </p:sp>
+      <p:sp>
+        <p:nvSpPr>
+          <p:cNvPr id="18" name="Text 16"/>
+          <p:cNvSpPr/>
+          <p:nvPr/>
+        </p:nvSpPr>
+        <p:spPr>
+          <a:xfrm>
+            <a:off x="482501" y="2909143"/>
+            <a:ext cx="1094208" cy="142875"/>
+          </a:xfrm>
+          <a:prstGeom prst="rect">
+            <a:avLst/>
+          </a:prstGeom>
+          <a:noFill/>
+          <a:ln/>
+        </p:spPr>
+        <p:txBody>
+          <a:bodyPr wrap="square" lIns="0" tIns="0" rIns="0" bIns="0" rtlCol="0" anchor="t"/>
+          <a:lstStyle/>
+          <a:p>
+            <a:pPr algn="l" indent="0" marL="0">
+              <a:buNone/>
+            </a:pPr>
+            <a:r>
+              <a:rPr lang="en-US" sz="1000" b="1" dirty="0">
+                <a:solidFill>
+                  <a:srgbClr val="333333"/>
+                </a:solidFill>
+                <a:latin typeface="Arial" pitchFamily="34" charset="0"/>
+                <a:ea typeface="Arial" pitchFamily="34" charset="-122"/>
+                <a:cs typeface="Arial" pitchFamily="34" charset="-120"/>
+              </a:rPr>
+              <a:t>Farm Direct Sales</a:t>
+            </a:r>
+            <a:endParaRPr lang="en-US" sz="1000" dirty="0"/>
+          </a:p>
+        </p:txBody>
+      </p:sp>
+      <p:sp>
+        <p:nvSpPr>
+          <p:cNvPr id="19" name="Text 17"/>
+          <p:cNvSpPr/>
+          <p:nvPr/>
+        </p:nvSpPr>
+        <p:spPr>
+          <a:xfrm>
+            <a:off x="3608784" y="2875806"/>
+            <a:ext cx="755836" cy="209550"/>
+          </a:xfrm>
+          <a:prstGeom prst="rect">
+            <a:avLst/>
+          </a:prstGeom>
+          <a:noFill/>
+          <a:ln/>
+        </p:spPr>
+        <p:txBody>
+          <a:bodyPr wrap="square" lIns="0" tIns="0" rIns="0" bIns="0" rtlCol="0" anchor="t"/>
+          <a:lstStyle/>
+          <a:p>
+            <a:pPr algn="l" indent="0" marL="0">
+              <a:buNone/>
+            </a:pPr>
+            <a:r>
+              <a:rPr lang="en-US" sz="1400" b="1" dirty="0">
+                <a:solidFill>
+                  <a:srgbClr val="1C4587"/>
+                </a:solidFill>
+                <a:latin typeface="Arial" pitchFamily="34" charset="0"/>
+                <a:ea typeface="Arial" pitchFamily="34" charset="-122"/>
+                <a:cs typeface="Arial" pitchFamily="34" charset="-120"/>
+              </a:rPr>
+              <a:t>$XX,XXX</a:t>
+            </a:r>
+            <a:endParaRPr lang="en-US" sz="1400" dirty="0"/>
+          </a:p>
+        </p:txBody>
+      </p:sp>
+      <p:sp>
+        <p:nvSpPr>
+          <p:cNvPr id="20" name="Text 18"/>
+          <p:cNvSpPr/>
+          <p:nvPr/>
+        </p:nvSpPr>
+        <p:spPr>
+          <a:xfrm>
+            <a:off x="482501" y="3136106"/>
+            <a:ext cx="3944645" cy="114300"/>
+          </a:xfrm>
+          <a:prstGeom prst="rect">
+            <a:avLst/>
+          </a:prstGeom>
+          <a:noFill/>
+          <a:ln/>
+        </p:spPr>
+        <p:txBody>
+          <a:bodyPr wrap="square" lIns="0" tIns="0" rIns="0" bIns="0" rtlCol="0" anchor="t"/>
+          <a:lstStyle/>
+          <a:p>
+            <a:pPr algn="l" indent="0" marL="0">
+              <a:spcBef>
+                <a:spcPts val="400"/>
+              </a:spcBef>
+              <a:buNone/>
+            </a:pPr>
+            <a:r>
+              <a:rPr lang="en-US" sz="800" dirty="0">
+                <a:solidFill>
+                  <a:srgbClr val="666666"/>
+                </a:solidFill>
+                <a:latin typeface="Arial" pitchFamily="34" charset="0"/>
+                <a:ea typeface="Arial" pitchFamily="34" charset="-122"/>
+                <a:cs typeface="Arial" pitchFamily="34" charset="-120"/>
+              </a:rPr>
+              <a:t>Strong spring season despite weather challenges</a:t>
+            </a:r>
+            <a:endParaRPr lang="en-US" sz="800" dirty="0"/>
+          </a:p>
+        </p:txBody>
+      </p:sp>
+      <p:sp>
+        <p:nvSpPr>
+          <p:cNvPr id="21" name="Text 19"/>
+          <p:cNvSpPr/>
+          <p:nvPr/>
+        </p:nvSpPr>
+        <p:spPr>
+          <a:xfrm>
+            <a:off x="4667250" y="781050"/>
+            <a:ext cx="4242486" cy="152400"/>
+          </a:xfrm>
+          <a:prstGeom prst="rect">
+            <a:avLst/>
+          </a:prstGeom>
+          <a:noFill/>
+          <a:ln/>
+        </p:spPr>
+        <p:txBody>
+          <a:bodyPr wrap="square" lIns="0" tIns="0" rIns="0" bIns="0" rtlCol="0" anchor="t"/>
+          <a:lstStyle/>
+          <a:p>
+            <a:pPr algn="l" indent="0" marL="0">
+              <a:spcAft>
+                <a:spcPts val="800"/>
+              </a:spcAft>
+              <a:buNone/>
+            </a:pPr>
+            <a:r>
+              <a:rPr lang="en-US" sz="1100" b="1" dirty="0">
+                <a:solidFill>
+                  <a:srgbClr val="1C4587"/>
+                </a:solidFill>
+                <a:latin typeface="Arial" pitchFamily="34" charset="0"/>
+                <a:ea typeface="Arial" pitchFamily="34" charset="-122"/>
+                <a:cs typeface="Arial" pitchFamily="34" charset="-120"/>
+              </a:rPr>
+              <a:t>Sales Performance Chart</a:t>
+            </a:r>
+            <a:endParaRPr lang="en-US" sz="1100" dirty="0"/>
+          </a:p>
+        </p:txBody>
+      </p:sp>
+      <p:sp>
+        <p:nvSpPr>
+          <p:cNvPr id="22" name="Text 20"/>
+          <p:cNvSpPr/>
+          <p:nvPr/>
+        </p:nvSpPr>
+        <p:spPr>
+          <a:xfrm>
+            <a:off x="6021139" y="1852464"/>
+            <a:ext cx="1480551" cy="142875"/>
+          </a:xfrm>
+          <a:prstGeom prst="rect">
+            <a:avLst/>
+          </a:prstGeom>
+          <a:noFill/>
+          <a:ln/>
+        </p:spPr>
+        <p:txBody>
+          <a:bodyPr wrap="square" lIns="0" tIns="0" rIns="0" bIns="0" rtlCol="0" anchor="t"/>
+          <a:lstStyle/>
+          <a:p>
+            <a:pPr algn="l" indent="0" marL="0">
+              <a:spcBef>
+                <a:spcPts val="1000"/>
+              </a:spcBef>
+              <a:spcAft>
+                <a:spcPts val="1000"/>
+              </a:spcAft>
+              <a:buNone/>
+            </a:pPr>
+            <a:r>
+              <a:rPr lang="en-US" sz="1000" dirty="0">
+                <a:solidFill>
+                  <a:srgbClr val="666666"/>
+                </a:solidFill>
+                <a:latin typeface="Arial" pitchFamily="34" charset="0"/>
+                <a:ea typeface="Arial" pitchFamily="34" charset="-122"/>
+                <a:cs typeface="Arial" pitchFamily="34" charset="-120"/>
+              </a:rPr>
+              <a:t>[Sales by Customer Type]</a:t>
+            </a:r>
+            <a:endParaRPr lang="en-US" sz="1000" dirty="0"/>
+          </a:p>
+        </p:txBody>
+      </p:sp>
+      <p:sp>
+        <p:nvSpPr>
+          <p:cNvPr id="23" name="Text 21"/>
+          <p:cNvSpPr/>
+          <p:nvPr/>
+        </p:nvSpPr>
+        <p:spPr>
+          <a:xfrm>
+            <a:off x="4667250" y="2914352"/>
+            <a:ext cx="4159300" cy="853827"/>
+          </a:xfrm>
+          <a:prstGeom prst="roundRect">
+            <a:avLst>
+              <a:gd name="adj" fmla="val 5950"/>
+            </a:avLst>
+          </a:prstGeom>
+          <a:solidFill>
+            <a:srgbClr val="E8F5E9"/>
+          </a:solidFill>
+          <a:ln/>
+        </p:spPr>
+        <p:txBody>
+          <a:bodyPr wrap="square" rtlCol="0" anchor="ctr"/>
+          <a:lstStyle/>
+          <a:p>
+            <a:pPr indent="0" marL="0">
+              <a:buNone/>
+            </a:pPr>
+            <a:endParaRPr lang="en-US" dirty="0"/>
+          </a:p>
+        </p:txBody>
+      </p:sp>
+      <p:sp>
+        <p:nvSpPr>
+          <p:cNvPr id="24" name="Shape 22"/>
+          <p:cNvSpPr/>
+          <p:nvPr/>
+        </p:nvSpPr>
+        <p:spPr>
+          <a:xfrm>
+            <a:off x="4686300" y="2914352"/>
+            <a:ext cx="0" cy="853827"/>
+          </a:xfrm>
+          <a:prstGeom prst="line">
+            <a:avLst/>
+          </a:prstGeom>
+          <a:noFill/>
+          <a:ln w="38100">
+            <a:solidFill>
+              <a:srgbClr val="50B432"/>
+            </a:solidFill>
+            <a:prstDash val="solid"/>
+          </a:ln>
+        </p:spPr>
+      </p:sp>
+      <p:sp>
+        <p:nvSpPr>
+          <p:cNvPr id="25" name="Text 23"/>
+          <p:cNvSpPr/>
+          <p:nvPr/>
+        </p:nvSpPr>
+        <p:spPr>
+          <a:xfrm>
+            <a:off x="4806851" y="3015853"/>
+            <a:ext cx="3996562" cy="142875"/>
+          </a:xfrm>
+          <a:prstGeom prst="rect">
+            <a:avLst/>
+          </a:prstGeom>
+          <a:noFill/>
+          <a:ln/>
+        </p:spPr>
+        <p:txBody>
+          <a:bodyPr wrap="square" lIns="0" tIns="0" rIns="0" bIns="0" rtlCol="0" anchor="t"/>
+          <a:lstStyle/>
+          <a:p>
+            <a:pPr algn="l" indent="0" marL="0">
+              <a:spcAft>
+                <a:spcPts val="400"/>
+              </a:spcAft>
+              <a:buNone/>
+            </a:pPr>
+            <a:r>
+              <a:rPr lang="en-US" sz="1000" b="1" dirty="0">
+                <a:solidFill>
+                  <a:srgbClr val="2E7D32"/>
+                </a:solidFill>
+                <a:latin typeface="Arial" pitchFamily="34" charset="0"/>
+                <a:ea typeface="Arial" pitchFamily="34" charset="-122"/>
+                <a:cs typeface="Arial" pitchFamily="34" charset="-120"/>
+              </a:rPr>
+              <a:t>Key Insights</a:t>
+            </a:r>
+            <a:endParaRPr lang="en-US" sz="1000" dirty="0"/>
+          </a:p>
+        </p:txBody>
+      </p:sp>
+      <p:sp>
+        <p:nvSpPr>
+          <p:cNvPr id="26" name="Text 24"/>
+          <p:cNvSpPr/>
+          <p:nvPr/>
+        </p:nvSpPr>
+        <p:spPr>
+          <a:xfrm>
+            <a:off x="4806851" y="3209479"/>
+            <a:ext cx="3996562" cy="114300"/>
+          </a:xfrm>
+          <a:prstGeom prst="rect">
+            <a:avLst/>
+          </a:prstGeom>
+          <a:noFill/>
+          <a:ln/>
+        </p:spPr>
+        <p:txBody>
+          <a:bodyPr wrap="square" lIns="0" tIns="0" rIns="0" bIns="0" rtlCol="0" anchor="t"/>
+          <a:lstStyle/>
+          <a:p>
+            <a:pPr algn="l" indent="0" marL="0">
+              <a:spcAft>
+                <a:spcPts val="300"/>
+              </a:spcAft>
+              <a:buNone/>
+            </a:pPr>
+            <a:r>
+              <a:rPr lang="en-US" sz="800" dirty="0">
+                <a:solidFill>
+                  <a:srgbClr val="1B5E20"/>
+                </a:solidFill>
+                <a:latin typeface="Arial" pitchFamily="34" charset="0"/>
+                <a:ea typeface="Arial" pitchFamily="34" charset="-122"/>
+                <a:cs typeface="Arial" pitchFamily="34" charset="-120"/>
+              </a:rPr>
+              <a:t>Goals were aggressive - would have required perfect weather</a:t>
+            </a:r>
+            <a:endParaRPr lang="en-US" sz="800" dirty="0"/>
+          </a:p>
+        </p:txBody>
+      </p:sp>
+      <p:sp>
+        <p:nvSpPr>
+          <p:cNvPr id="27" name="Text 25"/>
+          <p:cNvSpPr/>
+          <p:nvPr/>
+        </p:nvSpPr>
+        <p:spPr>
+          <a:xfrm>
+            <a:off x="4806851" y="3361879"/>
+            <a:ext cx="3996562" cy="114300"/>
+          </a:xfrm>
+          <a:prstGeom prst="rect">
+            <a:avLst/>
+          </a:prstGeom>
+          <a:noFill/>
+          <a:ln/>
+        </p:spPr>
+        <p:txBody>
+          <a:bodyPr wrap="square" lIns="0" tIns="0" rIns="0" bIns="0" rtlCol="0" anchor="t"/>
+          <a:lstStyle/>
+          <a:p>
+            <a:pPr algn="l" indent="0" marL="0">
+              <a:spcAft>
+                <a:spcPts val="300"/>
+              </a:spcAft>
+              <a:buNone/>
+            </a:pPr>
+            <a:r>
+              <a:rPr lang="en-US" sz="800" dirty="0">
+                <a:solidFill>
+                  <a:srgbClr val="1B5E20"/>
+                </a:solidFill>
+                <a:latin typeface="Arial" pitchFamily="34" charset="0"/>
+                <a:ea typeface="Arial" pitchFamily="34" charset="-122"/>
+                <a:cs typeface="Arial" pitchFamily="34" charset="-120"/>
+              </a:rPr>
+              <a:t>Met April goal, came close in March &amp; May</a:t>
+            </a:r>
+            <a:endParaRPr lang="en-US" sz="800" dirty="0"/>
+          </a:p>
+        </p:txBody>
+      </p:sp>
+      <p:sp>
+        <p:nvSpPr>
+          <p:cNvPr id="28" name="Text 26"/>
+          <p:cNvSpPr/>
+          <p:nvPr/>
+        </p:nvSpPr>
+        <p:spPr>
+          <a:xfrm>
+            <a:off x="4806851" y="3514279"/>
+            <a:ext cx="3996562" cy="114300"/>
+          </a:xfrm>
+          <a:prstGeom prst="rect">
+            <a:avLst/>
+          </a:prstGeom>
+          <a:noFill/>
+          <a:ln/>
+        </p:spPr>
+        <p:txBody>
+          <a:bodyPr wrap="square" lIns="0" tIns="0" rIns="0" bIns="0" rtlCol="0" anchor="t"/>
+          <a:lstStyle/>
+          <a:p>
+            <a:pPr algn="l" indent="0" marL="0">
+              <a:spcAft>
+                <a:spcPts val="300"/>
+              </a:spcAft>
+              <a:buNone/>
+            </a:pPr>
+            <a:r>
+              <a:rPr lang="en-US" sz="800" dirty="0">
+                <a:solidFill>
+                  <a:srgbClr val="1B5E20"/>
+                </a:solidFill>
+                <a:latin typeface="Arial" pitchFamily="34" charset="0"/>
+                <a:ea typeface="Arial" pitchFamily="34" charset="-122"/>
+                <a:cs typeface="Arial" pitchFamily="34" charset="-120"/>
+              </a:rPr>
+              <a:t>Storage constraints impacting delivery capacity</a:t>
+            </a:r>
+            <a:endParaRPr lang="en-US" sz="800" dirty="0"/>
+          </a:p>
+        </p:txBody>
+      </p:sp>
+      <p:graphicFrame>
+        <p:nvGraphicFramePr>
+          <p:cNvPr id="29" name="Chart 0" descr=""/>
+          <p:cNvGraphicFramePr/>
+          <p:nvPr/>
+        </p:nvGraphicFramePr>
+        <p:xfrm>
+          <a:off x="4667250" y="1034951"/>
+          <a:ext cx="4159300" cy="1777901"/>
+        </p:xfrm>
+        <a:graphic xmlns:a="http://schemas.openxmlformats.org/drawingml/2006/main">
+          <a:graphicData uri="http://schemas.openxmlformats.org/drawingml/2006/chart">
+            <c:chart xmlns:c="http://schemas.openxmlformats.org/drawingml/2006/chart" r:id="rId1"/>
+          </a:graphicData>
+        </a:graphic>
+      </p:graphicFrame>
+    </p:spTree>
+  </p:cSld>
+  <p:clrMapOvr>
+    <a:masterClrMapping/>
+  </p:clrMapOvr>
+</p:sld>
+</file>
+
+<file path=ppt/slides/slide9.xml><?xml version="1.0" encoding="utf-8"?>
+<p:sld xmlns:a="http://schemas.openxmlformats.org/drawingml/2006/main" xmlns:r="http://schemas.openxmlformats.org/officeDocument/2006/relationships" xmlns:p="http://schemas.openxmlformats.org/presentationml/2006/main">
+  <p:cSld name="Slide 9">
+    <p:bg>
+      <p:bgPr>
+        <a:solidFill>
+          <a:srgbClr val="FFFFFF"/>
+        </a:solidFill>
+      </p:bgPr>
+    </p:bg>
+    <p:spTree>
+      <p:nvGrpSpPr>
+        <p:cNvPr id="1" name=""/>
+        <p:cNvGrpSpPr/>
+        <p:nvPr/>
+      </p:nvGrpSpPr>
+      <p:grpSpPr>
+        <a:xfrm>
+          <a:off x="0" y="0"/>
+          <a:ext cx="0" cy="0"/>
+          <a:chOff x="0" y="0"/>
+          <a:chExt cx="0" cy="0"/>
+        </a:xfrm>
+      </p:grpSpPr>
+      <p:sp>
+        <p:nvSpPr>
+          <p:cNvPr id="2" name="Text 0"/>
+          <p:cNvSpPr/>
+          <p:nvPr/>
+        </p:nvSpPr>
+        <p:spPr>
+          <a:xfrm>
+            <a:off x="0" y="0"/>
+            <a:ext cx="9144000" cy="628650"/>
+          </a:xfrm>
+          <a:prstGeom prst="rect">
+            <a:avLst/>
+          </a:prstGeom>
+          <a:solidFill>
+            <a:srgbClr val="50B432"/>
+          </a:solidFill>
+          <a:ln/>
+        </p:spPr>
+        <p:txBody>
+          <a:bodyPr wrap="square" rtlCol="0" anchor="ctr"/>
+          <a:lstStyle/>
+          <a:p>
+            <a:pPr indent="0" marL="0">
+              <a:buNone/>
+            </a:pPr>
+            <a:endParaRPr lang="en-US" dirty="0"/>
+          </a:p>
+        </p:txBody>
+      </p:sp>
+      <p:sp>
+        <p:nvSpPr>
+          <p:cNvPr id="3" name="Text 1"/>
+          <p:cNvSpPr/>
+          <p:nvPr/>
+        </p:nvSpPr>
+        <p:spPr>
+          <a:xfrm>
+            <a:off x="317450" y="152400"/>
+            <a:ext cx="8679281" cy="323850"/>
+          </a:xfrm>
+          <a:prstGeom prst="rect">
+            <a:avLst/>
+          </a:prstGeom>
+          <a:noFill/>
+          <a:ln/>
+        </p:spPr>
+        <p:txBody>
+          <a:bodyPr wrap="square" lIns="0" tIns="0" rIns="0" bIns="0" rtlCol="0" anchor="t"/>
+          <a:lstStyle/>
+          <a:p>
+            <a:pPr algn="l" indent="0" marL="0">
+              <a:buNone/>
+            </a:pPr>
+            <a:r>
+              <a:rPr lang="en-US" sz="2200" b="1" dirty="0">
+                <a:solidFill>
+                  <a:srgbClr val="FFFFFF"/>
+                </a:solidFill>
+                <a:latin typeface="Arial" pitchFamily="34" charset="0"/>
+                <a:ea typeface="Arial" pitchFamily="34" charset="-122"/>
+                <a:cs typeface="Arial" pitchFamily="34" charset="-120"/>
+              </a:rPr>
+              <a:t>Bloom Marketing Highlights</a:t>
+            </a:r>
+            <a:endParaRPr lang="en-US" sz="2200" dirty="0"/>
+          </a:p>
+        </p:txBody>
+      </p:sp>
+      <p:sp>
+        <p:nvSpPr>
+          <p:cNvPr id="4" name="Text 2"/>
+          <p:cNvSpPr/>
+          <p:nvPr/>
+        </p:nvSpPr>
+        <p:spPr>
+          <a:xfrm>
+            <a:off x="317450" y="781050"/>
+            <a:ext cx="4242486" cy="152400"/>
+          </a:xfrm>
+          <a:prstGeom prst="rect">
+            <a:avLst/>
+          </a:prstGeom>
+          <a:noFill/>
+          <a:ln/>
+        </p:spPr>
+        <p:txBody>
+          <a:bodyPr wrap="square" lIns="0" tIns="0" rIns="0" bIns="0" rtlCol="0" anchor="t"/>
+          <a:lstStyle/>
+          <a:p>
+            <a:pPr algn="l" indent="0" marL="0">
+              <a:spcAft>
+                <a:spcPts val="800"/>
+              </a:spcAft>
+              <a:buNone/>
+            </a:pPr>
+            <a:r>
+              <a:rPr lang="en-US" sz="1100" b="1" dirty="0">
+                <a:solidFill>
+                  <a:srgbClr val="1C4587"/>
+                </a:solidFill>
+                <a:latin typeface="Arial" pitchFamily="34" charset="0"/>
+                <a:ea typeface="Arial" pitchFamily="34" charset="-122"/>
+                <a:cs typeface="Arial" pitchFamily="34" charset="-120"/>
+              </a:rPr>
+              <a:t>Recent Wins</a:t>
+            </a:r>
+            <a:endParaRPr lang="en-US" sz="1100" dirty="0"/>
+          </a:p>
+        </p:txBody>
+      </p:sp>
+      <p:sp>
+        <p:nvSpPr>
+          <p:cNvPr id="5" name="Text 3"/>
+          <p:cNvSpPr/>
+          <p:nvPr/>
+        </p:nvSpPr>
+        <p:spPr>
+          <a:xfrm>
+            <a:off x="317450" y="1034951"/>
+            <a:ext cx="4159300" cy="733276"/>
+          </a:xfrm>
+          <a:prstGeom prst="roundRect">
+            <a:avLst>
+              <a:gd name="adj" fmla="val 6928"/>
+            </a:avLst>
+          </a:prstGeom>
+          <a:solidFill>
+            <a:srgbClr val="F8F9FA"/>
+          </a:solidFill>
+          <a:ln/>
+        </p:spPr>
+        <p:txBody>
+          <a:bodyPr wrap="square" rtlCol="0" anchor="ctr"/>
+          <a:lstStyle/>
+          <a:p>
+            <a:pPr indent="0" marL="0">
+              <a:buNone/>
+            </a:pPr>
+            <a:endParaRPr lang="en-US" dirty="0"/>
+          </a:p>
+        </p:txBody>
+      </p:sp>
+      <p:sp>
+        <p:nvSpPr>
+          <p:cNvPr id="6" name="Shape 4"/>
+          <p:cNvSpPr/>
+          <p:nvPr/>
+        </p:nvSpPr>
+        <p:spPr>
+          <a:xfrm>
+            <a:off x="336500" y="1034951"/>
+            <a:ext cx="0" cy="733276"/>
+          </a:xfrm>
+          <a:prstGeom prst="line">
+            <a:avLst/>
+          </a:prstGeom>
+          <a:noFill/>
+          <a:ln w="38100">
+            <a:solidFill>
+              <a:srgbClr val="058DC7"/>
+            </a:solidFill>
+            <a:prstDash val="solid"/>
+          </a:ln>
+        </p:spPr>
+      </p:sp>
+      <p:sp>
+        <p:nvSpPr>
+          <p:cNvPr id="7" name="Text 5"/>
+          <p:cNvSpPr/>
+          <p:nvPr/>
+        </p:nvSpPr>
+        <p:spPr>
+          <a:xfrm>
+            <a:off x="482501" y="1161901"/>
+            <a:ext cx="3944645" cy="142875"/>
+          </a:xfrm>
+          <a:prstGeom prst="rect">
+            <a:avLst/>
+          </a:prstGeom>
+          <a:noFill/>
+          <a:ln/>
+        </p:spPr>
+        <p:txBody>
+          <a:bodyPr wrap="square" lIns="0" tIns="0" rIns="0" bIns="0" rtlCol="0" anchor="t"/>
+          <a:lstStyle/>
+          <a:p>
+            <a:pPr algn="l" indent="0" marL="0">
+              <a:spcAft>
+                <a:spcPts val="400"/>
+              </a:spcAft>
+              <a:buNone/>
+            </a:pPr>
+            <a:r>
+              <a:rPr lang="en-US" sz="1000" b="1" dirty="0">
+                <a:solidFill>
+                  <a:srgbClr val="1C4587"/>
+                </a:solidFill>
+                <a:latin typeface="Arial" pitchFamily="34" charset="0"/>
+                <a:ea typeface="Arial" pitchFamily="34" charset="-122"/>
+                <a:cs typeface="Arial" pitchFamily="34" charset="-120"/>
+              </a:rPr>
+              <a:t>"The Greatest Recycled Story Never Told"</a:t>
+            </a:r>
+            <a:endParaRPr lang="en-US" sz="1000" dirty="0"/>
+          </a:p>
+        </p:txBody>
+      </p:sp>
+      <p:sp>
+        <p:nvSpPr>
+          <p:cNvPr id="8" name="Text 6"/>
+          <p:cNvSpPr/>
+          <p:nvPr/>
+        </p:nvSpPr>
+        <p:spPr>
+          <a:xfrm>
+            <a:off x="482501" y="1355527"/>
+            <a:ext cx="3944645" cy="133350"/>
+          </a:xfrm>
+          <a:prstGeom prst="rect">
+            <a:avLst/>
+          </a:prstGeom>
+          <a:noFill/>
+          <a:ln/>
+        </p:spPr>
+        <p:txBody>
+          <a:bodyPr wrap="square" lIns="0" tIns="0" rIns="0" bIns="0" rtlCol="0" anchor="t"/>
+          <a:lstStyle/>
+          <a:p>
+            <a:pPr algn="l" indent="0" marL="0">
+              <a:spcAft>
+                <a:spcPts val="300"/>
+              </a:spcAft>
+              <a:buNone/>
+            </a:pPr>
+            <a:r>
+              <a:rPr lang="en-US" sz="900" dirty="0">
+                <a:solidFill>
+                  <a:srgbClr val="333333"/>
+                </a:solidFill>
+                <a:latin typeface="Arial" pitchFamily="34" charset="0"/>
+                <a:ea typeface="Arial" pitchFamily="34" charset="-122"/>
+                <a:cs typeface="Arial" pitchFamily="34" charset="-120"/>
+              </a:rPr>
+              <a:t>Featured by WTOP in three-part video series</a:t>
+            </a:r>
+            <a:endParaRPr lang="en-US" sz="900" dirty="0"/>
+          </a:p>
+        </p:txBody>
+      </p:sp>
+      <p:sp>
+        <p:nvSpPr>
+          <p:cNvPr id="9" name="Text 7"/>
+          <p:cNvSpPr/>
+          <p:nvPr/>
+        </p:nvSpPr>
+        <p:spPr>
+          <a:xfrm>
+            <a:off x="482501" y="1526977"/>
+            <a:ext cx="3944645" cy="114300"/>
+          </a:xfrm>
+          <a:prstGeom prst="rect">
+            <a:avLst/>
+          </a:prstGeom>
+          <a:noFill/>
+          <a:ln/>
+        </p:spPr>
+        <p:txBody>
+          <a:bodyPr wrap="square" lIns="0" tIns="0" rIns="0" bIns="0" rtlCol="0" anchor="t"/>
+          <a:lstStyle/>
+          <a:p>
+            <a:pPr algn="l" indent="0" marL="0">
+              <a:buNone/>
+            </a:pPr>
+            <a:r>
+              <a:rPr lang="en-US" sz="800" b="1" dirty="0">
+                <a:solidFill>
+                  <a:srgbClr val="058DC7"/>
+                </a:solidFill>
+                <a:latin typeface="Arial" pitchFamily="34" charset="0"/>
+                <a:ea typeface="Arial" pitchFamily="34" charset="-122"/>
+                <a:cs typeface="Arial" pitchFamily="34" charset="-120"/>
+              </a:rPr>
+              <a:t>900+ shares | 47,000+ views on Instagram</a:t>
+            </a:r>
+            <a:endParaRPr lang="en-US" sz="800" dirty="0"/>
+          </a:p>
+        </p:txBody>
+      </p:sp>
+      <p:sp>
+        <p:nvSpPr>
+          <p:cNvPr id="10" name="Text 8"/>
+          <p:cNvSpPr/>
+          <p:nvPr/>
+        </p:nvSpPr>
+        <p:spPr>
+          <a:xfrm>
+            <a:off x="317450" y="1869728"/>
+            <a:ext cx="4159300" cy="733276"/>
+          </a:xfrm>
+          <a:prstGeom prst="roundRect">
+            <a:avLst>
+              <a:gd name="adj" fmla="val 6928"/>
+            </a:avLst>
+          </a:prstGeom>
+          <a:solidFill>
+            <a:srgbClr val="F8F9FA"/>
+          </a:solidFill>
+          <a:ln/>
+        </p:spPr>
+        <p:txBody>
+          <a:bodyPr wrap="square" rtlCol="0" anchor="ctr"/>
+          <a:lstStyle/>
+          <a:p>
+            <a:pPr indent="0" marL="0">
+              <a:buNone/>
+            </a:pPr>
+            <a:endParaRPr lang="en-US" dirty="0"/>
+          </a:p>
+        </p:txBody>
+      </p:sp>
+      <p:sp>
+        <p:nvSpPr>
+          <p:cNvPr id="11" name="Shape 9"/>
+          <p:cNvSpPr/>
+          <p:nvPr/>
+        </p:nvSpPr>
+        <p:spPr>
+          <a:xfrm>
+            <a:off x="336500" y="1869728"/>
+            <a:ext cx="0" cy="733276"/>
+          </a:xfrm>
+          <a:prstGeom prst="line">
+            <a:avLst/>
+          </a:prstGeom>
+          <a:noFill/>
+          <a:ln w="38100">
+            <a:solidFill>
+              <a:srgbClr val="058DC7"/>
+            </a:solidFill>
+            <a:prstDash val="solid"/>
+          </a:ln>
+        </p:spPr>
+      </p:sp>
+      <p:sp>
+        <p:nvSpPr>
+          <p:cNvPr id="12" name="Text 10"/>
+          <p:cNvSpPr/>
+          <p:nvPr/>
+        </p:nvSpPr>
+        <p:spPr>
+          <a:xfrm>
+            <a:off x="482501" y="1996678"/>
+            <a:ext cx="3944645" cy="142875"/>
+          </a:xfrm>
+          <a:prstGeom prst="rect">
+            <a:avLst/>
+          </a:prstGeom>
+          <a:noFill/>
+          <a:ln/>
+        </p:spPr>
+        <p:txBody>
+          <a:bodyPr wrap="square" lIns="0" tIns="0" rIns="0" bIns="0" rtlCol="0" anchor="t"/>
+          <a:lstStyle/>
+          <a:p>
+            <a:pPr algn="l" indent="0" marL="0">
+              <a:spcAft>
+                <a:spcPts val="400"/>
+              </a:spcAft>
+              <a:buNone/>
+            </a:pPr>
+            <a:r>
+              <a:rPr lang="en-US" sz="1000" b="1" dirty="0">
+                <a:solidFill>
+                  <a:srgbClr val="1C4587"/>
+                </a:solidFill>
+                <a:latin typeface="Arial" pitchFamily="34" charset="0"/>
+                <a:ea typeface="Arial" pitchFamily="34" charset="-122"/>
+                <a:cs typeface="Arial" pitchFamily="34" charset="-120"/>
+              </a:rPr>
+              <a:t>Media Coverage</a:t>
+            </a:r>
+            <a:endParaRPr lang="en-US" sz="1000" dirty="0"/>
+          </a:p>
+        </p:txBody>
+      </p:sp>
+      <p:sp>
+        <p:nvSpPr>
+          <p:cNvPr id="13" name="Text 11"/>
+          <p:cNvSpPr/>
+          <p:nvPr/>
+        </p:nvSpPr>
+        <p:spPr>
+          <a:xfrm>
+            <a:off x="482501" y="2190304"/>
+            <a:ext cx="3944645" cy="133350"/>
+          </a:xfrm>
+          <a:prstGeom prst="rect">
+            <a:avLst/>
+          </a:prstGeom>
+          <a:noFill/>
+          <a:ln/>
+        </p:spPr>
+        <p:txBody>
+          <a:bodyPr wrap="square" lIns="0" tIns="0" rIns="0" bIns="0" rtlCol="0" anchor="t"/>
+          <a:lstStyle/>
+          <a:p>
+            <a:pPr algn="l" indent="0" marL="0">
+              <a:spcAft>
+                <a:spcPts val="300"/>
+              </a:spcAft>
+              <a:buNone/>
+            </a:pPr>
+            <a:r>
+              <a:rPr lang="en-US" sz="900" dirty="0">
+                <a:solidFill>
+                  <a:srgbClr val="333333"/>
+                </a:solidFill>
+                <a:latin typeface="Arial" pitchFamily="34" charset="0"/>
+                <a:ea typeface="Arial" pitchFamily="34" charset="-122"/>
+                <a:cs typeface="Arial" pitchFamily="34" charset="-120"/>
+              </a:rPr>
+              <a:t>Ongoing press coverage and social media engagement</a:t>
+            </a:r>
+            <a:endParaRPr lang="en-US" sz="900" dirty="0"/>
+          </a:p>
+        </p:txBody>
+      </p:sp>
+      <p:sp>
+        <p:nvSpPr>
+          <p:cNvPr id="14" name="Text 12"/>
+          <p:cNvSpPr/>
+          <p:nvPr/>
+        </p:nvSpPr>
+        <p:spPr>
+          <a:xfrm>
+            <a:off x="482501" y="2361754"/>
+            <a:ext cx="3944645" cy="114300"/>
+          </a:xfrm>
+          <a:prstGeom prst="rect">
+            <a:avLst/>
+          </a:prstGeom>
+          <a:noFill/>
+          <a:ln/>
+        </p:spPr>
+        <p:txBody>
+          <a:bodyPr wrap="square" lIns="0" tIns="0" rIns="0" bIns="0" rtlCol="0" anchor="t"/>
+          <a:lstStyle/>
+          <a:p>
+            <a:pPr algn="l" indent="0" marL="0">
+              <a:buNone/>
+            </a:pPr>
+            <a:r>
+              <a:rPr lang="en-US" sz="800" b="1" dirty="0">
+                <a:solidFill>
+                  <a:srgbClr val="058DC7"/>
+                </a:solidFill>
+                <a:latin typeface="Arial" pitchFamily="34" charset="0"/>
+                <a:ea typeface="Arial" pitchFamily="34" charset="-122"/>
+                <a:cs typeface="Arial" pitchFamily="34" charset="-120"/>
+              </a:rPr>
+              <a:t>Brand awareness continuing to grow</a:t>
+            </a:r>
+            <a:endParaRPr lang="en-US" sz="800" dirty="0"/>
+          </a:p>
+        </p:txBody>
+      </p:sp>
+      <p:sp>
+        <p:nvSpPr>
+          <p:cNvPr id="15" name="Text 13"/>
+          <p:cNvSpPr/>
+          <p:nvPr/>
+        </p:nvSpPr>
+        <p:spPr>
+          <a:xfrm>
+            <a:off x="317450" y="2704505"/>
+            <a:ext cx="4159300" cy="733276"/>
+          </a:xfrm>
+          <a:prstGeom prst="roundRect">
+            <a:avLst>
+              <a:gd name="adj" fmla="val 6928"/>
+            </a:avLst>
+          </a:prstGeom>
+          <a:solidFill>
+            <a:srgbClr val="F8F9FA"/>
+          </a:solidFill>
+          <a:ln/>
+        </p:spPr>
+        <p:txBody>
+          <a:bodyPr wrap="square" rtlCol="0" anchor="ctr"/>
+          <a:lstStyle/>
+          <a:p>
+            <a:pPr indent="0" marL="0">
+              <a:buNone/>
+            </a:pPr>
+            <a:endParaRPr lang="en-US" dirty="0"/>
+          </a:p>
+        </p:txBody>
+      </p:sp>
+      <p:sp>
+        <p:nvSpPr>
+          <p:cNvPr id="16" name="Shape 14"/>
+          <p:cNvSpPr/>
+          <p:nvPr/>
+        </p:nvSpPr>
+        <p:spPr>
+          <a:xfrm>
+            <a:off x="336500" y="2704505"/>
+            <a:ext cx="0" cy="733276"/>
+          </a:xfrm>
+          <a:prstGeom prst="line">
+            <a:avLst/>
+          </a:prstGeom>
+          <a:noFill/>
+          <a:ln w="38100">
+            <a:solidFill>
+              <a:srgbClr val="058DC7"/>
+            </a:solidFill>
+            <a:prstDash val="solid"/>
+          </a:ln>
+        </p:spPr>
+      </p:sp>
+      <p:sp>
+        <p:nvSpPr>
+          <p:cNvPr id="17" name="Text 15"/>
+          <p:cNvSpPr/>
+          <p:nvPr/>
+        </p:nvSpPr>
+        <p:spPr>
+          <a:xfrm>
+            <a:off x="482501" y="2831455"/>
+            <a:ext cx="3944645" cy="142875"/>
+          </a:xfrm>
+          <a:prstGeom prst="rect">
+            <a:avLst/>
+          </a:prstGeom>
+          <a:noFill/>
+          <a:ln/>
+        </p:spPr>
+        <p:txBody>
+          <a:bodyPr wrap="square" lIns="0" tIns="0" rIns="0" bIns="0" rtlCol="0" anchor="t"/>
+          <a:lstStyle/>
+          <a:p>
+            <a:pPr algn="l" indent="0" marL="0">
+              <a:spcAft>
+                <a:spcPts val="400"/>
+              </a:spcAft>
+              <a:buNone/>
+            </a:pPr>
+            <a:r>
+              <a:rPr lang="en-US" sz="1000" b="1" dirty="0">
+                <a:solidFill>
+                  <a:srgbClr val="1C4587"/>
+                </a:solidFill>
+                <a:latin typeface="Arial" pitchFamily="34" charset="0"/>
+                <a:ea typeface="Arial" pitchFamily="34" charset="-122"/>
+                <a:cs typeface="Arial" pitchFamily="34" charset="-120"/>
+              </a:rPr>
+              <a:t>Partner Relationships</a:t>
+            </a:r>
+            <a:endParaRPr lang="en-US" sz="1000" dirty="0"/>
+          </a:p>
+        </p:txBody>
+      </p:sp>
+      <p:sp>
+        <p:nvSpPr>
+          <p:cNvPr id="18" name="Text 16"/>
+          <p:cNvSpPr/>
+          <p:nvPr/>
+        </p:nvSpPr>
+        <p:spPr>
+          <a:xfrm>
+            <a:off x="482501" y="3025080"/>
+            <a:ext cx="3944645" cy="133350"/>
+          </a:xfrm>
+          <a:prstGeom prst="rect">
+            <a:avLst/>
+          </a:prstGeom>
+          <a:noFill/>
+          <a:ln/>
+        </p:spPr>
+        <p:txBody>
+          <a:bodyPr wrap="square" lIns="0" tIns="0" rIns="0" bIns="0" rtlCol="0" anchor="t"/>
+          <a:lstStyle/>
+          <a:p>
+            <a:pPr algn="l" indent="0" marL="0">
+              <a:spcAft>
+                <a:spcPts val="300"/>
+              </a:spcAft>
+              <a:buNone/>
+            </a:pPr>
+            <a:r>
+              <a:rPr lang="en-US" sz="900" dirty="0">
+                <a:solidFill>
+                  <a:srgbClr val="333333"/>
+                </a:solidFill>
+                <a:latin typeface="Arial" pitchFamily="34" charset="0"/>
+                <a:ea typeface="Arial" pitchFamily="34" charset="-122"/>
+                <a:cs typeface="Arial" pitchFamily="34" charset="-120"/>
+              </a:rPr>
+              <a:t>Strengthening farm and distributor partnerships</a:t>
+            </a:r>
+            <a:endParaRPr lang="en-US" sz="900" dirty="0"/>
+          </a:p>
+        </p:txBody>
+      </p:sp>
+      <p:sp>
+        <p:nvSpPr>
+          <p:cNvPr id="19" name="Text 17"/>
+          <p:cNvSpPr/>
+          <p:nvPr/>
+        </p:nvSpPr>
+        <p:spPr>
+          <a:xfrm>
+            <a:off x="482501" y="3196530"/>
+            <a:ext cx="3944645" cy="114300"/>
+          </a:xfrm>
+          <a:prstGeom prst="rect">
+            <a:avLst/>
+          </a:prstGeom>
+          <a:noFill/>
+          <a:ln/>
+        </p:spPr>
+        <p:txBody>
+          <a:bodyPr wrap="square" lIns="0" tIns="0" rIns="0" bIns="0" rtlCol="0" anchor="t"/>
+          <a:lstStyle/>
+          <a:p>
+            <a:pPr algn="l" indent="0" marL="0">
+              <a:buNone/>
+            </a:pPr>
+            <a:r>
+              <a:rPr lang="en-US" sz="800" b="1" dirty="0">
+                <a:solidFill>
+                  <a:srgbClr val="058DC7"/>
+                </a:solidFill>
+                <a:latin typeface="Arial" pitchFamily="34" charset="0"/>
+                <a:ea typeface="Arial" pitchFamily="34" charset="-122"/>
+                <a:cs typeface="Arial" pitchFamily="34" charset="-120"/>
+              </a:rPr>
+              <a:t>XX new partners this quarter</a:t>
+            </a:r>
+            <a:endParaRPr lang="en-US" sz="800" dirty="0"/>
+          </a:p>
+        </p:txBody>
+      </p:sp>
+      <p:sp>
+        <p:nvSpPr>
+          <p:cNvPr id="20" name="Text 18"/>
+          <p:cNvSpPr/>
+          <p:nvPr/>
+        </p:nvSpPr>
+        <p:spPr>
+          <a:xfrm>
+            <a:off x="4667250" y="781050"/>
+            <a:ext cx="4242486" cy="152400"/>
+          </a:xfrm>
+          <a:prstGeom prst="rect">
+            <a:avLst/>
+          </a:prstGeom>
+          <a:noFill/>
+          <a:ln/>
+        </p:spPr>
+        <p:txBody>
+          <a:bodyPr wrap="square" lIns="0" tIns="0" rIns="0" bIns="0" rtlCol="0" anchor="t"/>
+          <a:lstStyle/>
+          <a:p>
+            <a:pPr algn="l" indent="0" marL="0">
+              <a:spcAft>
+                <a:spcPts val="800"/>
+              </a:spcAft>
+              <a:buNone/>
+            </a:pPr>
+            <a:r>
+              <a:rPr lang="en-US" sz="1100" b="1" dirty="0">
+                <a:solidFill>
+                  <a:srgbClr val="1C4587"/>
+                </a:solidFill>
+                <a:latin typeface="Arial" pitchFamily="34" charset="0"/>
+                <a:ea typeface="Arial" pitchFamily="34" charset="-122"/>
+                <a:cs typeface="Arial" pitchFamily="34" charset="-120"/>
+              </a:rPr>
+              <a:t>Next Quarter Focus</a:t>
+            </a:r>
+            <a:endParaRPr lang="en-US" sz="1100" dirty="0"/>
+          </a:p>
+        </p:txBody>
+      </p:sp>
+      <p:sp>
+        <p:nvSpPr>
+          <p:cNvPr id="21" name="Text 19"/>
+          <p:cNvSpPr/>
+          <p:nvPr/>
+        </p:nvSpPr>
+        <p:spPr>
+          <a:xfrm>
+            <a:off x="4667250" y="1034951"/>
+            <a:ext cx="4159300" cy="1133177"/>
+          </a:xfrm>
+          <a:prstGeom prst="roundRect">
+            <a:avLst>
+              <a:gd name="adj" fmla="val 4483"/>
+            </a:avLst>
+          </a:prstGeom>
+          <a:solidFill>
+            <a:srgbClr val="E3F2FD"/>
+          </a:solidFill>
+          <a:ln/>
+        </p:spPr>
+        <p:txBody>
+          <a:bodyPr wrap="square" rtlCol="0" anchor="ctr"/>
+          <a:lstStyle/>
+          <a:p>
+            <a:pPr indent="0" marL="0">
+              <a:buNone/>
+            </a:pPr>
+            <a:endParaRPr lang="en-US" dirty="0"/>
+          </a:p>
+        </p:txBody>
+      </p:sp>
+      <p:sp>
+        <p:nvSpPr>
+          <p:cNvPr id="22" name="Shape 20"/>
+          <p:cNvSpPr/>
+          <p:nvPr/>
+        </p:nvSpPr>
+        <p:spPr>
+          <a:xfrm>
+            <a:off x="4686300" y="1034951"/>
+            <a:ext cx="0" cy="1133177"/>
+          </a:xfrm>
+          <a:prstGeom prst="line">
+            <a:avLst/>
+          </a:prstGeom>
+          <a:noFill/>
+          <a:ln w="38100">
+            <a:solidFill>
+              <a:srgbClr val="1C4587"/>
+            </a:solidFill>
+            <a:prstDash val="solid"/>
+          </a:ln>
+        </p:spPr>
+      </p:sp>
+      <p:sp>
+        <p:nvSpPr>
+          <p:cNvPr id="23" name="Text 21"/>
+          <p:cNvSpPr/>
+          <p:nvPr/>
+        </p:nvSpPr>
+        <p:spPr>
+          <a:xfrm>
+            <a:off x="4832300" y="1161901"/>
+            <a:ext cx="3944645" cy="142875"/>
+          </a:xfrm>
+          <a:prstGeom prst="rect">
+            <a:avLst/>
+          </a:prstGeom>
+          <a:noFill/>
+          <a:ln/>
+        </p:spPr>
+        <p:txBody>
+          <a:bodyPr wrap="square" lIns="0" tIns="0" rIns="0" bIns="0" rtlCol="0" anchor="t"/>
+          <a:lstStyle/>
+          <a:p>
+            <a:pPr algn="l" indent="0" marL="0">
+              <a:spcAft>
+                <a:spcPts val="600"/>
+              </a:spcAft>
+              <a:buNone/>
+            </a:pPr>
+            <a:r>
+              <a:rPr lang="en-US" sz="1000" b="1" dirty="0">
+                <a:solidFill>
+                  <a:srgbClr val="1C4587"/>
+                </a:solidFill>
+                <a:latin typeface="Arial" pitchFamily="34" charset="0"/>
+                <a:ea typeface="Arial" pitchFamily="34" charset="-122"/>
+                <a:cs typeface="Arial" pitchFamily="34" charset="-120"/>
+              </a:rPr>
+              <a:t>Upcoming Initiatives</a:t>
+            </a:r>
+            <a:endParaRPr lang="en-US" sz="1000" dirty="0"/>
+          </a:p>
+        </p:txBody>
+      </p:sp>
+      <p:sp>
+        <p:nvSpPr>
+          <p:cNvPr id="24" name="Text 22"/>
+          <p:cNvSpPr/>
+          <p:nvPr/>
+        </p:nvSpPr>
+        <p:spPr>
+          <a:xfrm>
+            <a:off x="4832300" y="1380976"/>
+            <a:ext cx="3944645" cy="114300"/>
+          </a:xfrm>
+          <a:prstGeom prst="rect">
+            <a:avLst/>
+          </a:prstGeom>
+          <a:noFill/>
+          <a:ln/>
+        </p:spPr>
+        <p:txBody>
+          <a:bodyPr wrap="square" lIns="127000" tIns="0" rIns="0" bIns="0" rtlCol="0" anchor="t"/>
+          <a:lstStyle/>
+          <a:p>
+            <a:pPr algn="l" indent="0" marL="0">
+              <a:spcAft>
+                <a:spcPts val="400"/>
+              </a:spcAft>
+              <a:buNone/>
+            </a:pPr>
+            <a:r>
+              <a:rPr lang="en-US" sz="800" dirty="0">
+                <a:solidFill>
+                  <a:srgbClr val="333333"/>
+                </a:solidFill>
+                <a:latin typeface="Arial" pitchFamily="34" charset="0"/>
+                <a:ea typeface="Arial" pitchFamily="34" charset="-122"/>
+                <a:cs typeface="Arial" pitchFamily="34" charset="-120"/>
+              </a:rPr>
+              <a:t>Farm and plant visits for Maryland legislators</a:t>
+            </a:r>
+            <a:endParaRPr lang="en-US" sz="800" dirty="0"/>
+          </a:p>
+        </p:txBody>
+      </p:sp>
+      <p:sp>
+        <p:nvSpPr>
+          <p:cNvPr id="25" name="Text 23"/>
+          <p:cNvSpPr/>
+          <p:nvPr/>
+        </p:nvSpPr>
+        <p:spPr>
+          <a:xfrm>
+            <a:off x="4832300" y="1546027"/>
+            <a:ext cx="3944645" cy="114300"/>
+          </a:xfrm>
+          <a:prstGeom prst="rect">
+            <a:avLst/>
+          </a:prstGeom>
+          <a:noFill/>
+          <a:ln/>
+        </p:spPr>
+        <p:txBody>
+          <a:bodyPr wrap="square" lIns="127000" tIns="0" rIns="0" bIns="0" rtlCol="0" anchor="t"/>
+          <a:lstStyle/>
+          <a:p>
+            <a:pPr algn="l" indent="0" marL="0">
+              <a:spcAft>
+                <a:spcPts val="400"/>
+              </a:spcAft>
+              <a:buNone/>
+            </a:pPr>
+            <a:r>
+              <a:rPr lang="en-US" sz="800" dirty="0">
+                <a:solidFill>
+                  <a:srgbClr val="333333"/>
+                </a:solidFill>
+                <a:latin typeface="Arial" pitchFamily="34" charset="0"/>
+                <a:ea typeface="Arial" pitchFamily="34" charset="-122"/>
+                <a:cs typeface="Arial" pitchFamily="34" charset="-120"/>
+              </a:rPr>
+              <a:t>Potential land purchase for storage</a:t>
+            </a:r>
+            <a:endParaRPr lang="en-US" sz="800" dirty="0"/>
+          </a:p>
+        </p:txBody>
+      </p:sp>
+      <p:sp>
+        <p:nvSpPr>
+          <p:cNvPr id="26" name="Text 24"/>
+          <p:cNvSpPr/>
+          <p:nvPr/>
+        </p:nvSpPr>
+        <p:spPr>
+          <a:xfrm>
+            <a:off x="4832300" y="1711077"/>
+            <a:ext cx="3944645" cy="114300"/>
+          </a:xfrm>
+          <a:prstGeom prst="rect">
+            <a:avLst/>
+          </a:prstGeom>
+          <a:noFill/>
+          <a:ln/>
+        </p:spPr>
+        <p:txBody>
+          <a:bodyPr wrap="square" lIns="127000" tIns="0" rIns="0" bIns="0" rtlCol="0" anchor="t"/>
+          <a:lstStyle/>
+          <a:p>
+            <a:pPr algn="l" indent="0" marL="0">
+              <a:spcAft>
+                <a:spcPts val="400"/>
+              </a:spcAft>
+              <a:buNone/>
+            </a:pPr>
+            <a:r>
+              <a:rPr lang="en-US" sz="800" dirty="0">
+                <a:solidFill>
+                  <a:srgbClr val="333333"/>
+                </a:solidFill>
+                <a:latin typeface="Arial" pitchFamily="34" charset="0"/>
+                <a:ea typeface="Arial" pitchFamily="34" charset="-122"/>
+                <a:cs typeface="Arial" pitchFamily="34" charset="-120"/>
+              </a:rPr>
+              <a:t>Curing/storage pad construction at Blue Plains (ETA early 2026)</a:t>
+            </a:r>
+            <a:endParaRPr lang="en-US" sz="800" dirty="0"/>
+          </a:p>
+        </p:txBody>
+      </p:sp>
+      <p:sp>
+        <p:nvSpPr>
+          <p:cNvPr id="27" name="Text 25"/>
+          <p:cNvSpPr/>
+          <p:nvPr/>
+        </p:nvSpPr>
+        <p:spPr>
+          <a:xfrm>
+            <a:off x="4832300" y="1876127"/>
+            <a:ext cx="3944645" cy="114300"/>
+          </a:xfrm>
+          <a:prstGeom prst="rect">
+            <a:avLst/>
+          </a:prstGeom>
+          <a:noFill/>
+          <a:ln/>
+        </p:spPr>
+        <p:txBody>
+          <a:bodyPr wrap="square" lIns="127000" tIns="0" rIns="0" bIns="0" rtlCol="0" anchor="t"/>
+          <a:lstStyle/>
+          <a:p>
+            <a:pPr algn="l" indent="0" marL="0">
+              <a:spcAft>
+                <a:spcPts val="400"/>
+              </a:spcAft>
+              <a:buNone/>
+            </a:pPr>
+            <a:r>
+              <a:rPr lang="en-US" sz="800" dirty="0">
+                <a:solidFill>
+                  <a:srgbClr val="333333"/>
+                </a:solidFill>
+                <a:latin typeface="Arial" pitchFamily="34" charset="0"/>
+                <a:ea typeface="Arial" pitchFamily="34" charset="-122"/>
+                <a:cs typeface="Arial" pitchFamily="34" charset="-120"/>
+              </a:rPr>
+              <a:t>Bloom 10th Birthday planning (2026)</a:t>
+            </a:r>
+            <a:endParaRPr lang="en-US" sz="800" dirty="0"/>
+          </a:p>
+        </p:txBody>
+      </p:sp>
+      <p:sp>
+        <p:nvSpPr>
+          <p:cNvPr id="28" name="Text 26"/>
+          <p:cNvSpPr/>
+          <p:nvPr/>
+        </p:nvSpPr>
+        <p:spPr>
+          <a:xfrm>
+            <a:off x="4667250" y="2320528"/>
+            <a:ext cx="4242486" cy="152400"/>
+          </a:xfrm>
+          <a:prstGeom prst="rect">
+            <a:avLst/>
+          </a:prstGeom>
+          <a:noFill/>
+          <a:ln/>
+        </p:spPr>
+        <p:txBody>
+          <a:bodyPr wrap="square" lIns="0" tIns="0" rIns="0" bIns="0" rtlCol="0" anchor="t"/>
+          <a:lstStyle/>
+          <a:p>
+            <a:pPr algn="l" indent="0" marL="0">
+              <a:spcBef>
+                <a:spcPts val="1200"/>
+              </a:spcBef>
+              <a:spcAft>
+                <a:spcPts val="800"/>
+              </a:spcAft>
+              <a:buNone/>
+            </a:pPr>
+            <a:r>
+              <a:rPr lang="en-US" sz="1100" b="1" dirty="0">
+                <a:solidFill>
+                  <a:srgbClr val="1C4587"/>
+                </a:solidFill>
+                <a:latin typeface="Arial" pitchFamily="34" charset="0"/>
+                <a:ea typeface="Arial" pitchFamily="34" charset="-122"/>
+                <a:cs typeface="Arial" pitchFamily="34" charset="-120"/>
+              </a:rPr>
+              <a:t>Operational Updates</a:t>
+            </a:r>
+            <a:endParaRPr lang="en-US" sz="1100" dirty="0"/>
+          </a:p>
+        </p:txBody>
+      </p:sp>
+      <p:sp>
+        <p:nvSpPr>
+          <p:cNvPr id="29" name="Text 27"/>
+          <p:cNvSpPr/>
+          <p:nvPr/>
+        </p:nvSpPr>
+        <p:spPr>
+          <a:xfrm>
+            <a:off x="4667250" y="2574429"/>
+            <a:ext cx="4159300" cy="733276"/>
+          </a:xfrm>
+          <a:prstGeom prst="roundRect">
+            <a:avLst>
+              <a:gd name="adj" fmla="val 6928"/>
+            </a:avLst>
+          </a:prstGeom>
+          <a:solidFill>
+            <a:srgbClr val="F8F9FA"/>
+          </a:solidFill>
+          <a:ln/>
+        </p:spPr>
+        <p:txBody>
+          <a:bodyPr wrap="square" rtlCol="0" anchor="ctr"/>
+          <a:lstStyle/>
+          <a:p>
+            <a:pPr indent="0" marL="0">
+              <a:buNone/>
+            </a:pPr>
+            <a:endParaRPr lang="en-US" dirty="0"/>
+          </a:p>
+        </p:txBody>
+      </p:sp>
+      <p:sp>
+        <p:nvSpPr>
+          <p:cNvPr id="30" name="Shape 28"/>
+          <p:cNvSpPr/>
+          <p:nvPr/>
+        </p:nvSpPr>
+        <p:spPr>
+          <a:xfrm>
+            <a:off x="4686300" y="2574429"/>
+            <a:ext cx="0" cy="733276"/>
+          </a:xfrm>
+          <a:prstGeom prst="line">
+            <a:avLst/>
+          </a:prstGeom>
+          <a:noFill/>
+          <a:ln w="38100">
+            <a:solidFill>
+              <a:srgbClr val="058DC7"/>
+            </a:solidFill>
+            <a:prstDash val="solid"/>
+          </a:ln>
+        </p:spPr>
+      </p:sp>
+      <p:sp>
+        <p:nvSpPr>
+          <p:cNvPr id="31" name="Text 29"/>
+          <p:cNvSpPr/>
+          <p:nvPr/>
+        </p:nvSpPr>
+        <p:spPr>
+          <a:xfrm>
+            <a:off x="4832300" y="2701379"/>
+            <a:ext cx="3944645" cy="142875"/>
+          </a:xfrm>
+          <a:prstGeom prst="rect">
+            <a:avLst/>
+          </a:prstGeom>
+          <a:noFill/>
+          <a:ln/>
+        </p:spPr>
+        <p:txBody>
+          <a:bodyPr wrap="square" lIns="0" tIns="0" rIns="0" bIns="0" rtlCol="0" anchor="t"/>
+          <a:lstStyle/>
+          <a:p>
+            <a:pPr algn="l" indent="0" marL="0">
+              <a:spcAft>
+                <a:spcPts val="400"/>
+              </a:spcAft>
+              <a:buNone/>
+            </a:pPr>
+            <a:r>
+              <a:rPr lang="en-US" sz="1000" b="1" dirty="0">
+                <a:solidFill>
+                  <a:srgbClr val="1C4587"/>
+                </a:solidFill>
+                <a:latin typeface="Arial" pitchFamily="34" charset="0"/>
+                <a:ea typeface="Arial" pitchFamily="34" charset="-122"/>
+                <a:cs typeface="Arial" pitchFamily="34" charset="-120"/>
+              </a:rPr>
+              <a:t>Land Search Status</a:t>
+            </a:r>
+            <a:endParaRPr lang="en-US" sz="1000" dirty="0"/>
+          </a:p>
+        </p:txBody>
+      </p:sp>
+      <p:sp>
+        <p:nvSpPr>
+          <p:cNvPr id="32" name="Text 30"/>
+          <p:cNvSpPr/>
+          <p:nvPr/>
+        </p:nvSpPr>
+        <p:spPr>
+          <a:xfrm>
+            <a:off x="4832300" y="2895005"/>
+            <a:ext cx="3944645" cy="133350"/>
+          </a:xfrm>
+          <a:prstGeom prst="rect">
+            <a:avLst/>
+          </a:prstGeom>
+          <a:noFill/>
+          <a:ln/>
+        </p:spPr>
+        <p:txBody>
+          <a:bodyPr wrap="square" lIns="0" tIns="0" rIns="0" bIns="0" rtlCol="0" anchor="t"/>
+          <a:lstStyle/>
+          <a:p>
+            <a:pPr algn="l" indent="0" marL="0">
+              <a:spcAft>
+                <a:spcPts val="300"/>
+              </a:spcAft>
+              <a:buNone/>
+            </a:pPr>
+            <a:r>
+              <a:rPr lang="en-US" sz="900" dirty="0">
+                <a:solidFill>
+                  <a:srgbClr val="333333"/>
+                </a:solidFill>
+                <a:latin typeface="Arial" pitchFamily="34" charset="0"/>
+                <a:ea typeface="Arial" pitchFamily="34" charset="-122"/>
+                <a:cs typeface="Arial" pitchFamily="34" charset="-120"/>
+              </a:rPr>
+              <a:t>Actively pursuing storage land acquisition</a:t>
+            </a:r>
+            <a:endParaRPr lang="en-US" sz="900" dirty="0"/>
+          </a:p>
+        </p:txBody>
+      </p:sp>
+      <p:sp>
+        <p:nvSpPr>
+          <p:cNvPr id="33" name="Text 31"/>
+          <p:cNvSpPr/>
+          <p:nvPr/>
+        </p:nvSpPr>
+        <p:spPr>
+          <a:xfrm>
+            <a:off x="4832300" y="3066455"/>
+            <a:ext cx="3944645" cy="114300"/>
+          </a:xfrm>
+          <a:prstGeom prst="rect">
+            <a:avLst/>
+          </a:prstGeom>
+          <a:noFill/>
+          <a:ln/>
+        </p:spPr>
+        <p:txBody>
+          <a:bodyPr wrap="square" lIns="0" tIns="0" rIns="0" bIns="0" rtlCol="0" anchor="t"/>
+          <a:lstStyle/>
+          <a:p>
+            <a:pPr algn="l" indent="0" marL="0">
+              <a:buNone/>
+            </a:pPr>
+            <a:r>
+              <a:rPr lang="en-US" sz="800" b="1" dirty="0">
+                <a:solidFill>
+                  <a:srgbClr val="058DC7"/>
+                </a:solidFill>
+                <a:latin typeface="Arial" pitchFamily="34" charset="0"/>
+                <a:ea typeface="Arial" pitchFamily="34" charset="-122"/>
+                <a:cs typeface="Arial" pitchFamily="34" charset="-120"/>
+              </a:rPr>
+              <a:t>Critical for scaling operations</a:t>
+            </a:r>
+            <a:endParaRPr lang="en-US" sz="800" dirty="0"/>
+          </a:p>
+        </p:txBody>
+      </p:sp>
     </p:spTree>
   </p:cSld>
   <p:clrMapOvr>
